--- a/演示文稿1.pptx
+++ b/演示文稿1.pptx
@@ -13,10 +13,9 @@
     <p:sldId id="266" r:id="rId7"/>
     <p:sldId id="268" r:id="rId8"/>
     <p:sldId id="267" r:id="rId9"/>
-    <p:sldId id="257" r:id="rId10"/>
-    <p:sldId id="258" r:id="rId11"/>
-    <p:sldId id="259" r:id="rId12"/>
-    <p:sldId id="265" r:id="rId13"/>
+    <p:sldId id="269" r:id="rId10"/>
+    <p:sldId id="259" r:id="rId11"/>
+    <p:sldId id="265" r:id="rId12"/>
   </p:sldIdLst>
   <p:sldSz cx="12192000" cy="6858000"/>
   <p:notesSz cx="6858000" cy="9144000"/>
@@ -2376,1500 +2375,6 @@
 </file>
 
 <file path=ppt/diagrams/colors4.xml><?xml version="1.0" encoding="utf-8"?>
-<dgm:colorsDef xmlns:dgm="http://schemas.openxmlformats.org/drawingml/2006/diagram" xmlns:a="http://schemas.openxmlformats.org/drawingml/2006/main" uniqueId="urn:microsoft.com/office/officeart/2005/8/colors/accent1_2">
-  <dgm:title val=""/>
-  <dgm:desc val=""/>
-  <dgm:catLst>
-    <dgm:cat type="accent1" pri="11200"/>
-  </dgm:catLst>
-  <dgm:styleLbl name="node0">
-    <dgm:fillClrLst meth="repeat">
-      <a:schemeClr val="accent1"/>
-    </dgm:fillClrLst>
-    <dgm:linClrLst meth="repeat">
-      <a:schemeClr val="lt1"/>
-    </dgm:linClrLst>
-    <dgm:effectClrLst/>
-    <dgm:txLinClrLst/>
-    <dgm:txFillClrLst/>
-    <dgm:txEffectClrLst/>
-  </dgm:styleLbl>
-  <dgm:styleLbl name="alignNode1">
-    <dgm:fillClrLst meth="repeat">
-      <a:schemeClr val="accent1"/>
-    </dgm:fillClrLst>
-    <dgm:linClrLst meth="repeat">
-      <a:schemeClr val="accent1"/>
-    </dgm:linClrLst>
-    <dgm:effectClrLst/>
-    <dgm:txLinClrLst/>
-    <dgm:txFillClrLst/>
-    <dgm:txEffectClrLst/>
-  </dgm:styleLbl>
-  <dgm:styleLbl name="node1">
-    <dgm:fillClrLst meth="repeat">
-      <a:schemeClr val="accent1"/>
-    </dgm:fillClrLst>
-    <dgm:linClrLst meth="repeat">
-      <a:schemeClr val="lt1"/>
-    </dgm:linClrLst>
-    <dgm:effectClrLst/>
-    <dgm:txLinClrLst/>
-    <dgm:txFillClrLst/>
-    <dgm:txEffectClrLst/>
-  </dgm:styleLbl>
-  <dgm:styleLbl name="lnNode1">
-    <dgm:fillClrLst meth="repeat">
-      <a:schemeClr val="accent1"/>
-    </dgm:fillClrLst>
-    <dgm:linClrLst meth="repeat">
-      <a:schemeClr val="lt1"/>
-    </dgm:linClrLst>
-    <dgm:effectClrLst/>
-    <dgm:txLinClrLst/>
-    <dgm:txFillClrLst/>
-    <dgm:txEffectClrLst/>
-  </dgm:styleLbl>
-  <dgm:styleLbl name="vennNode1">
-    <dgm:fillClrLst meth="repeat">
-      <a:schemeClr val="accent1">
-        <a:alpha val="50000"/>
-      </a:schemeClr>
-    </dgm:fillClrLst>
-    <dgm:linClrLst meth="repeat">
-      <a:schemeClr val="lt1"/>
-    </dgm:linClrLst>
-    <dgm:effectClrLst/>
-    <dgm:txLinClrLst/>
-    <dgm:txFillClrLst/>
-    <dgm:txEffectClrLst/>
-  </dgm:styleLbl>
-  <dgm:styleLbl name="node2">
-    <dgm:fillClrLst meth="repeat">
-      <a:schemeClr val="accent1"/>
-    </dgm:fillClrLst>
-    <dgm:linClrLst meth="repeat">
-      <a:schemeClr val="lt1"/>
-    </dgm:linClrLst>
-    <dgm:effectClrLst/>
-    <dgm:txLinClrLst/>
-    <dgm:txFillClrLst/>
-    <dgm:txEffectClrLst/>
-  </dgm:styleLbl>
-  <dgm:styleLbl name="node3">
-    <dgm:fillClrLst meth="repeat">
-      <a:schemeClr val="accent1"/>
-    </dgm:fillClrLst>
-    <dgm:linClrLst meth="repeat">
-      <a:schemeClr val="lt1"/>
-    </dgm:linClrLst>
-    <dgm:effectClrLst/>
-    <dgm:txLinClrLst/>
-    <dgm:txFillClrLst/>
-    <dgm:txEffectClrLst/>
-  </dgm:styleLbl>
-  <dgm:styleLbl name="node4">
-    <dgm:fillClrLst meth="repeat">
-      <a:schemeClr val="accent1"/>
-    </dgm:fillClrLst>
-    <dgm:linClrLst meth="repeat">
-      <a:schemeClr val="lt1"/>
-    </dgm:linClrLst>
-    <dgm:effectClrLst/>
-    <dgm:txLinClrLst/>
-    <dgm:txFillClrLst/>
-    <dgm:txEffectClrLst/>
-  </dgm:styleLbl>
-  <dgm:styleLbl name="fgImgPlace1">
-    <dgm:fillClrLst meth="repeat">
-      <a:schemeClr val="accent1">
-        <a:tint val="50000"/>
-      </a:schemeClr>
-    </dgm:fillClrLst>
-    <dgm:linClrLst meth="repeat">
-      <a:schemeClr val="lt1"/>
-    </dgm:linClrLst>
-    <dgm:effectClrLst/>
-    <dgm:txLinClrLst/>
-    <dgm:txFillClrLst meth="repeat">
-      <a:schemeClr val="lt1"/>
-    </dgm:txFillClrLst>
-    <dgm:txEffectClrLst/>
-  </dgm:styleLbl>
-  <dgm:styleLbl name="alignImgPlace1">
-    <dgm:fillClrLst meth="repeat">
-      <a:schemeClr val="accent1">
-        <a:tint val="50000"/>
-      </a:schemeClr>
-    </dgm:fillClrLst>
-    <dgm:linClrLst meth="repeat">
-      <a:schemeClr val="lt1"/>
-    </dgm:linClrLst>
-    <dgm:effectClrLst/>
-    <dgm:txLinClrLst/>
-    <dgm:txFillClrLst meth="repeat">
-      <a:schemeClr val="lt1"/>
-    </dgm:txFillClrLst>
-    <dgm:txEffectClrLst/>
-  </dgm:styleLbl>
-  <dgm:styleLbl name="bgImgPlace1">
-    <dgm:fillClrLst meth="repeat">
-      <a:schemeClr val="accent1">
-        <a:tint val="50000"/>
-      </a:schemeClr>
-    </dgm:fillClrLst>
-    <dgm:linClrLst meth="repeat">
-      <a:schemeClr val="lt1"/>
-    </dgm:linClrLst>
-    <dgm:effectClrLst/>
-    <dgm:txLinClrLst/>
-    <dgm:txFillClrLst meth="repeat">
-      <a:schemeClr val="lt1"/>
-    </dgm:txFillClrLst>
-    <dgm:txEffectClrLst/>
-  </dgm:styleLbl>
-  <dgm:styleLbl name="sibTrans2D1">
-    <dgm:fillClrLst meth="repeat">
-      <a:schemeClr val="accent1">
-        <a:tint val="60000"/>
-      </a:schemeClr>
-    </dgm:fillClrLst>
-    <dgm:linClrLst meth="repeat">
-      <a:schemeClr val="accent1">
-        <a:tint val="60000"/>
-      </a:schemeClr>
-    </dgm:linClrLst>
-    <dgm:effectClrLst/>
-    <dgm:txLinClrLst/>
-    <dgm:txFillClrLst/>
-    <dgm:txEffectClrLst/>
-  </dgm:styleLbl>
-  <dgm:styleLbl name="fgSibTrans2D1">
-    <dgm:fillClrLst meth="repeat">
-      <a:schemeClr val="accent1">
-        <a:tint val="60000"/>
-      </a:schemeClr>
-    </dgm:fillClrLst>
-    <dgm:linClrLst meth="repeat">
-      <a:schemeClr val="accent1">
-        <a:tint val="60000"/>
-      </a:schemeClr>
-    </dgm:linClrLst>
-    <dgm:effectClrLst/>
-    <dgm:txLinClrLst/>
-    <dgm:txFillClrLst/>
-    <dgm:txEffectClrLst/>
-  </dgm:styleLbl>
-  <dgm:styleLbl name="bgSibTrans2D1">
-    <dgm:fillClrLst meth="repeat">
-      <a:schemeClr val="accent1">
-        <a:tint val="60000"/>
-      </a:schemeClr>
-    </dgm:fillClrLst>
-    <dgm:linClrLst meth="repeat">
-      <a:schemeClr val="accent1">
-        <a:tint val="60000"/>
-      </a:schemeClr>
-    </dgm:linClrLst>
-    <dgm:effectClrLst/>
-    <dgm:txLinClrLst/>
-    <dgm:txFillClrLst/>
-    <dgm:txEffectClrLst/>
-  </dgm:styleLbl>
-  <dgm:styleLbl name="sibTrans1D1">
-    <dgm:fillClrLst meth="repeat">
-      <a:schemeClr val="accent1"/>
-    </dgm:fillClrLst>
-    <dgm:linClrLst meth="repeat">
-      <a:schemeClr val="accent1"/>
-    </dgm:linClrLst>
-    <dgm:effectClrLst/>
-    <dgm:txLinClrLst/>
-    <dgm:txFillClrLst meth="repeat">
-      <a:schemeClr val="tx1"/>
-    </dgm:txFillClrLst>
-    <dgm:txEffectClrLst/>
-  </dgm:styleLbl>
-  <dgm:styleLbl name="callout">
-    <dgm:fillClrLst meth="repeat">
-      <a:schemeClr val="accent1"/>
-    </dgm:fillClrLst>
-    <dgm:linClrLst meth="repeat">
-      <a:schemeClr val="accent1">
-        <a:tint val="50000"/>
-      </a:schemeClr>
-    </dgm:linClrLst>
-    <dgm:effectClrLst/>
-    <dgm:txLinClrLst/>
-    <dgm:txFillClrLst meth="repeat">
-      <a:schemeClr val="tx1"/>
-    </dgm:txFillClrLst>
-    <dgm:txEffectClrLst/>
-  </dgm:styleLbl>
-  <dgm:styleLbl name="asst0">
-    <dgm:fillClrLst meth="repeat">
-      <a:schemeClr val="accent1"/>
-    </dgm:fillClrLst>
-    <dgm:linClrLst meth="repeat">
-      <a:schemeClr val="lt1"/>
-    </dgm:linClrLst>
-    <dgm:effectClrLst/>
-    <dgm:txLinClrLst/>
-    <dgm:txFillClrLst/>
-    <dgm:txEffectClrLst/>
-  </dgm:styleLbl>
-  <dgm:styleLbl name="asst1">
-    <dgm:fillClrLst meth="repeat">
-      <a:schemeClr val="accent1"/>
-    </dgm:fillClrLst>
-    <dgm:linClrLst meth="repeat">
-      <a:schemeClr val="lt1"/>
-    </dgm:linClrLst>
-    <dgm:effectClrLst/>
-    <dgm:txLinClrLst/>
-    <dgm:txFillClrLst/>
-    <dgm:txEffectClrLst/>
-  </dgm:styleLbl>
-  <dgm:styleLbl name="asst2">
-    <dgm:fillClrLst meth="repeat">
-      <a:schemeClr val="accent1"/>
-    </dgm:fillClrLst>
-    <dgm:linClrLst meth="repeat">
-      <a:schemeClr val="lt1"/>
-    </dgm:linClrLst>
-    <dgm:effectClrLst/>
-    <dgm:txLinClrLst/>
-    <dgm:txFillClrLst/>
-    <dgm:txEffectClrLst/>
-  </dgm:styleLbl>
-  <dgm:styleLbl name="asst3">
-    <dgm:fillClrLst meth="repeat">
-      <a:schemeClr val="accent1"/>
-    </dgm:fillClrLst>
-    <dgm:linClrLst meth="repeat">
-      <a:schemeClr val="lt1"/>
-    </dgm:linClrLst>
-    <dgm:effectClrLst/>
-    <dgm:txLinClrLst/>
-    <dgm:txFillClrLst/>
-    <dgm:txEffectClrLst/>
-  </dgm:styleLbl>
-  <dgm:styleLbl name="asst4">
-    <dgm:fillClrLst meth="repeat">
-      <a:schemeClr val="accent1"/>
-    </dgm:fillClrLst>
-    <dgm:linClrLst meth="repeat">
-      <a:schemeClr val="lt1"/>
-    </dgm:linClrLst>
-    <dgm:effectClrLst/>
-    <dgm:txLinClrLst/>
-    <dgm:txFillClrLst/>
-    <dgm:txEffectClrLst/>
-  </dgm:styleLbl>
-  <dgm:styleLbl name="parChTrans2D1">
-    <dgm:fillClrLst meth="repeat">
-      <a:schemeClr val="accent1">
-        <a:tint val="60000"/>
-      </a:schemeClr>
-    </dgm:fillClrLst>
-    <dgm:linClrLst meth="repeat">
-      <a:schemeClr val="accent1">
-        <a:tint val="60000"/>
-      </a:schemeClr>
-    </dgm:linClrLst>
-    <dgm:effectClrLst/>
-    <dgm:txLinClrLst/>
-    <dgm:txFillClrLst meth="repeat">
-      <a:schemeClr val="lt1"/>
-    </dgm:txFillClrLst>
-    <dgm:txEffectClrLst/>
-  </dgm:styleLbl>
-  <dgm:styleLbl name="parChTrans2D2">
-    <dgm:fillClrLst meth="repeat">
-      <a:schemeClr val="accent1"/>
-    </dgm:fillClrLst>
-    <dgm:linClrLst meth="repeat">
-      <a:schemeClr val="accent1"/>
-    </dgm:linClrLst>
-    <dgm:effectClrLst/>
-    <dgm:txLinClrLst/>
-    <dgm:txFillClrLst meth="repeat">
-      <a:schemeClr val="lt1"/>
-    </dgm:txFillClrLst>
-    <dgm:txEffectClrLst/>
-  </dgm:styleLbl>
-  <dgm:styleLbl name="parChTrans2D3">
-    <dgm:fillClrLst meth="repeat">
-      <a:schemeClr val="accent1"/>
-    </dgm:fillClrLst>
-    <dgm:linClrLst meth="repeat">
-      <a:schemeClr val="accent1"/>
-    </dgm:linClrLst>
-    <dgm:effectClrLst/>
-    <dgm:txLinClrLst/>
-    <dgm:txFillClrLst meth="repeat">
-      <a:schemeClr val="lt1"/>
-    </dgm:txFillClrLst>
-    <dgm:txEffectClrLst/>
-  </dgm:styleLbl>
-  <dgm:styleLbl name="parChTrans2D4">
-    <dgm:fillClrLst meth="repeat">
-      <a:schemeClr val="accent1"/>
-    </dgm:fillClrLst>
-    <dgm:linClrLst meth="repeat">
-      <a:schemeClr val="accent1"/>
-    </dgm:linClrLst>
-    <dgm:effectClrLst/>
-    <dgm:txLinClrLst/>
-    <dgm:txFillClrLst meth="repeat">
-      <a:schemeClr val="lt1"/>
-    </dgm:txFillClrLst>
-    <dgm:txEffectClrLst/>
-  </dgm:styleLbl>
-  <dgm:styleLbl name="parChTrans1D1">
-    <dgm:fillClrLst meth="repeat">
-      <a:schemeClr val="accent1"/>
-    </dgm:fillClrLst>
-    <dgm:linClrLst meth="repeat">
-      <a:schemeClr val="accent1">
-        <a:shade val="60000"/>
-      </a:schemeClr>
-    </dgm:linClrLst>
-    <dgm:effectClrLst/>
-    <dgm:txLinClrLst/>
-    <dgm:txFillClrLst meth="repeat">
-      <a:schemeClr val="tx1"/>
-    </dgm:txFillClrLst>
-    <dgm:txEffectClrLst/>
-  </dgm:styleLbl>
-  <dgm:styleLbl name="parChTrans1D2">
-    <dgm:fillClrLst meth="repeat">
-      <a:schemeClr val="accent1"/>
-    </dgm:fillClrLst>
-    <dgm:linClrLst meth="repeat">
-      <a:schemeClr val="accent1">
-        <a:shade val="60000"/>
-      </a:schemeClr>
-    </dgm:linClrLst>
-    <dgm:effectClrLst/>
-    <dgm:txLinClrLst/>
-    <dgm:txFillClrLst meth="repeat">
-      <a:schemeClr val="tx1"/>
-    </dgm:txFillClrLst>
-    <dgm:txEffectClrLst/>
-  </dgm:styleLbl>
-  <dgm:styleLbl name="parChTrans1D3">
-    <dgm:fillClrLst meth="repeat">
-      <a:schemeClr val="accent1"/>
-    </dgm:fillClrLst>
-    <dgm:linClrLst meth="repeat">
-      <a:schemeClr val="accent1">
-        <a:shade val="80000"/>
-      </a:schemeClr>
-    </dgm:linClrLst>
-    <dgm:effectClrLst/>
-    <dgm:txLinClrLst/>
-    <dgm:txFillClrLst meth="repeat">
-      <a:schemeClr val="tx1"/>
-    </dgm:txFillClrLst>
-    <dgm:txEffectClrLst/>
-  </dgm:styleLbl>
-  <dgm:styleLbl name="parChTrans1D4">
-    <dgm:fillClrLst meth="repeat">
-      <a:schemeClr val="accent1"/>
-    </dgm:fillClrLst>
-    <dgm:linClrLst meth="repeat">
-      <a:schemeClr val="accent1">
-        <a:shade val="80000"/>
-      </a:schemeClr>
-    </dgm:linClrLst>
-    <dgm:effectClrLst/>
-    <dgm:txLinClrLst/>
-    <dgm:txFillClrLst meth="repeat">
-      <a:schemeClr val="tx1"/>
-    </dgm:txFillClrLst>
-    <dgm:txEffectClrLst/>
-  </dgm:styleLbl>
-  <dgm:styleLbl name="fgAcc1">
-    <dgm:fillClrLst meth="repeat">
-      <a:schemeClr val="lt1">
-        <a:alpha val="90000"/>
-      </a:schemeClr>
-    </dgm:fillClrLst>
-    <dgm:linClrLst meth="repeat">
-      <a:schemeClr val="accent1"/>
-    </dgm:linClrLst>
-    <dgm:effectClrLst/>
-    <dgm:txLinClrLst/>
-    <dgm:txFillClrLst meth="repeat">
-      <a:schemeClr val="dk1"/>
-    </dgm:txFillClrLst>
-    <dgm:txEffectClrLst/>
-  </dgm:styleLbl>
-  <dgm:styleLbl name="conFgAcc1">
-    <dgm:fillClrLst meth="repeat">
-      <a:schemeClr val="lt1">
-        <a:alpha val="90000"/>
-      </a:schemeClr>
-    </dgm:fillClrLst>
-    <dgm:linClrLst meth="repeat">
-      <a:schemeClr val="accent1"/>
-    </dgm:linClrLst>
-    <dgm:effectClrLst/>
-    <dgm:txLinClrLst/>
-    <dgm:txFillClrLst meth="repeat">
-      <a:schemeClr val="dk1"/>
-    </dgm:txFillClrLst>
-    <dgm:txEffectClrLst/>
-  </dgm:styleLbl>
-  <dgm:styleLbl name="alignAcc1">
-    <dgm:fillClrLst meth="repeat">
-      <a:schemeClr val="lt1">
-        <a:alpha val="90000"/>
-      </a:schemeClr>
-    </dgm:fillClrLst>
-    <dgm:linClrLst meth="repeat">
-      <a:schemeClr val="accent1"/>
-    </dgm:linClrLst>
-    <dgm:effectClrLst/>
-    <dgm:txLinClrLst/>
-    <dgm:txFillClrLst meth="repeat">
-      <a:schemeClr val="dk1"/>
-    </dgm:txFillClrLst>
-    <dgm:txEffectClrLst/>
-  </dgm:styleLbl>
-  <dgm:styleLbl name="trAlignAcc1">
-    <dgm:fillClrLst meth="repeat">
-      <a:schemeClr val="lt1">
-        <a:alpha val="40000"/>
-      </a:schemeClr>
-    </dgm:fillClrLst>
-    <dgm:linClrLst meth="repeat">
-      <a:schemeClr val="accent1"/>
-    </dgm:linClrLst>
-    <dgm:effectClrLst/>
-    <dgm:txLinClrLst/>
-    <dgm:txFillClrLst meth="repeat">
-      <a:schemeClr val="dk1"/>
-    </dgm:txFillClrLst>
-    <dgm:txEffectClrLst/>
-  </dgm:styleLbl>
-  <dgm:styleLbl name="bgAcc1">
-    <dgm:fillClrLst meth="repeat">
-      <a:schemeClr val="lt1">
-        <a:alpha val="90000"/>
-      </a:schemeClr>
-    </dgm:fillClrLst>
-    <dgm:linClrLst meth="repeat">
-      <a:schemeClr val="accent1"/>
-    </dgm:linClrLst>
-    <dgm:effectClrLst/>
-    <dgm:txLinClrLst/>
-    <dgm:txFillClrLst meth="repeat">
-      <a:schemeClr val="dk1"/>
-    </dgm:txFillClrLst>
-    <dgm:txEffectClrLst/>
-  </dgm:styleLbl>
-  <dgm:styleLbl name="solidFgAcc1">
-    <dgm:fillClrLst meth="repeat">
-      <a:schemeClr val="lt1"/>
-    </dgm:fillClrLst>
-    <dgm:linClrLst meth="repeat">
-      <a:schemeClr val="accent1"/>
-    </dgm:linClrLst>
-    <dgm:effectClrLst/>
-    <dgm:txLinClrLst/>
-    <dgm:txFillClrLst meth="repeat">
-      <a:schemeClr val="dk1"/>
-    </dgm:txFillClrLst>
-    <dgm:txEffectClrLst/>
-  </dgm:styleLbl>
-  <dgm:styleLbl name="solidAlignAcc1">
-    <dgm:fillClrLst meth="repeat">
-      <a:schemeClr val="lt1"/>
-    </dgm:fillClrLst>
-    <dgm:linClrLst meth="repeat">
-      <a:schemeClr val="accent1"/>
-    </dgm:linClrLst>
-    <dgm:effectClrLst/>
-    <dgm:txLinClrLst/>
-    <dgm:txFillClrLst meth="repeat">
-      <a:schemeClr val="dk1"/>
-    </dgm:txFillClrLst>
-    <dgm:txEffectClrLst/>
-  </dgm:styleLbl>
-  <dgm:styleLbl name="solidBgAcc1">
-    <dgm:fillClrLst meth="repeat">
-      <a:schemeClr val="lt1"/>
-    </dgm:fillClrLst>
-    <dgm:linClrLst meth="repeat">
-      <a:schemeClr val="accent1"/>
-    </dgm:linClrLst>
-    <dgm:effectClrLst/>
-    <dgm:txLinClrLst/>
-    <dgm:txFillClrLst meth="repeat">
-      <a:schemeClr val="dk1"/>
-    </dgm:txFillClrLst>
-    <dgm:txEffectClrLst/>
-  </dgm:styleLbl>
-  <dgm:styleLbl name="fgAccFollowNode1">
-    <dgm:fillClrLst meth="repeat">
-      <a:schemeClr val="accent1">
-        <a:alpha val="90000"/>
-        <a:tint val="40000"/>
-      </a:schemeClr>
-    </dgm:fillClrLst>
-    <dgm:linClrLst meth="repeat">
-      <a:schemeClr val="accent1">
-        <a:alpha val="90000"/>
-        <a:tint val="40000"/>
-      </a:schemeClr>
-    </dgm:linClrLst>
-    <dgm:effectClrLst/>
-    <dgm:txLinClrLst/>
-    <dgm:txFillClrLst meth="repeat">
-      <a:schemeClr val="dk1"/>
-    </dgm:txFillClrLst>
-    <dgm:txEffectClrLst/>
-  </dgm:styleLbl>
-  <dgm:styleLbl name="alignAccFollowNode1">
-    <dgm:fillClrLst meth="repeat">
-      <a:schemeClr val="accent1">
-        <a:alpha val="90000"/>
-        <a:tint val="40000"/>
-      </a:schemeClr>
-    </dgm:fillClrLst>
-    <dgm:linClrLst meth="repeat">
-      <a:schemeClr val="accent1">
-        <a:alpha val="90000"/>
-        <a:tint val="40000"/>
-      </a:schemeClr>
-    </dgm:linClrLst>
-    <dgm:effectClrLst/>
-    <dgm:txLinClrLst/>
-    <dgm:txFillClrLst meth="repeat">
-      <a:schemeClr val="dk1"/>
-    </dgm:txFillClrLst>
-    <dgm:txEffectClrLst/>
-  </dgm:styleLbl>
-  <dgm:styleLbl name="bgAccFollowNode1">
-    <dgm:fillClrLst meth="repeat">
-      <a:schemeClr val="accent1">
-        <a:alpha val="90000"/>
-        <a:tint val="40000"/>
-      </a:schemeClr>
-    </dgm:fillClrLst>
-    <dgm:linClrLst meth="repeat">
-      <a:schemeClr val="accent1">
-        <a:alpha val="90000"/>
-        <a:tint val="40000"/>
-      </a:schemeClr>
-    </dgm:linClrLst>
-    <dgm:effectClrLst/>
-    <dgm:txLinClrLst/>
-    <dgm:txFillClrLst meth="repeat">
-      <a:schemeClr val="dk1"/>
-    </dgm:txFillClrLst>
-    <dgm:txEffectClrLst/>
-  </dgm:styleLbl>
-  <dgm:styleLbl name="fgAcc0">
-    <dgm:fillClrLst meth="repeat">
-      <a:schemeClr val="lt1">
-        <a:alpha val="90000"/>
-      </a:schemeClr>
-    </dgm:fillClrLst>
-    <dgm:linClrLst meth="repeat">
-      <a:schemeClr val="accent1"/>
-    </dgm:linClrLst>
-    <dgm:effectClrLst/>
-    <dgm:txLinClrLst/>
-    <dgm:txFillClrLst meth="repeat">
-      <a:schemeClr val="dk1"/>
-    </dgm:txFillClrLst>
-    <dgm:txEffectClrLst/>
-  </dgm:styleLbl>
-  <dgm:styleLbl name="fgAcc2">
-    <dgm:fillClrLst meth="repeat">
-      <a:schemeClr val="lt1">
-        <a:alpha val="90000"/>
-      </a:schemeClr>
-    </dgm:fillClrLst>
-    <dgm:linClrLst meth="repeat">
-      <a:schemeClr val="accent1"/>
-    </dgm:linClrLst>
-    <dgm:effectClrLst/>
-    <dgm:txLinClrLst/>
-    <dgm:txFillClrLst meth="repeat">
-      <a:schemeClr val="dk1"/>
-    </dgm:txFillClrLst>
-    <dgm:txEffectClrLst/>
-  </dgm:styleLbl>
-  <dgm:styleLbl name="fgAcc3">
-    <dgm:fillClrLst meth="repeat">
-      <a:schemeClr val="lt1">
-        <a:alpha val="90000"/>
-      </a:schemeClr>
-    </dgm:fillClrLst>
-    <dgm:linClrLst meth="repeat">
-      <a:schemeClr val="accent1"/>
-    </dgm:linClrLst>
-    <dgm:effectClrLst/>
-    <dgm:txLinClrLst/>
-    <dgm:txFillClrLst meth="repeat">
-      <a:schemeClr val="dk1"/>
-    </dgm:txFillClrLst>
-    <dgm:txEffectClrLst/>
-  </dgm:styleLbl>
-  <dgm:styleLbl name="fgAcc4">
-    <dgm:fillClrLst meth="repeat">
-      <a:schemeClr val="lt1">
-        <a:alpha val="90000"/>
-      </a:schemeClr>
-    </dgm:fillClrLst>
-    <dgm:linClrLst meth="repeat">
-      <a:schemeClr val="accent1"/>
-    </dgm:linClrLst>
-    <dgm:effectClrLst/>
-    <dgm:txLinClrLst/>
-    <dgm:txFillClrLst meth="repeat">
-      <a:schemeClr val="dk1"/>
-    </dgm:txFillClrLst>
-    <dgm:txEffectClrLst/>
-  </dgm:styleLbl>
-  <dgm:styleLbl name="bgShp">
-    <dgm:fillClrLst meth="repeat">
-      <a:schemeClr val="accent1">
-        <a:tint val="40000"/>
-      </a:schemeClr>
-    </dgm:fillClrLst>
-    <dgm:linClrLst meth="repeat">
-      <a:schemeClr val="accent1"/>
-    </dgm:linClrLst>
-    <dgm:effectClrLst/>
-    <dgm:txLinClrLst/>
-    <dgm:txFillClrLst meth="repeat">
-      <a:schemeClr val="dk1"/>
-    </dgm:txFillClrLst>
-    <dgm:txEffectClrLst/>
-  </dgm:styleLbl>
-  <dgm:styleLbl name="dkBgShp">
-    <dgm:fillClrLst meth="repeat">
-      <a:schemeClr val="accent1">
-        <a:shade val="80000"/>
-      </a:schemeClr>
-    </dgm:fillClrLst>
-    <dgm:linClrLst meth="repeat">
-      <a:schemeClr val="accent1"/>
-    </dgm:linClrLst>
-    <dgm:effectClrLst/>
-    <dgm:txLinClrLst/>
-    <dgm:txFillClrLst meth="repeat">
-      <a:schemeClr val="lt1"/>
-    </dgm:txFillClrLst>
-    <dgm:txEffectClrLst/>
-  </dgm:styleLbl>
-  <dgm:styleLbl name="trBgShp">
-    <dgm:fillClrLst meth="repeat">
-      <a:schemeClr val="accent1">
-        <a:tint val="50000"/>
-        <a:alpha val="40000"/>
-      </a:schemeClr>
-    </dgm:fillClrLst>
-    <dgm:linClrLst meth="repeat">
-      <a:schemeClr val="accent1"/>
-    </dgm:linClrLst>
-    <dgm:effectClrLst/>
-    <dgm:txLinClrLst/>
-    <dgm:txFillClrLst meth="repeat">
-      <a:schemeClr val="lt1"/>
-    </dgm:txFillClrLst>
-    <dgm:txEffectClrLst/>
-  </dgm:styleLbl>
-  <dgm:styleLbl name="fgShp">
-    <dgm:fillClrLst meth="repeat">
-      <a:schemeClr val="accent1">
-        <a:tint val="60000"/>
-      </a:schemeClr>
-    </dgm:fillClrLst>
-    <dgm:linClrLst meth="repeat">
-      <a:schemeClr val="lt1"/>
-    </dgm:linClrLst>
-    <dgm:effectClrLst/>
-    <dgm:txLinClrLst/>
-    <dgm:txFillClrLst meth="repeat">
-      <a:schemeClr val="dk1"/>
-    </dgm:txFillClrLst>
-    <dgm:txEffectClrLst/>
-  </dgm:styleLbl>
-  <dgm:styleLbl name="revTx">
-    <dgm:fillClrLst meth="repeat">
-      <a:schemeClr val="lt1">
-        <a:alpha val="0"/>
-      </a:schemeClr>
-    </dgm:fillClrLst>
-    <dgm:linClrLst meth="repeat">
-      <a:schemeClr val="dk1">
-        <a:alpha val="0"/>
-      </a:schemeClr>
-    </dgm:linClrLst>
-    <dgm:effectClrLst/>
-    <dgm:txLinClrLst/>
-    <dgm:txFillClrLst meth="repeat">
-      <a:schemeClr val="tx1"/>
-    </dgm:txFillClrLst>
-    <dgm:txEffectClrLst/>
-  </dgm:styleLbl>
-</dgm:colorsDef>
-</file>
-
-<file path=ppt/diagrams/colors5.xml><?xml version="1.0" encoding="utf-8"?>
-<dgm:colorsDef xmlns:dgm="http://schemas.openxmlformats.org/drawingml/2006/diagram" xmlns:a="http://schemas.openxmlformats.org/drawingml/2006/main" uniqueId="urn:microsoft.com/office/officeart/2005/8/colors/accent1_2">
-  <dgm:title val=""/>
-  <dgm:desc val=""/>
-  <dgm:catLst>
-    <dgm:cat type="accent1" pri="11200"/>
-  </dgm:catLst>
-  <dgm:styleLbl name="node0">
-    <dgm:fillClrLst meth="repeat">
-      <a:schemeClr val="accent1"/>
-    </dgm:fillClrLst>
-    <dgm:linClrLst meth="repeat">
-      <a:schemeClr val="lt1"/>
-    </dgm:linClrLst>
-    <dgm:effectClrLst/>
-    <dgm:txLinClrLst/>
-    <dgm:txFillClrLst/>
-    <dgm:txEffectClrLst/>
-  </dgm:styleLbl>
-  <dgm:styleLbl name="alignNode1">
-    <dgm:fillClrLst meth="repeat">
-      <a:schemeClr val="accent1"/>
-    </dgm:fillClrLst>
-    <dgm:linClrLst meth="repeat">
-      <a:schemeClr val="accent1"/>
-    </dgm:linClrLst>
-    <dgm:effectClrLst/>
-    <dgm:txLinClrLst/>
-    <dgm:txFillClrLst/>
-    <dgm:txEffectClrLst/>
-  </dgm:styleLbl>
-  <dgm:styleLbl name="node1">
-    <dgm:fillClrLst meth="repeat">
-      <a:schemeClr val="accent1"/>
-    </dgm:fillClrLst>
-    <dgm:linClrLst meth="repeat">
-      <a:schemeClr val="lt1"/>
-    </dgm:linClrLst>
-    <dgm:effectClrLst/>
-    <dgm:txLinClrLst/>
-    <dgm:txFillClrLst/>
-    <dgm:txEffectClrLst/>
-  </dgm:styleLbl>
-  <dgm:styleLbl name="lnNode1">
-    <dgm:fillClrLst meth="repeat">
-      <a:schemeClr val="accent1"/>
-    </dgm:fillClrLst>
-    <dgm:linClrLst meth="repeat">
-      <a:schemeClr val="lt1"/>
-    </dgm:linClrLst>
-    <dgm:effectClrLst/>
-    <dgm:txLinClrLst/>
-    <dgm:txFillClrLst/>
-    <dgm:txEffectClrLst/>
-  </dgm:styleLbl>
-  <dgm:styleLbl name="vennNode1">
-    <dgm:fillClrLst meth="repeat">
-      <a:schemeClr val="accent1">
-        <a:alpha val="50000"/>
-      </a:schemeClr>
-    </dgm:fillClrLst>
-    <dgm:linClrLst meth="repeat">
-      <a:schemeClr val="lt1"/>
-    </dgm:linClrLst>
-    <dgm:effectClrLst/>
-    <dgm:txLinClrLst/>
-    <dgm:txFillClrLst/>
-    <dgm:txEffectClrLst/>
-  </dgm:styleLbl>
-  <dgm:styleLbl name="node2">
-    <dgm:fillClrLst meth="repeat">
-      <a:schemeClr val="accent1"/>
-    </dgm:fillClrLst>
-    <dgm:linClrLst meth="repeat">
-      <a:schemeClr val="lt1"/>
-    </dgm:linClrLst>
-    <dgm:effectClrLst/>
-    <dgm:txLinClrLst/>
-    <dgm:txFillClrLst/>
-    <dgm:txEffectClrLst/>
-  </dgm:styleLbl>
-  <dgm:styleLbl name="node3">
-    <dgm:fillClrLst meth="repeat">
-      <a:schemeClr val="accent1"/>
-    </dgm:fillClrLst>
-    <dgm:linClrLst meth="repeat">
-      <a:schemeClr val="lt1"/>
-    </dgm:linClrLst>
-    <dgm:effectClrLst/>
-    <dgm:txLinClrLst/>
-    <dgm:txFillClrLst/>
-    <dgm:txEffectClrLst/>
-  </dgm:styleLbl>
-  <dgm:styleLbl name="node4">
-    <dgm:fillClrLst meth="repeat">
-      <a:schemeClr val="accent1"/>
-    </dgm:fillClrLst>
-    <dgm:linClrLst meth="repeat">
-      <a:schemeClr val="lt1"/>
-    </dgm:linClrLst>
-    <dgm:effectClrLst/>
-    <dgm:txLinClrLst/>
-    <dgm:txFillClrLst/>
-    <dgm:txEffectClrLst/>
-  </dgm:styleLbl>
-  <dgm:styleLbl name="fgImgPlace1">
-    <dgm:fillClrLst meth="repeat">
-      <a:schemeClr val="accent1">
-        <a:tint val="50000"/>
-      </a:schemeClr>
-    </dgm:fillClrLst>
-    <dgm:linClrLst meth="repeat">
-      <a:schemeClr val="lt1"/>
-    </dgm:linClrLst>
-    <dgm:effectClrLst/>
-    <dgm:txLinClrLst/>
-    <dgm:txFillClrLst meth="repeat">
-      <a:schemeClr val="lt1"/>
-    </dgm:txFillClrLst>
-    <dgm:txEffectClrLst/>
-  </dgm:styleLbl>
-  <dgm:styleLbl name="alignImgPlace1">
-    <dgm:fillClrLst meth="repeat">
-      <a:schemeClr val="accent1">
-        <a:tint val="50000"/>
-      </a:schemeClr>
-    </dgm:fillClrLst>
-    <dgm:linClrLst meth="repeat">
-      <a:schemeClr val="lt1"/>
-    </dgm:linClrLst>
-    <dgm:effectClrLst/>
-    <dgm:txLinClrLst/>
-    <dgm:txFillClrLst meth="repeat">
-      <a:schemeClr val="lt1"/>
-    </dgm:txFillClrLst>
-    <dgm:txEffectClrLst/>
-  </dgm:styleLbl>
-  <dgm:styleLbl name="bgImgPlace1">
-    <dgm:fillClrLst meth="repeat">
-      <a:schemeClr val="accent1">
-        <a:tint val="50000"/>
-      </a:schemeClr>
-    </dgm:fillClrLst>
-    <dgm:linClrLst meth="repeat">
-      <a:schemeClr val="lt1"/>
-    </dgm:linClrLst>
-    <dgm:effectClrLst/>
-    <dgm:txLinClrLst/>
-    <dgm:txFillClrLst meth="repeat">
-      <a:schemeClr val="lt1"/>
-    </dgm:txFillClrLst>
-    <dgm:txEffectClrLst/>
-  </dgm:styleLbl>
-  <dgm:styleLbl name="sibTrans2D1">
-    <dgm:fillClrLst meth="repeat">
-      <a:schemeClr val="accent1">
-        <a:tint val="60000"/>
-      </a:schemeClr>
-    </dgm:fillClrLst>
-    <dgm:linClrLst meth="repeat">
-      <a:schemeClr val="accent1">
-        <a:tint val="60000"/>
-      </a:schemeClr>
-    </dgm:linClrLst>
-    <dgm:effectClrLst/>
-    <dgm:txLinClrLst/>
-    <dgm:txFillClrLst/>
-    <dgm:txEffectClrLst/>
-  </dgm:styleLbl>
-  <dgm:styleLbl name="fgSibTrans2D1">
-    <dgm:fillClrLst meth="repeat">
-      <a:schemeClr val="accent1">
-        <a:tint val="60000"/>
-      </a:schemeClr>
-    </dgm:fillClrLst>
-    <dgm:linClrLst meth="repeat">
-      <a:schemeClr val="accent1">
-        <a:tint val="60000"/>
-      </a:schemeClr>
-    </dgm:linClrLst>
-    <dgm:effectClrLst/>
-    <dgm:txLinClrLst/>
-    <dgm:txFillClrLst/>
-    <dgm:txEffectClrLst/>
-  </dgm:styleLbl>
-  <dgm:styleLbl name="bgSibTrans2D1">
-    <dgm:fillClrLst meth="repeat">
-      <a:schemeClr val="accent1">
-        <a:tint val="60000"/>
-      </a:schemeClr>
-    </dgm:fillClrLst>
-    <dgm:linClrLst meth="repeat">
-      <a:schemeClr val="accent1">
-        <a:tint val="60000"/>
-      </a:schemeClr>
-    </dgm:linClrLst>
-    <dgm:effectClrLst/>
-    <dgm:txLinClrLst/>
-    <dgm:txFillClrLst/>
-    <dgm:txEffectClrLst/>
-  </dgm:styleLbl>
-  <dgm:styleLbl name="sibTrans1D1">
-    <dgm:fillClrLst meth="repeat">
-      <a:schemeClr val="accent1"/>
-    </dgm:fillClrLst>
-    <dgm:linClrLst meth="repeat">
-      <a:schemeClr val="accent1"/>
-    </dgm:linClrLst>
-    <dgm:effectClrLst/>
-    <dgm:txLinClrLst/>
-    <dgm:txFillClrLst meth="repeat">
-      <a:schemeClr val="tx1"/>
-    </dgm:txFillClrLst>
-    <dgm:txEffectClrLst/>
-  </dgm:styleLbl>
-  <dgm:styleLbl name="callout">
-    <dgm:fillClrLst meth="repeat">
-      <a:schemeClr val="accent1"/>
-    </dgm:fillClrLst>
-    <dgm:linClrLst meth="repeat">
-      <a:schemeClr val="accent1">
-        <a:tint val="50000"/>
-      </a:schemeClr>
-    </dgm:linClrLst>
-    <dgm:effectClrLst/>
-    <dgm:txLinClrLst/>
-    <dgm:txFillClrLst meth="repeat">
-      <a:schemeClr val="tx1"/>
-    </dgm:txFillClrLst>
-    <dgm:txEffectClrLst/>
-  </dgm:styleLbl>
-  <dgm:styleLbl name="asst0">
-    <dgm:fillClrLst meth="repeat">
-      <a:schemeClr val="accent1"/>
-    </dgm:fillClrLst>
-    <dgm:linClrLst meth="repeat">
-      <a:schemeClr val="lt1"/>
-    </dgm:linClrLst>
-    <dgm:effectClrLst/>
-    <dgm:txLinClrLst/>
-    <dgm:txFillClrLst/>
-    <dgm:txEffectClrLst/>
-  </dgm:styleLbl>
-  <dgm:styleLbl name="asst1">
-    <dgm:fillClrLst meth="repeat">
-      <a:schemeClr val="accent1"/>
-    </dgm:fillClrLst>
-    <dgm:linClrLst meth="repeat">
-      <a:schemeClr val="lt1"/>
-    </dgm:linClrLst>
-    <dgm:effectClrLst/>
-    <dgm:txLinClrLst/>
-    <dgm:txFillClrLst/>
-    <dgm:txEffectClrLst/>
-  </dgm:styleLbl>
-  <dgm:styleLbl name="asst2">
-    <dgm:fillClrLst meth="repeat">
-      <a:schemeClr val="accent1"/>
-    </dgm:fillClrLst>
-    <dgm:linClrLst meth="repeat">
-      <a:schemeClr val="lt1"/>
-    </dgm:linClrLst>
-    <dgm:effectClrLst/>
-    <dgm:txLinClrLst/>
-    <dgm:txFillClrLst/>
-    <dgm:txEffectClrLst/>
-  </dgm:styleLbl>
-  <dgm:styleLbl name="asst3">
-    <dgm:fillClrLst meth="repeat">
-      <a:schemeClr val="accent1"/>
-    </dgm:fillClrLst>
-    <dgm:linClrLst meth="repeat">
-      <a:schemeClr val="lt1"/>
-    </dgm:linClrLst>
-    <dgm:effectClrLst/>
-    <dgm:txLinClrLst/>
-    <dgm:txFillClrLst/>
-    <dgm:txEffectClrLst/>
-  </dgm:styleLbl>
-  <dgm:styleLbl name="asst4">
-    <dgm:fillClrLst meth="repeat">
-      <a:schemeClr val="accent1"/>
-    </dgm:fillClrLst>
-    <dgm:linClrLst meth="repeat">
-      <a:schemeClr val="lt1"/>
-    </dgm:linClrLst>
-    <dgm:effectClrLst/>
-    <dgm:txLinClrLst/>
-    <dgm:txFillClrLst/>
-    <dgm:txEffectClrLst/>
-  </dgm:styleLbl>
-  <dgm:styleLbl name="parChTrans2D1">
-    <dgm:fillClrLst meth="repeat">
-      <a:schemeClr val="accent1">
-        <a:tint val="60000"/>
-      </a:schemeClr>
-    </dgm:fillClrLst>
-    <dgm:linClrLst meth="repeat">
-      <a:schemeClr val="accent1">
-        <a:tint val="60000"/>
-      </a:schemeClr>
-    </dgm:linClrLst>
-    <dgm:effectClrLst/>
-    <dgm:txLinClrLst/>
-    <dgm:txFillClrLst meth="repeat">
-      <a:schemeClr val="lt1"/>
-    </dgm:txFillClrLst>
-    <dgm:txEffectClrLst/>
-  </dgm:styleLbl>
-  <dgm:styleLbl name="parChTrans2D2">
-    <dgm:fillClrLst meth="repeat">
-      <a:schemeClr val="accent1"/>
-    </dgm:fillClrLst>
-    <dgm:linClrLst meth="repeat">
-      <a:schemeClr val="accent1"/>
-    </dgm:linClrLst>
-    <dgm:effectClrLst/>
-    <dgm:txLinClrLst/>
-    <dgm:txFillClrLst meth="repeat">
-      <a:schemeClr val="lt1"/>
-    </dgm:txFillClrLst>
-    <dgm:txEffectClrLst/>
-  </dgm:styleLbl>
-  <dgm:styleLbl name="parChTrans2D3">
-    <dgm:fillClrLst meth="repeat">
-      <a:schemeClr val="accent1"/>
-    </dgm:fillClrLst>
-    <dgm:linClrLst meth="repeat">
-      <a:schemeClr val="accent1"/>
-    </dgm:linClrLst>
-    <dgm:effectClrLst/>
-    <dgm:txLinClrLst/>
-    <dgm:txFillClrLst meth="repeat">
-      <a:schemeClr val="lt1"/>
-    </dgm:txFillClrLst>
-    <dgm:txEffectClrLst/>
-  </dgm:styleLbl>
-  <dgm:styleLbl name="parChTrans2D4">
-    <dgm:fillClrLst meth="repeat">
-      <a:schemeClr val="accent1"/>
-    </dgm:fillClrLst>
-    <dgm:linClrLst meth="repeat">
-      <a:schemeClr val="accent1"/>
-    </dgm:linClrLst>
-    <dgm:effectClrLst/>
-    <dgm:txLinClrLst/>
-    <dgm:txFillClrLst meth="repeat">
-      <a:schemeClr val="lt1"/>
-    </dgm:txFillClrLst>
-    <dgm:txEffectClrLst/>
-  </dgm:styleLbl>
-  <dgm:styleLbl name="parChTrans1D1">
-    <dgm:fillClrLst meth="repeat">
-      <a:schemeClr val="accent1"/>
-    </dgm:fillClrLst>
-    <dgm:linClrLst meth="repeat">
-      <a:schemeClr val="accent1">
-        <a:shade val="60000"/>
-      </a:schemeClr>
-    </dgm:linClrLst>
-    <dgm:effectClrLst/>
-    <dgm:txLinClrLst/>
-    <dgm:txFillClrLst meth="repeat">
-      <a:schemeClr val="tx1"/>
-    </dgm:txFillClrLst>
-    <dgm:txEffectClrLst/>
-  </dgm:styleLbl>
-  <dgm:styleLbl name="parChTrans1D2">
-    <dgm:fillClrLst meth="repeat">
-      <a:schemeClr val="accent1"/>
-    </dgm:fillClrLst>
-    <dgm:linClrLst meth="repeat">
-      <a:schemeClr val="accent1">
-        <a:shade val="60000"/>
-      </a:schemeClr>
-    </dgm:linClrLst>
-    <dgm:effectClrLst/>
-    <dgm:txLinClrLst/>
-    <dgm:txFillClrLst meth="repeat">
-      <a:schemeClr val="tx1"/>
-    </dgm:txFillClrLst>
-    <dgm:txEffectClrLst/>
-  </dgm:styleLbl>
-  <dgm:styleLbl name="parChTrans1D3">
-    <dgm:fillClrLst meth="repeat">
-      <a:schemeClr val="accent1"/>
-    </dgm:fillClrLst>
-    <dgm:linClrLst meth="repeat">
-      <a:schemeClr val="accent1">
-        <a:shade val="80000"/>
-      </a:schemeClr>
-    </dgm:linClrLst>
-    <dgm:effectClrLst/>
-    <dgm:txLinClrLst/>
-    <dgm:txFillClrLst meth="repeat">
-      <a:schemeClr val="tx1"/>
-    </dgm:txFillClrLst>
-    <dgm:txEffectClrLst/>
-  </dgm:styleLbl>
-  <dgm:styleLbl name="parChTrans1D4">
-    <dgm:fillClrLst meth="repeat">
-      <a:schemeClr val="accent1"/>
-    </dgm:fillClrLst>
-    <dgm:linClrLst meth="repeat">
-      <a:schemeClr val="accent1">
-        <a:shade val="80000"/>
-      </a:schemeClr>
-    </dgm:linClrLst>
-    <dgm:effectClrLst/>
-    <dgm:txLinClrLst/>
-    <dgm:txFillClrLst meth="repeat">
-      <a:schemeClr val="tx1"/>
-    </dgm:txFillClrLst>
-    <dgm:txEffectClrLst/>
-  </dgm:styleLbl>
-  <dgm:styleLbl name="fgAcc1">
-    <dgm:fillClrLst meth="repeat">
-      <a:schemeClr val="lt1">
-        <a:alpha val="90000"/>
-      </a:schemeClr>
-    </dgm:fillClrLst>
-    <dgm:linClrLst meth="repeat">
-      <a:schemeClr val="accent1"/>
-    </dgm:linClrLst>
-    <dgm:effectClrLst/>
-    <dgm:txLinClrLst/>
-    <dgm:txFillClrLst meth="repeat">
-      <a:schemeClr val="dk1"/>
-    </dgm:txFillClrLst>
-    <dgm:txEffectClrLst/>
-  </dgm:styleLbl>
-  <dgm:styleLbl name="conFgAcc1">
-    <dgm:fillClrLst meth="repeat">
-      <a:schemeClr val="lt1">
-        <a:alpha val="90000"/>
-      </a:schemeClr>
-    </dgm:fillClrLst>
-    <dgm:linClrLst meth="repeat">
-      <a:schemeClr val="accent1"/>
-    </dgm:linClrLst>
-    <dgm:effectClrLst/>
-    <dgm:txLinClrLst/>
-    <dgm:txFillClrLst meth="repeat">
-      <a:schemeClr val="dk1"/>
-    </dgm:txFillClrLst>
-    <dgm:txEffectClrLst/>
-  </dgm:styleLbl>
-  <dgm:styleLbl name="alignAcc1">
-    <dgm:fillClrLst meth="repeat">
-      <a:schemeClr val="lt1">
-        <a:alpha val="90000"/>
-      </a:schemeClr>
-    </dgm:fillClrLst>
-    <dgm:linClrLst meth="repeat">
-      <a:schemeClr val="accent1"/>
-    </dgm:linClrLst>
-    <dgm:effectClrLst/>
-    <dgm:txLinClrLst/>
-    <dgm:txFillClrLst meth="repeat">
-      <a:schemeClr val="dk1"/>
-    </dgm:txFillClrLst>
-    <dgm:txEffectClrLst/>
-  </dgm:styleLbl>
-  <dgm:styleLbl name="trAlignAcc1">
-    <dgm:fillClrLst meth="repeat">
-      <a:schemeClr val="lt1">
-        <a:alpha val="40000"/>
-      </a:schemeClr>
-    </dgm:fillClrLst>
-    <dgm:linClrLst meth="repeat">
-      <a:schemeClr val="accent1"/>
-    </dgm:linClrLst>
-    <dgm:effectClrLst/>
-    <dgm:txLinClrLst/>
-    <dgm:txFillClrLst meth="repeat">
-      <a:schemeClr val="dk1"/>
-    </dgm:txFillClrLst>
-    <dgm:txEffectClrLst/>
-  </dgm:styleLbl>
-  <dgm:styleLbl name="bgAcc1">
-    <dgm:fillClrLst meth="repeat">
-      <a:schemeClr val="lt1">
-        <a:alpha val="90000"/>
-      </a:schemeClr>
-    </dgm:fillClrLst>
-    <dgm:linClrLst meth="repeat">
-      <a:schemeClr val="accent1"/>
-    </dgm:linClrLst>
-    <dgm:effectClrLst/>
-    <dgm:txLinClrLst/>
-    <dgm:txFillClrLst meth="repeat">
-      <a:schemeClr val="dk1"/>
-    </dgm:txFillClrLst>
-    <dgm:txEffectClrLst/>
-  </dgm:styleLbl>
-  <dgm:styleLbl name="solidFgAcc1">
-    <dgm:fillClrLst meth="repeat">
-      <a:schemeClr val="lt1"/>
-    </dgm:fillClrLst>
-    <dgm:linClrLst meth="repeat">
-      <a:schemeClr val="accent1"/>
-    </dgm:linClrLst>
-    <dgm:effectClrLst/>
-    <dgm:txLinClrLst/>
-    <dgm:txFillClrLst meth="repeat">
-      <a:schemeClr val="dk1"/>
-    </dgm:txFillClrLst>
-    <dgm:txEffectClrLst/>
-  </dgm:styleLbl>
-  <dgm:styleLbl name="solidAlignAcc1">
-    <dgm:fillClrLst meth="repeat">
-      <a:schemeClr val="lt1"/>
-    </dgm:fillClrLst>
-    <dgm:linClrLst meth="repeat">
-      <a:schemeClr val="accent1"/>
-    </dgm:linClrLst>
-    <dgm:effectClrLst/>
-    <dgm:txLinClrLst/>
-    <dgm:txFillClrLst meth="repeat">
-      <a:schemeClr val="dk1"/>
-    </dgm:txFillClrLst>
-    <dgm:txEffectClrLst/>
-  </dgm:styleLbl>
-  <dgm:styleLbl name="solidBgAcc1">
-    <dgm:fillClrLst meth="repeat">
-      <a:schemeClr val="lt1"/>
-    </dgm:fillClrLst>
-    <dgm:linClrLst meth="repeat">
-      <a:schemeClr val="accent1"/>
-    </dgm:linClrLst>
-    <dgm:effectClrLst/>
-    <dgm:txLinClrLst/>
-    <dgm:txFillClrLst meth="repeat">
-      <a:schemeClr val="dk1"/>
-    </dgm:txFillClrLst>
-    <dgm:txEffectClrLst/>
-  </dgm:styleLbl>
-  <dgm:styleLbl name="fgAccFollowNode1">
-    <dgm:fillClrLst meth="repeat">
-      <a:schemeClr val="accent1">
-        <a:alpha val="90000"/>
-        <a:tint val="40000"/>
-      </a:schemeClr>
-    </dgm:fillClrLst>
-    <dgm:linClrLst meth="repeat">
-      <a:schemeClr val="accent1">
-        <a:alpha val="90000"/>
-        <a:tint val="40000"/>
-      </a:schemeClr>
-    </dgm:linClrLst>
-    <dgm:effectClrLst/>
-    <dgm:txLinClrLst/>
-    <dgm:txFillClrLst meth="repeat">
-      <a:schemeClr val="dk1"/>
-    </dgm:txFillClrLst>
-    <dgm:txEffectClrLst/>
-  </dgm:styleLbl>
-  <dgm:styleLbl name="alignAccFollowNode1">
-    <dgm:fillClrLst meth="repeat">
-      <a:schemeClr val="accent1">
-        <a:alpha val="90000"/>
-        <a:tint val="40000"/>
-      </a:schemeClr>
-    </dgm:fillClrLst>
-    <dgm:linClrLst meth="repeat">
-      <a:schemeClr val="accent1">
-        <a:alpha val="90000"/>
-        <a:tint val="40000"/>
-      </a:schemeClr>
-    </dgm:linClrLst>
-    <dgm:effectClrLst/>
-    <dgm:txLinClrLst/>
-    <dgm:txFillClrLst meth="repeat">
-      <a:schemeClr val="dk1"/>
-    </dgm:txFillClrLst>
-    <dgm:txEffectClrLst/>
-  </dgm:styleLbl>
-  <dgm:styleLbl name="bgAccFollowNode1">
-    <dgm:fillClrLst meth="repeat">
-      <a:schemeClr val="accent1">
-        <a:alpha val="90000"/>
-        <a:tint val="40000"/>
-      </a:schemeClr>
-    </dgm:fillClrLst>
-    <dgm:linClrLst meth="repeat">
-      <a:schemeClr val="accent1">
-        <a:alpha val="90000"/>
-        <a:tint val="40000"/>
-      </a:schemeClr>
-    </dgm:linClrLst>
-    <dgm:effectClrLst/>
-    <dgm:txLinClrLst/>
-    <dgm:txFillClrLst meth="repeat">
-      <a:schemeClr val="dk1"/>
-    </dgm:txFillClrLst>
-    <dgm:txEffectClrLst/>
-  </dgm:styleLbl>
-  <dgm:styleLbl name="fgAcc0">
-    <dgm:fillClrLst meth="repeat">
-      <a:schemeClr val="lt1">
-        <a:alpha val="90000"/>
-      </a:schemeClr>
-    </dgm:fillClrLst>
-    <dgm:linClrLst meth="repeat">
-      <a:schemeClr val="accent1"/>
-    </dgm:linClrLst>
-    <dgm:effectClrLst/>
-    <dgm:txLinClrLst/>
-    <dgm:txFillClrLst meth="repeat">
-      <a:schemeClr val="dk1"/>
-    </dgm:txFillClrLst>
-    <dgm:txEffectClrLst/>
-  </dgm:styleLbl>
-  <dgm:styleLbl name="fgAcc2">
-    <dgm:fillClrLst meth="repeat">
-      <a:schemeClr val="lt1">
-        <a:alpha val="90000"/>
-      </a:schemeClr>
-    </dgm:fillClrLst>
-    <dgm:linClrLst meth="repeat">
-      <a:schemeClr val="accent1"/>
-    </dgm:linClrLst>
-    <dgm:effectClrLst/>
-    <dgm:txLinClrLst/>
-    <dgm:txFillClrLst meth="repeat">
-      <a:schemeClr val="dk1"/>
-    </dgm:txFillClrLst>
-    <dgm:txEffectClrLst/>
-  </dgm:styleLbl>
-  <dgm:styleLbl name="fgAcc3">
-    <dgm:fillClrLst meth="repeat">
-      <a:schemeClr val="lt1">
-        <a:alpha val="90000"/>
-      </a:schemeClr>
-    </dgm:fillClrLst>
-    <dgm:linClrLst meth="repeat">
-      <a:schemeClr val="accent1"/>
-    </dgm:linClrLst>
-    <dgm:effectClrLst/>
-    <dgm:txLinClrLst/>
-    <dgm:txFillClrLst meth="repeat">
-      <a:schemeClr val="dk1"/>
-    </dgm:txFillClrLst>
-    <dgm:txEffectClrLst/>
-  </dgm:styleLbl>
-  <dgm:styleLbl name="fgAcc4">
-    <dgm:fillClrLst meth="repeat">
-      <a:schemeClr val="lt1">
-        <a:alpha val="90000"/>
-      </a:schemeClr>
-    </dgm:fillClrLst>
-    <dgm:linClrLst meth="repeat">
-      <a:schemeClr val="accent1"/>
-    </dgm:linClrLst>
-    <dgm:effectClrLst/>
-    <dgm:txLinClrLst/>
-    <dgm:txFillClrLst meth="repeat">
-      <a:schemeClr val="dk1"/>
-    </dgm:txFillClrLst>
-    <dgm:txEffectClrLst/>
-  </dgm:styleLbl>
-  <dgm:styleLbl name="bgShp">
-    <dgm:fillClrLst meth="repeat">
-      <a:schemeClr val="accent1">
-        <a:tint val="40000"/>
-      </a:schemeClr>
-    </dgm:fillClrLst>
-    <dgm:linClrLst meth="repeat">
-      <a:schemeClr val="accent1"/>
-    </dgm:linClrLst>
-    <dgm:effectClrLst/>
-    <dgm:txLinClrLst/>
-    <dgm:txFillClrLst meth="repeat">
-      <a:schemeClr val="dk1"/>
-    </dgm:txFillClrLst>
-    <dgm:txEffectClrLst/>
-  </dgm:styleLbl>
-  <dgm:styleLbl name="dkBgShp">
-    <dgm:fillClrLst meth="repeat">
-      <a:schemeClr val="accent1">
-        <a:shade val="80000"/>
-      </a:schemeClr>
-    </dgm:fillClrLst>
-    <dgm:linClrLst meth="repeat">
-      <a:schemeClr val="accent1"/>
-    </dgm:linClrLst>
-    <dgm:effectClrLst/>
-    <dgm:txLinClrLst/>
-    <dgm:txFillClrLst meth="repeat">
-      <a:schemeClr val="lt1"/>
-    </dgm:txFillClrLst>
-    <dgm:txEffectClrLst/>
-  </dgm:styleLbl>
-  <dgm:styleLbl name="trBgShp">
-    <dgm:fillClrLst meth="repeat">
-      <a:schemeClr val="accent1">
-        <a:tint val="50000"/>
-        <a:alpha val="40000"/>
-      </a:schemeClr>
-    </dgm:fillClrLst>
-    <dgm:linClrLst meth="repeat">
-      <a:schemeClr val="accent1"/>
-    </dgm:linClrLst>
-    <dgm:effectClrLst/>
-    <dgm:txLinClrLst/>
-    <dgm:txFillClrLst meth="repeat">
-      <a:schemeClr val="lt1"/>
-    </dgm:txFillClrLst>
-    <dgm:txEffectClrLst/>
-  </dgm:styleLbl>
-  <dgm:styleLbl name="fgShp">
-    <dgm:fillClrLst meth="repeat">
-      <a:schemeClr val="accent1">
-        <a:tint val="60000"/>
-      </a:schemeClr>
-    </dgm:fillClrLst>
-    <dgm:linClrLst meth="repeat">
-      <a:schemeClr val="lt1"/>
-    </dgm:linClrLst>
-    <dgm:effectClrLst/>
-    <dgm:txLinClrLst/>
-    <dgm:txFillClrLst meth="repeat">
-      <a:schemeClr val="dk1"/>
-    </dgm:txFillClrLst>
-    <dgm:txEffectClrLst/>
-  </dgm:styleLbl>
-  <dgm:styleLbl name="revTx">
-    <dgm:fillClrLst meth="repeat">
-      <a:schemeClr val="lt1">
-        <a:alpha val="0"/>
-      </a:schemeClr>
-    </dgm:fillClrLst>
-    <dgm:linClrLst meth="repeat">
-      <a:schemeClr val="dk1">
-        <a:alpha val="0"/>
-      </a:schemeClr>
-    </dgm:linClrLst>
-    <dgm:effectClrLst/>
-    <dgm:txLinClrLst/>
-    <dgm:txFillClrLst meth="repeat">
-      <a:schemeClr val="tx1"/>
-    </dgm:txFillClrLst>
-    <dgm:txEffectClrLst/>
-  </dgm:styleLbl>
-</dgm:colorsDef>
-</file>
-
-<file path=ppt/diagrams/colors6.xml><?xml version="1.0" encoding="utf-8"?>
 <dgm:colorsDef xmlns:dgm="http://schemas.openxmlformats.org/drawingml/2006/diagram" xmlns:a="http://schemas.openxmlformats.org/drawingml/2006/main" uniqueId="urn:microsoft.com/office/officeart/2005/8/colors/accent1_2">
   <dgm:title val=""/>
   <dgm:desc val=""/>
@@ -5938,831 +4443,6 @@
   <dgm:extLst>
     <a:ext uri="http://schemas.microsoft.com/office/drawing/2008/diagram">
       <dsp:dataModelExt xmlns:dsp="http://schemas.microsoft.com/office/drawing/2008/diagram" relId="rId6" minVer="http://schemas.openxmlformats.org/drawingml/2006/diagram"/>
-    </a:ext>
-  </dgm:extLst>
-</dgm:dataModel>
-</file>
-
-<file path=ppt/diagrams/data5.xml><?xml version="1.0" encoding="utf-8"?>
-<dgm:dataModel xmlns:dgm="http://schemas.openxmlformats.org/drawingml/2006/diagram" xmlns:a="http://schemas.openxmlformats.org/drawingml/2006/main">
-  <dgm:ptLst>
-    <dgm:pt modelId="{6A527295-9578-408C-8B37-D958BC5C7E67}" type="doc">
-      <dgm:prSet loTypeId="urn:microsoft.com/office/officeart/2005/8/layout/target3" loCatId="list" qsTypeId="urn:microsoft.com/office/officeart/2005/8/quickstyle/simple1" qsCatId="simple" csTypeId="urn:microsoft.com/office/officeart/2005/8/colors/accent1_2" csCatId="accent1" phldr="1"/>
-      <dgm:spPr/>
-      <dgm:t>
-        <a:bodyPr/>
-        <a:lstStyle/>
-        <a:p>
-          <a:endParaRPr lang="zh-CN" altLang="en-US"/>
-        </a:p>
-      </dgm:t>
-    </dgm:pt>
-    <dgm:pt modelId="{F70D4476-6FE5-4C7D-89E7-708C34D54663}">
-      <dgm:prSet phldrT="[文本]" custT="1"/>
-      <dgm:spPr/>
-      <dgm:t>
-        <a:bodyPr/>
-        <a:lstStyle/>
-        <a:p>
-          <a:r>
-            <a:rPr lang="zh-CN" altLang="en-US" sz="3200" dirty="0"/>
-            <a:t>文件</a:t>
-          </a:r>
-        </a:p>
-      </dgm:t>
-    </dgm:pt>
-    <dgm:pt modelId="{43076666-5E5B-4E5C-AE8A-36E922A0FE0B}" type="parTrans" cxnId="{7BA3BE71-4065-4232-B07E-271842023C44}">
-      <dgm:prSet/>
-      <dgm:spPr/>
-      <dgm:t>
-        <a:bodyPr/>
-        <a:lstStyle/>
-        <a:p>
-          <a:endParaRPr lang="zh-CN" altLang="en-US"/>
-        </a:p>
-      </dgm:t>
-    </dgm:pt>
-    <dgm:pt modelId="{4E27FD9D-0C64-476C-A8FB-A5D595073155}" type="sibTrans" cxnId="{7BA3BE71-4065-4232-B07E-271842023C44}">
-      <dgm:prSet/>
-      <dgm:spPr/>
-      <dgm:t>
-        <a:bodyPr/>
-        <a:lstStyle/>
-        <a:p>
-          <a:endParaRPr lang="zh-CN" altLang="en-US"/>
-        </a:p>
-      </dgm:t>
-    </dgm:pt>
-    <dgm:pt modelId="{49EAD541-BE5A-4A27-B916-1F507E459F40}">
-      <dgm:prSet phldrT="[文本]" custT="1"/>
-      <dgm:spPr/>
-      <dgm:t>
-        <a:bodyPr/>
-        <a:lstStyle/>
-        <a:p>
-          <a:r>
-            <a:rPr lang="zh-CN" altLang="en-US" sz="3200" dirty="0"/>
-            <a:t>管理员</a:t>
-          </a:r>
-        </a:p>
-      </dgm:t>
-    </dgm:pt>
-    <dgm:pt modelId="{DD98875F-6092-4CA1-B569-228A4A636B92}" type="parTrans" cxnId="{8B34A67D-6C08-4773-9AF0-F7A28193D4F1}">
-      <dgm:prSet/>
-      <dgm:spPr/>
-      <dgm:t>
-        <a:bodyPr/>
-        <a:lstStyle/>
-        <a:p>
-          <a:endParaRPr lang="zh-CN" altLang="en-US"/>
-        </a:p>
-      </dgm:t>
-    </dgm:pt>
-    <dgm:pt modelId="{2F94248F-24CB-48F6-9453-C902F60BC06B}" type="sibTrans" cxnId="{8B34A67D-6C08-4773-9AF0-F7A28193D4F1}">
-      <dgm:prSet/>
-      <dgm:spPr/>
-      <dgm:t>
-        <a:bodyPr/>
-        <a:lstStyle/>
-        <a:p>
-          <a:endParaRPr lang="zh-CN" altLang="en-US"/>
-        </a:p>
-      </dgm:t>
-    </dgm:pt>
-    <dgm:pt modelId="{408D2D26-FD1D-4918-8FFC-F492464DCAA2}">
-      <dgm:prSet phldrT="[文本]"/>
-      <dgm:spPr/>
-      <dgm:t>
-        <a:bodyPr/>
-        <a:lstStyle/>
-        <a:p>
-          <a:r>
-            <a:rPr lang="zh-CN" altLang="en-US" dirty="0"/>
-            <a:t>增</a:t>
-          </a:r>
-        </a:p>
-      </dgm:t>
-    </dgm:pt>
-    <dgm:pt modelId="{038888CE-A54F-4B00-9F8F-921A10CBDB25}" type="parTrans" cxnId="{41E6B41C-1EEF-450B-BE56-E1F4600B8822}">
-      <dgm:prSet/>
-      <dgm:spPr/>
-      <dgm:t>
-        <a:bodyPr/>
-        <a:lstStyle/>
-        <a:p>
-          <a:endParaRPr lang="zh-CN" altLang="en-US"/>
-        </a:p>
-      </dgm:t>
-    </dgm:pt>
-    <dgm:pt modelId="{DC0BB72F-15CE-409E-ADE7-5E5BFAE68B43}" type="sibTrans" cxnId="{41E6B41C-1EEF-450B-BE56-E1F4600B8822}">
-      <dgm:prSet/>
-      <dgm:spPr/>
-      <dgm:t>
-        <a:bodyPr/>
-        <a:lstStyle/>
-        <a:p>
-          <a:endParaRPr lang="zh-CN" altLang="en-US"/>
-        </a:p>
-      </dgm:t>
-    </dgm:pt>
-    <dgm:pt modelId="{4A5C036E-C4C2-46B0-B804-7D0EDACD3BCD}">
-      <dgm:prSet phldrT="[文本]"/>
-      <dgm:spPr/>
-      <dgm:t>
-        <a:bodyPr/>
-        <a:lstStyle/>
-        <a:p>
-          <a:r>
-            <a:rPr lang="zh-CN" altLang="en-US" dirty="0"/>
-            <a:t>存</a:t>
-          </a:r>
-        </a:p>
-      </dgm:t>
-    </dgm:pt>
-    <dgm:pt modelId="{75F14A36-E4F7-4B74-989E-39CE907166CE}" type="parTrans" cxnId="{2F6A0551-7A3C-4EBC-A315-5B7ECB44EFF3}">
-      <dgm:prSet/>
-      <dgm:spPr/>
-      <dgm:t>
-        <a:bodyPr/>
-        <a:lstStyle/>
-        <a:p>
-          <a:endParaRPr lang="zh-CN" altLang="en-US"/>
-        </a:p>
-      </dgm:t>
-    </dgm:pt>
-    <dgm:pt modelId="{F9E9A502-E211-4409-9562-391D8980872C}" type="sibTrans" cxnId="{2F6A0551-7A3C-4EBC-A315-5B7ECB44EFF3}">
-      <dgm:prSet/>
-      <dgm:spPr/>
-      <dgm:t>
-        <a:bodyPr/>
-        <a:lstStyle/>
-        <a:p>
-          <a:endParaRPr lang="zh-CN" altLang="en-US"/>
-        </a:p>
-      </dgm:t>
-    </dgm:pt>
-    <dgm:pt modelId="{FFF0B922-99A4-4FE2-84B9-2B7104681FDD}">
-      <dgm:prSet phldrT="[文本]" custT="1"/>
-      <dgm:spPr/>
-      <dgm:t>
-        <a:bodyPr/>
-        <a:lstStyle/>
-        <a:p>
-          <a:r>
-            <a:rPr lang="zh-CN" altLang="en-US" sz="3200" dirty="0"/>
-            <a:t>用户</a:t>
-          </a:r>
-        </a:p>
-      </dgm:t>
-    </dgm:pt>
-    <dgm:pt modelId="{15F43567-980E-44ED-A153-E765E80C4A2C}" type="parTrans" cxnId="{BA8FF873-F0AA-46A3-A97B-8934730F52BD}">
-      <dgm:prSet/>
-      <dgm:spPr/>
-      <dgm:t>
-        <a:bodyPr/>
-        <a:lstStyle/>
-        <a:p>
-          <a:endParaRPr lang="zh-CN" altLang="en-US"/>
-        </a:p>
-      </dgm:t>
-    </dgm:pt>
-    <dgm:pt modelId="{13EBE4CF-5FD0-4ECF-B449-BEC47A3F709B}" type="sibTrans" cxnId="{BA8FF873-F0AA-46A3-A97B-8934730F52BD}">
-      <dgm:prSet/>
-      <dgm:spPr/>
-      <dgm:t>
-        <a:bodyPr/>
-        <a:lstStyle/>
-        <a:p>
-          <a:endParaRPr lang="zh-CN" altLang="en-US"/>
-        </a:p>
-      </dgm:t>
-    </dgm:pt>
-    <dgm:pt modelId="{9DD1826E-422F-4FB9-9141-4E8BA1577E2D}">
-      <dgm:prSet phldrT="[文本]"/>
-      <dgm:spPr/>
-      <dgm:t>
-        <a:bodyPr/>
-        <a:lstStyle/>
-        <a:p>
-          <a:r>
-            <a:rPr lang="zh-CN" altLang="en-US" dirty="0"/>
-            <a:t>查酒店</a:t>
-          </a:r>
-        </a:p>
-      </dgm:t>
-    </dgm:pt>
-    <dgm:pt modelId="{B056D339-09C8-4063-AA63-2AFF4E78D3AB}" type="parTrans" cxnId="{B537ADAD-69AB-4D4B-A1E8-B45E157836CF}">
-      <dgm:prSet/>
-      <dgm:spPr/>
-      <dgm:t>
-        <a:bodyPr/>
-        <a:lstStyle/>
-        <a:p>
-          <a:endParaRPr lang="zh-CN" altLang="en-US"/>
-        </a:p>
-      </dgm:t>
-    </dgm:pt>
-    <dgm:pt modelId="{F6237181-F3EA-48CC-9755-858FD8FC2427}" type="sibTrans" cxnId="{B537ADAD-69AB-4D4B-A1E8-B45E157836CF}">
-      <dgm:prSet/>
-      <dgm:spPr/>
-      <dgm:t>
-        <a:bodyPr/>
-        <a:lstStyle/>
-        <a:p>
-          <a:endParaRPr lang="zh-CN" altLang="en-US"/>
-        </a:p>
-      </dgm:t>
-    </dgm:pt>
-    <dgm:pt modelId="{B10F1323-4C85-4C9B-B01F-1BEA7169D72C}">
-      <dgm:prSet phldrT="[文本]"/>
-      <dgm:spPr/>
-      <dgm:t>
-        <a:bodyPr/>
-        <a:lstStyle/>
-        <a:p>
-          <a:r>
-            <a:rPr lang="zh-CN" altLang="en-US" dirty="0"/>
-            <a:t>删订单</a:t>
-          </a:r>
-        </a:p>
-      </dgm:t>
-    </dgm:pt>
-    <dgm:pt modelId="{E8967005-A62B-49A7-A9FF-00B836819BF6}" type="parTrans" cxnId="{52CE70EA-3CA2-430A-8BA6-0511DA54EA5B}">
-      <dgm:prSet/>
-      <dgm:spPr/>
-      <dgm:t>
-        <a:bodyPr/>
-        <a:lstStyle/>
-        <a:p>
-          <a:endParaRPr lang="zh-CN" altLang="en-US"/>
-        </a:p>
-      </dgm:t>
-    </dgm:pt>
-    <dgm:pt modelId="{7E895787-C8DE-4461-9D4B-004E68B965E8}" type="sibTrans" cxnId="{52CE70EA-3CA2-430A-8BA6-0511DA54EA5B}">
-      <dgm:prSet/>
-      <dgm:spPr/>
-      <dgm:t>
-        <a:bodyPr/>
-        <a:lstStyle/>
-        <a:p>
-          <a:endParaRPr lang="zh-CN" altLang="en-US"/>
-        </a:p>
-      </dgm:t>
-    </dgm:pt>
-    <dgm:pt modelId="{48A7A357-7593-4CA3-A37D-F2C265D4F854}">
-      <dgm:prSet phldrT="[文本]"/>
-      <dgm:spPr/>
-      <dgm:t>
-        <a:bodyPr/>
-        <a:lstStyle/>
-        <a:p>
-          <a:r>
-            <a:rPr lang="zh-CN" altLang="en-US" dirty="0"/>
-            <a:t>读</a:t>
-          </a:r>
-          <a:r>
-            <a:rPr lang="en-US" altLang="zh-CN" dirty="0"/>
-            <a:t>hotel.txt</a:t>
-          </a:r>
-          <a:endParaRPr lang="zh-CN" altLang="en-US" dirty="0"/>
-        </a:p>
-      </dgm:t>
-    </dgm:pt>
-    <dgm:pt modelId="{7153B489-FDFE-4AD5-A852-0AC885130CDA}" type="sibTrans" cxnId="{63949C75-55FE-4D26-B98A-3CD524405FE5}">
-      <dgm:prSet/>
-      <dgm:spPr/>
-      <dgm:t>
-        <a:bodyPr/>
-        <a:lstStyle/>
-        <a:p>
-          <a:endParaRPr lang="zh-CN" altLang="en-US"/>
-        </a:p>
-      </dgm:t>
-    </dgm:pt>
-    <dgm:pt modelId="{F2FC9977-F954-4E5D-917C-6A9F5B8B51F8}" type="parTrans" cxnId="{63949C75-55FE-4D26-B98A-3CD524405FE5}">
-      <dgm:prSet/>
-      <dgm:spPr/>
-      <dgm:t>
-        <a:bodyPr/>
-        <a:lstStyle/>
-        <a:p>
-          <a:endParaRPr lang="zh-CN" altLang="en-US"/>
-        </a:p>
-      </dgm:t>
-    </dgm:pt>
-    <dgm:pt modelId="{C6E0DBD7-AB3D-4864-A9B0-D04C091B925E}">
-      <dgm:prSet phldrT="[文本]"/>
-      <dgm:spPr/>
-      <dgm:t>
-        <a:bodyPr/>
-        <a:lstStyle/>
-        <a:p>
-          <a:r>
-            <a:rPr lang="zh-CN" altLang="en-US" dirty="0"/>
-            <a:t>写</a:t>
-          </a:r>
-          <a:r>
-            <a:rPr lang="en-US" altLang="zh-CN" dirty="0"/>
-            <a:t>order.txt</a:t>
-          </a:r>
-          <a:endParaRPr lang="zh-CN" altLang="en-US" dirty="0"/>
-        </a:p>
-      </dgm:t>
-    </dgm:pt>
-    <dgm:pt modelId="{A401F2CA-94BB-4B1F-BC54-94E3FAC008A4}" type="sibTrans" cxnId="{A00DD9CE-E88F-482D-80FF-A795D521798F}">
-      <dgm:prSet/>
-      <dgm:spPr/>
-      <dgm:t>
-        <a:bodyPr/>
-        <a:lstStyle/>
-        <a:p>
-          <a:endParaRPr lang="zh-CN" altLang="en-US"/>
-        </a:p>
-      </dgm:t>
-    </dgm:pt>
-    <dgm:pt modelId="{A691A4D6-D3FE-4BBD-9E3A-6775318F90DD}" type="parTrans" cxnId="{A00DD9CE-E88F-482D-80FF-A795D521798F}">
-      <dgm:prSet/>
-      <dgm:spPr/>
-      <dgm:t>
-        <a:bodyPr/>
-        <a:lstStyle/>
-        <a:p>
-          <a:endParaRPr lang="zh-CN" altLang="en-US"/>
-        </a:p>
-      </dgm:t>
-    </dgm:pt>
-    <dgm:pt modelId="{75859C72-E787-4A98-89B2-87DD27C19159}">
-      <dgm:prSet phldrT="[文本]"/>
-      <dgm:spPr/>
-      <dgm:t>
-        <a:bodyPr/>
-        <a:lstStyle/>
-        <a:p>
-          <a:r>
-            <a:rPr lang="zh-CN" altLang="en-US" dirty="0"/>
-            <a:t>删</a:t>
-          </a:r>
-        </a:p>
-      </dgm:t>
-    </dgm:pt>
-    <dgm:pt modelId="{F1AEC81B-C993-4562-910C-B6B6EB0B6825}" type="parTrans" cxnId="{71D59620-EAC9-4BB9-8211-4E6CF8C38150}">
-      <dgm:prSet/>
-      <dgm:spPr/>
-      <dgm:t>
-        <a:bodyPr/>
-        <a:lstStyle/>
-        <a:p>
-          <a:endParaRPr lang="zh-CN" altLang="en-US"/>
-        </a:p>
-      </dgm:t>
-    </dgm:pt>
-    <dgm:pt modelId="{BFE39CFA-A1FC-494E-867A-012083A3F29C}" type="sibTrans" cxnId="{71D59620-EAC9-4BB9-8211-4E6CF8C38150}">
-      <dgm:prSet/>
-      <dgm:spPr/>
-      <dgm:t>
-        <a:bodyPr/>
-        <a:lstStyle/>
-        <a:p>
-          <a:endParaRPr lang="zh-CN" altLang="en-US"/>
-        </a:p>
-      </dgm:t>
-    </dgm:pt>
-    <dgm:pt modelId="{EC5D32EE-3EFC-4402-AB02-0C23FCBA2F49}">
-      <dgm:prSet phldrT="[文本]"/>
-      <dgm:spPr/>
-      <dgm:t>
-        <a:bodyPr/>
-        <a:lstStyle/>
-        <a:p>
-          <a:r>
-            <a:rPr lang="zh-CN" altLang="en-US" dirty="0"/>
-            <a:t>改</a:t>
-          </a:r>
-        </a:p>
-      </dgm:t>
-    </dgm:pt>
-    <dgm:pt modelId="{52737943-BD83-4425-8CE0-131357ECCDB8}" type="parTrans" cxnId="{A0C06A65-321A-481E-8B69-876DDB9A013D}">
-      <dgm:prSet/>
-      <dgm:spPr/>
-      <dgm:t>
-        <a:bodyPr/>
-        <a:lstStyle/>
-        <a:p>
-          <a:endParaRPr lang="zh-CN" altLang="en-US"/>
-        </a:p>
-      </dgm:t>
-    </dgm:pt>
-    <dgm:pt modelId="{50DA577C-8190-48FA-8469-6A250962A0C5}" type="sibTrans" cxnId="{A0C06A65-321A-481E-8B69-876DDB9A013D}">
-      <dgm:prSet/>
-      <dgm:spPr/>
-      <dgm:t>
-        <a:bodyPr/>
-        <a:lstStyle/>
-        <a:p>
-          <a:endParaRPr lang="zh-CN" altLang="en-US"/>
-        </a:p>
-      </dgm:t>
-    </dgm:pt>
-    <dgm:pt modelId="{52FE48E5-84A4-4351-A9A9-C0070D440997}">
-      <dgm:prSet phldrT="[文本]"/>
-      <dgm:spPr/>
-      <dgm:t>
-        <a:bodyPr/>
-        <a:lstStyle/>
-        <a:p>
-          <a:r>
-            <a:rPr lang="zh-CN" altLang="en-US" dirty="0"/>
-            <a:t>查</a:t>
-          </a:r>
-        </a:p>
-      </dgm:t>
-    </dgm:pt>
-    <dgm:pt modelId="{D30C0E55-8851-4F3E-9D28-D006420448F3}" type="parTrans" cxnId="{DE2B8E21-5246-4BF2-B765-9CAA220F8103}">
-      <dgm:prSet/>
-      <dgm:spPr/>
-      <dgm:t>
-        <a:bodyPr/>
-        <a:lstStyle/>
-        <a:p>
-          <a:endParaRPr lang="zh-CN" altLang="en-US"/>
-        </a:p>
-      </dgm:t>
-    </dgm:pt>
-    <dgm:pt modelId="{B35071AD-368A-4E8F-9B9A-19D9AD3C8775}" type="sibTrans" cxnId="{DE2B8E21-5246-4BF2-B765-9CAA220F8103}">
-      <dgm:prSet/>
-      <dgm:spPr/>
-      <dgm:t>
-        <a:bodyPr/>
-        <a:lstStyle/>
-        <a:p>
-          <a:endParaRPr lang="zh-CN" altLang="en-US"/>
-        </a:p>
-      </dgm:t>
-    </dgm:pt>
-    <dgm:pt modelId="{978D6ACA-4C21-4C05-BEDB-B558582106A3}">
-      <dgm:prSet phldrT="[文本]"/>
-      <dgm:spPr/>
-      <dgm:t>
-        <a:bodyPr/>
-        <a:lstStyle/>
-        <a:p>
-          <a:r>
-            <a:rPr lang="zh-CN" altLang="en-US" dirty="0"/>
-            <a:t>订房间</a:t>
-          </a:r>
-        </a:p>
-      </dgm:t>
-    </dgm:pt>
-    <dgm:pt modelId="{CA9C9014-855A-47FB-87ED-47F5E724C323}" type="parTrans" cxnId="{9509C6C0-6603-47EC-9DE6-6DBF5FE06CC3}">
-      <dgm:prSet/>
-      <dgm:spPr/>
-      <dgm:t>
-        <a:bodyPr/>
-        <a:lstStyle/>
-        <a:p>
-          <a:endParaRPr lang="zh-CN" altLang="en-US"/>
-        </a:p>
-      </dgm:t>
-    </dgm:pt>
-    <dgm:pt modelId="{C5B82778-773D-4AC2-ACC9-735AC7EC8C60}" type="sibTrans" cxnId="{9509C6C0-6603-47EC-9DE6-6DBF5FE06CC3}">
-      <dgm:prSet/>
-      <dgm:spPr/>
-      <dgm:t>
-        <a:bodyPr/>
-        <a:lstStyle/>
-        <a:p>
-          <a:endParaRPr lang="zh-CN" altLang="en-US"/>
-        </a:p>
-      </dgm:t>
-    </dgm:pt>
-    <dgm:pt modelId="{C39AC389-7C7B-4FD1-8902-C94E51B84EED}">
-      <dgm:prSet phldrT="[文本]"/>
-      <dgm:spPr/>
-      <dgm:t>
-        <a:bodyPr/>
-        <a:lstStyle/>
-        <a:p>
-          <a:r>
-            <a:rPr lang="zh-CN" altLang="en-US" dirty="0"/>
-            <a:t>查订单</a:t>
-          </a:r>
-        </a:p>
-      </dgm:t>
-    </dgm:pt>
-    <dgm:pt modelId="{4034519B-E9E7-4016-A6CA-542910B7E40B}" type="parTrans" cxnId="{52B53710-DA63-4D53-9EDF-A7B3124F618E}">
-      <dgm:prSet/>
-      <dgm:spPr/>
-      <dgm:t>
-        <a:bodyPr/>
-        <a:lstStyle/>
-        <a:p>
-          <a:endParaRPr lang="zh-CN" altLang="en-US"/>
-        </a:p>
-      </dgm:t>
-    </dgm:pt>
-    <dgm:pt modelId="{FAC0EEE8-8A02-4041-A88C-B379339474CB}" type="sibTrans" cxnId="{52B53710-DA63-4D53-9EDF-A7B3124F618E}">
-      <dgm:prSet/>
-      <dgm:spPr/>
-      <dgm:t>
-        <a:bodyPr/>
-        <a:lstStyle/>
-        <a:p>
-          <a:endParaRPr lang="zh-CN" altLang="en-US"/>
-        </a:p>
-      </dgm:t>
-    </dgm:pt>
-    <dgm:pt modelId="{8FA6E3BF-AAD1-472C-8AF5-8C0739260445}" type="pres">
-      <dgm:prSet presAssocID="{6A527295-9578-408C-8B37-D958BC5C7E67}" presName="Name0" presStyleCnt="0">
-        <dgm:presLayoutVars>
-          <dgm:chMax val="7"/>
-          <dgm:dir/>
-          <dgm:animLvl val="lvl"/>
-          <dgm:resizeHandles val="exact"/>
-        </dgm:presLayoutVars>
-      </dgm:prSet>
-      <dgm:spPr/>
-    </dgm:pt>
-    <dgm:pt modelId="{4BCE8E7E-63A6-4A61-85B3-39527DA2F902}" type="pres">
-      <dgm:prSet presAssocID="{F70D4476-6FE5-4C7D-89E7-708C34D54663}" presName="circle1" presStyleLbl="node1" presStyleIdx="0" presStyleCnt="3"/>
-      <dgm:spPr/>
-    </dgm:pt>
-    <dgm:pt modelId="{174096FC-A69E-446B-B549-AA08F3922643}" type="pres">
-      <dgm:prSet presAssocID="{F70D4476-6FE5-4C7D-89E7-708C34D54663}" presName="space" presStyleCnt="0"/>
-      <dgm:spPr/>
-    </dgm:pt>
-    <dgm:pt modelId="{15C3A61F-E8B5-428E-907C-443F10AB93CA}" type="pres">
-      <dgm:prSet presAssocID="{F70D4476-6FE5-4C7D-89E7-708C34D54663}" presName="rect1" presStyleLbl="alignAcc1" presStyleIdx="0" presStyleCnt="3"/>
-      <dgm:spPr/>
-    </dgm:pt>
-    <dgm:pt modelId="{33B383B6-8BA5-47EE-A2CC-664C6D540727}" type="pres">
-      <dgm:prSet presAssocID="{49EAD541-BE5A-4A27-B916-1F507E459F40}" presName="vertSpace2" presStyleLbl="node1" presStyleIdx="0" presStyleCnt="3"/>
-      <dgm:spPr/>
-    </dgm:pt>
-    <dgm:pt modelId="{63B6A23B-5221-45BE-A645-9214C151BBD1}" type="pres">
-      <dgm:prSet presAssocID="{49EAD541-BE5A-4A27-B916-1F507E459F40}" presName="circle2" presStyleLbl="node1" presStyleIdx="1" presStyleCnt="3"/>
-      <dgm:spPr/>
-    </dgm:pt>
-    <dgm:pt modelId="{1D919D02-5B70-4009-814E-F57D52D31B0D}" type="pres">
-      <dgm:prSet presAssocID="{49EAD541-BE5A-4A27-B916-1F507E459F40}" presName="rect2" presStyleLbl="alignAcc1" presStyleIdx="1" presStyleCnt="3"/>
-      <dgm:spPr/>
-    </dgm:pt>
-    <dgm:pt modelId="{6CB8BA32-6941-4CD6-8985-FCB5425E1BAC}" type="pres">
-      <dgm:prSet presAssocID="{FFF0B922-99A4-4FE2-84B9-2B7104681FDD}" presName="vertSpace3" presStyleLbl="node1" presStyleIdx="1" presStyleCnt="3"/>
-      <dgm:spPr/>
-    </dgm:pt>
-    <dgm:pt modelId="{1D74E7CC-F9CD-461F-9B06-E9166D9924F7}" type="pres">
-      <dgm:prSet presAssocID="{FFF0B922-99A4-4FE2-84B9-2B7104681FDD}" presName="circle3" presStyleLbl="node1" presStyleIdx="2" presStyleCnt="3"/>
-      <dgm:spPr/>
-    </dgm:pt>
-    <dgm:pt modelId="{797DA1FC-8DE7-4EED-BDEA-E4F2672D98E5}" type="pres">
-      <dgm:prSet presAssocID="{FFF0B922-99A4-4FE2-84B9-2B7104681FDD}" presName="rect3" presStyleLbl="alignAcc1" presStyleIdx="2" presStyleCnt="3"/>
-      <dgm:spPr/>
-    </dgm:pt>
-    <dgm:pt modelId="{188F5264-9D4D-40FE-928A-79299B87EA44}" type="pres">
-      <dgm:prSet presAssocID="{F70D4476-6FE5-4C7D-89E7-708C34D54663}" presName="rect1ParTx" presStyleLbl="alignAcc1" presStyleIdx="2" presStyleCnt="3">
-        <dgm:presLayoutVars>
-          <dgm:chMax val="1"/>
-          <dgm:bulletEnabled val="1"/>
-        </dgm:presLayoutVars>
-      </dgm:prSet>
-      <dgm:spPr/>
-    </dgm:pt>
-    <dgm:pt modelId="{69144D84-1C74-4955-BB0E-8B16CA5CE8F2}" type="pres">
-      <dgm:prSet presAssocID="{F70D4476-6FE5-4C7D-89E7-708C34D54663}" presName="rect1ChTx" presStyleLbl="alignAcc1" presStyleIdx="2" presStyleCnt="3">
-        <dgm:presLayoutVars>
-          <dgm:bulletEnabled val="1"/>
-        </dgm:presLayoutVars>
-      </dgm:prSet>
-      <dgm:spPr/>
-    </dgm:pt>
-    <dgm:pt modelId="{4C232F86-89CA-466A-AE9A-A9661C0CD7B2}" type="pres">
-      <dgm:prSet presAssocID="{49EAD541-BE5A-4A27-B916-1F507E459F40}" presName="rect2ParTx" presStyleLbl="alignAcc1" presStyleIdx="2" presStyleCnt="3">
-        <dgm:presLayoutVars>
-          <dgm:chMax val="1"/>
-          <dgm:bulletEnabled val="1"/>
-        </dgm:presLayoutVars>
-      </dgm:prSet>
-      <dgm:spPr/>
-    </dgm:pt>
-    <dgm:pt modelId="{9E229CF6-EA3C-482F-8673-75A822E72B4D}" type="pres">
-      <dgm:prSet presAssocID="{49EAD541-BE5A-4A27-B916-1F507E459F40}" presName="rect2ChTx" presStyleLbl="alignAcc1" presStyleIdx="2" presStyleCnt="3">
-        <dgm:presLayoutVars>
-          <dgm:bulletEnabled val="1"/>
-        </dgm:presLayoutVars>
-      </dgm:prSet>
-      <dgm:spPr/>
-    </dgm:pt>
-    <dgm:pt modelId="{BC0E5F4A-ED98-4987-9FF2-C76E938ED0E4}" type="pres">
-      <dgm:prSet presAssocID="{FFF0B922-99A4-4FE2-84B9-2B7104681FDD}" presName="rect3ParTx" presStyleLbl="alignAcc1" presStyleIdx="2" presStyleCnt="3">
-        <dgm:presLayoutVars>
-          <dgm:chMax val="1"/>
-          <dgm:bulletEnabled val="1"/>
-        </dgm:presLayoutVars>
-      </dgm:prSet>
-      <dgm:spPr/>
-    </dgm:pt>
-    <dgm:pt modelId="{8EB2358E-FADD-4031-A82C-625D7275BFAF}" type="pres">
-      <dgm:prSet presAssocID="{FFF0B922-99A4-4FE2-84B9-2B7104681FDD}" presName="rect3ChTx" presStyleLbl="alignAcc1" presStyleIdx="2" presStyleCnt="3">
-        <dgm:presLayoutVars>
-          <dgm:bulletEnabled val="1"/>
-        </dgm:presLayoutVars>
-      </dgm:prSet>
-      <dgm:spPr/>
-    </dgm:pt>
-  </dgm:ptLst>
-  <dgm:cxnLst>
-    <dgm:cxn modelId="{42BA5F00-6BF7-42BD-ADA1-2F4F3B8D6A0F}" type="presOf" srcId="{9DD1826E-422F-4FB9-9141-4E8BA1577E2D}" destId="{8EB2358E-FADD-4031-A82C-625D7275BFAF}" srcOrd="0" destOrd="0" presId="urn:microsoft.com/office/officeart/2005/8/layout/target3"/>
-    <dgm:cxn modelId="{52B53710-DA63-4D53-9EDF-A7B3124F618E}" srcId="{FFF0B922-99A4-4FE2-84B9-2B7104681FDD}" destId="{C39AC389-7C7B-4FD1-8902-C94E51B84EED}" srcOrd="2" destOrd="0" parTransId="{4034519B-E9E7-4016-A6CA-542910B7E40B}" sibTransId="{FAC0EEE8-8A02-4041-A88C-B379339474CB}"/>
-    <dgm:cxn modelId="{7EC59513-58C5-4CDE-BD25-21BFD5C2CA63}" type="presOf" srcId="{FFF0B922-99A4-4FE2-84B9-2B7104681FDD}" destId="{797DA1FC-8DE7-4EED-BDEA-E4F2672D98E5}" srcOrd="0" destOrd="0" presId="urn:microsoft.com/office/officeart/2005/8/layout/target3"/>
-    <dgm:cxn modelId="{28D2B714-C2BF-4491-9C96-4EF1006028FD}" type="presOf" srcId="{49EAD541-BE5A-4A27-B916-1F507E459F40}" destId="{1D919D02-5B70-4009-814E-F57D52D31B0D}" srcOrd="0" destOrd="0" presId="urn:microsoft.com/office/officeart/2005/8/layout/target3"/>
-    <dgm:cxn modelId="{2BC04D16-A1C2-4782-BF22-7C8A0F006F93}" type="presOf" srcId="{48A7A357-7593-4CA3-A37D-F2C265D4F854}" destId="{69144D84-1C74-4955-BB0E-8B16CA5CE8F2}" srcOrd="0" destOrd="0" presId="urn:microsoft.com/office/officeart/2005/8/layout/target3"/>
-    <dgm:cxn modelId="{0D834517-0B26-48C5-AD75-E2550225EE61}" type="presOf" srcId="{F70D4476-6FE5-4C7D-89E7-708C34D54663}" destId="{188F5264-9D4D-40FE-928A-79299B87EA44}" srcOrd="1" destOrd="0" presId="urn:microsoft.com/office/officeart/2005/8/layout/target3"/>
-    <dgm:cxn modelId="{41E6B41C-1EEF-450B-BE56-E1F4600B8822}" srcId="{49EAD541-BE5A-4A27-B916-1F507E459F40}" destId="{408D2D26-FD1D-4918-8FFC-F492464DCAA2}" srcOrd="0" destOrd="0" parTransId="{038888CE-A54F-4B00-9F8F-921A10CBDB25}" sibTransId="{DC0BB72F-15CE-409E-ADE7-5E5BFAE68B43}"/>
-    <dgm:cxn modelId="{71D59620-EAC9-4BB9-8211-4E6CF8C38150}" srcId="{49EAD541-BE5A-4A27-B916-1F507E459F40}" destId="{75859C72-E787-4A98-89B2-87DD27C19159}" srcOrd="1" destOrd="0" parTransId="{F1AEC81B-C993-4562-910C-B6B6EB0B6825}" sibTransId="{BFE39CFA-A1FC-494E-867A-012083A3F29C}"/>
-    <dgm:cxn modelId="{DE2B8E21-5246-4BF2-B765-9CAA220F8103}" srcId="{49EAD541-BE5A-4A27-B916-1F507E459F40}" destId="{52FE48E5-84A4-4351-A9A9-C0070D440997}" srcOrd="3" destOrd="0" parTransId="{D30C0E55-8851-4F3E-9D28-D006420448F3}" sibTransId="{B35071AD-368A-4E8F-9B9A-19D9AD3C8775}"/>
-    <dgm:cxn modelId="{A9A7672D-A009-47BD-A499-DC11650B8763}" type="presOf" srcId="{49EAD541-BE5A-4A27-B916-1F507E459F40}" destId="{4C232F86-89CA-466A-AE9A-A9661C0CD7B2}" srcOrd="1" destOrd="0" presId="urn:microsoft.com/office/officeart/2005/8/layout/target3"/>
-    <dgm:cxn modelId="{A7B5862D-E96D-4196-BEA2-A22337468F9D}" type="presOf" srcId="{B10F1323-4C85-4C9B-B01F-1BEA7169D72C}" destId="{8EB2358E-FADD-4031-A82C-625D7275BFAF}" srcOrd="0" destOrd="3" presId="urn:microsoft.com/office/officeart/2005/8/layout/target3"/>
-    <dgm:cxn modelId="{0A3F233D-A1EC-4C5D-A488-3B1185EF3E3C}" type="presOf" srcId="{52FE48E5-84A4-4351-A9A9-C0070D440997}" destId="{9E229CF6-EA3C-482F-8673-75A822E72B4D}" srcOrd="0" destOrd="3" presId="urn:microsoft.com/office/officeart/2005/8/layout/target3"/>
-    <dgm:cxn modelId="{A0C06A65-321A-481E-8B69-876DDB9A013D}" srcId="{49EAD541-BE5A-4A27-B916-1F507E459F40}" destId="{EC5D32EE-3EFC-4402-AB02-0C23FCBA2F49}" srcOrd="2" destOrd="0" parTransId="{52737943-BD83-4425-8CE0-131357ECCDB8}" sibTransId="{50DA577C-8190-48FA-8469-6A250962A0C5}"/>
-    <dgm:cxn modelId="{D847294B-13AE-493C-941C-FFA916D25992}" type="presOf" srcId="{FFF0B922-99A4-4FE2-84B9-2B7104681FDD}" destId="{BC0E5F4A-ED98-4987-9FF2-C76E938ED0E4}" srcOrd="1" destOrd="0" presId="urn:microsoft.com/office/officeart/2005/8/layout/target3"/>
-    <dgm:cxn modelId="{1398D86E-AE25-400D-907B-D9333E599E13}" type="presOf" srcId="{C6E0DBD7-AB3D-4864-A9B0-D04C091B925E}" destId="{69144D84-1C74-4955-BB0E-8B16CA5CE8F2}" srcOrd="0" destOrd="1" presId="urn:microsoft.com/office/officeart/2005/8/layout/target3"/>
-    <dgm:cxn modelId="{2F6A0551-7A3C-4EBC-A315-5B7ECB44EFF3}" srcId="{49EAD541-BE5A-4A27-B916-1F507E459F40}" destId="{4A5C036E-C4C2-46B0-B804-7D0EDACD3BCD}" srcOrd="4" destOrd="0" parTransId="{75F14A36-E4F7-4B74-989E-39CE907166CE}" sibTransId="{F9E9A502-E211-4409-9562-391D8980872C}"/>
-    <dgm:cxn modelId="{7BA3BE71-4065-4232-B07E-271842023C44}" srcId="{6A527295-9578-408C-8B37-D958BC5C7E67}" destId="{F70D4476-6FE5-4C7D-89E7-708C34D54663}" srcOrd="0" destOrd="0" parTransId="{43076666-5E5B-4E5C-AE8A-36E922A0FE0B}" sibTransId="{4E27FD9D-0C64-476C-A8FB-A5D595073155}"/>
-    <dgm:cxn modelId="{DDD86E52-B731-4ED3-BDB1-3DCE21A2A8B8}" type="presOf" srcId="{978D6ACA-4C21-4C05-BEDB-B558582106A3}" destId="{8EB2358E-FADD-4031-A82C-625D7275BFAF}" srcOrd="0" destOrd="1" presId="urn:microsoft.com/office/officeart/2005/8/layout/target3"/>
-    <dgm:cxn modelId="{BA8FF873-F0AA-46A3-A97B-8934730F52BD}" srcId="{6A527295-9578-408C-8B37-D958BC5C7E67}" destId="{FFF0B922-99A4-4FE2-84B9-2B7104681FDD}" srcOrd="2" destOrd="0" parTransId="{15F43567-980E-44ED-A153-E765E80C4A2C}" sibTransId="{13EBE4CF-5FD0-4ECF-B449-BEC47A3F709B}"/>
-    <dgm:cxn modelId="{63949C75-55FE-4D26-B98A-3CD524405FE5}" srcId="{F70D4476-6FE5-4C7D-89E7-708C34D54663}" destId="{48A7A357-7593-4CA3-A37D-F2C265D4F854}" srcOrd="0" destOrd="0" parTransId="{F2FC9977-F954-4E5D-917C-6A9F5B8B51F8}" sibTransId="{7153B489-FDFE-4AD5-A852-0AC885130CDA}"/>
-    <dgm:cxn modelId="{8B34A67D-6C08-4773-9AF0-F7A28193D4F1}" srcId="{6A527295-9578-408C-8B37-D958BC5C7E67}" destId="{49EAD541-BE5A-4A27-B916-1F507E459F40}" srcOrd="1" destOrd="0" parTransId="{DD98875F-6092-4CA1-B569-228A4A636B92}" sibTransId="{2F94248F-24CB-48F6-9453-C902F60BC06B}"/>
-    <dgm:cxn modelId="{127B5993-0537-4C5F-A098-7BBF907D86A8}" type="presOf" srcId="{408D2D26-FD1D-4918-8FFC-F492464DCAA2}" destId="{9E229CF6-EA3C-482F-8673-75A822E72B4D}" srcOrd="0" destOrd="0" presId="urn:microsoft.com/office/officeart/2005/8/layout/target3"/>
-    <dgm:cxn modelId="{77D0A194-4333-4F13-B750-B20AA4131600}" type="presOf" srcId="{EC5D32EE-3EFC-4402-AB02-0C23FCBA2F49}" destId="{9E229CF6-EA3C-482F-8673-75A822E72B4D}" srcOrd="0" destOrd="2" presId="urn:microsoft.com/office/officeart/2005/8/layout/target3"/>
-    <dgm:cxn modelId="{221E7C97-0E36-4526-9BFD-7B78DDE9D189}" type="presOf" srcId="{75859C72-E787-4A98-89B2-87DD27C19159}" destId="{9E229CF6-EA3C-482F-8673-75A822E72B4D}" srcOrd="0" destOrd="1" presId="urn:microsoft.com/office/officeart/2005/8/layout/target3"/>
-    <dgm:cxn modelId="{26F8719F-E25C-4848-911F-F3C4C60855EB}" type="presOf" srcId="{C39AC389-7C7B-4FD1-8902-C94E51B84EED}" destId="{8EB2358E-FADD-4031-A82C-625D7275BFAF}" srcOrd="0" destOrd="2" presId="urn:microsoft.com/office/officeart/2005/8/layout/target3"/>
-    <dgm:cxn modelId="{51C480AD-4A2F-4A1C-BF05-892ED31CB3DA}" type="presOf" srcId="{4A5C036E-C4C2-46B0-B804-7D0EDACD3BCD}" destId="{9E229CF6-EA3C-482F-8673-75A822E72B4D}" srcOrd="0" destOrd="4" presId="urn:microsoft.com/office/officeart/2005/8/layout/target3"/>
-    <dgm:cxn modelId="{B537ADAD-69AB-4D4B-A1E8-B45E157836CF}" srcId="{FFF0B922-99A4-4FE2-84B9-2B7104681FDD}" destId="{9DD1826E-422F-4FB9-9141-4E8BA1577E2D}" srcOrd="0" destOrd="0" parTransId="{B056D339-09C8-4063-AA63-2AFF4E78D3AB}" sibTransId="{F6237181-F3EA-48CC-9755-858FD8FC2427}"/>
-    <dgm:cxn modelId="{9509C6C0-6603-47EC-9DE6-6DBF5FE06CC3}" srcId="{FFF0B922-99A4-4FE2-84B9-2B7104681FDD}" destId="{978D6ACA-4C21-4C05-BEDB-B558582106A3}" srcOrd="1" destOrd="0" parTransId="{CA9C9014-855A-47FB-87ED-47F5E724C323}" sibTransId="{C5B82778-773D-4AC2-ACC9-735AC7EC8C60}"/>
-    <dgm:cxn modelId="{A00DD9CE-E88F-482D-80FF-A795D521798F}" srcId="{F70D4476-6FE5-4C7D-89E7-708C34D54663}" destId="{C6E0DBD7-AB3D-4864-A9B0-D04C091B925E}" srcOrd="1" destOrd="0" parTransId="{A691A4D6-D3FE-4BBD-9E3A-6775318F90DD}" sibTransId="{A401F2CA-94BB-4B1F-BC54-94E3FAC008A4}"/>
-    <dgm:cxn modelId="{4B7E81D1-988E-4FB4-9631-BD2BC6337031}" type="presOf" srcId="{F70D4476-6FE5-4C7D-89E7-708C34D54663}" destId="{15C3A61F-E8B5-428E-907C-443F10AB93CA}" srcOrd="0" destOrd="0" presId="urn:microsoft.com/office/officeart/2005/8/layout/target3"/>
-    <dgm:cxn modelId="{52CE70EA-3CA2-430A-8BA6-0511DA54EA5B}" srcId="{FFF0B922-99A4-4FE2-84B9-2B7104681FDD}" destId="{B10F1323-4C85-4C9B-B01F-1BEA7169D72C}" srcOrd="3" destOrd="0" parTransId="{E8967005-A62B-49A7-A9FF-00B836819BF6}" sibTransId="{7E895787-C8DE-4461-9D4B-004E68B965E8}"/>
-    <dgm:cxn modelId="{474800FA-DB04-48A9-97F9-81AAAF1C2823}" type="presOf" srcId="{6A527295-9578-408C-8B37-D958BC5C7E67}" destId="{8FA6E3BF-AAD1-472C-8AF5-8C0739260445}" srcOrd="0" destOrd="0" presId="urn:microsoft.com/office/officeart/2005/8/layout/target3"/>
-    <dgm:cxn modelId="{4113076F-A566-476B-B654-802C56D04E20}" type="presParOf" srcId="{8FA6E3BF-AAD1-472C-8AF5-8C0739260445}" destId="{4BCE8E7E-63A6-4A61-85B3-39527DA2F902}" srcOrd="0" destOrd="0" presId="urn:microsoft.com/office/officeart/2005/8/layout/target3"/>
-    <dgm:cxn modelId="{EF630077-B693-424F-B861-375E21C4E97A}" type="presParOf" srcId="{8FA6E3BF-AAD1-472C-8AF5-8C0739260445}" destId="{174096FC-A69E-446B-B549-AA08F3922643}" srcOrd="1" destOrd="0" presId="urn:microsoft.com/office/officeart/2005/8/layout/target3"/>
-    <dgm:cxn modelId="{A80C014B-796E-4726-A471-23B0729906BE}" type="presParOf" srcId="{8FA6E3BF-AAD1-472C-8AF5-8C0739260445}" destId="{15C3A61F-E8B5-428E-907C-443F10AB93CA}" srcOrd="2" destOrd="0" presId="urn:microsoft.com/office/officeart/2005/8/layout/target3"/>
-    <dgm:cxn modelId="{2B6AF7A8-9960-4782-8395-4B8A6C999065}" type="presParOf" srcId="{8FA6E3BF-AAD1-472C-8AF5-8C0739260445}" destId="{33B383B6-8BA5-47EE-A2CC-664C6D540727}" srcOrd="3" destOrd="0" presId="urn:microsoft.com/office/officeart/2005/8/layout/target3"/>
-    <dgm:cxn modelId="{254B2494-1660-444A-A0EF-FCAC1E8AE725}" type="presParOf" srcId="{8FA6E3BF-AAD1-472C-8AF5-8C0739260445}" destId="{63B6A23B-5221-45BE-A645-9214C151BBD1}" srcOrd="4" destOrd="0" presId="urn:microsoft.com/office/officeart/2005/8/layout/target3"/>
-    <dgm:cxn modelId="{2F98B72A-47D0-44E7-BEBD-502DE0713C9F}" type="presParOf" srcId="{8FA6E3BF-AAD1-472C-8AF5-8C0739260445}" destId="{1D919D02-5B70-4009-814E-F57D52D31B0D}" srcOrd="5" destOrd="0" presId="urn:microsoft.com/office/officeart/2005/8/layout/target3"/>
-    <dgm:cxn modelId="{D51F9772-CFE4-4D6E-85DA-250A54C91F3F}" type="presParOf" srcId="{8FA6E3BF-AAD1-472C-8AF5-8C0739260445}" destId="{6CB8BA32-6941-4CD6-8985-FCB5425E1BAC}" srcOrd="6" destOrd="0" presId="urn:microsoft.com/office/officeart/2005/8/layout/target3"/>
-    <dgm:cxn modelId="{AB1EA05E-EBC5-4835-B202-F9782B42DD3C}" type="presParOf" srcId="{8FA6E3BF-AAD1-472C-8AF5-8C0739260445}" destId="{1D74E7CC-F9CD-461F-9B06-E9166D9924F7}" srcOrd="7" destOrd="0" presId="urn:microsoft.com/office/officeart/2005/8/layout/target3"/>
-    <dgm:cxn modelId="{3BB37F42-033A-4E8E-A610-9B066B33FC0E}" type="presParOf" srcId="{8FA6E3BF-AAD1-472C-8AF5-8C0739260445}" destId="{797DA1FC-8DE7-4EED-BDEA-E4F2672D98E5}" srcOrd="8" destOrd="0" presId="urn:microsoft.com/office/officeart/2005/8/layout/target3"/>
-    <dgm:cxn modelId="{5638B3E7-C106-4634-B09D-44C232F777C5}" type="presParOf" srcId="{8FA6E3BF-AAD1-472C-8AF5-8C0739260445}" destId="{188F5264-9D4D-40FE-928A-79299B87EA44}" srcOrd="9" destOrd="0" presId="urn:microsoft.com/office/officeart/2005/8/layout/target3"/>
-    <dgm:cxn modelId="{B408EC89-BEDD-43E1-856A-0308D9FC9F60}" type="presParOf" srcId="{8FA6E3BF-AAD1-472C-8AF5-8C0739260445}" destId="{69144D84-1C74-4955-BB0E-8B16CA5CE8F2}" srcOrd="10" destOrd="0" presId="urn:microsoft.com/office/officeart/2005/8/layout/target3"/>
-    <dgm:cxn modelId="{33FEC025-8AFB-453D-BF2A-878F6E659101}" type="presParOf" srcId="{8FA6E3BF-AAD1-472C-8AF5-8C0739260445}" destId="{4C232F86-89CA-466A-AE9A-A9661C0CD7B2}" srcOrd="11" destOrd="0" presId="urn:microsoft.com/office/officeart/2005/8/layout/target3"/>
-    <dgm:cxn modelId="{2F5F3EAF-7A02-42B6-A7E1-FD96C46507D3}" type="presParOf" srcId="{8FA6E3BF-AAD1-472C-8AF5-8C0739260445}" destId="{9E229CF6-EA3C-482F-8673-75A822E72B4D}" srcOrd="12" destOrd="0" presId="urn:microsoft.com/office/officeart/2005/8/layout/target3"/>
-    <dgm:cxn modelId="{EA2A0051-0992-4DB9-A7FF-1F8BB0E0E48B}" type="presParOf" srcId="{8FA6E3BF-AAD1-472C-8AF5-8C0739260445}" destId="{BC0E5F4A-ED98-4987-9FF2-C76E938ED0E4}" srcOrd="13" destOrd="0" presId="urn:microsoft.com/office/officeart/2005/8/layout/target3"/>
-    <dgm:cxn modelId="{FE9899E3-D5E6-44A2-92DA-E54A457E2004}" type="presParOf" srcId="{8FA6E3BF-AAD1-472C-8AF5-8C0739260445}" destId="{8EB2358E-FADD-4031-A82C-625D7275BFAF}" srcOrd="14" destOrd="0" presId="urn:microsoft.com/office/officeart/2005/8/layout/target3"/>
-  </dgm:cxnLst>
-  <dgm:bg/>
-  <dgm:whole/>
-  <dgm:extLst>
-    <a:ext uri="http://schemas.microsoft.com/office/drawing/2008/diagram">
-      <dsp:dataModelExt xmlns:dsp="http://schemas.microsoft.com/office/drawing/2008/diagram" relId="rId6" minVer="http://schemas.openxmlformats.org/drawingml/2006/diagram"/>
-    </a:ext>
-  </dgm:extLst>
-</dgm:dataModel>
-</file>
-
-<file path=ppt/diagrams/data6.xml><?xml version="1.0" encoding="utf-8"?>
-<dgm:dataModel xmlns:dgm="http://schemas.openxmlformats.org/drawingml/2006/diagram" xmlns:a="http://schemas.openxmlformats.org/drawingml/2006/main">
-  <dgm:ptLst>
-    <dgm:pt modelId="{3285D628-4A58-4F71-9719-75E4D70D70AB}" type="doc">
-      <dgm:prSet loTypeId="urn:microsoft.com/office/officeart/2005/8/layout/vList2" loCatId="list" qsTypeId="urn:microsoft.com/office/officeart/2005/8/quickstyle/simple1" qsCatId="simple" csTypeId="urn:microsoft.com/office/officeart/2005/8/colors/accent1_2" csCatId="accent1" phldr="1"/>
-      <dgm:spPr/>
-      <dgm:t>
-        <a:bodyPr/>
-        <a:lstStyle/>
-        <a:p>
-          <a:endParaRPr lang="zh-CN" altLang="en-US"/>
-        </a:p>
-      </dgm:t>
-    </dgm:pt>
-    <dgm:pt modelId="{9FFF9DD5-7077-464B-A3E2-0DD9A82CBAF1}">
-      <dgm:prSet phldrT="[文本]"/>
-      <dgm:spPr/>
-      <dgm:t>
-        <a:bodyPr/>
-        <a:lstStyle/>
-        <a:p>
-          <a:r>
-            <a:rPr lang="en-US" altLang="zh-CN" dirty="0"/>
-            <a:t>QT GUI</a:t>
-          </a:r>
-          <a:endParaRPr lang="zh-CN" altLang="en-US" dirty="0"/>
-        </a:p>
-      </dgm:t>
-    </dgm:pt>
-    <dgm:pt modelId="{522E5A78-61F0-40FC-BCDC-35D63E1FC19D}" type="parTrans" cxnId="{E59412F0-A1A7-46B8-8470-87BA9E13DD3C}">
-      <dgm:prSet/>
-      <dgm:spPr/>
-      <dgm:t>
-        <a:bodyPr/>
-        <a:lstStyle/>
-        <a:p>
-          <a:endParaRPr lang="zh-CN" altLang="en-US"/>
-        </a:p>
-      </dgm:t>
-    </dgm:pt>
-    <dgm:pt modelId="{6793F1F4-AF96-4532-9F17-1335BD442818}" type="sibTrans" cxnId="{E59412F0-A1A7-46B8-8470-87BA9E13DD3C}">
-      <dgm:prSet/>
-      <dgm:spPr/>
-      <dgm:t>
-        <a:bodyPr/>
-        <a:lstStyle/>
-        <a:p>
-          <a:endParaRPr lang="zh-CN" altLang="en-US"/>
-        </a:p>
-      </dgm:t>
-    </dgm:pt>
-    <dgm:pt modelId="{FBDE4297-1FEB-47D3-A0A2-F70AD204F50B}">
-      <dgm:prSet phldrT="[文本]"/>
-      <dgm:spPr/>
-      <dgm:t>
-        <a:bodyPr/>
-        <a:lstStyle/>
-        <a:p>
-          <a:r>
-            <a:rPr lang="zh-CN" altLang="en-US" dirty="0"/>
-            <a:t>创意点</a:t>
-          </a:r>
-        </a:p>
-      </dgm:t>
-    </dgm:pt>
-    <dgm:pt modelId="{94AAD372-337C-4133-9A23-FFE13138DB5A}" type="parTrans" cxnId="{03152DD7-6503-458C-AA20-7A5158CEED31}">
-      <dgm:prSet/>
-      <dgm:spPr/>
-      <dgm:t>
-        <a:bodyPr/>
-        <a:lstStyle/>
-        <a:p>
-          <a:endParaRPr lang="zh-CN" altLang="en-US"/>
-        </a:p>
-      </dgm:t>
-    </dgm:pt>
-    <dgm:pt modelId="{05D98CED-519C-443E-9E40-1B037C3E4117}" type="sibTrans" cxnId="{03152DD7-6503-458C-AA20-7A5158CEED31}">
-      <dgm:prSet/>
-      <dgm:spPr/>
-      <dgm:t>
-        <a:bodyPr/>
-        <a:lstStyle/>
-        <a:p>
-          <a:endParaRPr lang="zh-CN" altLang="en-US"/>
-        </a:p>
-      </dgm:t>
-    </dgm:pt>
-    <dgm:pt modelId="{27B5891C-11E0-4F65-9557-000F188B1822}" type="pres">
-      <dgm:prSet presAssocID="{3285D628-4A58-4F71-9719-75E4D70D70AB}" presName="linear" presStyleCnt="0">
-        <dgm:presLayoutVars>
-          <dgm:animLvl val="lvl"/>
-          <dgm:resizeHandles val="exact"/>
-        </dgm:presLayoutVars>
-      </dgm:prSet>
-      <dgm:spPr/>
-    </dgm:pt>
-    <dgm:pt modelId="{8687D3DA-9A3B-48CC-801E-CD09E1163C78}" type="pres">
-      <dgm:prSet presAssocID="{9FFF9DD5-7077-464B-A3E2-0DD9A82CBAF1}" presName="parentText" presStyleLbl="node1" presStyleIdx="0" presStyleCnt="2">
-        <dgm:presLayoutVars>
-          <dgm:chMax val="0"/>
-          <dgm:bulletEnabled val="1"/>
-        </dgm:presLayoutVars>
-      </dgm:prSet>
-      <dgm:spPr/>
-    </dgm:pt>
-    <dgm:pt modelId="{58528A4E-2BC9-408E-B9A6-C8B738A8CC4A}" type="pres">
-      <dgm:prSet presAssocID="{6793F1F4-AF96-4532-9F17-1335BD442818}" presName="spacer" presStyleCnt="0"/>
-      <dgm:spPr/>
-    </dgm:pt>
-    <dgm:pt modelId="{C07130A5-66DF-431F-97B9-4409BB58DAB5}" type="pres">
-      <dgm:prSet presAssocID="{FBDE4297-1FEB-47D3-A0A2-F70AD204F50B}" presName="parentText" presStyleLbl="node1" presStyleIdx="1" presStyleCnt="2">
-        <dgm:presLayoutVars>
-          <dgm:chMax val="0"/>
-          <dgm:bulletEnabled val="1"/>
-        </dgm:presLayoutVars>
-      </dgm:prSet>
-      <dgm:spPr/>
-    </dgm:pt>
-  </dgm:ptLst>
-  <dgm:cxnLst>
-    <dgm:cxn modelId="{D30D7615-FA12-4432-BCD0-B0C77409A3CF}" type="presOf" srcId="{FBDE4297-1FEB-47D3-A0A2-F70AD204F50B}" destId="{C07130A5-66DF-431F-97B9-4409BB58DAB5}" srcOrd="0" destOrd="0" presId="urn:microsoft.com/office/officeart/2005/8/layout/vList2"/>
-    <dgm:cxn modelId="{5A1BD57C-9403-4A6B-B83A-5B50FE78F97B}" type="presOf" srcId="{3285D628-4A58-4F71-9719-75E4D70D70AB}" destId="{27B5891C-11E0-4F65-9557-000F188B1822}" srcOrd="0" destOrd="0" presId="urn:microsoft.com/office/officeart/2005/8/layout/vList2"/>
-    <dgm:cxn modelId="{8D135BB0-7CD6-4F5E-AF1A-455EA821A423}" type="presOf" srcId="{9FFF9DD5-7077-464B-A3E2-0DD9A82CBAF1}" destId="{8687D3DA-9A3B-48CC-801E-CD09E1163C78}" srcOrd="0" destOrd="0" presId="urn:microsoft.com/office/officeart/2005/8/layout/vList2"/>
-    <dgm:cxn modelId="{03152DD7-6503-458C-AA20-7A5158CEED31}" srcId="{3285D628-4A58-4F71-9719-75E4D70D70AB}" destId="{FBDE4297-1FEB-47D3-A0A2-F70AD204F50B}" srcOrd="1" destOrd="0" parTransId="{94AAD372-337C-4133-9A23-FFE13138DB5A}" sibTransId="{05D98CED-519C-443E-9E40-1B037C3E4117}"/>
-    <dgm:cxn modelId="{E59412F0-A1A7-46B8-8470-87BA9E13DD3C}" srcId="{3285D628-4A58-4F71-9719-75E4D70D70AB}" destId="{9FFF9DD5-7077-464B-A3E2-0DD9A82CBAF1}" srcOrd="0" destOrd="0" parTransId="{522E5A78-61F0-40FC-BCDC-35D63E1FC19D}" sibTransId="{6793F1F4-AF96-4532-9F17-1335BD442818}"/>
-    <dgm:cxn modelId="{C7F1AA9A-301B-498E-AB1D-441CA7CA9575}" type="presParOf" srcId="{27B5891C-11E0-4F65-9557-000F188B1822}" destId="{8687D3DA-9A3B-48CC-801E-CD09E1163C78}" srcOrd="0" destOrd="0" presId="urn:microsoft.com/office/officeart/2005/8/layout/vList2"/>
-    <dgm:cxn modelId="{79923884-FE63-4526-B904-C8EF5D40A200}" type="presParOf" srcId="{27B5891C-11E0-4F65-9557-000F188B1822}" destId="{58528A4E-2BC9-408E-B9A6-C8B738A8CC4A}" srcOrd="1" destOrd="0" presId="urn:microsoft.com/office/officeart/2005/8/layout/vList2"/>
-    <dgm:cxn modelId="{4CB97BDA-8D6A-4636-8CE8-EB9C97489985}" type="presParOf" srcId="{27B5891C-11E0-4F65-9557-000F188B1822}" destId="{C07130A5-66DF-431F-97B9-4409BB58DAB5}" srcOrd="2" destOrd="0" presId="urn:microsoft.com/office/officeart/2005/8/layout/vList2"/>
-  </dgm:cxnLst>
-  <dgm:bg/>
-  <dgm:whole/>
-  <dgm:extLst>
-    <a:ext uri="http://schemas.microsoft.com/office/drawing/2008/diagram">
-      <dsp:dataModelExt xmlns:dsp="http://schemas.microsoft.com/office/drawing/2008/diagram" relId="rId11" minVer="http://schemas.openxmlformats.org/drawingml/2006/diagram"/>
     </a:ext>
   </dgm:extLst>
 </dgm:dataModel>
@@ -8990,909 +6670,6 @@
 </dsp:drawing>
 </file>
 
-<file path=ppt/diagrams/drawing5.xml><?xml version="1.0" encoding="utf-8"?>
-<dsp:drawing xmlns:dgm="http://schemas.openxmlformats.org/drawingml/2006/diagram" xmlns:dsp="http://schemas.microsoft.com/office/drawing/2008/diagram" xmlns:a="http://schemas.openxmlformats.org/drawingml/2006/main">
-  <dsp:spTree>
-    <dsp:nvGrpSpPr>
-      <dsp:cNvPr id="0" name=""/>
-      <dsp:cNvGrpSpPr/>
-    </dsp:nvGrpSpPr>
-    <dsp:grpSpPr/>
-    <dsp:sp modelId="{4BCE8E7E-63A6-4A61-85B3-39527DA2F902}">
-      <dsp:nvSpPr>
-        <dsp:cNvPr id="0" name=""/>
-        <dsp:cNvSpPr/>
-      </dsp:nvSpPr>
-      <dsp:spPr>
-        <a:xfrm>
-          <a:off x="0" y="250228"/>
-          <a:ext cx="3846021" cy="3846021"/>
-        </a:xfrm>
-        <a:prstGeom prst="pie">
-          <a:avLst>
-            <a:gd name="adj1" fmla="val 5400000"/>
-            <a:gd name="adj2" fmla="val 16200000"/>
-          </a:avLst>
-        </a:prstGeom>
-        <a:solidFill>
-          <a:schemeClr val="accent1">
-            <a:hueOff val="0"/>
-            <a:satOff val="0"/>
-            <a:lumOff val="0"/>
-            <a:alphaOff val="0"/>
-          </a:schemeClr>
-        </a:solidFill>
-        <a:ln w="10795" cap="flat" cmpd="sng" algn="ctr">
-          <a:solidFill>
-            <a:schemeClr val="lt1">
-              <a:hueOff val="0"/>
-              <a:satOff val="0"/>
-              <a:lumOff val="0"/>
-              <a:alphaOff val="0"/>
-            </a:schemeClr>
-          </a:solidFill>
-          <a:prstDash val="solid"/>
-        </a:ln>
-        <a:effectLst/>
-      </dsp:spPr>
-      <dsp:style>
-        <a:lnRef idx="2">
-          <a:scrgbClr r="0" g="0" b="0"/>
-        </a:lnRef>
-        <a:fillRef idx="1">
-          <a:scrgbClr r="0" g="0" b="0"/>
-        </a:fillRef>
-        <a:effectRef idx="0">
-          <a:scrgbClr r="0" g="0" b="0"/>
-        </a:effectRef>
-        <a:fontRef idx="minor">
-          <a:schemeClr val="lt1"/>
-        </a:fontRef>
-      </dsp:style>
-    </dsp:sp>
-    <dsp:sp modelId="{15C3A61F-E8B5-428E-907C-443F10AB93CA}">
-      <dsp:nvSpPr>
-        <dsp:cNvPr id="0" name=""/>
-        <dsp:cNvSpPr/>
-      </dsp:nvSpPr>
-      <dsp:spPr>
-        <a:xfrm>
-          <a:off x="1923010" y="250228"/>
-          <a:ext cx="4487025" cy="3846021"/>
-        </a:xfrm>
-        <a:prstGeom prst="rect">
-          <a:avLst/>
-        </a:prstGeom>
-        <a:solidFill>
-          <a:schemeClr val="lt1">
-            <a:alpha val="90000"/>
-            <a:hueOff val="0"/>
-            <a:satOff val="0"/>
-            <a:lumOff val="0"/>
-            <a:alphaOff val="0"/>
-          </a:schemeClr>
-        </a:solidFill>
-        <a:ln w="10795" cap="flat" cmpd="sng" algn="ctr">
-          <a:solidFill>
-            <a:schemeClr val="accent1">
-              <a:hueOff val="0"/>
-              <a:satOff val="0"/>
-              <a:lumOff val="0"/>
-              <a:alphaOff val="0"/>
-            </a:schemeClr>
-          </a:solidFill>
-          <a:prstDash val="solid"/>
-        </a:ln>
-        <a:effectLst/>
-      </dsp:spPr>
-      <dsp:style>
-        <a:lnRef idx="2">
-          <a:scrgbClr r="0" g="0" b="0"/>
-        </a:lnRef>
-        <a:fillRef idx="1">
-          <a:scrgbClr r="0" g="0" b="0"/>
-        </a:fillRef>
-        <a:effectRef idx="0">
-          <a:scrgbClr r="0" g="0" b="0"/>
-        </a:effectRef>
-        <a:fontRef idx="minor"/>
-      </dsp:style>
-      <dsp:txBody>
-        <a:bodyPr spcFirstLastPara="0" vert="horz" wrap="square" lIns="121920" tIns="121920" rIns="121920" bIns="121920" numCol="1" spcCol="1270" anchor="ctr" anchorCtr="0">
-          <a:noAutofit/>
-        </a:bodyPr>
-        <a:lstStyle/>
-        <a:p>
-          <a:pPr marL="0" lvl="0" indent="0" algn="ctr" defTabSz="1422400">
-            <a:lnSpc>
-              <a:spcPct val="90000"/>
-            </a:lnSpc>
-            <a:spcBef>
-              <a:spcPct val="0"/>
-            </a:spcBef>
-            <a:spcAft>
-              <a:spcPct val="35000"/>
-            </a:spcAft>
-            <a:buNone/>
-          </a:pPr>
-          <a:r>
-            <a:rPr lang="zh-CN" altLang="en-US" sz="3200" kern="1200" dirty="0"/>
-            <a:t>文件</a:t>
-          </a:r>
-        </a:p>
-      </dsp:txBody>
-      <dsp:txXfrm>
-        <a:off x="1923010" y="250228"/>
-        <a:ext cx="2243512" cy="1153808"/>
-      </dsp:txXfrm>
-    </dsp:sp>
-    <dsp:sp modelId="{63B6A23B-5221-45BE-A645-9214C151BBD1}">
-      <dsp:nvSpPr>
-        <dsp:cNvPr id="0" name=""/>
-        <dsp:cNvSpPr/>
-      </dsp:nvSpPr>
-      <dsp:spPr>
-        <a:xfrm>
-          <a:off x="673055" y="1404037"/>
-          <a:ext cx="2499911" cy="2499911"/>
-        </a:xfrm>
-        <a:prstGeom prst="pie">
-          <a:avLst>
-            <a:gd name="adj1" fmla="val 5400000"/>
-            <a:gd name="adj2" fmla="val 16200000"/>
-          </a:avLst>
-        </a:prstGeom>
-        <a:solidFill>
-          <a:schemeClr val="accent1">
-            <a:hueOff val="0"/>
-            <a:satOff val="0"/>
-            <a:lumOff val="0"/>
-            <a:alphaOff val="0"/>
-          </a:schemeClr>
-        </a:solidFill>
-        <a:ln w="10795" cap="flat" cmpd="sng" algn="ctr">
-          <a:solidFill>
-            <a:schemeClr val="lt1">
-              <a:hueOff val="0"/>
-              <a:satOff val="0"/>
-              <a:lumOff val="0"/>
-              <a:alphaOff val="0"/>
-            </a:schemeClr>
-          </a:solidFill>
-          <a:prstDash val="solid"/>
-        </a:ln>
-        <a:effectLst/>
-      </dsp:spPr>
-      <dsp:style>
-        <a:lnRef idx="2">
-          <a:scrgbClr r="0" g="0" b="0"/>
-        </a:lnRef>
-        <a:fillRef idx="1">
-          <a:scrgbClr r="0" g="0" b="0"/>
-        </a:fillRef>
-        <a:effectRef idx="0">
-          <a:scrgbClr r="0" g="0" b="0"/>
-        </a:effectRef>
-        <a:fontRef idx="minor">
-          <a:schemeClr val="lt1"/>
-        </a:fontRef>
-      </dsp:style>
-    </dsp:sp>
-    <dsp:sp modelId="{1D919D02-5B70-4009-814E-F57D52D31B0D}">
-      <dsp:nvSpPr>
-        <dsp:cNvPr id="0" name=""/>
-        <dsp:cNvSpPr/>
-      </dsp:nvSpPr>
-      <dsp:spPr>
-        <a:xfrm>
-          <a:off x="1923010" y="1404037"/>
-          <a:ext cx="4487025" cy="2499911"/>
-        </a:xfrm>
-        <a:prstGeom prst="rect">
-          <a:avLst/>
-        </a:prstGeom>
-        <a:solidFill>
-          <a:schemeClr val="lt1">
-            <a:alpha val="90000"/>
-            <a:hueOff val="0"/>
-            <a:satOff val="0"/>
-            <a:lumOff val="0"/>
-            <a:alphaOff val="0"/>
-          </a:schemeClr>
-        </a:solidFill>
-        <a:ln w="10795" cap="flat" cmpd="sng" algn="ctr">
-          <a:solidFill>
-            <a:schemeClr val="accent1">
-              <a:hueOff val="0"/>
-              <a:satOff val="0"/>
-              <a:lumOff val="0"/>
-              <a:alphaOff val="0"/>
-            </a:schemeClr>
-          </a:solidFill>
-          <a:prstDash val="solid"/>
-        </a:ln>
-        <a:effectLst/>
-      </dsp:spPr>
-      <dsp:style>
-        <a:lnRef idx="2">
-          <a:scrgbClr r="0" g="0" b="0"/>
-        </a:lnRef>
-        <a:fillRef idx="1">
-          <a:scrgbClr r="0" g="0" b="0"/>
-        </a:fillRef>
-        <a:effectRef idx="0">
-          <a:scrgbClr r="0" g="0" b="0"/>
-        </a:effectRef>
-        <a:fontRef idx="minor"/>
-      </dsp:style>
-      <dsp:txBody>
-        <a:bodyPr spcFirstLastPara="0" vert="horz" wrap="square" lIns="121920" tIns="121920" rIns="121920" bIns="121920" numCol="1" spcCol="1270" anchor="ctr" anchorCtr="0">
-          <a:noAutofit/>
-        </a:bodyPr>
-        <a:lstStyle/>
-        <a:p>
-          <a:pPr marL="0" lvl="0" indent="0" algn="ctr" defTabSz="1422400">
-            <a:lnSpc>
-              <a:spcPct val="90000"/>
-            </a:lnSpc>
-            <a:spcBef>
-              <a:spcPct val="0"/>
-            </a:spcBef>
-            <a:spcAft>
-              <a:spcPct val="35000"/>
-            </a:spcAft>
-            <a:buNone/>
-          </a:pPr>
-          <a:r>
-            <a:rPr lang="zh-CN" altLang="en-US" sz="3200" kern="1200" dirty="0"/>
-            <a:t>管理员</a:t>
-          </a:r>
-        </a:p>
-      </dsp:txBody>
-      <dsp:txXfrm>
-        <a:off x="1923010" y="1404037"/>
-        <a:ext cx="2243512" cy="1153805"/>
-      </dsp:txXfrm>
-    </dsp:sp>
-    <dsp:sp modelId="{1D74E7CC-F9CD-461F-9B06-E9166D9924F7}">
-      <dsp:nvSpPr>
-        <dsp:cNvPr id="0" name=""/>
-        <dsp:cNvSpPr/>
-      </dsp:nvSpPr>
-      <dsp:spPr>
-        <a:xfrm>
-          <a:off x="1346108" y="2557842"/>
-          <a:ext cx="1153805" cy="1153805"/>
-        </a:xfrm>
-        <a:prstGeom prst="pie">
-          <a:avLst>
-            <a:gd name="adj1" fmla="val 5400000"/>
-            <a:gd name="adj2" fmla="val 16200000"/>
-          </a:avLst>
-        </a:prstGeom>
-        <a:solidFill>
-          <a:schemeClr val="accent1">
-            <a:hueOff val="0"/>
-            <a:satOff val="0"/>
-            <a:lumOff val="0"/>
-            <a:alphaOff val="0"/>
-          </a:schemeClr>
-        </a:solidFill>
-        <a:ln w="10795" cap="flat" cmpd="sng" algn="ctr">
-          <a:solidFill>
-            <a:schemeClr val="lt1">
-              <a:hueOff val="0"/>
-              <a:satOff val="0"/>
-              <a:lumOff val="0"/>
-              <a:alphaOff val="0"/>
-            </a:schemeClr>
-          </a:solidFill>
-          <a:prstDash val="solid"/>
-        </a:ln>
-        <a:effectLst/>
-      </dsp:spPr>
-      <dsp:style>
-        <a:lnRef idx="2">
-          <a:scrgbClr r="0" g="0" b="0"/>
-        </a:lnRef>
-        <a:fillRef idx="1">
-          <a:scrgbClr r="0" g="0" b="0"/>
-        </a:fillRef>
-        <a:effectRef idx="0">
-          <a:scrgbClr r="0" g="0" b="0"/>
-        </a:effectRef>
-        <a:fontRef idx="minor">
-          <a:schemeClr val="lt1"/>
-        </a:fontRef>
-      </dsp:style>
-    </dsp:sp>
-    <dsp:sp modelId="{797DA1FC-8DE7-4EED-BDEA-E4F2672D98E5}">
-      <dsp:nvSpPr>
-        <dsp:cNvPr id="0" name=""/>
-        <dsp:cNvSpPr/>
-      </dsp:nvSpPr>
-      <dsp:spPr>
-        <a:xfrm>
-          <a:off x="1923010" y="2557842"/>
-          <a:ext cx="4487025" cy="1153805"/>
-        </a:xfrm>
-        <a:prstGeom prst="rect">
-          <a:avLst/>
-        </a:prstGeom>
-        <a:solidFill>
-          <a:schemeClr val="lt1">
-            <a:alpha val="90000"/>
-            <a:hueOff val="0"/>
-            <a:satOff val="0"/>
-            <a:lumOff val="0"/>
-            <a:alphaOff val="0"/>
-          </a:schemeClr>
-        </a:solidFill>
-        <a:ln w="10795" cap="flat" cmpd="sng" algn="ctr">
-          <a:solidFill>
-            <a:schemeClr val="accent1">
-              <a:hueOff val="0"/>
-              <a:satOff val="0"/>
-              <a:lumOff val="0"/>
-              <a:alphaOff val="0"/>
-            </a:schemeClr>
-          </a:solidFill>
-          <a:prstDash val="solid"/>
-        </a:ln>
-        <a:effectLst/>
-      </dsp:spPr>
-      <dsp:style>
-        <a:lnRef idx="2">
-          <a:scrgbClr r="0" g="0" b="0"/>
-        </a:lnRef>
-        <a:fillRef idx="1">
-          <a:scrgbClr r="0" g="0" b="0"/>
-        </a:fillRef>
-        <a:effectRef idx="0">
-          <a:scrgbClr r="0" g="0" b="0"/>
-        </a:effectRef>
-        <a:fontRef idx="minor"/>
-      </dsp:style>
-      <dsp:txBody>
-        <a:bodyPr spcFirstLastPara="0" vert="horz" wrap="square" lIns="121920" tIns="121920" rIns="121920" bIns="121920" numCol="1" spcCol="1270" anchor="ctr" anchorCtr="0">
-          <a:noAutofit/>
-        </a:bodyPr>
-        <a:lstStyle/>
-        <a:p>
-          <a:pPr marL="0" lvl="0" indent="0" algn="ctr" defTabSz="1422400">
-            <a:lnSpc>
-              <a:spcPct val="90000"/>
-            </a:lnSpc>
-            <a:spcBef>
-              <a:spcPct val="0"/>
-            </a:spcBef>
-            <a:spcAft>
-              <a:spcPct val="35000"/>
-            </a:spcAft>
-            <a:buNone/>
-          </a:pPr>
-          <a:r>
-            <a:rPr lang="zh-CN" altLang="en-US" sz="3200" kern="1200" dirty="0"/>
-            <a:t>用户</a:t>
-          </a:r>
-        </a:p>
-      </dsp:txBody>
-      <dsp:txXfrm>
-        <a:off x="1923010" y="2557842"/>
-        <a:ext cx="2243512" cy="1153805"/>
-      </dsp:txXfrm>
-    </dsp:sp>
-    <dsp:sp modelId="{69144D84-1C74-4955-BB0E-8B16CA5CE8F2}">
-      <dsp:nvSpPr>
-        <dsp:cNvPr id="0" name=""/>
-        <dsp:cNvSpPr/>
-      </dsp:nvSpPr>
-      <dsp:spPr>
-        <a:xfrm>
-          <a:off x="4166523" y="250228"/>
-          <a:ext cx="2243512" cy="1153808"/>
-        </a:xfrm>
-        <a:prstGeom prst="rect">
-          <a:avLst/>
-        </a:prstGeom>
-        <a:noFill/>
-        <a:ln w="10795" cap="flat" cmpd="sng" algn="ctr">
-          <a:noFill/>
-          <a:prstDash val="solid"/>
-        </a:ln>
-        <a:effectLst/>
-        <a:sp3d/>
-      </dsp:spPr>
-      <dsp:style>
-        <a:lnRef idx="2">
-          <a:scrgbClr r="0" g="0" b="0"/>
-        </a:lnRef>
-        <a:fillRef idx="1">
-          <a:scrgbClr r="0" g="0" b="0"/>
-        </a:fillRef>
-        <a:effectRef idx="0">
-          <a:scrgbClr r="0" g="0" b="0"/>
-        </a:effectRef>
-        <a:fontRef idx="minor"/>
-      </dsp:style>
-      <dsp:txBody>
-        <a:bodyPr spcFirstLastPara="0" vert="horz" wrap="square" lIns="45720" tIns="45720" rIns="45720" bIns="45720" numCol="1" spcCol="1270" anchor="ctr" anchorCtr="0">
-          <a:noAutofit/>
-        </a:bodyPr>
-        <a:lstStyle/>
-        <a:p>
-          <a:pPr marL="114300" lvl="1" indent="-114300" algn="l" defTabSz="533400">
-            <a:lnSpc>
-              <a:spcPct val="90000"/>
-            </a:lnSpc>
-            <a:spcBef>
-              <a:spcPct val="0"/>
-            </a:spcBef>
-            <a:spcAft>
-              <a:spcPct val="15000"/>
-            </a:spcAft>
-            <a:buChar char="•"/>
-          </a:pPr>
-          <a:r>
-            <a:rPr lang="zh-CN" altLang="en-US" sz="1200" kern="1200" dirty="0"/>
-            <a:t>读</a:t>
-          </a:r>
-          <a:r>
-            <a:rPr lang="en-US" altLang="zh-CN" sz="1200" kern="1200" dirty="0"/>
-            <a:t>hotel.txt</a:t>
-          </a:r>
-          <a:endParaRPr lang="zh-CN" altLang="en-US" sz="1200" kern="1200" dirty="0"/>
-        </a:p>
-        <a:p>
-          <a:pPr marL="114300" lvl="1" indent="-114300" algn="l" defTabSz="533400">
-            <a:lnSpc>
-              <a:spcPct val="90000"/>
-            </a:lnSpc>
-            <a:spcBef>
-              <a:spcPct val="0"/>
-            </a:spcBef>
-            <a:spcAft>
-              <a:spcPct val="15000"/>
-            </a:spcAft>
-            <a:buChar char="•"/>
-          </a:pPr>
-          <a:r>
-            <a:rPr lang="zh-CN" altLang="en-US" sz="1200" kern="1200" dirty="0"/>
-            <a:t>写</a:t>
-          </a:r>
-          <a:r>
-            <a:rPr lang="en-US" altLang="zh-CN" sz="1200" kern="1200" dirty="0"/>
-            <a:t>order.txt</a:t>
-          </a:r>
-          <a:endParaRPr lang="zh-CN" altLang="en-US" sz="1200" kern="1200" dirty="0"/>
-        </a:p>
-      </dsp:txBody>
-      <dsp:txXfrm>
-        <a:off x="4166523" y="250228"/>
-        <a:ext cx="2243512" cy="1153808"/>
-      </dsp:txXfrm>
-    </dsp:sp>
-    <dsp:sp modelId="{9E229CF6-EA3C-482F-8673-75A822E72B4D}">
-      <dsp:nvSpPr>
-        <dsp:cNvPr id="0" name=""/>
-        <dsp:cNvSpPr/>
-      </dsp:nvSpPr>
-      <dsp:spPr>
-        <a:xfrm>
-          <a:off x="4166523" y="1404037"/>
-          <a:ext cx="2243512" cy="1153805"/>
-        </a:xfrm>
-        <a:prstGeom prst="rect">
-          <a:avLst/>
-        </a:prstGeom>
-        <a:noFill/>
-        <a:ln w="10795" cap="flat" cmpd="sng" algn="ctr">
-          <a:noFill/>
-          <a:prstDash val="solid"/>
-        </a:ln>
-        <a:effectLst/>
-        <a:sp3d/>
-      </dsp:spPr>
-      <dsp:style>
-        <a:lnRef idx="2">
-          <a:scrgbClr r="0" g="0" b="0"/>
-        </a:lnRef>
-        <a:fillRef idx="1">
-          <a:scrgbClr r="0" g="0" b="0"/>
-        </a:fillRef>
-        <a:effectRef idx="0">
-          <a:scrgbClr r="0" g="0" b="0"/>
-        </a:effectRef>
-        <a:fontRef idx="minor"/>
-      </dsp:style>
-      <dsp:txBody>
-        <a:bodyPr spcFirstLastPara="0" vert="horz" wrap="square" lIns="45720" tIns="45720" rIns="45720" bIns="45720" numCol="1" spcCol="1270" anchor="ctr" anchorCtr="0">
-          <a:noAutofit/>
-        </a:bodyPr>
-        <a:lstStyle/>
-        <a:p>
-          <a:pPr marL="114300" lvl="1" indent="-114300" algn="l" defTabSz="533400">
-            <a:lnSpc>
-              <a:spcPct val="90000"/>
-            </a:lnSpc>
-            <a:spcBef>
-              <a:spcPct val="0"/>
-            </a:spcBef>
-            <a:spcAft>
-              <a:spcPct val="15000"/>
-            </a:spcAft>
-            <a:buChar char="•"/>
-          </a:pPr>
-          <a:r>
-            <a:rPr lang="zh-CN" altLang="en-US" sz="1200" kern="1200" dirty="0"/>
-            <a:t>增</a:t>
-          </a:r>
-        </a:p>
-        <a:p>
-          <a:pPr marL="114300" lvl="1" indent="-114300" algn="l" defTabSz="533400">
-            <a:lnSpc>
-              <a:spcPct val="90000"/>
-            </a:lnSpc>
-            <a:spcBef>
-              <a:spcPct val="0"/>
-            </a:spcBef>
-            <a:spcAft>
-              <a:spcPct val="15000"/>
-            </a:spcAft>
-            <a:buChar char="•"/>
-          </a:pPr>
-          <a:r>
-            <a:rPr lang="zh-CN" altLang="en-US" sz="1200" kern="1200" dirty="0"/>
-            <a:t>删</a:t>
-          </a:r>
-        </a:p>
-        <a:p>
-          <a:pPr marL="114300" lvl="1" indent="-114300" algn="l" defTabSz="533400">
-            <a:lnSpc>
-              <a:spcPct val="90000"/>
-            </a:lnSpc>
-            <a:spcBef>
-              <a:spcPct val="0"/>
-            </a:spcBef>
-            <a:spcAft>
-              <a:spcPct val="15000"/>
-            </a:spcAft>
-            <a:buChar char="•"/>
-          </a:pPr>
-          <a:r>
-            <a:rPr lang="zh-CN" altLang="en-US" sz="1200" kern="1200" dirty="0"/>
-            <a:t>改</a:t>
-          </a:r>
-        </a:p>
-        <a:p>
-          <a:pPr marL="114300" lvl="1" indent="-114300" algn="l" defTabSz="533400">
-            <a:lnSpc>
-              <a:spcPct val="90000"/>
-            </a:lnSpc>
-            <a:spcBef>
-              <a:spcPct val="0"/>
-            </a:spcBef>
-            <a:spcAft>
-              <a:spcPct val="15000"/>
-            </a:spcAft>
-            <a:buChar char="•"/>
-          </a:pPr>
-          <a:r>
-            <a:rPr lang="zh-CN" altLang="en-US" sz="1200" kern="1200" dirty="0"/>
-            <a:t>查</a:t>
-          </a:r>
-        </a:p>
-        <a:p>
-          <a:pPr marL="114300" lvl="1" indent="-114300" algn="l" defTabSz="533400">
-            <a:lnSpc>
-              <a:spcPct val="90000"/>
-            </a:lnSpc>
-            <a:spcBef>
-              <a:spcPct val="0"/>
-            </a:spcBef>
-            <a:spcAft>
-              <a:spcPct val="15000"/>
-            </a:spcAft>
-            <a:buChar char="•"/>
-          </a:pPr>
-          <a:r>
-            <a:rPr lang="zh-CN" altLang="en-US" sz="1200" kern="1200" dirty="0"/>
-            <a:t>存</a:t>
-          </a:r>
-        </a:p>
-      </dsp:txBody>
-      <dsp:txXfrm>
-        <a:off x="4166523" y="1404037"/>
-        <a:ext cx="2243512" cy="1153805"/>
-      </dsp:txXfrm>
-    </dsp:sp>
-    <dsp:sp modelId="{8EB2358E-FADD-4031-A82C-625D7275BFAF}">
-      <dsp:nvSpPr>
-        <dsp:cNvPr id="0" name=""/>
-        <dsp:cNvSpPr/>
-      </dsp:nvSpPr>
-      <dsp:spPr>
-        <a:xfrm>
-          <a:off x="4166523" y="2557842"/>
-          <a:ext cx="2243512" cy="1153805"/>
-        </a:xfrm>
-        <a:prstGeom prst="rect">
-          <a:avLst/>
-        </a:prstGeom>
-        <a:noFill/>
-        <a:ln w="10795" cap="flat" cmpd="sng" algn="ctr">
-          <a:noFill/>
-          <a:prstDash val="solid"/>
-        </a:ln>
-        <a:effectLst/>
-        <a:sp3d/>
-      </dsp:spPr>
-      <dsp:style>
-        <a:lnRef idx="2">
-          <a:scrgbClr r="0" g="0" b="0"/>
-        </a:lnRef>
-        <a:fillRef idx="1">
-          <a:scrgbClr r="0" g="0" b="0"/>
-        </a:fillRef>
-        <a:effectRef idx="0">
-          <a:scrgbClr r="0" g="0" b="0"/>
-        </a:effectRef>
-        <a:fontRef idx="minor"/>
-      </dsp:style>
-      <dsp:txBody>
-        <a:bodyPr spcFirstLastPara="0" vert="horz" wrap="square" lIns="45720" tIns="45720" rIns="45720" bIns="45720" numCol="1" spcCol="1270" anchor="ctr" anchorCtr="0">
-          <a:noAutofit/>
-        </a:bodyPr>
-        <a:lstStyle/>
-        <a:p>
-          <a:pPr marL="114300" lvl="1" indent="-114300" algn="l" defTabSz="533400">
-            <a:lnSpc>
-              <a:spcPct val="90000"/>
-            </a:lnSpc>
-            <a:spcBef>
-              <a:spcPct val="0"/>
-            </a:spcBef>
-            <a:spcAft>
-              <a:spcPct val="15000"/>
-            </a:spcAft>
-            <a:buChar char="•"/>
-          </a:pPr>
-          <a:r>
-            <a:rPr lang="zh-CN" altLang="en-US" sz="1200" kern="1200" dirty="0"/>
-            <a:t>查酒店</a:t>
-          </a:r>
-        </a:p>
-        <a:p>
-          <a:pPr marL="114300" lvl="1" indent="-114300" algn="l" defTabSz="533400">
-            <a:lnSpc>
-              <a:spcPct val="90000"/>
-            </a:lnSpc>
-            <a:spcBef>
-              <a:spcPct val="0"/>
-            </a:spcBef>
-            <a:spcAft>
-              <a:spcPct val="15000"/>
-            </a:spcAft>
-            <a:buChar char="•"/>
-          </a:pPr>
-          <a:r>
-            <a:rPr lang="zh-CN" altLang="en-US" sz="1200" kern="1200" dirty="0"/>
-            <a:t>订房间</a:t>
-          </a:r>
-        </a:p>
-        <a:p>
-          <a:pPr marL="114300" lvl="1" indent="-114300" algn="l" defTabSz="533400">
-            <a:lnSpc>
-              <a:spcPct val="90000"/>
-            </a:lnSpc>
-            <a:spcBef>
-              <a:spcPct val="0"/>
-            </a:spcBef>
-            <a:spcAft>
-              <a:spcPct val="15000"/>
-            </a:spcAft>
-            <a:buChar char="•"/>
-          </a:pPr>
-          <a:r>
-            <a:rPr lang="zh-CN" altLang="en-US" sz="1200" kern="1200" dirty="0"/>
-            <a:t>查订单</a:t>
-          </a:r>
-        </a:p>
-        <a:p>
-          <a:pPr marL="114300" lvl="1" indent="-114300" algn="l" defTabSz="533400">
-            <a:lnSpc>
-              <a:spcPct val="90000"/>
-            </a:lnSpc>
-            <a:spcBef>
-              <a:spcPct val="0"/>
-            </a:spcBef>
-            <a:spcAft>
-              <a:spcPct val="15000"/>
-            </a:spcAft>
-            <a:buChar char="•"/>
-          </a:pPr>
-          <a:r>
-            <a:rPr lang="zh-CN" altLang="en-US" sz="1200" kern="1200" dirty="0"/>
-            <a:t>删订单</a:t>
-          </a:r>
-        </a:p>
-      </dsp:txBody>
-      <dsp:txXfrm>
-        <a:off x="4166523" y="2557842"/>
-        <a:ext cx="2243512" cy="1153805"/>
-      </dsp:txXfrm>
-    </dsp:sp>
-  </dsp:spTree>
-</dsp:drawing>
-</file>
-
-<file path=ppt/diagrams/drawing6.xml><?xml version="1.0" encoding="utf-8"?>
-<dsp:drawing xmlns:dgm="http://schemas.openxmlformats.org/drawingml/2006/diagram" xmlns:dsp="http://schemas.microsoft.com/office/drawing/2008/diagram" xmlns:a="http://schemas.openxmlformats.org/drawingml/2006/main">
-  <dsp:spTree>
-    <dsp:nvGrpSpPr>
-      <dsp:cNvPr id="0" name=""/>
-      <dsp:cNvGrpSpPr/>
-    </dsp:nvGrpSpPr>
-    <dsp:grpSpPr/>
-    <dsp:sp modelId="{8687D3DA-9A3B-48CC-801E-CD09E1163C78}">
-      <dsp:nvSpPr>
-        <dsp:cNvPr id="0" name=""/>
-        <dsp:cNvSpPr/>
-      </dsp:nvSpPr>
-      <dsp:spPr>
-        <a:xfrm>
-          <a:off x="0" y="15007"/>
-          <a:ext cx="4802909" cy="637101"/>
-        </a:xfrm>
-        <a:prstGeom prst="roundRect">
-          <a:avLst/>
-        </a:prstGeom>
-        <a:solidFill>
-          <a:schemeClr val="accent1">
-            <a:hueOff val="0"/>
-            <a:satOff val="0"/>
-            <a:lumOff val="0"/>
-            <a:alphaOff val="0"/>
-          </a:schemeClr>
-        </a:solidFill>
-        <a:ln w="10795" cap="flat" cmpd="sng" algn="ctr">
-          <a:solidFill>
-            <a:schemeClr val="lt1">
-              <a:hueOff val="0"/>
-              <a:satOff val="0"/>
-              <a:lumOff val="0"/>
-              <a:alphaOff val="0"/>
-            </a:schemeClr>
-          </a:solidFill>
-          <a:prstDash val="solid"/>
-        </a:ln>
-        <a:effectLst/>
-      </dsp:spPr>
-      <dsp:style>
-        <a:lnRef idx="2">
-          <a:scrgbClr r="0" g="0" b="0"/>
-        </a:lnRef>
-        <a:fillRef idx="1">
-          <a:scrgbClr r="0" g="0" b="0"/>
-        </a:fillRef>
-        <a:effectRef idx="0">
-          <a:scrgbClr r="0" g="0" b="0"/>
-        </a:effectRef>
-        <a:fontRef idx="minor">
-          <a:schemeClr val="lt1"/>
-        </a:fontRef>
-      </dsp:style>
-      <dsp:txBody>
-        <a:bodyPr spcFirstLastPara="0" vert="horz" wrap="square" lIns="95250" tIns="95250" rIns="95250" bIns="95250" numCol="1" spcCol="1270" anchor="ctr" anchorCtr="0">
-          <a:noAutofit/>
-        </a:bodyPr>
-        <a:lstStyle/>
-        <a:p>
-          <a:pPr marL="0" lvl="0" indent="0" algn="l" defTabSz="1111250">
-            <a:lnSpc>
-              <a:spcPct val="90000"/>
-            </a:lnSpc>
-            <a:spcBef>
-              <a:spcPct val="0"/>
-            </a:spcBef>
-            <a:spcAft>
-              <a:spcPct val="35000"/>
-            </a:spcAft>
-            <a:buNone/>
-          </a:pPr>
-          <a:r>
-            <a:rPr lang="en-US" altLang="zh-CN" sz="2500" kern="1200" dirty="0"/>
-            <a:t>QT GUI</a:t>
-          </a:r>
-          <a:endParaRPr lang="zh-CN" altLang="en-US" sz="2500" kern="1200" dirty="0"/>
-        </a:p>
-      </dsp:txBody>
-      <dsp:txXfrm>
-        <a:off x="31101" y="46108"/>
-        <a:ext cx="4740707" cy="574899"/>
-      </dsp:txXfrm>
-    </dsp:sp>
-    <dsp:sp modelId="{C07130A5-66DF-431F-97B9-4409BB58DAB5}">
-      <dsp:nvSpPr>
-        <dsp:cNvPr id="0" name=""/>
-        <dsp:cNvSpPr/>
-      </dsp:nvSpPr>
-      <dsp:spPr>
-        <a:xfrm>
-          <a:off x="0" y="724109"/>
-          <a:ext cx="4802909" cy="637101"/>
-        </a:xfrm>
-        <a:prstGeom prst="roundRect">
-          <a:avLst/>
-        </a:prstGeom>
-        <a:solidFill>
-          <a:schemeClr val="accent1">
-            <a:hueOff val="0"/>
-            <a:satOff val="0"/>
-            <a:lumOff val="0"/>
-            <a:alphaOff val="0"/>
-          </a:schemeClr>
-        </a:solidFill>
-        <a:ln w="10795" cap="flat" cmpd="sng" algn="ctr">
-          <a:solidFill>
-            <a:schemeClr val="lt1">
-              <a:hueOff val="0"/>
-              <a:satOff val="0"/>
-              <a:lumOff val="0"/>
-              <a:alphaOff val="0"/>
-            </a:schemeClr>
-          </a:solidFill>
-          <a:prstDash val="solid"/>
-        </a:ln>
-        <a:effectLst/>
-      </dsp:spPr>
-      <dsp:style>
-        <a:lnRef idx="2">
-          <a:scrgbClr r="0" g="0" b="0"/>
-        </a:lnRef>
-        <a:fillRef idx="1">
-          <a:scrgbClr r="0" g="0" b="0"/>
-        </a:fillRef>
-        <a:effectRef idx="0">
-          <a:scrgbClr r="0" g="0" b="0"/>
-        </a:effectRef>
-        <a:fontRef idx="minor">
-          <a:schemeClr val="lt1"/>
-        </a:fontRef>
-      </dsp:style>
-      <dsp:txBody>
-        <a:bodyPr spcFirstLastPara="0" vert="horz" wrap="square" lIns="95250" tIns="95250" rIns="95250" bIns="95250" numCol="1" spcCol="1270" anchor="ctr" anchorCtr="0">
-          <a:noAutofit/>
-        </a:bodyPr>
-        <a:lstStyle/>
-        <a:p>
-          <a:pPr marL="0" lvl="0" indent="0" algn="l" defTabSz="1111250">
-            <a:lnSpc>
-              <a:spcPct val="90000"/>
-            </a:lnSpc>
-            <a:spcBef>
-              <a:spcPct val="0"/>
-            </a:spcBef>
-            <a:spcAft>
-              <a:spcPct val="35000"/>
-            </a:spcAft>
-            <a:buNone/>
-          </a:pPr>
-          <a:r>
-            <a:rPr lang="zh-CN" altLang="en-US" sz="2500" kern="1200" dirty="0"/>
-            <a:t>创意点</a:t>
-          </a:r>
-        </a:p>
-      </dsp:txBody>
-      <dsp:txXfrm>
-        <a:off x="31101" y="755210"/>
-        <a:ext cx="4740707" cy="574899"/>
-      </dsp:txXfrm>
-    </dsp:sp>
-  </dsp:spTree>
-</dsp:drawing>
-</file>
-
 <file path=ppt/diagrams/layout1.xml><?xml version="1.0" encoding="utf-8"?>
 <dgm:layoutDef xmlns:dgm="http://schemas.openxmlformats.org/drawingml/2006/diagram" xmlns:a="http://schemas.openxmlformats.org/drawingml/2006/main" uniqueId="urn:microsoft.com/office/officeart/2009/3/layout/HorizontalOrganizationChart">
   <dgm:title val=""/>
@@ -12046,2686 +8823,6 @@
 </dgm:layoutDef>
 </file>
 
-<file path=ppt/diagrams/layout5.xml><?xml version="1.0" encoding="utf-8"?>
-<dgm:layoutDef xmlns:dgm="http://schemas.openxmlformats.org/drawingml/2006/diagram" xmlns:a="http://schemas.openxmlformats.org/drawingml/2006/main" uniqueId="urn:microsoft.com/office/officeart/2005/8/layout/target3">
-  <dgm:title val=""/>
-  <dgm:desc val=""/>
-  <dgm:catLst>
-    <dgm:cat type="relationship" pri="11000"/>
-    <dgm:cat type="list" pri="22000"/>
-    <dgm:cat type="convert" pri="4000"/>
-  </dgm:catLst>
-  <dgm:sampData>
-    <dgm:dataModel>
-      <dgm:ptLst>
-        <dgm:pt modelId="0" type="doc"/>
-        <dgm:pt modelId="1">
-          <dgm:prSet phldr="1"/>
-        </dgm:pt>
-        <dgm:pt modelId="11">
-          <dgm:prSet phldr="1"/>
-        </dgm:pt>
-        <dgm:pt modelId="12">
-          <dgm:prSet phldr="1"/>
-        </dgm:pt>
-        <dgm:pt modelId="2">
-          <dgm:prSet phldr="1"/>
-        </dgm:pt>
-        <dgm:pt modelId="21">
-          <dgm:prSet phldr="1"/>
-        </dgm:pt>
-        <dgm:pt modelId="22">
-          <dgm:prSet phldr="1"/>
-        </dgm:pt>
-        <dgm:pt modelId="3">
-          <dgm:prSet phldr="1"/>
-        </dgm:pt>
-        <dgm:pt modelId="31">
-          <dgm:prSet phldr="1"/>
-        </dgm:pt>
-        <dgm:pt modelId="32">
-          <dgm:prSet phldr="1"/>
-        </dgm:pt>
-      </dgm:ptLst>
-      <dgm:cxnLst>
-        <dgm:cxn modelId="4" srcId="0" destId="1" srcOrd="0" destOrd="0"/>
-        <dgm:cxn modelId="5" srcId="0" destId="2" srcOrd="1" destOrd="0"/>
-        <dgm:cxn modelId="6" srcId="0" destId="3" srcOrd="2" destOrd="0"/>
-        <dgm:cxn modelId="41" srcId="1" destId="11" srcOrd="0" destOrd="0"/>
-        <dgm:cxn modelId="42" srcId="1" destId="12" srcOrd="1" destOrd="0"/>
-        <dgm:cxn modelId="51" srcId="2" destId="21" srcOrd="0" destOrd="0"/>
-        <dgm:cxn modelId="52" srcId="2" destId="22" srcOrd="1" destOrd="0"/>
-        <dgm:cxn modelId="61" srcId="3" destId="31" srcOrd="0" destOrd="0"/>
-        <dgm:cxn modelId="62" srcId="3" destId="32" srcOrd="1" destOrd="0"/>
-      </dgm:cxnLst>
-      <dgm:bg/>
-      <dgm:whole/>
-    </dgm:dataModel>
-  </dgm:sampData>
-  <dgm:styleData>
-    <dgm:dataModel>
-      <dgm:ptLst>
-        <dgm:pt modelId="0" type="doc"/>
-        <dgm:pt modelId="1"/>
-        <dgm:pt modelId="11"/>
-        <dgm:pt modelId="12"/>
-        <dgm:pt modelId="2"/>
-        <dgm:pt modelId="21"/>
-        <dgm:pt modelId="22"/>
-        <dgm:pt modelId="3"/>
-        <dgm:pt modelId="31"/>
-        <dgm:pt modelId="32"/>
-      </dgm:ptLst>
-      <dgm:cxnLst>
-        <dgm:cxn modelId="4" srcId="0" destId="1" srcOrd="0" destOrd="0"/>
-        <dgm:cxn modelId="5" srcId="0" destId="2" srcOrd="1" destOrd="0"/>
-        <dgm:cxn modelId="6" srcId="0" destId="3" srcOrd="2" destOrd="0"/>
-        <dgm:cxn modelId="41" srcId="1" destId="11" srcOrd="0" destOrd="0"/>
-        <dgm:cxn modelId="42" srcId="1" destId="12" srcOrd="1" destOrd="0"/>
-        <dgm:cxn modelId="51" srcId="2" destId="21" srcOrd="0" destOrd="0"/>
-        <dgm:cxn modelId="52" srcId="2" destId="22" srcOrd="1" destOrd="0"/>
-        <dgm:cxn modelId="61" srcId="3" destId="31" srcOrd="0" destOrd="0"/>
-        <dgm:cxn modelId="62" srcId="3" destId="32" srcOrd="1" destOrd="0"/>
-      </dgm:cxnLst>
-      <dgm:bg/>
-      <dgm:whole/>
-    </dgm:dataModel>
-  </dgm:styleData>
-  <dgm:clrData>
-    <dgm:dataModel>
-      <dgm:ptLst>
-        <dgm:pt modelId="0" type="doc"/>
-        <dgm:pt modelId="1"/>
-        <dgm:pt modelId="11"/>
-        <dgm:pt modelId="12"/>
-        <dgm:pt modelId="2"/>
-        <dgm:pt modelId="21"/>
-        <dgm:pt modelId="22"/>
-        <dgm:pt modelId="3"/>
-        <dgm:pt modelId="31"/>
-        <dgm:pt modelId="32"/>
-      </dgm:ptLst>
-      <dgm:cxnLst>
-        <dgm:cxn modelId="4" srcId="0" destId="1" srcOrd="0" destOrd="0"/>
-        <dgm:cxn modelId="5" srcId="0" destId="2" srcOrd="1" destOrd="0"/>
-        <dgm:cxn modelId="6" srcId="0" destId="3" srcOrd="2" destOrd="0"/>
-        <dgm:cxn modelId="41" srcId="1" destId="11" srcOrd="0" destOrd="0"/>
-        <dgm:cxn modelId="42" srcId="1" destId="12" srcOrd="1" destOrd="0"/>
-        <dgm:cxn modelId="51" srcId="2" destId="21" srcOrd="0" destOrd="0"/>
-        <dgm:cxn modelId="52" srcId="2" destId="22" srcOrd="1" destOrd="0"/>
-        <dgm:cxn modelId="61" srcId="3" destId="31" srcOrd="0" destOrd="0"/>
-        <dgm:cxn modelId="62" srcId="3" destId="32" srcOrd="1" destOrd="0"/>
-      </dgm:cxnLst>
-      <dgm:bg/>
-      <dgm:whole/>
-    </dgm:dataModel>
-  </dgm:clrData>
-  <dgm:layoutNode name="Name0">
-    <dgm:varLst>
-      <dgm:chMax val="7"/>
-      <dgm:dir/>
-      <dgm:animLvl val="lvl"/>
-      <dgm:resizeHandles val="exact"/>
-    </dgm:varLst>
-    <dgm:alg type="composite"/>
-    <dgm:shape xmlns:r="http://schemas.openxmlformats.org/officeDocument/2006/relationships" r:blip="">
-      <dgm:adjLst/>
-    </dgm:shape>
-    <dgm:presOf/>
-    <dgm:choose name="Name1">
-      <dgm:if name="Name2" func="var" arg="dir" op="equ" val="norm">
-        <dgm:choose name="Name3">
-          <dgm:if name="Name4" axis="ch" ptType="node" func="cnt" op="equ" val="1">
-            <dgm:constrLst>
-              <dgm:constr type="userA" refType="w" fact="0.3"/>
-              <dgm:constr type="w" for="ch" forName="circle1" refType="userA" fact="2"/>
-              <dgm:constr type="h" for="ch" forName="circle1" refType="w" refFor="ch" refForName="circle1" op="equ"/>
-              <dgm:constr type="l" for="ch" forName="circle1"/>
-              <dgm:constr type="ctrY" for="ch" forName="circle1" refType="h" fact="0.5"/>
-              <dgm:constr type="l" for="ch" forName="space" refType="ctrX" refFor="ch" refForName="circle1"/>
-              <dgm:constr type="w" for="ch" forName="space"/>
-              <dgm:constr type="h" for="ch" forName="space" refType="h" refFor="ch" refForName="circle1"/>
-              <dgm:constr type="b" for="ch" forName="space" refType="b" refFor="ch" refForName="circle1"/>
-              <dgm:constr type="l" for="ch" forName="rect1" refType="r" refFor="ch" refForName="space"/>
-              <dgm:constr type="r" for="ch" forName="rect1" refType="w"/>
-              <dgm:constr type="h" for="ch" forName="rect1" refType="h" refFor="ch" refForName="circle1"/>
-              <dgm:constr type="b" for="ch" forName="rect1" refType="b" refFor="ch" refForName="circle1"/>
-              <dgm:constr type="l" for="ch" forName="rect1ParTx" refType="r" refFor="ch" refForName="space"/>
-              <dgm:constr type="w" for="ch" forName="rect1ParTx" refType="w" refFor="ch" refForName="rect1" fact="0.5"/>
-              <dgm:constr type="t" for="ch" forName="rect1ParTx" refType="t" refFor="ch" refForName="rect1"/>
-              <dgm:constr type="b" for="ch" forName="rect1ParTx" refType="b" refFor="ch" refForName="rect1"/>
-              <dgm:constr type="l" for="ch" forName="rect1ChTx" refType="r" refFor="ch" refForName="rect1ParTx"/>
-              <dgm:constr type="w" for="ch" forName="rect1ChTx" refType="w" refFor="ch" refForName="rect1ParTx"/>
-              <dgm:constr type="t" for="ch" forName="rect1ChTx" refType="t" refFor="ch" refForName="rect1ParTx"/>
-              <dgm:constr type="b" for="ch" forName="rect1ChTx" refType="b" refFor="ch" refForName="rect1ParTx"/>
-              <dgm:constr type="l" for="ch" forName="rect1ParTxNoCh" refType="r" refFor="ch" refForName="space"/>
-              <dgm:constr type="w" for="ch" forName="rect1ParTxNoCh" refType="w" refFor="ch" refForName="rect1"/>
-              <dgm:constr type="t" for="ch" forName="rect1ParTxNoCh" refType="t" refFor="ch" refForName="rect1"/>
-              <dgm:constr type="b" for="ch" forName="rect1ParTxNoCh" refType="b" refFor="ch" refForName="rect1"/>
-              <dgm:constr type="primFontSz" for="ch" op="equ" val="65"/>
-              <dgm:constr type="secFontSz" for="ch" op="equ" val="65"/>
-            </dgm:constrLst>
-          </dgm:if>
-          <dgm:if name="Name5" axis="ch" ptType="node" func="cnt" op="equ" val="2">
-            <dgm:constrLst>
-              <dgm:constr type="userA" refType="w" fact="0.3"/>
-              <dgm:constr type="w" for="ch" forName="circle1" refType="userA" fact="2"/>
-              <dgm:constr type="h" for="ch" forName="circle1" refType="w" refFor="ch" refForName="circle1" op="equ"/>
-              <dgm:constr type="l" for="ch" forName="circle1"/>
-              <dgm:constr type="ctrY" for="ch" forName="circle1" refType="h" fact="0.5"/>
-              <dgm:constr type="l" for="ch" forName="space" refType="ctrX" refFor="ch" refForName="circle1"/>
-              <dgm:constr type="w" for="ch" forName="space"/>
-              <dgm:constr type="h" for="ch" forName="space" refType="h" refFor="ch" refForName="circle1"/>
-              <dgm:constr type="b" for="ch" forName="space" refType="b" refFor="ch" refForName="circle1"/>
-              <dgm:constr type="l" for="ch" forName="rect1" refType="r" refFor="ch" refForName="space"/>
-              <dgm:constr type="r" for="ch" forName="rect1" refType="w"/>
-              <dgm:constr type="h" for="ch" forName="rect1" refType="h" refFor="ch" refForName="circle1"/>
-              <dgm:constr type="b" for="ch" forName="rect1" refType="b" refFor="ch" refForName="circle1"/>
-              <dgm:constr type="l" for="ch" forName="vertSpace2"/>
-              <dgm:constr type="w" for="ch" forName="vertSpace2" refType="w"/>
-              <dgm:constr type="h" for="ch" forName="vertSpace2" refType="h" refFor="ch" refForName="circle1" fact="0.05"/>
-              <dgm:constr type="b" for="ch" forName="vertSpace2" refType="b" refFor="ch" refForName="circle1"/>
-              <dgm:constr type="ctrX" for="ch" forName="circle2" refType="l" refFor="ch" refForName="space"/>
-              <dgm:constr type="h" for="ch" forName="circle2" refType="h" refFor="ch" refForName="circle1" fact="0.5"/>
-              <dgm:constr type="hOff" for="ch" forName="circle2" refType="h" refFor="ch" refForName="vertSpace2" fact="-0.5"/>
-              <dgm:constr type="w" for="ch" forName="circle2" refType="h" refFor="ch" refForName="circle2" op="equ"/>
-              <dgm:constr type="wOff" for="ch" forName="circle2" refType="hOff" refFor="ch" refForName="circle2" op="equ"/>
-              <dgm:constr type="b" for="ch" forName="circle2" refType="t" refFor="ch" refForName="vertSpace2"/>
-              <dgm:constr type="l" for="ch" forName="rect2" refType="r" refFor="ch" refForName="space"/>
-              <dgm:constr type="r" for="ch" forName="rect2" refType="w"/>
-              <dgm:constr type="h" for="ch" forName="rect2" refType="h" refFor="ch" refForName="circle2"/>
-              <dgm:constr type="hOff" for="ch" forName="rect2" refType="hOff" refFor="ch" refForName="circle2"/>
-              <dgm:constr type="b" for="ch" forName="rect2" refType="b" refFor="ch" refForName="circle2"/>
-              <dgm:constr type="l" for="ch" forName="rect2ParTx" refType="r" refFor="ch" refForName="space"/>
-              <dgm:constr type="w" for="ch" forName="rect2ParTx" refType="w" refFor="ch" refForName="rect2" fact="0.5"/>
-              <dgm:constr type="t" for="ch" forName="rect2ParTx" refType="t" refFor="ch" refForName="rect2"/>
-              <dgm:constr type="b" for="ch" forName="rect2ParTx" refType="b" refFor="ch" refForName="rect2"/>
-              <dgm:constr type="l" for="ch" forName="rect2ChTx" refType="r" refFor="ch" refForName="rect2ParTx"/>
-              <dgm:constr type="w" for="ch" forName="rect2ChTx" refType="w" refFor="ch" refForName="rect2ParTx"/>
-              <dgm:constr type="t" for="ch" forName="rect2ChTx" refType="t" refFor="ch" refForName="rect2ParTx"/>
-              <dgm:constr type="b" for="ch" forName="rect2ChTx" refType="b" refFor="ch" refForName="rect2ParTx"/>
-              <dgm:constr type="l" for="ch" forName="rect2ParTxNoCh" refType="r" refFor="ch" refForName="space"/>
-              <dgm:constr type="w" for="ch" forName="rect2ParTxNoCh" refType="w" refFor="ch" refForName="rect2"/>
-              <dgm:constr type="t" for="ch" forName="rect2ParTxNoCh" refType="t" refFor="ch" refForName="rect2"/>
-              <dgm:constr type="b" for="ch" forName="rect2ParTxNoCh" refType="b" refFor="ch" refForName="rect2"/>
-              <dgm:constr type="l" for="ch" forName="rect1ParTx" refType="r" refFor="ch" refForName="space"/>
-              <dgm:constr type="w" for="ch" forName="rect1ParTx" refType="w" refFor="ch" refForName="rect1" fact="0.5"/>
-              <dgm:constr type="t" for="ch" forName="rect1ParTx" refType="t" refFor="ch" refForName="rect1"/>
-              <dgm:constr type="b" for="ch" forName="rect1ParTx" refType="t" refFor="ch" refForName="rect2"/>
-              <dgm:constr type="l" for="ch" forName="rect1ChTx" refType="r" refFor="ch" refForName="rect1ParTx"/>
-              <dgm:constr type="w" for="ch" forName="rect1ChTx" refType="w" refFor="ch" refForName="rect1ParTx"/>
-              <dgm:constr type="t" for="ch" forName="rect1ChTx" refType="t" refFor="ch" refForName="rect1ParTx"/>
-              <dgm:constr type="b" for="ch" forName="rect1ChTx" refType="b" refFor="ch" refForName="rect1ParTx"/>
-              <dgm:constr type="l" for="ch" forName="rect1ParTxNoCh" refType="r" refFor="ch" refForName="space"/>
-              <dgm:constr type="w" for="ch" forName="rect1ParTxNoCh" refType="w" refFor="ch" refForName="rect1"/>
-              <dgm:constr type="t" for="ch" forName="rect1ParTxNoCh" refType="t" refFor="ch" refForName="rect1"/>
-              <dgm:constr type="b" for="ch" forName="rect1ParTxNoCh" refType="t" refFor="ch" refForName="rect2"/>
-              <dgm:constr type="primFontSz" for="ch" op="equ" val="65"/>
-              <dgm:constr type="secFontSz" for="ch" op="equ" val="65"/>
-            </dgm:constrLst>
-          </dgm:if>
-          <dgm:if name="Name6" axis="ch" ptType="node" func="cnt" op="equ" val="3">
-            <dgm:constrLst>
-              <dgm:constr type="userA" refType="w" fact="0.3"/>
-              <dgm:constr type="w" for="ch" forName="circle1" refType="userA" fact="2"/>
-              <dgm:constr type="h" for="ch" forName="circle1" refType="w" refFor="ch" refForName="circle1" op="equ"/>
-              <dgm:constr type="l" for="ch" forName="circle1"/>
-              <dgm:constr type="ctrY" for="ch" forName="circle1" refType="h" fact="0.5"/>
-              <dgm:constr type="l" for="ch" forName="space" refType="ctrX" refFor="ch" refForName="circle1"/>
-              <dgm:constr type="w" for="ch" forName="space"/>
-              <dgm:constr type="h" for="ch" forName="space" refType="h" refFor="ch" refForName="circle1"/>
-              <dgm:constr type="b" for="ch" forName="space" refType="b" refFor="ch" refForName="circle1"/>
-              <dgm:constr type="l" for="ch" forName="rect1" refType="r" refFor="ch" refForName="space"/>
-              <dgm:constr type="r" for="ch" forName="rect1" refType="w"/>
-              <dgm:constr type="h" for="ch" forName="rect1" refType="h" refFor="ch" refForName="circle1"/>
-              <dgm:constr type="b" for="ch" forName="rect1" refType="b" refFor="ch" refForName="circle1"/>
-              <dgm:constr type="l" for="ch" forName="vertSpace2"/>
-              <dgm:constr type="w" for="ch" forName="vertSpace2" refType="w"/>
-              <dgm:constr type="h" for="ch" forName="vertSpace2" refType="h" refFor="ch" refForName="circle1" fact="0.05"/>
-              <dgm:constr type="b" for="ch" forName="vertSpace2" refType="b" refFor="ch" refForName="circle1"/>
-              <dgm:constr type="ctrX" for="ch" forName="circle2" refType="l" refFor="ch" refForName="space"/>
-              <dgm:constr type="h" for="ch" forName="circle2" refType="h" refFor="ch" refForName="circle1" fact="0.66667"/>
-              <dgm:constr type="hOff" for="ch" forName="circle2" refType="h" refFor="ch" refForName="vertSpace2" fact="-0.33333"/>
-              <dgm:constr type="w" for="ch" forName="circle2" refType="h" refFor="ch" refForName="circle2" op="equ"/>
-              <dgm:constr type="wOff" for="ch" forName="circle2" refType="hOff" refFor="ch" refForName="circle2" op="equ"/>
-              <dgm:constr type="b" for="ch" forName="circle2" refType="t" refFor="ch" refForName="vertSpace2"/>
-              <dgm:constr type="l" for="ch" forName="rect2" refType="r" refFor="ch" refForName="space"/>
-              <dgm:constr type="r" for="ch" forName="rect2" refType="w"/>
-              <dgm:constr type="h" for="ch" forName="rect2" refType="h" refFor="ch" refForName="circle2"/>
-              <dgm:constr type="hOff" for="ch" forName="rect2" refType="hOff" refFor="ch" refForName="circle2"/>
-              <dgm:constr type="b" for="ch" forName="rect2" refType="b" refFor="ch" refForName="circle2"/>
-              <dgm:constr type="l" for="ch" forName="vertSpace3"/>
-              <dgm:constr type="w" for="ch" forName="vertSpace3" refType="w"/>
-              <dgm:constr type="h" for="ch" forName="vertSpace3" refType="h" refFor="ch" refForName="vertSpace2"/>
-              <dgm:constr type="b" for="ch" forName="vertSpace3" refType="t" refFor="ch" refForName="vertSpace2"/>
-              <dgm:constr type="ctrX" for="ch" forName="circle3" refType="l" refFor="ch" refForName="space"/>
-              <dgm:constr type="h" for="ch" forName="circle3" refType="h" refFor="ch" refForName="circle1" fact="0.33333"/>
-              <dgm:constr type="hOff" for="ch" forName="circle3" refType="h" refFor="ch" refForName="vertSpace2" fact="-0.66667"/>
-              <dgm:constr type="w" for="ch" forName="circle3" refType="h" refFor="ch" refForName="circle3" op="equ"/>
-              <dgm:constr type="wOff" for="ch" forName="circle3" refType="hOff" refFor="ch" refForName="circle3" op="equ"/>
-              <dgm:constr type="b" for="ch" forName="circle3" refType="t" refFor="ch" refForName="vertSpace3"/>
-              <dgm:constr type="l" for="ch" forName="rect3" refType="r" refFor="ch" refForName="space"/>
-              <dgm:constr type="r" for="ch" forName="rect3" refType="w"/>
-              <dgm:constr type="h" for="ch" forName="rect3" refType="h" refFor="ch" refForName="circle3"/>
-              <dgm:constr type="hOff" for="ch" forName="rect3" refType="hOff" refFor="ch" refForName="circle3"/>
-              <dgm:constr type="b" for="ch" forName="rect3" refType="b" refFor="ch" refForName="circle3"/>
-              <dgm:constr type="l" for="ch" forName="rect3ParTx" refType="r" refFor="ch" refForName="space"/>
-              <dgm:constr type="w" for="ch" forName="rect3ParTx" refType="w" refFor="ch" refForName="rect3" fact="0.5"/>
-              <dgm:constr type="t" for="ch" forName="rect3ParTx" refType="t" refFor="ch" refForName="rect3"/>
-              <dgm:constr type="b" for="ch" forName="rect3ParTx" refType="b" refFor="ch" refForName="rect3"/>
-              <dgm:constr type="l" for="ch" forName="rect3ChTx" refType="r" refFor="ch" refForName="rect3ParTx"/>
-              <dgm:constr type="w" for="ch" forName="rect3ChTx" refType="w" refFor="ch" refForName="rect3ParTx"/>
-              <dgm:constr type="t" for="ch" forName="rect3ChTx" refType="t" refFor="ch" refForName="rect3ParTx"/>
-              <dgm:constr type="b" for="ch" forName="rect3ChTx" refType="b" refFor="ch" refForName="rect3ParTx"/>
-              <dgm:constr type="l" for="ch" forName="rect3ParTxNoCh" refType="r" refFor="ch" refForName="space"/>
-              <dgm:constr type="w" for="ch" forName="rect3ParTxNoCh" refType="w" refFor="ch" refForName="rect3"/>
-              <dgm:constr type="t" for="ch" forName="rect3ParTxNoCh" refType="t" refFor="ch" refForName="rect3"/>
-              <dgm:constr type="b" for="ch" forName="rect3ParTxNoCh" refType="b" refFor="ch" refForName="rect3"/>
-              <dgm:constr type="l" for="ch" forName="rect1ParTx" refType="r" refFor="ch" refForName="space"/>
-              <dgm:constr type="w" for="ch" forName="rect1ParTx" refType="w" refFor="ch" refForName="rect1" fact="0.5"/>
-              <dgm:constr type="t" for="ch" forName="rect1ParTx" refType="t" refFor="ch" refForName="rect1"/>
-              <dgm:constr type="b" for="ch" forName="rect1ParTx" refType="t" refFor="ch" refForName="rect2"/>
-              <dgm:constr type="l" for="ch" forName="rect1ChTx" refType="r" refFor="ch" refForName="rect1ParTx"/>
-              <dgm:constr type="w" for="ch" forName="rect1ChTx" refType="w" refFor="ch" refForName="rect1ParTx"/>
-              <dgm:constr type="t" for="ch" forName="rect1ChTx" refType="t" refFor="ch" refForName="rect1ParTx"/>
-              <dgm:constr type="b" for="ch" forName="rect1ChTx" refType="b" refFor="ch" refForName="rect1ParTx"/>
-              <dgm:constr type="l" for="ch" forName="rect1ParTxNoCh" refType="r" refFor="ch" refForName="space"/>
-              <dgm:constr type="w" for="ch" forName="rect1ParTxNoCh" refType="w" refFor="ch" refForName="rect1"/>
-              <dgm:constr type="t" for="ch" forName="rect1ParTxNoCh" refType="t" refFor="ch" refForName="rect1"/>
-              <dgm:constr type="b" for="ch" forName="rect1ParTxNoCh" refType="t" refFor="ch" refForName="rect2"/>
-              <dgm:constr type="l" for="ch" forName="rect2ParTx" refType="r" refFor="ch" refForName="space"/>
-              <dgm:constr type="w" for="ch" forName="rect2ParTx" refType="w" refFor="ch" refForName="rect2" fact="0.5"/>
-              <dgm:constr type="t" for="ch" forName="rect2ParTx" refType="t" refFor="ch" refForName="rect2"/>
-              <dgm:constr type="b" for="ch" forName="rect2ParTx" refType="t" refFor="ch" refForName="rect3"/>
-              <dgm:constr type="l" for="ch" forName="rect2ChTx" refType="r" refFor="ch" refForName="rect2ParTx"/>
-              <dgm:constr type="w" for="ch" forName="rect2ChTx" refType="w" refFor="ch" refForName="rect2ParTx"/>
-              <dgm:constr type="t" for="ch" forName="rect2ChTx" refType="t" refFor="ch" refForName="rect2ParTx"/>
-              <dgm:constr type="b" for="ch" forName="rect2ChTx" refType="b" refFor="ch" refForName="rect2ParTx"/>
-              <dgm:constr type="l" for="ch" forName="rect2ParTxNoCh" refType="r" refFor="ch" refForName="space"/>
-              <dgm:constr type="w" for="ch" forName="rect2ParTxNoCh" refType="w" refFor="ch" refForName="rect2"/>
-              <dgm:constr type="t" for="ch" forName="rect2ParTxNoCh" refType="t" refFor="ch" refForName="rect2"/>
-              <dgm:constr type="b" for="ch" forName="rect2ParTxNoCh" refType="t" refFor="ch" refForName="rect3"/>
-              <dgm:constr type="primFontSz" for="ch" op="equ" val="65"/>
-              <dgm:constr type="secFontSz" for="ch" op="equ" val="65"/>
-            </dgm:constrLst>
-          </dgm:if>
-          <dgm:if name="Name7" axis="ch" ptType="node" func="cnt" op="equ" val="4">
-            <dgm:constrLst>
-              <dgm:constr type="userA" refType="w" fact="0.3"/>
-              <dgm:constr type="w" for="ch" forName="circle1" refType="userA" fact="2"/>
-              <dgm:constr type="h" for="ch" forName="circle1" refType="w" refFor="ch" refForName="circle1" op="equ"/>
-              <dgm:constr type="l" for="ch" forName="circle1"/>
-              <dgm:constr type="ctrY" for="ch" forName="circle1" refType="h" fact="0.5"/>
-              <dgm:constr type="l" for="ch" forName="space" refType="ctrX" refFor="ch" refForName="circle1"/>
-              <dgm:constr type="w" for="ch" forName="space"/>
-              <dgm:constr type="h" for="ch" forName="space" refType="h" refFor="ch" refForName="circle1"/>
-              <dgm:constr type="b" for="ch" forName="space" refType="b" refFor="ch" refForName="circle1"/>
-              <dgm:constr type="l" for="ch" forName="rect1" refType="r" refFor="ch" refForName="space"/>
-              <dgm:constr type="r" for="ch" forName="rect1" refType="w"/>
-              <dgm:constr type="h" for="ch" forName="rect1" refType="h" refFor="ch" refForName="circle1"/>
-              <dgm:constr type="b" for="ch" forName="rect1" refType="b" refFor="ch" refForName="circle1"/>
-              <dgm:constr type="l" for="ch" forName="vertSpace2"/>
-              <dgm:constr type="w" for="ch" forName="vertSpace2" refType="w"/>
-              <dgm:constr type="h" for="ch" forName="vertSpace2" refType="h" refFor="ch" refForName="circle1" fact="0.05"/>
-              <dgm:constr type="b" for="ch" forName="vertSpace2" refType="b" refFor="ch" refForName="circle1"/>
-              <dgm:constr type="ctrX" for="ch" forName="circle2" refType="l" refFor="ch" refForName="space"/>
-              <dgm:constr type="h" for="ch" forName="circle2" refType="h" refFor="ch" refForName="circle1" fact="0.75"/>
-              <dgm:constr type="hOff" for="ch" forName="circle2" refType="h" refFor="ch" refForName="vertSpace2" fact="-0.25"/>
-              <dgm:constr type="w" for="ch" forName="circle2" refType="h" refFor="ch" refForName="circle2" op="equ"/>
-              <dgm:constr type="wOff" for="ch" forName="circle2" refType="hOff" refFor="ch" refForName="circle2" op="equ"/>
-              <dgm:constr type="b" for="ch" forName="circle2" refType="t" refFor="ch" refForName="vertSpace2"/>
-              <dgm:constr type="l" for="ch" forName="rect2" refType="r" refFor="ch" refForName="space"/>
-              <dgm:constr type="r" for="ch" forName="rect2" refType="w"/>
-              <dgm:constr type="h" for="ch" forName="rect2" refType="h" refFor="ch" refForName="circle2"/>
-              <dgm:constr type="hOff" for="ch" forName="rect2" refType="hOff" refFor="ch" refForName="circle2"/>
-              <dgm:constr type="b" for="ch" forName="rect2" refType="b" refFor="ch" refForName="circle2"/>
-              <dgm:constr type="l" for="ch" forName="vertSpace3"/>
-              <dgm:constr type="w" for="ch" forName="vertSpace3" refType="w"/>
-              <dgm:constr type="h" for="ch" forName="vertSpace3" refType="h" refFor="ch" refForName="vertSpace2"/>
-              <dgm:constr type="b" for="ch" forName="vertSpace3" refType="t" refFor="ch" refForName="vertSpace2"/>
-              <dgm:constr type="ctrX" for="ch" forName="circle3" refType="l" refFor="ch" refForName="space"/>
-              <dgm:constr type="h" for="ch" forName="circle3" refType="h" refFor="ch" refForName="circle1" fact="0.5"/>
-              <dgm:constr type="hOff" for="ch" forName="circle3" refType="h" refFor="ch" refForName="vertSpace2" fact="-0.5"/>
-              <dgm:constr type="w" for="ch" forName="circle3" refType="h" refFor="ch" refForName="circle3" op="equ"/>
-              <dgm:constr type="wOff" for="ch" forName="circle3" refType="hOff" refFor="ch" refForName="circle3" op="equ"/>
-              <dgm:constr type="b" for="ch" forName="circle3" refType="t" refFor="ch" refForName="vertSpace3"/>
-              <dgm:constr type="l" for="ch" forName="rect3" refType="r" refFor="ch" refForName="space"/>
-              <dgm:constr type="r" for="ch" forName="rect3" refType="w"/>
-              <dgm:constr type="h" for="ch" forName="rect3" refType="h" refFor="ch" refForName="circle3"/>
-              <dgm:constr type="hOff" for="ch" forName="rect3" refType="hOff" refFor="ch" refForName="circle3"/>
-              <dgm:constr type="b" for="ch" forName="rect3" refType="b" refFor="ch" refForName="circle3"/>
-              <dgm:constr type="l" for="ch" forName="vertSpace4"/>
-              <dgm:constr type="w" for="ch" forName="vertSpace4" refType="w"/>
-              <dgm:constr type="h" for="ch" forName="vertSpace4" refType="h" refFor="ch" refForName="vertSpace3"/>
-              <dgm:constr type="b" for="ch" forName="vertSpace4" refType="t" refFor="ch" refForName="vertSpace3"/>
-              <dgm:constr type="ctrX" for="ch" forName="circle4" refType="l" refFor="ch" refForName="space"/>
-              <dgm:constr type="h" for="ch" forName="circle4" refType="h" refFor="ch" refForName="circle1" fact="0.25"/>
-              <dgm:constr type="hOff" for="ch" forName="circle4" refType="h" refFor="ch" refForName="vertSpace2" fact="-0.75"/>
-              <dgm:constr type="w" for="ch" forName="circle4" refType="h" refFor="ch" refForName="circle4" op="equ"/>
-              <dgm:constr type="wOff" for="ch" forName="circle4" refType="hOff" refFor="ch" refForName="circle4" op="equ"/>
-              <dgm:constr type="b" for="ch" forName="circle4" refType="t" refFor="ch" refForName="vertSpace4"/>
-              <dgm:constr type="l" for="ch" forName="rect4" refType="r" refFor="ch" refForName="space"/>
-              <dgm:constr type="r" for="ch" forName="rect4" refType="w"/>
-              <dgm:constr type="h" for="ch" forName="rect4" refType="h" refFor="ch" refForName="circle4"/>
-              <dgm:constr type="hOff" for="ch" forName="rect4" refType="hOff" refFor="ch" refForName="circle4"/>
-              <dgm:constr type="b" for="ch" forName="rect4" refType="b" refFor="ch" refForName="circle4"/>
-              <dgm:constr type="l" for="ch" forName="rect4ParTx" refType="r" refFor="ch" refForName="space"/>
-              <dgm:constr type="w" for="ch" forName="rect4ParTx" refType="w" refFor="ch" refForName="rect4" fact="0.5"/>
-              <dgm:constr type="t" for="ch" forName="rect4ParTx" refType="t" refFor="ch" refForName="rect4"/>
-              <dgm:constr type="b" for="ch" forName="rect4ParTx" refType="b" refFor="ch" refForName="rect4"/>
-              <dgm:constr type="l" for="ch" forName="rect4ChTx" refType="r" refFor="ch" refForName="rect4ParTx"/>
-              <dgm:constr type="w" for="ch" forName="rect4ChTx" refType="w" refFor="ch" refForName="rect4ParTx"/>
-              <dgm:constr type="t" for="ch" forName="rect4ChTx" refType="t" refFor="ch" refForName="rect4ParTx"/>
-              <dgm:constr type="b" for="ch" forName="rect4ChTx" refType="b" refFor="ch" refForName="rect4ParTx"/>
-              <dgm:constr type="l" for="ch" forName="rect4ParTxNoCh" refType="r" refFor="ch" refForName="space"/>
-              <dgm:constr type="w" for="ch" forName="rect4ParTxNoCh" refType="w" refFor="ch" refForName="rect4"/>
-              <dgm:constr type="t" for="ch" forName="rect4ParTxNoCh" refType="t" refFor="ch" refForName="rect4"/>
-              <dgm:constr type="b" for="ch" forName="rect4ParTxNoCh" refType="b" refFor="ch" refForName="rect4"/>
-              <dgm:constr type="l" for="ch" forName="rect1ParTx" refType="r" refFor="ch" refForName="space"/>
-              <dgm:constr type="w" for="ch" forName="rect1ParTx" refType="w" refFor="ch" refForName="rect1" fact="0.5"/>
-              <dgm:constr type="t" for="ch" forName="rect1ParTx" refType="t" refFor="ch" refForName="rect1"/>
-              <dgm:constr type="b" for="ch" forName="rect1ParTx" refType="t" refFor="ch" refForName="rect2"/>
-              <dgm:constr type="l" for="ch" forName="rect1ChTx" refType="r" refFor="ch" refForName="rect1ParTx"/>
-              <dgm:constr type="w" for="ch" forName="rect1ChTx" refType="w" refFor="ch" refForName="rect1ParTx"/>
-              <dgm:constr type="t" for="ch" forName="rect1ChTx" refType="t" refFor="ch" refForName="rect1ParTx"/>
-              <dgm:constr type="b" for="ch" forName="rect1ChTx" refType="b" refFor="ch" refForName="rect1ParTx"/>
-              <dgm:constr type="l" for="ch" forName="rect1ParTxNoCh" refType="r" refFor="ch" refForName="space"/>
-              <dgm:constr type="w" for="ch" forName="rect1ParTxNoCh" refType="w" refFor="ch" refForName="rect1"/>
-              <dgm:constr type="t" for="ch" forName="rect1ParTxNoCh" refType="t" refFor="ch" refForName="rect1"/>
-              <dgm:constr type="b" for="ch" forName="rect1ParTxNoCh" refType="t" refFor="ch" refForName="rect2"/>
-              <dgm:constr type="l" for="ch" forName="rect2ParTx" refType="r" refFor="ch" refForName="space"/>
-              <dgm:constr type="w" for="ch" forName="rect2ParTx" refType="w" refFor="ch" refForName="rect2" fact="0.5"/>
-              <dgm:constr type="t" for="ch" forName="rect2ParTx" refType="t" refFor="ch" refForName="rect2"/>
-              <dgm:constr type="b" for="ch" forName="rect2ParTx" refType="t" refFor="ch" refForName="rect3"/>
-              <dgm:constr type="l" for="ch" forName="rect2ChTx" refType="r" refFor="ch" refForName="rect2ParTx"/>
-              <dgm:constr type="w" for="ch" forName="rect2ChTx" refType="w" refFor="ch" refForName="rect2ParTx"/>
-              <dgm:constr type="t" for="ch" forName="rect2ChTx" refType="t" refFor="ch" refForName="rect2ParTx"/>
-              <dgm:constr type="b" for="ch" forName="rect2ChTx" refType="b" refFor="ch" refForName="rect2ParTx"/>
-              <dgm:constr type="l" for="ch" forName="rect2ParTxNoCh" refType="r" refFor="ch" refForName="space"/>
-              <dgm:constr type="w" for="ch" forName="rect2ParTxNoCh" refType="w" refFor="ch" refForName="rect2"/>
-              <dgm:constr type="t" for="ch" forName="rect2ParTxNoCh" refType="t" refFor="ch" refForName="rect2"/>
-              <dgm:constr type="b" for="ch" forName="rect2ParTxNoCh" refType="t" refFor="ch" refForName="rect3"/>
-              <dgm:constr type="l" for="ch" forName="rect3ParTx" refType="r" refFor="ch" refForName="space"/>
-              <dgm:constr type="w" for="ch" forName="rect3ParTx" refType="w" refFor="ch" refForName="rect3" fact="0.5"/>
-              <dgm:constr type="t" for="ch" forName="rect3ParTx" refType="t" refFor="ch" refForName="rect3"/>
-              <dgm:constr type="b" for="ch" forName="rect3ParTx" refType="t" refFor="ch" refForName="rect4"/>
-              <dgm:constr type="l" for="ch" forName="rect3ChTx" refType="r" refFor="ch" refForName="rect3ParTx"/>
-              <dgm:constr type="w" for="ch" forName="rect3ChTx" refType="w" refFor="ch" refForName="rect3ParTx"/>
-              <dgm:constr type="t" for="ch" forName="rect3ChTx" refType="t" refFor="ch" refForName="rect3ParTx"/>
-              <dgm:constr type="b" for="ch" forName="rect3ChTx" refType="b" refFor="ch" refForName="rect3ParTx"/>
-              <dgm:constr type="l" for="ch" forName="rect3ParTxNoCh" refType="r" refFor="ch" refForName="space"/>
-              <dgm:constr type="w" for="ch" forName="rect3ParTxNoCh" refType="w" refFor="ch" refForName="rect3"/>
-              <dgm:constr type="t" for="ch" forName="rect3ParTxNoCh" refType="t" refFor="ch" refForName="rect3"/>
-              <dgm:constr type="b" for="ch" forName="rect3ParTxNoCh" refType="t" refFor="ch" refForName="rect4"/>
-              <dgm:constr type="primFontSz" for="ch" op="equ" val="65"/>
-              <dgm:constr type="secFontSz" for="ch" op="equ" val="65"/>
-            </dgm:constrLst>
-          </dgm:if>
-          <dgm:if name="Name8" axis="ch" ptType="node" func="cnt" op="equ" val="5">
-            <dgm:constrLst>
-              <dgm:constr type="userA" refType="w" fact="0.3"/>
-              <dgm:constr type="w" for="ch" forName="circle1" refType="userA" fact="2"/>
-              <dgm:constr type="h" for="ch" forName="circle1" refType="w" refFor="ch" refForName="circle1" op="equ"/>
-              <dgm:constr type="l" for="ch" forName="circle1"/>
-              <dgm:constr type="ctrY" for="ch" forName="circle1" refType="h" fact="0.5"/>
-              <dgm:constr type="l" for="ch" forName="space" refType="ctrX" refFor="ch" refForName="circle1"/>
-              <dgm:constr type="w" for="ch" forName="space"/>
-              <dgm:constr type="h" for="ch" forName="space" refType="h" refFor="ch" refForName="circle1"/>
-              <dgm:constr type="b" for="ch" forName="space" refType="b" refFor="ch" refForName="circle1"/>
-              <dgm:constr type="l" for="ch" forName="rect1" refType="r" refFor="ch" refForName="space"/>
-              <dgm:constr type="r" for="ch" forName="rect1" refType="w"/>
-              <dgm:constr type="h" for="ch" forName="rect1" refType="h" refFor="ch" refForName="circle1"/>
-              <dgm:constr type="b" for="ch" forName="rect1" refType="b" refFor="ch" refForName="circle1"/>
-              <dgm:constr type="l" for="ch" forName="vertSpace2"/>
-              <dgm:constr type="w" for="ch" forName="vertSpace2" refType="w"/>
-              <dgm:constr type="h" for="ch" forName="vertSpace2" refType="h" refFor="ch" refForName="circle1" fact="0.05"/>
-              <dgm:constr type="b" for="ch" forName="vertSpace2" refType="b" refFor="ch" refForName="circle1"/>
-              <dgm:constr type="ctrX" for="ch" forName="circle2" refType="l" refFor="ch" refForName="space"/>
-              <dgm:constr type="h" for="ch" forName="circle2" refType="h" refFor="ch" refForName="circle1" fact="0.8"/>
-              <dgm:constr type="hOff" for="ch" forName="circle2" refType="h" refFor="ch" refForName="vertSpace2" fact="-0.2"/>
-              <dgm:constr type="w" for="ch" forName="circle2" refType="h" refFor="ch" refForName="circle2" op="equ"/>
-              <dgm:constr type="wOff" for="ch" forName="circle2" refType="hOff" refFor="ch" refForName="circle2" op="equ"/>
-              <dgm:constr type="b" for="ch" forName="circle2" refType="t" refFor="ch" refForName="vertSpace2"/>
-              <dgm:constr type="l" for="ch" forName="rect2" refType="r" refFor="ch" refForName="space"/>
-              <dgm:constr type="r" for="ch" forName="rect2" refType="w"/>
-              <dgm:constr type="h" for="ch" forName="rect2" refType="h" refFor="ch" refForName="circle2"/>
-              <dgm:constr type="hOff" for="ch" forName="rect2" refType="hOff" refFor="ch" refForName="circle2"/>
-              <dgm:constr type="b" for="ch" forName="rect2" refType="b" refFor="ch" refForName="circle2"/>
-              <dgm:constr type="l" for="ch" forName="vertSpace3"/>
-              <dgm:constr type="w" for="ch" forName="vertSpace3" refType="w"/>
-              <dgm:constr type="h" for="ch" forName="vertSpace3" refType="h" refFor="ch" refForName="vertSpace2"/>
-              <dgm:constr type="b" for="ch" forName="vertSpace3" refType="t" refFor="ch" refForName="vertSpace2"/>
-              <dgm:constr type="ctrX" for="ch" forName="circle3" refType="l" refFor="ch" refForName="space"/>
-              <dgm:constr type="h" for="ch" forName="circle3" refType="h" refFor="ch" refForName="circle1" fact="0.6"/>
-              <dgm:constr type="hOff" for="ch" forName="circle3" refType="h" refFor="ch" refForName="vertSpace2" fact="-0.4"/>
-              <dgm:constr type="w" for="ch" forName="circle3" refType="h" refFor="ch" refForName="circle3" op="equ"/>
-              <dgm:constr type="wOff" for="ch" forName="circle3" refType="hOff" refFor="ch" refForName="circle3" op="equ"/>
-              <dgm:constr type="b" for="ch" forName="circle3" refType="t" refFor="ch" refForName="vertSpace3"/>
-              <dgm:constr type="l" for="ch" forName="rect3" refType="r" refFor="ch" refForName="space"/>
-              <dgm:constr type="r" for="ch" forName="rect3" refType="w"/>
-              <dgm:constr type="h" for="ch" forName="rect3" refType="h" refFor="ch" refForName="circle3"/>
-              <dgm:constr type="hOff" for="ch" forName="rect3" refType="hOff" refFor="ch" refForName="circle3"/>
-              <dgm:constr type="b" for="ch" forName="rect3" refType="b" refFor="ch" refForName="circle3"/>
-              <dgm:constr type="l" for="ch" forName="vertSpace4"/>
-              <dgm:constr type="w" for="ch" forName="vertSpace4" refType="w"/>
-              <dgm:constr type="h" for="ch" forName="vertSpace4" refType="h" refFor="ch" refForName="vertSpace3"/>
-              <dgm:constr type="b" for="ch" forName="vertSpace4" refType="t" refFor="ch" refForName="vertSpace3"/>
-              <dgm:constr type="ctrX" for="ch" forName="circle4" refType="l" refFor="ch" refForName="space"/>
-              <dgm:constr type="h" for="ch" forName="circle4" refType="h" refFor="ch" refForName="circle1" fact="0.4"/>
-              <dgm:constr type="hOff" for="ch" forName="circle4" refType="h" refFor="ch" refForName="vertSpace2" fact="-0.6"/>
-              <dgm:constr type="w" for="ch" forName="circle4" refType="h" refFor="ch" refForName="circle4" op="equ"/>
-              <dgm:constr type="wOff" for="ch" forName="circle4" refType="hOff" refFor="ch" refForName="circle4" op="equ"/>
-              <dgm:constr type="b" for="ch" forName="circle4" refType="t" refFor="ch" refForName="vertSpace4"/>
-              <dgm:constr type="l" for="ch" forName="rect4" refType="r" refFor="ch" refForName="space"/>
-              <dgm:constr type="r" for="ch" forName="rect4" refType="w"/>
-              <dgm:constr type="h" for="ch" forName="rect4" refType="h" refFor="ch" refForName="circle4"/>
-              <dgm:constr type="hOff" for="ch" forName="rect4" refType="hOff" refFor="ch" refForName="circle4"/>
-              <dgm:constr type="b" for="ch" forName="rect4" refType="b" refFor="ch" refForName="circle4"/>
-              <dgm:constr type="l" for="ch" forName="vertSpace5"/>
-              <dgm:constr type="w" for="ch" forName="vertSpace5" refType="w"/>
-              <dgm:constr type="h" for="ch" forName="vertSpace5" refType="h" refFor="ch" refForName="vertSpace4"/>
-              <dgm:constr type="b" for="ch" forName="vertSpace5" refType="t" refFor="ch" refForName="vertSpace4"/>
-              <dgm:constr type="ctrX" for="ch" forName="circle5" refType="l" refFor="ch" refForName="space"/>
-              <dgm:constr type="h" for="ch" forName="circle5" refType="h" refFor="ch" refForName="circle1" fact="0.2"/>
-              <dgm:constr type="hOff" for="ch" forName="circle5" refType="h" refFor="ch" refForName="vertSpace2" fact="-0.8"/>
-              <dgm:constr type="w" for="ch" forName="circle5" refType="h" refFor="ch" refForName="circle5" op="equ"/>
-              <dgm:constr type="wOff" for="ch" forName="circle5" refType="hOff" refFor="ch" refForName="circle5" op="equ"/>
-              <dgm:constr type="b" for="ch" forName="circle5" refType="t" refFor="ch" refForName="vertSpace5"/>
-              <dgm:constr type="l" for="ch" forName="rect5" refType="r" refFor="ch" refForName="space"/>
-              <dgm:constr type="r" for="ch" forName="rect5" refType="w"/>
-              <dgm:constr type="h" for="ch" forName="rect5" refType="h" refFor="ch" refForName="circle5"/>
-              <dgm:constr type="hOff" for="ch" forName="rect5" refType="hOff" refFor="ch" refForName="circle5"/>
-              <dgm:constr type="b" for="ch" forName="rect5" refType="b" refFor="ch" refForName="circle5"/>
-              <dgm:constr type="l" for="ch" forName="rect5ParTx" refType="r" refFor="ch" refForName="space"/>
-              <dgm:constr type="w" for="ch" forName="rect5ParTx" refType="w" refFor="ch" refForName="rect5" fact="0.5"/>
-              <dgm:constr type="t" for="ch" forName="rect5ParTx" refType="t" refFor="ch" refForName="rect5"/>
-              <dgm:constr type="b" for="ch" forName="rect5ParTx" refType="b" refFor="ch" refForName="rect5"/>
-              <dgm:constr type="l" for="ch" forName="rect5ChTx" refType="r" refFor="ch" refForName="rect5ParTx"/>
-              <dgm:constr type="w" for="ch" forName="rect5ChTx" refType="w" refFor="ch" refForName="rect5ParTx"/>
-              <dgm:constr type="t" for="ch" forName="rect5ChTx" refType="t" refFor="ch" refForName="rect5ParTx"/>
-              <dgm:constr type="b" for="ch" forName="rect5ChTx" refType="b" refFor="ch" refForName="rect5ParTx"/>
-              <dgm:constr type="l" for="ch" forName="rect5ParTxNoCh" refType="r" refFor="ch" refForName="space"/>
-              <dgm:constr type="w" for="ch" forName="rect5ParTxNoCh" refType="w" refFor="ch" refForName="rect5"/>
-              <dgm:constr type="t" for="ch" forName="rect5ParTxNoCh" refType="t" refFor="ch" refForName="rect5"/>
-              <dgm:constr type="b" for="ch" forName="rect5ParTxNoCh" refType="b" refFor="ch" refForName="rect5"/>
-              <dgm:constr type="l" for="ch" forName="rect1ParTx" refType="r" refFor="ch" refForName="space"/>
-              <dgm:constr type="w" for="ch" forName="rect1ParTx" refType="w" refFor="ch" refForName="rect1" fact="0.5"/>
-              <dgm:constr type="t" for="ch" forName="rect1ParTx" refType="t" refFor="ch" refForName="rect1"/>
-              <dgm:constr type="b" for="ch" forName="rect1ParTx" refType="t" refFor="ch" refForName="rect2"/>
-              <dgm:constr type="l" for="ch" forName="rect1ChTx" refType="r" refFor="ch" refForName="rect1ParTx"/>
-              <dgm:constr type="w" for="ch" forName="rect1ChTx" refType="w" refFor="ch" refForName="rect1ParTx"/>
-              <dgm:constr type="t" for="ch" forName="rect1ChTx" refType="t" refFor="ch" refForName="rect1ParTx"/>
-              <dgm:constr type="b" for="ch" forName="rect1ChTx" refType="b" refFor="ch" refForName="rect1ParTx"/>
-              <dgm:constr type="l" for="ch" forName="rect1ParTxNoCh" refType="r" refFor="ch" refForName="space"/>
-              <dgm:constr type="w" for="ch" forName="rect1ParTxNoCh" refType="w" refFor="ch" refForName="rect1"/>
-              <dgm:constr type="t" for="ch" forName="rect1ParTxNoCh" refType="t" refFor="ch" refForName="rect1"/>
-              <dgm:constr type="b" for="ch" forName="rect1ParTxNoCh" refType="t" refFor="ch" refForName="rect2"/>
-              <dgm:constr type="l" for="ch" forName="rect2ParTx" refType="r" refFor="ch" refForName="space"/>
-              <dgm:constr type="w" for="ch" forName="rect2ParTx" refType="w" refFor="ch" refForName="rect2" fact="0.5"/>
-              <dgm:constr type="t" for="ch" forName="rect2ParTx" refType="t" refFor="ch" refForName="rect2"/>
-              <dgm:constr type="b" for="ch" forName="rect2ParTx" refType="t" refFor="ch" refForName="rect3"/>
-              <dgm:constr type="l" for="ch" forName="rect2ChTx" refType="r" refFor="ch" refForName="rect2ParTx"/>
-              <dgm:constr type="w" for="ch" forName="rect2ChTx" refType="w" refFor="ch" refForName="rect2ParTx"/>
-              <dgm:constr type="t" for="ch" forName="rect2ChTx" refType="t" refFor="ch" refForName="rect2ParTx"/>
-              <dgm:constr type="b" for="ch" forName="rect2ChTx" refType="b" refFor="ch" refForName="rect2ParTx"/>
-              <dgm:constr type="l" for="ch" forName="rect2ParTxNoCh" refType="r" refFor="ch" refForName="space"/>
-              <dgm:constr type="w" for="ch" forName="rect2ParTxNoCh" refType="w" refFor="ch" refForName="rect2"/>
-              <dgm:constr type="t" for="ch" forName="rect2ParTxNoCh" refType="t" refFor="ch" refForName="rect2"/>
-              <dgm:constr type="b" for="ch" forName="rect2ParTxNoCh" refType="t" refFor="ch" refForName="rect3"/>
-              <dgm:constr type="l" for="ch" forName="rect3ParTx" refType="r" refFor="ch" refForName="space"/>
-              <dgm:constr type="w" for="ch" forName="rect3ParTx" refType="w" refFor="ch" refForName="rect3" fact="0.5"/>
-              <dgm:constr type="t" for="ch" forName="rect3ParTx" refType="t" refFor="ch" refForName="rect3"/>
-              <dgm:constr type="b" for="ch" forName="rect3ParTx" refType="t" refFor="ch" refForName="rect4"/>
-              <dgm:constr type="l" for="ch" forName="rect3ChTx" refType="r" refFor="ch" refForName="rect3ParTx"/>
-              <dgm:constr type="w" for="ch" forName="rect3ChTx" refType="w" refFor="ch" refForName="rect3ParTx"/>
-              <dgm:constr type="t" for="ch" forName="rect3ChTx" refType="t" refFor="ch" refForName="rect3ParTx"/>
-              <dgm:constr type="b" for="ch" forName="rect3ChTx" refType="b" refFor="ch" refForName="rect3ParTx"/>
-              <dgm:constr type="l" for="ch" forName="rect3ParTxNoCh" refType="r" refFor="ch" refForName="space"/>
-              <dgm:constr type="w" for="ch" forName="rect3ParTxNoCh" refType="w" refFor="ch" refForName="rect3"/>
-              <dgm:constr type="t" for="ch" forName="rect3ParTxNoCh" refType="t" refFor="ch" refForName="rect3"/>
-              <dgm:constr type="b" for="ch" forName="rect3ParTxNoCh" refType="t" refFor="ch" refForName="rect4"/>
-              <dgm:constr type="l" for="ch" forName="rect4ParTx" refType="r" refFor="ch" refForName="space"/>
-              <dgm:constr type="w" for="ch" forName="rect4ParTx" refType="w" refFor="ch" refForName="rect4" fact="0.5"/>
-              <dgm:constr type="t" for="ch" forName="rect4ParTx" refType="t" refFor="ch" refForName="rect4"/>
-              <dgm:constr type="b" for="ch" forName="rect4ParTx" refType="t" refFor="ch" refForName="rect5"/>
-              <dgm:constr type="l" for="ch" forName="rect4ChTx" refType="r" refFor="ch" refForName="rect4ParTx"/>
-              <dgm:constr type="w" for="ch" forName="rect4ChTx" refType="w" refFor="ch" refForName="rect4ParTx"/>
-              <dgm:constr type="t" for="ch" forName="rect4ChTx" refType="t" refFor="ch" refForName="rect4ParTx"/>
-              <dgm:constr type="b" for="ch" forName="rect4ChTx" refType="b" refFor="ch" refForName="rect4ParTx"/>
-              <dgm:constr type="l" for="ch" forName="rect4ParTxNoCh" refType="r" refFor="ch" refForName="space"/>
-              <dgm:constr type="w" for="ch" forName="rect4ParTxNoCh" refType="w" refFor="ch" refForName="rect4"/>
-              <dgm:constr type="t" for="ch" forName="rect4ParTxNoCh" refType="t" refFor="ch" refForName="rect4"/>
-              <dgm:constr type="b" for="ch" forName="rect4ParTxNoCh" refType="t" refFor="ch" refForName="rect5"/>
-              <dgm:constr type="primFontSz" for="ch" op="equ" val="65"/>
-              <dgm:constr type="secFontSz" for="ch" op="equ" val="65"/>
-            </dgm:constrLst>
-          </dgm:if>
-          <dgm:if name="Name9" axis="ch" ptType="node" func="cnt" op="equ" val="6">
-            <dgm:constrLst>
-              <dgm:constr type="userA" refType="w" fact="0.3"/>
-              <dgm:constr type="w" for="ch" forName="circle1" refType="userA" fact="2"/>
-              <dgm:constr type="h" for="ch" forName="circle1" refType="w" refFor="ch" refForName="circle1" op="equ"/>
-              <dgm:constr type="l" for="ch" forName="circle1"/>
-              <dgm:constr type="ctrY" for="ch" forName="circle1" refType="h" fact="0.5"/>
-              <dgm:constr type="l" for="ch" forName="space" refType="ctrX" refFor="ch" refForName="circle1"/>
-              <dgm:constr type="w" for="ch" forName="space"/>
-              <dgm:constr type="h" for="ch" forName="space" refType="h" refFor="ch" refForName="circle1"/>
-              <dgm:constr type="b" for="ch" forName="space" refType="b" refFor="ch" refForName="circle1"/>
-              <dgm:constr type="l" for="ch" forName="rect1" refType="r" refFor="ch" refForName="space"/>
-              <dgm:constr type="r" for="ch" forName="rect1" refType="w"/>
-              <dgm:constr type="h" for="ch" forName="rect1" refType="h" refFor="ch" refForName="circle1"/>
-              <dgm:constr type="b" for="ch" forName="rect1" refType="b" refFor="ch" refForName="circle1"/>
-              <dgm:constr type="l" for="ch" forName="vertSpace2"/>
-              <dgm:constr type="w" for="ch" forName="vertSpace2" refType="w"/>
-              <dgm:constr type="h" for="ch" forName="vertSpace2" refType="h" refFor="ch" refForName="circle1" fact="0.05"/>
-              <dgm:constr type="b" for="ch" forName="vertSpace2" refType="b" refFor="ch" refForName="circle1"/>
-              <dgm:constr type="ctrX" for="ch" forName="circle2" refType="l" refFor="ch" refForName="space"/>
-              <dgm:constr type="h" for="ch" forName="circle2" refType="h" refFor="ch" refForName="circle1" fact="0.83333"/>
-              <dgm:constr type="hOff" for="ch" forName="circle2" refType="h" refFor="ch" refForName="vertSpace2" fact="-0.16667"/>
-              <dgm:constr type="w" for="ch" forName="circle2" refType="h" refFor="ch" refForName="circle2" op="equ"/>
-              <dgm:constr type="wOff" for="ch" forName="circle2" refType="hOff" refFor="ch" refForName="circle2" op="equ"/>
-              <dgm:constr type="b" for="ch" forName="circle2" refType="t" refFor="ch" refForName="vertSpace2"/>
-              <dgm:constr type="l" for="ch" forName="rect2" refType="r" refFor="ch" refForName="space"/>
-              <dgm:constr type="r" for="ch" forName="rect2" refType="w"/>
-              <dgm:constr type="h" for="ch" forName="rect2" refType="h" refFor="ch" refForName="circle2"/>
-              <dgm:constr type="hOff" for="ch" forName="rect2" refType="hOff" refFor="ch" refForName="circle2"/>
-              <dgm:constr type="b" for="ch" forName="rect2" refType="b" refFor="ch" refForName="circle2"/>
-              <dgm:constr type="l" for="ch" forName="vertSpace3"/>
-              <dgm:constr type="w" for="ch" forName="vertSpace3" refType="w"/>
-              <dgm:constr type="h" for="ch" forName="vertSpace3" refType="h" refFor="ch" refForName="vertSpace2"/>
-              <dgm:constr type="b" for="ch" forName="vertSpace3" refType="t" refFor="ch" refForName="vertSpace2"/>
-              <dgm:constr type="ctrX" for="ch" forName="circle3" refType="l" refFor="ch" refForName="space"/>
-              <dgm:constr type="h" for="ch" forName="circle3" refType="h" refFor="ch" refForName="circle1" fact="0.66667"/>
-              <dgm:constr type="hOff" for="ch" forName="circle3" refType="h" refFor="ch" refForName="vertSpace2" fact="-0.33333"/>
-              <dgm:constr type="w" for="ch" forName="circle3" refType="h" refFor="ch" refForName="circle3" op="equ"/>
-              <dgm:constr type="wOff" for="ch" forName="circle3" refType="hOff" refFor="ch" refForName="circle3" op="equ"/>
-              <dgm:constr type="b" for="ch" forName="circle3" refType="t" refFor="ch" refForName="vertSpace3"/>
-              <dgm:constr type="l" for="ch" forName="rect3" refType="r" refFor="ch" refForName="space"/>
-              <dgm:constr type="r" for="ch" forName="rect3" refType="w"/>
-              <dgm:constr type="h" for="ch" forName="rect3" refType="h" refFor="ch" refForName="circle3"/>
-              <dgm:constr type="hOff" for="ch" forName="rect3" refType="hOff" refFor="ch" refForName="circle3"/>
-              <dgm:constr type="b" for="ch" forName="rect3" refType="b" refFor="ch" refForName="circle3"/>
-              <dgm:constr type="l" for="ch" forName="vertSpace4"/>
-              <dgm:constr type="w" for="ch" forName="vertSpace4" refType="w"/>
-              <dgm:constr type="h" for="ch" forName="vertSpace4" refType="h" refFor="ch" refForName="vertSpace3"/>
-              <dgm:constr type="b" for="ch" forName="vertSpace4" refType="t" refFor="ch" refForName="vertSpace3"/>
-              <dgm:constr type="ctrX" for="ch" forName="circle4" refType="l" refFor="ch" refForName="space"/>
-              <dgm:constr type="h" for="ch" forName="circle4" refType="h" refFor="ch" refForName="circle1" fact="0.5"/>
-              <dgm:constr type="hOff" for="ch" forName="circle4" refType="h" refFor="ch" refForName="vertSpace2" fact="-0.5"/>
-              <dgm:constr type="w" for="ch" forName="circle4" refType="h" refFor="ch" refForName="circle4" op="equ"/>
-              <dgm:constr type="wOff" for="ch" forName="circle4" refType="hOff" refFor="ch" refForName="circle4" op="equ"/>
-              <dgm:constr type="b" for="ch" forName="circle4" refType="t" refFor="ch" refForName="vertSpace4"/>
-              <dgm:constr type="l" for="ch" forName="rect4" refType="r" refFor="ch" refForName="space"/>
-              <dgm:constr type="r" for="ch" forName="rect4" refType="w"/>
-              <dgm:constr type="h" for="ch" forName="rect4" refType="h" refFor="ch" refForName="circle4"/>
-              <dgm:constr type="hOff" for="ch" forName="rect4" refType="hOff" refFor="ch" refForName="circle4"/>
-              <dgm:constr type="b" for="ch" forName="rect4" refType="b" refFor="ch" refForName="circle4"/>
-              <dgm:constr type="l" for="ch" forName="vertSpace5"/>
-              <dgm:constr type="w" for="ch" forName="vertSpace5" refType="w"/>
-              <dgm:constr type="h" for="ch" forName="vertSpace5" refType="h" refFor="ch" refForName="vertSpace4"/>
-              <dgm:constr type="b" for="ch" forName="vertSpace5" refType="t" refFor="ch" refForName="vertSpace4"/>
-              <dgm:constr type="ctrX" for="ch" forName="circle5" refType="l" refFor="ch" refForName="space"/>
-              <dgm:constr type="h" for="ch" forName="circle5" refType="h" refFor="ch" refForName="circle1" fact="0.33333"/>
-              <dgm:constr type="hOff" for="ch" forName="circle5" refType="h" refFor="ch" refForName="vertSpace2" fact="-0.66667"/>
-              <dgm:constr type="w" for="ch" forName="circle5" refType="h" refFor="ch" refForName="circle5" op="equ"/>
-              <dgm:constr type="wOff" for="ch" forName="circle5" refType="hOff" refFor="ch" refForName="circle5" op="equ"/>
-              <dgm:constr type="b" for="ch" forName="circle5" refType="t" refFor="ch" refForName="vertSpace5"/>
-              <dgm:constr type="l" for="ch" forName="rect5" refType="r" refFor="ch" refForName="space"/>
-              <dgm:constr type="r" for="ch" forName="rect5" refType="w"/>
-              <dgm:constr type="h" for="ch" forName="rect5" refType="h" refFor="ch" refForName="circle5"/>
-              <dgm:constr type="hOff" for="ch" forName="rect5" refType="hOff" refFor="ch" refForName="circle5"/>
-              <dgm:constr type="b" for="ch" forName="rect5" refType="b" refFor="ch" refForName="circle5"/>
-              <dgm:constr type="l" for="ch" forName="vertSpace6"/>
-              <dgm:constr type="w" for="ch" forName="vertSpace6" refType="w"/>
-              <dgm:constr type="h" for="ch" forName="vertSpace6" refType="h" refFor="ch" refForName="vertSpace5"/>
-              <dgm:constr type="b" for="ch" forName="vertSpace6" refType="t" refFor="ch" refForName="vertSpace5"/>
-              <dgm:constr type="ctrX" for="ch" forName="circle6" refType="l" refFor="ch" refForName="space"/>
-              <dgm:constr type="h" for="ch" forName="circle6" refType="h" refFor="ch" refForName="circle1" fact="0.16667"/>
-              <dgm:constr type="hOff" for="ch" forName="circle6" refType="h" refFor="ch" refForName="vertSpace2" fact="-0.83333"/>
-              <dgm:constr type="w" for="ch" forName="circle6" refType="h" refFor="ch" refForName="circle6" op="equ"/>
-              <dgm:constr type="wOff" for="ch" forName="circle6" refType="hOff" refFor="ch" refForName="circle6" op="equ"/>
-              <dgm:constr type="b" for="ch" forName="circle6" refType="t" refFor="ch" refForName="vertSpace6"/>
-              <dgm:constr type="l" for="ch" forName="rect6" refType="r" refFor="ch" refForName="space"/>
-              <dgm:constr type="r" for="ch" forName="rect6" refType="w"/>
-              <dgm:constr type="h" for="ch" forName="rect6" refType="h" refFor="ch" refForName="circle6"/>
-              <dgm:constr type="hOff" for="ch" forName="rect6" refType="hOff" refFor="ch" refForName="circle6"/>
-              <dgm:constr type="b" for="ch" forName="rect6" refType="b" refFor="ch" refForName="circle6"/>
-              <dgm:constr type="l" for="ch" forName="rect6ParTx" refType="r" refFor="ch" refForName="space"/>
-              <dgm:constr type="w" for="ch" forName="rect6ParTx" refType="w" refFor="ch" refForName="rect6" fact="0.5"/>
-              <dgm:constr type="t" for="ch" forName="rect6ParTx" refType="t" refFor="ch" refForName="rect6"/>
-              <dgm:constr type="b" for="ch" forName="rect6ParTx" refType="b" refFor="ch" refForName="rect6"/>
-              <dgm:constr type="l" for="ch" forName="rect6ChTx" refType="r" refFor="ch" refForName="rect6ParTx"/>
-              <dgm:constr type="w" for="ch" forName="rect6ChTx" refType="w" refFor="ch" refForName="rect6ParTx"/>
-              <dgm:constr type="t" for="ch" forName="rect6ChTx" refType="t" refFor="ch" refForName="rect6ParTx"/>
-              <dgm:constr type="b" for="ch" forName="rect6ChTx" refType="b" refFor="ch" refForName="rect6ParTx"/>
-              <dgm:constr type="l" for="ch" forName="rect6ParTxNoCh" refType="r" refFor="ch" refForName="space"/>
-              <dgm:constr type="w" for="ch" forName="rect6ParTxNoCh" refType="w" refFor="ch" refForName="rect6"/>
-              <dgm:constr type="t" for="ch" forName="rect6ParTxNoCh" refType="t" refFor="ch" refForName="rect6"/>
-              <dgm:constr type="b" for="ch" forName="rect6ParTxNoCh" refType="b" refFor="ch" refForName="rect6"/>
-              <dgm:constr type="l" for="ch" forName="rect1ParTx" refType="r" refFor="ch" refForName="space"/>
-              <dgm:constr type="w" for="ch" forName="rect1ParTx" refType="w" refFor="ch" refForName="rect1" fact="0.5"/>
-              <dgm:constr type="t" for="ch" forName="rect1ParTx" refType="t" refFor="ch" refForName="rect1"/>
-              <dgm:constr type="b" for="ch" forName="rect1ParTx" refType="t" refFor="ch" refForName="rect2"/>
-              <dgm:constr type="l" for="ch" forName="rect1ChTx" refType="r" refFor="ch" refForName="rect1ParTx"/>
-              <dgm:constr type="w" for="ch" forName="rect1ChTx" refType="w" refFor="ch" refForName="rect1ParTx"/>
-              <dgm:constr type="t" for="ch" forName="rect1ChTx" refType="t" refFor="ch" refForName="rect1ParTx"/>
-              <dgm:constr type="b" for="ch" forName="rect1ChTx" refType="b" refFor="ch" refForName="rect1ParTx"/>
-              <dgm:constr type="l" for="ch" forName="rect1ParTxNoCh" refType="r" refFor="ch" refForName="space"/>
-              <dgm:constr type="w" for="ch" forName="rect1ParTxNoCh" refType="w" refFor="ch" refForName="rect1"/>
-              <dgm:constr type="t" for="ch" forName="rect1ParTxNoCh" refType="t" refFor="ch" refForName="rect1"/>
-              <dgm:constr type="b" for="ch" forName="rect1ParTxNoCh" refType="t" refFor="ch" refForName="rect2"/>
-              <dgm:constr type="l" for="ch" forName="rect2ParTx" refType="r" refFor="ch" refForName="space"/>
-              <dgm:constr type="w" for="ch" forName="rect2ParTx" refType="w" refFor="ch" refForName="rect2" fact="0.5"/>
-              <dgm:constr type="t" for="ch" forName="rect2ParTx" refType="t" refFor="ch" refForName="rect2"/>
-              <dgm:constr type="b" for="ch" forName="rect2ParTx" refType="t" refFor="ch" refForName="rect3"/>
-              <dgm:constr type="l" for="ch" forName="rect2ChTx" refType="r" refFor="ch" refForName="rect2ParTx"/>
-              <dgm:constr type="w" for="ch" forName="rect2ChTx" refType="w" refFor="ch" refForName="rect2ParTx"/>
-              <dgm:constr type="t" for="ch" forName="rect2ChTx" refType="t" refFor="ch" refForName="rect2ParTx"/>
-              <dgm:constr type="b" for="ch" forName="rect2ChTx" refType="b" refFor="ch" refForName="rect2ParTx"/>
-              <dgm:constr type="l" for="ch" forName="rect2ParTxNoCh" refType="r" refFor="ch" refForName="space"/>
-              <dgm:constr type="w" for="ch" forName="rect2ParTxNoCh" refType="w" refFor="ch" refForName="rect2"/>
-              <dgm:constr type="t" for="ch" forName="rect2ParTxNoCh" refType="t" refFor="ch" refForName="rect2"/>
-              <dgm:constr type="b" for="ch" forName="rect2ParTxNoCh" refType="t" refFor="ch" refForName="rect3"/>
-              <dgm:constr type="l" for="ch" forName="rect3ParTx" refType="r" refFor="ch" refForName="space"/>
-              <dgm:constr type="w" for="ch" forName="rect3ParTx" refType="w" refFor="ch" refForName="rect3" fact="0.5"/>
-              <dgm:constr type="t" for="ch" forName="rect3ParTx" refType="t" refFor="ch" refForName="rect3"/>
-              <dgm:constr type="b" for="ch" forName="rect3ParTx" refType="t" refFor="ch" refForName="rect4"/>
-              <dgm:constr type="l" for="ch" forName="rect3ChTx" refType="r" refFor="ch" refForName="rect3ParTx"/>
-              <dgm:constr type="w" for="ch" forName="rect3ChTx" refType="w" refFor="ch" refForName="rect3ParTx"/>
-              <dgm:constr type="t" for="ch" forName="rect3ChTx" refType="t" refFor="ch" refForName="rect3ParTx"/>
-              <dgm:constr type="b" for="ch" forName="rect3ChTx" refType="b" refFor="ch" refForName="rect3ParTx"/>
-              <dgm:constr type="l" for="ch" forName="rect3ParTxNoCh" refType="r" refFor="ch" refForName="space"/>
-              <dgm:constr type="w" for="ch" forName="rect3ParTxNoCh" refType="w" refFor="ch" refForName="rect3"/>
-              <dgm:constr type="t" for="ch" forName="rect3ParTxNoCh" refType="t" refFor="ch" refForName="rect3"/>
-              <dgm:constr type="b" for="ch" forName="rect3ParTxNoCh" refType="t" refFor="ch" refForName="rect4"/>
-              <dgm:constr type="l" for="ch" forName="rect4ParTx" refType="r" refFor="ch" refForName="space"/>
-              <dgm:constr type="w" for="ch" forName="rect4ParTx" refType="w" refFor="ch" refForName="rect4" fact="0.5"/>
-              <dgm:constr type="t" for="ch" forName="rect4ParTx" refType="t" refFor="ch" refForName="rect4"/>
-              <dgm:constr type="b" for="ch" forName="rect4ParTx" refType="t" refFor="ch" refForName="rect5"/>
-              <dgm:constr type="l" for="ch" forName="rect4ChTx" refType="r" refFor="ch" refForName="rect4ParTx"/>
-              <dgm:constr type="w" for="ch" forName="rect4ChTx" refType="w" refFor="ch" refForName="rect4ParTx"/>
-              <dgm:constr type="t" for="ch" forName="rect4ChTx" refType="t" refFor="ch" refForName="rect4ParTx"/>
-              <dgm:constr type="b" for="ch" forName="rect4ChTx" refType="b" refFor="ch" refForName="rect4ParTx"/>
-              <dgm:constr type="l" for="ch" forName="rect4ParTxNoCh" refType="r" refFor="ch" refForName="space"/>
-              <dgm:constr type="w" for="ch" forName="rect4ParTxNoCh" refType="w" refFor="ch" refForName="rect4"/>
-              <dgm:constr type="t" for="ch" forName="rect4ParTxNoCh" refType="t" refFor="ch" refForName="rect4"/>
-              <dgm:constr type="b" for="ch" forName="rect4ParTxNoCh" refType="t" refFor="ch" refForName="rect5"/>
-              <dgm:constr type="l" for="ch" forName="rect5ParTx" refType="r" refFor="ch" refForName="space"/>
-              <dgm:constr type="w" for="ch" forName="rect5ParTx" refType="w" refFor="ch" refForName="rect5" fact="0.5"/>
-              <dgm:constr type="t" for="ch" forName="rect5ParTx" refType="t" refFor="ch" refForName="rect5"/>
-              <dgm:constr type="b" for="ch" forName="rect5ParTx" refType="t" refFor="ch" refForName="rect6"/>
-              <dgm:constr type="l" for="ch" forName="rect5ChTx" refType="r" refFor="ch" refForName="rect5ParTx"/>
-              <dgm:constr type="w" for="ch" forName="rect5ChTx" refType="w" refFor="ch" refForName="rect5ParTx"/>
-              <dgm:constr type="t" for="ch" forName="rect5ChTx" refType="t" refFor="ch" refForName="rect5ParTx"/>
-              <dgm:constr type="b" for="ch" forName="rect5ChTx" refType="b" refFor="ch" refForName="rect5ParTx"/>
-              <dgm:constr type="l" for="ch" forName="rect5ParTxNoCh" refType="r" refFor="ch" refForName="space"/>
-              <dgm:constr type="w" for="ch" forName="rect5ParTxNoCh" refType="w" refFor="ch" refForName="rect5"/>
-              <dgm:constr type="t" for="ch" forName="rect5ParTxNoCh" refType="t" refFor="ch" refForName="rect5"/>
-              <dgm:constr type="b" for="ch" forName="rect5ParTxNoCh" refType="t" refFor="ch" refForName="rect6"/>
-              <dgm:constr type="primFontSz" for="ch" op="equ" val="65"/>
-              <dgm:constr type="secFontSz" for="ch" op="equ" val="65"/>
-            </dgm:constrLst>
-          </dgm:if>
-          <dgm:if name="Name10" axis="ch" ptType="node" func="cnt" op="gte" val="7">
-            <dgm:constrLst>
-              <dgm:constr type="userA" refType="w" fact="0.3"/>
-              <dgm:constr type="w" for="ch" forName="circle1" refType="userA" fact="2"/>
-              <dgm:constr type="h" for="ch" forName="circle1" refType="w" refFor="ch" refForName="circle1" op="equ"/>
-              <dgm:constr type="l" for="ch" forName="circle1"/>
-              <dgm:constr type="ctrY" for="ch" forName="circle1" refType="h" fact="0.5"/>
-              <dgm:constr type="l" for="ch" forName="space" refType="ctrX" refFor="ch" refForName="circle1"/>
-              <dgm:constr type="w" for="ch" forName="space"/>
-              <dgm:constr type="h" for="ch" forName="space" refType="h" refFor="ch" refForName="circle1"/>
-              <dgm:constr type="b" for="ch" forName="space" refType="b" refFor="ch" refForName="circle1"/>
-              <dgm:constr type="l" for="ch" forName="rect1" refType="r" refFor="ch" refForName="space"/>
-              <dgm:constr type="r" for="ch" forName="rect1" refType="w"/>
-              <dgm:constr type="h" for="ch" forName="rect1" refType="h" refFor="ch" refForName="circle1"/>
-              <dgm:constr type="b" for="ch" forName="rect1" refType="b" refFor="ch" refForName="circle1"/>
-              <dgm:constr type="l" for="ch" forName="vertSpace2"/>
-              <dgm:constr type="w" for="ch" forName="vertSpace2" refType="w"/>
-              <dgm:constr type="h" for="ch" forName="vertSpace2" refType="h" refFor="ch" refForName="circle1" fact="0.05"/>
-              <dgm:constr type="b" for="ch" forName="vertSpace2" refType="b" refFor="ch" refForName="circle1"/>
-              <dgm:constr type="ctrX" for="ch" forName="circle2" refType="l" refFor="ch" refForName="space"/>
-              <dgm:constr type="h" for="ch" forName="circle2" refType="h" refFor="ch" refForName="circle1" fact="0.85714"/>
-              <dgm:constr type="hOff" for="ch" forName="circle2" refType="h" refFor="ch" refForName="vertSpace2" fact="-0.14286"/>
-              <dgm:constr type="w" for="ch" forName="circle2" refType="h" refFor="ch" refForName="circle2" op="equ"/>
-              <dgm:constr type="wOff" for="ch" forName="circle2" refType="hOff" refFor="ch" refForName="circle2" op="equ"/>
-              <dgm:constr type="b" for="ch" forName="circle2" refType="t" refFor="ch" refForName="vertSpace2"/>
-              <dgm:constr type="l" for="ch" forName="rect2" refType="r" refFor="ch" refForName="space"/>
-              <dgm:constr type="r" for="ch" forName="rect2" refType="w"/>
-              <dgm:constr type="h" for="ch" forName="rect2" refType="h" refFor="ch" refForName="circle2"/>
-              <dgm:constr type="hOff" for="ch" forName="rect2" refType="hOff" refFor="ch" refForName="circle2"/>
-              <dgm:constr type="b" for="ch" forName="rect2" refType="b" refFor="ch" refForName="circle2"/>
-              <dgm:constr type="l" for="ch" forName="vertSpace3"/>
-              <dgm:constr type="w" for="ch" forName="vertSpace3" refType="w"/>
-              <dgm:constr type="h" for="ch" forName="vertSpace3" refType="h" refFor="ch" refForName="vertSpace2"/>
-              <dgm:constr type="b" for="ch" forName="vertSpace3" refType="t" refFor="ch" refForName="vertSpace2"/>
-              <dgm:constr type="ctrX" for="ch" forName="circle3" refType="l" refFor="ch" refForName="space"/>
-              <dgm:constr type="h" for="ch" forName="circle3" refType="h" refFor="ch" refForName="circle1" fact="0.71429"/>
-              <dgm:constr type="hOff" for="ch" forName="circle3" refType="h" refFor="ch" refForName="vertSpace2" fact="-0.28571"/>
-              <dgm:constr type="w" for="ch" forName="circle3" refType="h" refFor="ch" refForName="circle3" op="equ"/>
-              <dgm:constr type="wOff" for="ch" forName="circle3" refType="hOff" refFor="ch" refForName="circle3" op="equ"/>
-              <dgm:constr type="b" for="ch" forName="circle3" refType="t" refFor="ch" refForName="vertSpace3"/>
-              <dgm:constr type="l" for="ch" forName="rect3" refType="r" refFor="ch" refForName="space"/>
-              <dgm:constr type="r" for="ch" forName="rect3" refType="w"/>
-              <dgm:constr type="h" for="ch" forName="rect3" refType="h" refFor="ch" refForName="circle3"/>
-              <dgm:constr type="hOff" for="ch" forName="rect3" refType="hOff" refFor="ch" refForName="circle3"/>
-              <dgm:constr type="b" for="ch" forName="rect3" refType="b" refFor="ch" refForName="circle3"/>
-              <dgm:constr type="l" for="ch" forName="vertSpace4"/>
-              <dgm:constr type="w" for="ch" forName="vertSpace4" refType="w"/>
-              <dgm:constr type="h" for="ch" forName="vertSpace4" refType="h" refFor="ch" refForName="vertSpace3"/>
-              <dgm:constr type="b" for="ch" forName="vertSpace4" refType="t" refFor="ch" refForName="vertSpace3"/>
-              <dgm:constr type="ctrX" for="ch" forName="circle4" refType="l" refFor="ch" refForName="space"/>
-              <dgm:constr type="h" for="ch" forName="circle4" refType="h" refFor="ch" refForName="circle1" fact="0.57143"/>
-              <dgm:constr type="hOff" for="ch" forName="circle4" refType="h" refFor="ch" refForName="vertSpace2" fact="-0.42857"/>
-              <dgm:constr type="w" for="ch" forName="circle4" refType="h" refFor="ch" refForName="circle4" op="equ"/>
-              <dgm:constr type="wOff" for="ch" forName="circle4" refType="hOff" refFor="ch" refForName="circle4" op="equ"/>
-              <dgm:constr type="b" for="ch" forName="circle4" refType="t" refFor="ch" refForName="vertSpace4"/>
-              <dgm:constr type="l" for="ch" forName="rect4" refType="r" refFor="ch" refForName="space"/>
-              <dgm:constr type="r" for="ch" forName="rect4" refType="w"/>
-              <dgm:constr type="h" for="ch" forName="rect4" refType="h" refFor="ch" refForName="circle4"/>
-              <dgm:constr type="hOff" for="ch" forName="rect4" refType="hOff" refFor="ch" refForName="circle4"/>
-              <dgm:constr type="b" for="ch" forName="rect4" refType="b" refFor="ch" refForName="circle4"/>
-              <dgm:constr type="l" for="ch" forName="vertSpace5"/>
-              <dgm:constr type="w" for="ch" forName="vertSpace5" refType="w"/>
-              <dgm:constr type="h" for="ch" forName="vertSpace5" refType="h" refFor="ch" refForName="vertSpace4"/>
-              <dgm:constr type="b" for="ch" forName="vertSpace5" refType="t" refFor="ch" refForName="vertSpace4"/>
-              <dgm:constr type="ctrX" for="ch" forName="circle5" refType="l" refFor="ch" refForName="space"/>
-              <dgm:constr type="h" for="ch" forName="circle5" refType="h" refFor="ch" refForName="circle1" fact="0.42857"/>
-              <dgm:constr type="hOff" for="ch" forName="circle5" refType="h" refFor="ch" refForName="vertSpace2" fact="-0.57143"/>
-              <dgm:constr type="w" for="ch" forName="circle5" refType="h" refFor="ch" refForName="circle5" op="equ"/>
-              <dgm:constr type="wOff" for="ch" forName="circle5" refType="hOff" refFor="ch" refForName="circle5" op="equ"/>
-              <dgm:constr type="b" for="ch" forName="circle5" refType="t" refFor="ch" refForName="vertSpace5"/>
-              <dgm:constr type="l" for="ch" forName="rect5" refType="r" refFor="ch" refForName="space"/>
-              <dgm:constr type="r" for="ch" forName="rect5" refType="w"/>
-              <dgm:constr type="h" for="ch" forName="rect5" refType="h" refFor="ch" refForName="circle5"/>
-              <dgm:constr type="hOff" for="ch" forName="rect5" refType="hOff" refFor="ch" refForName="circle5"/>
-              <dgm:constr type="b" for="ch" forName="rect5" refType="b" refFor="ch" refForName="circle5"/>
-              <dgm:constr type="l" for="ch" forName="vertSpace6"/>
-              <dgm:constr type="w" for="ch" forName="vertSpace6" refType="w"/>
-              <dgm:constr type="h" for="ch" forName="vertSpace6" refType="h" refFor="ch" refForName="vertSpace5"/>
-              <dgm:constr type="b" for="ch" forName="vertSpace6" refType="t" refFor="ch" refForName="vertSpace5"/>
-              <dgm:constr type="ctrX" for="ch" forName="circle6" refType="l" refFor="ch" refForName="space"/>
-              <dgm:constr type="h" for="ch" forName="circle6" refType="h" refFor="ch" refForName="circle1" fact="0.28571"/>
-              <dgm:constr type="hOff" for="ch" forName="circle6" refType="h" refFor="ch" refForName="vertSpace2" fact="-0.71429"/>
-              <dgm:constr type="w" for="ch" forName="circle6" refType="h" refFor="ch" refForName="circle6" op="equ"/>
-              <dgm:constr type="wOff" for="ch" forName="circle6" refType="hOff" refFor="ch" refForName="circle6" op="equ"/>
-              <dgm:constr type="b" for="ch" forName="circle6" refType="t" refFor="ch" refForName="vertSpace6"/>
-              <dgm:constr type="l" for="ch" forName="rect6" refType="r" refFor="ch" refForName="space"/>
-              <dgm:constr type="r" for="ch" forName="rect6" refType="w"/>
-              <dgm:constr type="h" for="ch" forName="rect6" refType="h" refFor="ch" refForName="circle6"/>
-              <dgm:constr type="hOff" for="ch" forName="rect6" refType="hOff" refFor="ch" refForName="circle6"/>
-              <dgm:constr type="b" for="ch" forName="rect6" refType="b" refFor="ch" refForName="circle6"/>
-              <dgm:constr type="l" for="ch" forName="vertSpace7"/>
-              <dgm:constr type="w" for="ch" forName="vertSpace7" refType="w"/>
-              <dgm:constr type="h" for="ch" forName="vertSpace7" refType="h" refFor="ch" refForName="vertSpace6"/>
-              <dgm:constr type="b" for="ch" forName="vertSpace7" refType="t" refFor="ch" refForName="vertSpace6"/>
-              <dgm:constr type="ctrX" for="ch" forName="circle7" refType="l" refFor="ch" refForName="space"/>
-              <dgm:constr type="h" for="ch" forName="circle7" refType="h" refFor="ch" refForName="circle1" fact="0.14286"/>
-              <dgm:constr type="hOff" for="ch" forName="circle7" refType="h" refFor="ch" refForName="vertSpace2" fact="-0.85714"/>
-              <dgm:constr type="w" for="ch" forName="circle7" refType="h" refFor="ch" refForName="circle7" op="equ"/>
-              <dgm:constr type="wOff" for="ch" forName="circle7" refType="hOff" refFor="ch" refForName="circle7" op="equ"/>
-              <dgm:constr type="b" for="ch" forName="circle7" refType="t" refFor="ch" refForName="vertSpace7"/>
-              <dgm:constr type="l" for="ch" forName="rect7" refType="r" refFor="ch" refForName="space"/>
-              <dgm:constr type="r" for="ch" forName="rect7" refType="w"/>
-              <dgm:constr type="h" for="ch" forName="rect7" refType="h" refFor="ch" refForName="circle7"/>
-              <dgm:constr type="hOff" for="ch" forName="rect7" refType="hOff" refFor="ch" refForName="circle7"/>
-              <dgm:constr type="b" for="ch" forName="rect7" refType="b" refFor="ch" refForName="circle7"/>
-              <dgm:constr type="l" for="ch" forName="rect7ParTx" refType="r" refFor="ch" refForName="space"/>
-              <dgm:constr type="w" for="ch" forName="rect7ParTx" refType="w" refFor="ch" refForName="rect7" fact="0.5"/>
-              <dgm:constr type="t" for="ch" forName="rect7ParTx" refType="t" refFor="ch" refForName="rect7"/>
-              <dgm:constr type="b" for="ch" forName="rect7ParTx" refType="b" refFor="ch" refForName="rect7"/>
-              <dgm:constr type="l" for="ch" forName="rect7ChTx" refType="r" refFor="ch" refForName="rect7ParTx"/>
-              <dgm:constr type="w" for="ch" forName="rect7ChTx" refType="w" refFor="ch" refForName="rect7ParTx"/>
-              <dgm:constr type="t" for="ch" forName="rect7ChTx" refType="t" refFor="ch" refForName="rect7ParTx"/>
-              <dgm:constr type="b" for="ch" forName="rect7ChTx" refType="b" refFor="ch" refForName="rect7ParTx"/>
-              <dgm:constr type="l" for="ch" forName="rect7ParTxNoCh" refType="r" refFor="ch" refForName="space"/>
-              <dgm:constr type="w" for="ch" forName="rect7ParTxNoCh" refType="w" refFor="ch" refForName="rect7"/>
-              <dgm:constr type="t" for="ch" forName="rect7ParTxNoCh" refType="t" refFor="ch" refForName="rect7"/>
-              <dgm:constr type="b" for="ch" forName="rect7ParTxNoCh" refType="b" refFor="ch" refForName="rect7"/>
-              <dgm:constr type="l" for="ch" forName="rect1ParTx" refType="r" refFor="ch" refForName="space"/>
-              <dgm:constr type="w" for="ch" forName="rect1ParTx" refType="w" refFor="ch" refForName="rect1" fact="0.5"/>
-              <dgm:constr type="t" for="ch" forName="rect1ParTx" refType="t" refFor="ch" refForName="rect1"/>
-              <dgm:constr type="b" for="ch" forName="rect1ParTx" refType="t" refFor="ch" refForName="rect2"/>
-              <dgm:constr type="l" for="ch" forName="rect1ChTx" refType="r" refFor="ch" refForName="rect1ParTx"/>
-              <dgm:constr type="w" for="ch" forName="rect1ChTx" refType="w" refFor="ch" refForName="rect1ParTx"/>
-              <dgm:constr type="t" for="ch" forName="rect1ChTx" refType="t" refFor="ch" refForName="rect1ParTx"/>
-              <dgm:constr type="b" for="ch" forName="rect1ChTx" refType="b" refFor="ch" refForName="rect1ParTx"/>
-              <dgm:constr type="l" for="ch" forName="rect1ParTxNoCh" refType="r" refFor="ch" refForName="space"/>
-              <dgm:constr type="w" for="ch" forName="rect1ParTxNoCh" refType="w" refFor="ch" refForName="rect1"/>
-              <dgm:constr type="t" for="ch" forName="rect1ParTxNoCh" refType="t" refFor="ch" refForName="rect1"/>
-              <dgm:constr type="b" for="ch" forName="rect1ParTxNoCh" refType="t" refFor="ch" refForName="rect2"/>
-              <dgm:constr type="l" for="ch" forName="rect2ParTx" refType="r" refFor="ch" refForName="space"/>
-              <dgm:constr type="w" for="ch" forName="rect2ParTx" refType="w" refFor="ch" refForName="rect2" fact="0.5"/>
-              <dgm:constr type="t" for="ch" forName="rect2ParTx" refType="t" refFor="ch" refForName="rect2"/>
-              <dgm:constr type="b" for="ch" forName="rect2ParTx" refType="t" refFor="ch" refForName="rect3"/>
-              <dgm:constr type="l" for="ch" forName="rect2ChTx" refType="r" refFor="ch" refForName="rect2ParTx"/>
-              <dgm:constr type="w" for="ch" forName="rect2ChTx" refType="w" refFor="ch" refForName="rect2ParTx"/>
-              <dgm:constr type="t" for="ch" forName="rect2ChTx" refType="t" refFor="ch" refForName="rect2ParTx"/>
-              <dgm:constr type="b" for="ch" forName="rect2ChTx" refType="b" refFor="ch" refForName="rect2ParTx"/>
-              <dgm:constr type="l" for="ch" forName="rect2ParTxNoCh" refType="r" refFor="ch" refForName="space"/>
-              <dgm:constr type="w" for="ch" forName="rect2ParTxNoCh" refType="w" refFor="ch" refForName="rect2"/>
-              <dgm:constr type="t" for="ch" forName="rect2ParTxNoCh" refType="t" refFor="ch" refForName="rect2"/>
-              <dgm:constr type="b" for="ch" forName="rect2ParTxNoCh" refType="t" refFor="ch" refForName="rect3"/>
-              <dgm:constr type="l" for="ch" forName="rect3ParTx" refType="r" refFor="ch" refForName="space"/>
-              <dgm:constr type="w" for="ch" forName="rect3ParTx" refType="w" refFor="ch" refForName="rect3" fact="0.5"/>
-              <dgm:constr type="t" for="ch" forName="rect3ParTx" refType="t" refFor="ch" refForName="rect3"/>
-              <dgm:constr type="b" for="ch" forName="rect3ParTx" refType="t" refFor="ch" refForName="rect4"/>
-              <dgm:constr type="l" for="ch" forName="rect3ChTx" refType="r" refFor="ch" refForName="rect3ParTx"/>
-              <dgm:constr type="w" for="ch" forName="rect3ChTx" refType="w" refFor="ch" refForName="rect3ParTx"/>
-              <dgm:constr type="t" for="ch" forName="rect3ChTx" refType="t" refFor="ch" refForName="rect3ParTx"/>
-              <dgm:constr type="b" for="ch" forName="rect3ChTx" refType="b" refFor="ch" refForName="rect3ParTx"/>
-              <dgm:constr type="l" for="ch" forName="rect3ParTxNoCh" refType="r" refFor="ch" refForName="space"/>
-              <dgm:constr type="w" for="ch" forName="rect3ParTxNoCh" refType="w" refFor="ch" refForName="rect3"/>
-              <dgm:constr type="t" for="ch" forName="rect3ParTxNoCh" refType="t" refFor="ch" refForName="rect3"/>
-              <dgm:constr type="b" for="ch" forName="rect3ParTxNoCh" refType="t" refFor="ch" refForName="rect4"/>
-              <dgm:constr type="l" for="ch" forName="rect4ParTx" refType="r" refFor="ch" refForName="space"/>
-              <dgm:constr type="w" for="ch" forName="rect4ParTx" refType="w" refFor="ch" refForName="rect4" fact="0.5"/>
-              <dgm:constr type="t" for="ch" forName="rect4ParTx" refType="t" refFor="ch" refForName="rect4"/>
-              <dgm:constr type="b" for="ch" forName="rect4ParTx" refType="t" refFor="ch" refForName="rect5"/>
-              <dgm:constr type="l" for="ch" forName="rect4ChTx" refType="r" refFor="ch" refForName="rect4ParTx"/>
-              <dgm:constr type="w" for="ch" forName="rect4ChTx" refType="w" refFor="ch" refForName="rect4ParTx"/>
-              <dgm:constr type="t" for="ch" forName="rect4ChTx" refType="t" refFor="ch" refForName="rect4ParTx"/>
-              <dgm:constr type="b" for="ch" forName="rect4ChTx" refType="b" refFor="ch" refForName="rect4ParTx"/>
-              <dgm:constr type="l" for="ch" forName="rect4ParTxNoCh" refType="r" refFor="ch" refForName="space"/>
-              <dgm:constr type="w" for="ch" forName="rect4ParTxNoCh" refType="w" refFor="ch" refForName="rect4"/>
-              <dgm:constr type="t" for="ch" forName="rect4ParTxNoCh" refType="t" refFor="ch" refForName="rect4"/>
-              <dgm:constr type="b" for="ch" forName="rect4ParTxNoCh" refType="t" refFor="ch" refForName="rect5"/>
-              <dgm:constr type="l" for="ch" forName="rect5ParTx" refType="r" refFor="ch" refForName="space"/>
-              <dgm:constr type="w" for="ch" forName="rect5ParTx" refType="w" refFor="ch" refForName="rect5" fact="0.5"/>
-              <dgm:constr type="t" for="ch" forName="rect5ParTx" refType="t" refFor="ch" refForName="rect5"/>
-              <dgm:constr type="b" for="ch" forName="rect5ParTx" refType="t" refFor="ch" refForName="rect6"/>
-              <dgm:constr type="l" for="ch" forName="rect5ChTx" refType="r" refFor="ch" refForName="rect5ParTx"/>
-              <dgm:constr type="w" for="ch" forName="rect5ChTx" refType="w" refFor="ch" refForName="rect5ParTx"/>
-              <dgm:constr type="t" for="ch" forName="rect5ChTx" refType="t" refFor="ch" refForName="rect5ParTx"/>
-              <dgm:constr type="b" for="ch" forName="rect5ChTx" refType="b" refFor="ch" refForName="rect5ParTx"/>
-              <dgm:constr type="l" for="ch" forName="rect5ParTxNoCh" refType="r" refFor="ch" refForName="space"/>
-              <dgm:constr type="w" for="ch" forName="rect5ParTxNoCh" refType="w" refFor="ch" refForName="rect5"/>
-              <dgm:constr type="t" for="ch" forName="rect5ParTxNoCh" refType="t" refFor="ch" refForName="rect5"/>
-              <dgm:constr type="b" for="ch" forName="rect5ParTxNoCh" refType="t" refFor="ch" refForName="rect6"/>
-              <dgm:constr type="l" for="ch" forName="rect6ParTx" refType="r" refFor="ch" refForName="space"/>
-              <dgm:constr type="w" for="ch" forName="rect6ParTx" refType="w" refFor="ch" refForName="rect6" fact="0.5"/>
-              <dgm:constr type="t" for="ch" forName="rect6ParTx" refType="t" refFor="ch" refForName="rect6"/>
-              <dgm:constr type="b" for="ch" forName="rect6ParTx" refType="t" refFor="ch" refForName="rect7"/>
-              <dgm:constr type="l" for="ch" forName="rect6ChTx" refType="r" refFor="ch" refForName="rect6ParTx"/>
-              <dgm:constr type="w" for="ch" forName="rect6ChTx" refType="w" refFor="ch" refForName="rect6ParTx"/>
-              <dgm:constr type="t" for="ch" forName="rect6ChTx" refType="t" refFor="ch" refForName="rect6ParTx"/>
-              <dgm:constr type="b" for="ch" forName="rect6ChTx" refType="b" refFor="ch" refForName="rect6ParTx"/>
-              <dgm:constr type="l" for="ch" forName="rect6ParTxNoCh" refType="r" refFor="ch" refForName="space"/>
-              <dgm:constr type="w" for="ch" forName="rect6ParTxNoCh" refType="w" refFor="ch" refForName="rect6"/>
-              <dgm:constr type="t" for="ch" forName="rect6ParTxNoCh" refType="t" refFor="ch" refForName="rect6"/>
-              <dgm:constr type="b" for="ch" forName="rect6ParTxNoCh" refType="t" refFor="ch" refForName="rect7"/>
-              <dgm:constr type="primFontSz" for="ch" op="equ" val="65"/>
-              <dgm:constr type="secFontSz" for="ch" op="equ" val="65"/>
-            </dgm:constrLst>
-          </dgm:if>
-          <dgm:else name="Name11">
-            <dgm:constrLst/>
-          </dgm:else>
-        </dgm:choose>
-      </dgm:if>
-      <dgm:else name="Name12">
-        <dgm:choose name="Name13">
-          <dgm:if name="Name14" axis="ch" ptType="node" func="cnt" op="equ" val="1">
-            <dgm:constrLst>
-              <dgm:constr type="userA" refType="w" fact="0.3"/>
-              <dgm:constr type="w" for="ch" forName="circle1" refType="userA" fact="2"/>
-              <dgm:constr type="h" for="ch" forName="circle1" refType="w" refFor="ch" refForName="circle1" op="equ"/>
-              <dgm:constr type="r" for="ch" forName="circle1" refType="w"/>
-              <dgm:constr type="ctrY" for="ch" forName="circle1" refType="h" fact="0.5"/>
-              <dgm:constr type="r" for="ch" forName="space" refType="ctrX" refFor="ch" refForName="circle1"/>
-              <dgm:constr type="w" for="ch" forName="space"/>
-              <dgm:constr type="h" for="ch" forName="space" refType="h" refFor="ch" refForName="circle1"/>
-              <dgm:constr type="b" for="ch" forName="space" refType="b" refFor="ch" refForName="circle1"/>
-              <dgm:constr type="r" for="ch" forName="rect1" refType="l" refFor="ch" refForName="space"/>
-              <dgm:constr type="l" for="ch" forName="rect1"/>
-              <dgm:constr type="h" for="ch" forName="rect1" refType="h" refFor="ch" refForName="circle1"/>
-              <dgm:constr type="b" for="ch" forName="rect1" refType="b" refFor="ch" refForName="circle1"/>
-              <dgm:constr type="r" for="ch" forName="rect1ParTx" refType="l" refFor="ch" refForName="space"/>
-              <dgm:constr type="w" for="ch" forName="rect1ParTx" refType="w" refFor="ch" refForName="rect1" fact="0.5"/>
-              <dgm:constr type="t" for="ch" forName="rect1ParTx" refType="t" refFor="ch" refForName="rect1"/>
-              <dgm:constr type="b" for="ch" forName="rect1ParTx" refType="b" refFor="ch" refForName="rect1"/>
-              <dgm:constr type="r" for="ch" forName="rect1ChTx" refType="l" refFor="ch" refForName="rect1ParTx"/>
-              <dgm:constr type="w" for="ch" forName="rect1ChTx" refType="w" refFor="ch" refForName="rect1ParTx"/>
-              <dgm:constr type="t" for="ch" forName="rect1ChTx" refType="t" refFor="ch" refForName="rect1ParTx"/>
-              <dgm:constr type="b" for="ch" forName="rect1ChTx" refType="b" refFor="ch" refForName="rect1ParTx"/>
-              <dgm:constr type="r" for="ch" forName="rect1ParTxNoCh" refType="l" refFor="ch" refForName="space"/>
-              <dgm:constr type="w" for="ch" forName="rect1ParTxNoCh" refType="w" refFor="ch" refForName="rect1"/>
-              <dgm:constr type="t" for="ch" forName="rect1ParTxNoCh" refType="t" refFor="ch" refForName="rect1"/>
-              <dgm:constr type="b" for="ch" forName="rect1ParTxNoCh" refType="b" refFor="ch" refForName="rect1"/>
-              <dgm:constr type="primFontSz" for="ch" op="equ" val="65"/>
-              <dgm:constr type="secFontSz" for="ch" op="equ" val="65"/>
-            </dgm:constrLst>
-          </dgm:if>
-          <dgm:if name="Name15" axis="ch" ptType="node" func="cnt" op="equ" val="2">
-            <dgm:constrLst>
-              <dgm:constr type="userA" refType="w" fact="0.3"/>
-              <dgm:constr type="w" for="ch" forName="circle1" refType="userA" fact="2"/>
-              <dgm:constr type="h" for="ch" forName="circle1" refType="w" refFor="ch" refForName="circle1" op="equ"/>
-              <dgm:constr type="r" for="ch" forName="circle1" refType="w"/>
-              <dgm:constr type="ctrY" for="ch" forName="circle1" refType="h" fact="0.5"/>
-              <dgm:constr type="r" for="ch" forName="space" refType="ctrX" refFor="ch" refForName="circle1"/>
-              <dgm:constr type="w" for="ch" forName="space"/>
-              <dgm:constr type="h" for="ch" forName="space" refType="h" refFor="ch" refForName="circle1"/>
-              <dgm:constr type="b" for="ch" forName="space" refType="b" refFor="ch" refForName="circle1"/>
-              <dgm:constr type="r" for="ch" forName="rect1" refType="l" refFor="ch" refForName="space"/>
-              <dgm:constr type="l" for="ch" forName="rect1"/>
-              <dgm:constr type="h" for="ch" forName="rect1" refType="h" refFor="ch" refForName="circle1"/>
-              <dgm:constr type="b" for="ch" forName="rect1" refType="b" refFor="ch" refForName="circle1"/>
-              <dgm:constr type="l" for="ch" forName="vertSpace2"/>
-              <dgm:constr type="w" for="ch" forName="vertSpace2" refType="w"/>
-              <dgm:constr type="h" for="ch" forName="vertSpace2" refType="h" refFor="ch" refForName="circle1" fact="0.05"/>
-              <dgm:constr type="b" for="ch" forName="vertSpace2" refType="b" refFor="ch" refForName="circle1"/>
-              <dgm:constr type="ctrX" for="ch" forName="circle2" refType="r" refFor="ch" refForName="space"/>
-              <dgm:constr type="h" for="ch" forName="circle2" refType="h" refFor="ch" refForName="circle1" fact="0.5"/>
-              <dgm:constr type="hOff" for="ch" forName="circle2" refType="h" refFor="ch" refForName="vertSpace2" fact="-0.5"/>
-              <dgm:constr type="w" for="ch" forName="circle2" refType="h" refFor="ch" refForName="circle2" op="equ"/>
-              <dgm:constr type="wOff" for="ch" forName="circle2" refType="hOff" refFor="ch" refForName="circle2" op="equ"/>
-              <dgm:constr type="b" for="ch" forName="circle2" refType="t" refFor="ch" refForName="vertSpace2"/>
-              <dgm:constr type="r" for="ch" forName="rect2" refType="l" refFor="ch" refForName="space"/>
-              <dgm:constr type="l" for="ch" forName="rect2"/>
-              <dgm:constr type="h" for="ch" forName="rect2" refType="h" refFor="ch" refForName="circle2"/>
-              <dgm:constr type="hOff" for="ch" forName="rect2" refType="hOff" refFor="ch" refForName="circle2"/>
-              <dgm:constr type="b" for="ch" forName="rect2" refType="b" refFor="ch" refForName="circle2"/>
-              <dgm:constr type="r" for="ch" forName="rect2ParTx" refType="l" refFor="ch" refForName="space"/>
-              <dgm:constr type="w" for="ch" forName="rect2ParTx" refType="w" refFor="ch" refForName="rect2" fact="0.5"/>
-              <dgm:constr type="t" for="ch" forName="rect2ParTx" refType="t" refFor="ch" refForName="rect2"/>
-              <dgm:constr type="b" for="ch" forName="rect2ParTx" refType="b" refFor="ch" refForName="rect2"/>
-              <dgm:constr type="r" for="ch" forName="rect2ChTx" refType="l" refFor="ch" refForName="rect2ParTx"/>
-              <dgm:constr type="w" for="ch" forName="rect2ChTx" refType="w" refFor="ch" refForName="rect2ParTx"/>
-              <dgm:constr type="t" for="ch" forName="rect2ChTx" refType="t" refFor="ch" refForName="rect2ParTx"/>
-              <dgm:constr type="b" for="ch" forName="rect2ChTx" refType="b" refFor="ch" refForName="rect2ParTx"/>
-              <dgm:constr type="r" for="ch" forName="rect2ParTxNoCh" refType="l" refFor="ch" refForName="space"/>
-              <dgm:constr type="w" for="ch" forName="rect2ParTxNoCh" refType="w" refFor="ch" refForName="rect2"/>
-              <dgm:constr type="t" for="ch" forName="rect2ParTxNoCh" refType="t" refFor="ch" refForName="rect2"/>
-              <dgm:constr type="b" for="ch" forName="rect2ParTxNoCh" refType="b" refFor="ch" refForName="rect2"/>
-              <dgm:constr type="r" for="ch" forName="rect1ParTx" refType="l" refFor="ch" refForName="space"/>
-              <dgm:constr type="w" for="ch" forName="rect1ParTx" refType="w" refFor="ch" refForName="rect1" fact="0.5"/>
-              <dgm:constr type="t" for="ch" forName="rect1ParTx" refType="t" refFor="ch" refForName="rect1"/>
-              <dgm:constr type="b" for="ch" forName="rect1ParTx" refType="t" refFor="ch" refForName="rect2"/>
-              <dgm:constr type="r" for="ch" forName="rect1ChTx" refType="l" refFor="ch" refForName="rect1ParTx"/>
-              <dgm:constr type="w" for="ch" forName="rect1ChTx" refType="w" refFor="ch" refForName="rect1ParTx"/>
-              <dgm:constr type="t" for="ch" forName="rect1ChTx" refType="t" refFor="ch" refForName="rect1ParTx"/>
-              <dgm:constr type="b" for="ch" forName="rect1ChTx" refType="b" refFor="ch" refForName="rect1ParTx"/>
-              <dgm:constr type="r" for="ch" forName="rect1ParTxNoCh" refType="l" refFor="ch" refForName="space"/>
-              <dgm:constr type="w" for="ch" forName="rect1ParTxNoCh" refType="w" refFor="ch" refForName="rect1"/>
-              <dgm:constr type="t" for="ch" forName="rect1ParTxNoCh" refType="t" refFor="ch" refForName="rect1"/>
-              <dgm:constr type="b" for="ch" forName="rect1ParTxNoCh" refType="t" refFor="ch" refForName="rect2"/>
-              <dgm:constr type="primFontSz" for="ch" op="equ" val="65"/>
-              <dgm:constr type="secFontSz" for="ch" op="equ" val="65"/>
-            </dgm:constrLst>
-          </dgm:if>
-          <dgm:if name="Name16" axis="ch" ptType="node" func="cnt" op="equ" val="3">
-            <dgm:constrLst>
-              <dgm:constr type="userA" refType="w" fact="0.3"/>
-              <dgm:constr type="w" for="ch" forName="circle1" refType="userA" fact="2"/>
-              <dgm:constr type="h" for="ch" forName="circle1" refType="w" refFor="ch" refForName="circle1" op="equ"/>
-              <dgm:constr type="r" for="ch" forName="circle1" refType="w"/>
-              <dgm:constr type="ctrY" for="ch" forName="circle1" refType="h" fact="0.5"/>
-              <dgm:constr type="r" for="ch" forName="space" refType="ctrX" refFor="ch" refForName="circle1"/>
-              <dgm:constr type="w" for="ch" forName="space"/>
-              <dgm:constr type="h" for="ch" forName="space" refType="h" refFor="ch" refForName="circle1"/>
-              <dgm:constr type="b" for="ch" forName="space" refType="b" refFor="ch" refForName="circle1"/>
-              <dgm:constr type="r" for="ch" forName="rect1" refType="l" refFor="ch" refForName="space"/>
-              <dgm:constr type="l" for="ch" forName="rect1"/>
-              <dgm:constr type="h" for="ch" forName="rect1" refType="h" refFor="ch" refForName="circle1"/>
-              <dgm:constr type="b" for="ch" forName="rect1" refType="b" refFor="ch" refForName="circle1"/>
-              <dgm:constr type="l" for="ch" forName="vertSpace2"/>
-              <dgm:constr type="w" for="ch" forName="vertSpace2" refType="w"/>
-              <dgm:constr type="h" for="ch" forName="vertSpace2" refType="h" refFor="ch" refForName="circle1" fact="0.05"/>
-              <dgm:constr type="b" for="ch" forName="vertSpace2" refType="b" refFor="ch" refForName="circle1"/>
-              <dgm:constr type="ctrX" for="ch" forName="circle2" refType="r" refFor="ch" refForName="space"/>
-              <dgm:constr type="h" for="ch" forName="circle2" refType="h" refFor="ch" refForName="circle1" fact="0.66667"/>
-              <dgm:constr type="hOff" for="ch" forName="circle2" refType="h" refFor="ch" refForName="vertSpace2" fact="-0.33333"/>
-              <dgm:constr type="w" for="ch" forName="circle2" refType="h" refFor="ch" refForName="circle2" op="equ"/>
-              <dgm:constr type="wOff" for="ch" forName="circle2" refType="hOff" refFor="ch" refForName="circle2" op="equ"/>
-              <dgm:constr type="b" for="ch" forName="circle2" refType="t" refFor="ch" refForName="vertSpace2"/>
-              <dgm:constr type="r" for="ch" forName="rect2" refType="l" refFor="ch" refForName="space"/>
-              <dgm:constr type="l" for="ch" forName="rect2"/>
-              <dgm:constr type="h" for="ch" forName="rect2" refType="h" refFor="ch" refForName="circle2"/>
-              <dgm:constr type="hOff" for="ch" forName="rect2" refType="hOff" refFor="ch" refForName="circle2"/>
-              <dgm:constr type="b" for="ch" forName="rect2" refType="b" refFor="ch" refForName="circle2"/>
-              <dgm:constr type="l" for="ch" forName="vertSpace3"/>
-              <dgm:constr type="w" for="ch" forName="vertSpace3" refType="w"/>
-              <dgm:constr type="h" for="ch" forName="vertSpace3" refType="h" refFor="ch" refForName="vertSpace2"/>
-              <dgm:constr type="b" for="ch" forName="vertSpace3" refType="t" refFor="ch" refForName="vertSpace2"/>
-              <dgm:constr type="ctrX" for="ch" forName="circle3" refType="r" refFor="ch" refForName="space"/>
-              <dgm:constr type="h" for="ch" forName="circle3" refType="h" refFor="ch" refForName="circle1" fact="0.33333"/>
-              <dgm:constr type="hOff" for="ch" forName="circle3" refType="h" refFor="ch" refForName="vertSpace2" fact="-0.66667"/>
-              <dgm:constr type="w" for="ch" forName="circle3" refType="h" refFor="ch" refForName="circle3" op="equ"/>
-              <dgm:constr type="wOff" for="ch" forName="circle3" refType="hOff" refFor="ch" refForName="circle3" op="equ"/>
-              <dgm:constr type="b" for="ch" forName="circle3" refType="t" refFor="ch" refForName="vertSpace3"/>
-              <dgm:constr type="r" for="ch" forName="rect3" refType="l" refFor="ch" refForName="space"/>
-              <dgm:constr type="l" for="ch" forName="rect3"/>
-              <dgm:constr type="h" for="ch" forName="rect3" refType="h" refFor="ch" refForName="circle3"/>
-              <dgm:constr type="hOff" for="ch" forName="rect3" refType="hOff" refFor="ch" refForName="circle3"/>
-              <dgm:constr type="b" for="ch" forName="rect3" refType="b" refFor="ch" refForName="circle3"/>
-              <dgm:constr type="r" for="ch" forName="rect3ParTx" refType="l" refFor="ch" refForName="space"/>
-              <dgm:constr type="w" for="ch" forName="rect3ParTx" refType="w" refFor="ch" refForName="rect3" fact="0.5"/>
-              <dgm:constr type="t" for="ch" forName="rect3ParTx" refType="t" refFor="ch" refForName="rect3"/>
-              <dgm:constr type="b" for="ch" forName="rect3ParTx" refType="b" refFor="ch" refForName="rect3"/>
-              <dgm:constr type="r" for="ch" forName="rect3ChTx" refType="l" refFor="ch" refForName="rect3ParTx"/>
-              <dgm:constr type="w" for="ch" forName="rect3ChTx" refType="w" refFor="ch" refForName="rect3ParTx"/>
-              <dgm:constr type="t" for="ch" forName="rect3ChTx" refType="t" refFor="ch" refForName="rect3ParTx"/>
-              <dgm:constr type="b" for="ch" forName="rect3ChTx" refType="b" refFor="ch" refForName="rect3ParTx"/>
-              <dgm:constr type="r" for="ch" forName="rect3ParTxNoCh" refType="l" refFor="ch" refForName="space"/>
-              <dgm:constr type="w" for="ch" forName="rect3ParTxNoCh" refType="w" refFor="ch" refForName="rect3"/>
-              <dgm:constr type="t" for="ch" forName="rect3ParTxNoCh" refType="t" refFor="ch" refForName="rect3"/>
-              <dgm:constr type="b" for="ch" forName="rect3ParTxNoCh" refType="b" refFor="ch" refForName="rect3"/>
-              <dgm:constr type="r" for="ch" forName="rect1ParTx" refType="l" refFor="ch" refForName="space"/>
-              <dgm:constr type="w" for="ch" forName="rect1ParTx" refType="w" refFor="ch" refForName="rect1" fact="0.5"/>
-              <dgm:constr type="t" for="ch" forName="rect1ParTx" refType="t" refFor="ch" refForName="rect1"/>
-              <dgm:constr type="b" for="ch" forName="rect1ParTx" refType="t" refFor="ch" refForName="rect2"/>
-              <dgm:constr type="r" for="ch" forName="rect1ChTx" refType="l" refFor="ch" refForName="rect1ParTx"/>
-              <dgm:constr type="w" for="ch" forName="rect1ChTx" refType="w" refFor="ch" refForName="rect1ParTx"/>
-              <dgm:constr type="t" for="ch" forName="rect1ChTx" refType="t" refFor="ch" refForName="rect1ParTx"/>
-              <dgm:constr type="b" for="ch" forName="rect1ChTx" refType="b" refFor="ch" refForName="rect1ParTx"/>
-              <dgm:constr type="r" for="ch" forName="rect1ParTxNoCh" refType="l" refFor="ch" refForName="space"/>
-              <dgm:constr type="w" for="ch" forName="rect1ParTxNoCh" refType="w" refFor="ch" refForName="rect1"/>
-              <dgm:constr type="t" for="ch" forName="rect1ParTxNoCh" refType="t" refFor="ch" refForName="rect1"/>
-              <dgm:constr type="b" for="ch" forName="rect1ParTxNoCh" refType="t" refFor="ch" refForName="rect2"/>
-              <dgm:constr type="r" for="ch" forName="rect2ParTx" refType="l" refFor="ch" refForName="space"/>
-              <dgm:constr type="w" for="ch" forName="rect2ParTx" refType="w" refFor="ch" refForName="rect2" fact="0.5"/>
-              <dgm:constr type="t" for="ch" forName="rect2ParTx" refType="t" refFor="ch" refForName="rect2"/>
-              <dgm:constr type="b" for="ch" forName="rect2ParTx" refType="t" refFor="ch" refForName="rect3"/>
-              <dgm:constr type="r" for="ch" forName="rect2ChTx" refType="l" refFor="ch" refForName="rect2ParTx"/>
-              <dgm:constr type="w" for="ch" forName="rect2ChTx" refType="w" refFor="ch" refForName="rect2ParTx"/>
-              <dgm:constr type="t" for="ch" forName="rect2ChTx" refType="t" refFor="ch" refForName="rect2ParTx"/>
-              <dgm:constr type="b" for="ch" forName="rect2ChTx" refType="b" refFor="ch" refForName="rect2ParTx"/>
-              <dgm:constr type="r" for="ch" forName="rect2ParTxNoCh" refType="l" refFor="ch" refForName="space"/>
-              <dgm:constr type="w" for="ch" forName="rect2ParTxNoCh" refType="w" refFor="ch" refForName="rect2"/>
-              <dgm:constr type="t" for="ch" forName="rect2ParTxNoCh" refType="t" refFor="ch" refForName="rect2"/>
-              <dgm:constr type="b" for="ch" forName="rect2ParTxNoCh" refType="t" refFor="ch" refForName="rect3"/>
-              <dgm:constr type="primFontSz" for="ch" op="equ" val="65"/>
-              <dgm:constr type="secFontSz" for="ch" op="equ" val="65"/>
-            </dgm:constrLst>
-          </dgm:if>
-          <dgm:if name="Name17" axis="ch" ptType="node" func="cnt" op="equ" val="4">
-            <dgm:constrLst>
-              <dgm:constr type="userA" refType="w" fact="0.3"/>
-              <dgm:constr type="w" for="ch" forName="circle1" refType="userA" fact="2"/>
-              <dgm:constr type="h" for="ch" forName="circle1" refType="w" refFor="ch" refForName="circle1" op="equ"/>
-              <dgm:constr type="r" for="ch" forName="circle1" refType="w"/>
-              <dgm:constr type="ctrY" for="ch" forName="circle1" refType="h" fact="0.5"/>
-              <dgm:constr type="r" for="ch" forName="space" refType="ctrX" refFor="ch" refForName="circle1"/>
-              <dgm:constr type="w" for="ch" forName="space"/>
-              <dgm:constr type="h" for="ch" forName="space" refType="h" refFor="ch" refForName="circle1"/>
-              <dgm:constr type="b" for="ch" forName="space" refType="b" refFor="ch" refForName="circle1"/>
-              <dgm:constr type="r" for="ch" forName="rect1" refType="l" refFor="ch" refForName="space"/>
-              <dgm:constr type="l" for="ch" forName="rect1"/>
-              <dgm:constr type="h" for="ch" forName="rect1" refType="h" refFor="ch" refForName="circle1"/>
-              <dgm:constr type="b" for="ch" forName="rect1" refType="b" refFor="ch" refForName="circle1"/>
-              <dgm:constr type="l" for="ch" forName="vertSpace2"/>
-              <dgm:constr type="w" for="ch" forName="vertSpace2" refType="w"/>
-              <dgm:constr type="h" for="ch" forName="vertSpace2" refType="h" refFor="ch" refForName="circle1" fact="0.05"/>
-              <dgm:constr type="b" for="ch" forName="vertSpace2" refType="b" refFor="ch" refForName="circle1"/>
-              <dgm:constr type="ctrX" for="ch" forName="circle2" refType="r" refFor="ch" refForName="space"/>
-              <dgm:constr type="h" for="ch" forName="circle2" refType="h" refFor="ch" refForName="circle1" fact="0.75"/>
-              <dgm:constr type="hOff" for="ch" forName="circle2" refType="h" refFor="ch" refForName="vertSpace2" fact="-0.25"/>
-              <dgm:constr type="w" for="ch" forName="circle2" refType="h" refFor="ch" refForName="circle2" op="equ"/>
-              <dgm:constr type="wOff" for="ch" forName="circle2" refType="hOff" refFor="ch" refForName="circle2" op="equ"/>
-              <dgm:constr type="b" for="ch" forName="circle2" refType="t" refFor="ch" refForName="vertSpace2"/>
-              <dgm:constr type="r" for="ch" forName="rect2" refType="l" refFor="ch" refForName="space"/>
-              <dgm:constr type="l" for="ch" forName="rect2"/>
-              <dgm:constr type="h" for="ch" forName="rect2" refType="h" refFor="ch" refForName="circle2"/>
-              <dgm:constr type="hOff" for="ch" forName="rect2" refType="hOff" refFor="ch" refForName="circle2"/>
-              <dgm:constr type="b" for="ch" forName="rect2" refType="b" refFor="ch" refForName="circle2"/>
-              <dgm:constr type="l" for="ch" forName="vertSpace3"/>
-              <dgm:constr type="w" for="ch" forName="vertSpace3" refType="w"/>
-              <dgm:constr type="h" for="ch" forName="vertSpace3" refType="h" refFor="ch" refForName="vertSpace2"/>
-              <dgm:constr type="b" for="ch" forName="vertSpace3" refType="t" refFor="ch" refForName="vertSpace2"/>
-              <dgm:constr type="ctrX" for="ch" forName="circle3" refType="r" refFor="ch" refForName="space"/>
-              <dgm:constr type="h" for="ch" forName="circle3" refType="h" refFor="ch" refForName="circle1" fact="0.5"/>
-              <dgm:constr type="hOff" for="ch" forName="circle3" refType="h" refFor="ch" refForName="vertSpace2" fact="-0.5"/>
-              <dgm:constr type="w" for="ch" forName="circle3" refType="h" refFor="ch" refForName="circle3" op="equ"/>
-              <dgm:constr type="wOff" for="ch" forName="circle3" refType="hOff" refFor="ch" refForName="circle3" op="equ"/>
-              <dgm:constr type="b" for="ch" forName="circle3" refType="t" refFor="ch" refForName="vertSpace3"/>
-              <dgm:constr type="r" for="ch" forName="rect3" refType="l" refFor="ch" refForName="space"/>
-              <dgm:constr type="l" for="ch" forName="rect3"/>
-              <dgm:constr type="h" for="ch" forName="rect3" refType="h" refFor="ch" refForName="circle3"/>
-              <dgm:constr type="hOff" for="ch" forName="rect3" refType="hOff" refFor="ch" refForName="circle3"/>
-              <dgm:constr type="b" for="ch" forName="rect3" refType="b" refFor="ch" refForName="circle3"/>
-              <dgm:constr type="l" for="ch" forName="vertSpace4"/>
-              <dgm:constr type="w" for="ch" forName="vertSpace4" refType="w"/>
-              <dgm:constr type="h" for="ch" forName="vertSpace4" refType="h" refFor="ch" refForName="vertSpace3"/>
-              <dgm:constr type="b" for="ch" forName="vertSpace4" refType="t" refFor="ch" refForName="vertSpace3"/>
-              <dgm:constr type="ctrX" for="ch" forName="circle4" refType="r" refFor="ch" refForName="space"/>
-              <dgm:constr type="h" for="ch" forName="circle4" refType="h" refFor="ch" refForName="circle1" fact="0.25"/>
-              <dgm:constr type="hOff" for="ch" forName="circle4" refType="h" refFor="ch" refForName="vertSpace2" fact="-0.75"/>
-              <dgm:constr type="w" for="ch" forName="circle4" refType="h" refFor="ch" refForName="circle4" op="equ"/>
-              <dgm:constr type="wOff" for="ch" forName="circle4" refType="hOff" refFor="ch" refForName="circle4" op="equ"/>
-              <dgm:constr type="b" for="ch" forName="circle4" refType="t" refFor="ch" refForName="vertSpace4"/>
-              <dgm:constr type="r" for="ch" forName="rect4" refType="l" refFor="ch" refForName="space"/>
-              <dgm:constr type="l" for="ch" forName="rect4"/>
-              <dgm:constr type="h" for="ch" forName="rect4" refType="h" refFor="ch" refForName="circle4"/>
-              <dgm:constr type="hOff" for="ch" forName="rect4" refType="hOff" refFor="ch" refForName="circle4"/>
-              <dgm:constr type="b" for="ch" forName="rect4" refType="b" refFor="ch" refForName="circle4"/>
-              <dgm:constr type="r" for="ch" forName="rect4ParTx" refType="l" refFor="ch" refForName="space"/>
-              <dgm:constr type="w" for="ch" forName="rect4ParTx" refType="w" refFor="ch" refForName="rect4" fact="0.5"/>
-              <dgm:constr type="t" for="ch" forName="rect4ParTx" refType="t" refFor="ch" refForName="rect4"/>
-              <dgm:constr type="b" for="ch" forName="rect4ParTx" refType="b" refFor="ch" refForName="rect4"/>
-              <dgm:constr type="r" for="ch" forName="rect4ChTx" refType="l" refFor="ch" refForName="rect4ParTx"/>
-              <dgm:constr type="w" for="ch" forName="rect4ChTx" refType="w" refFor="ch" refForName="rect4ParTx"/>
-              <dgm:constr type="t" for="ch" forName="rect4ChTx" refType="t" refFor="ch" refForName="rect4ParTx"/>
-              <dgm:constr type="b" for="ch" forName="rect4ChTx" refType="b" refFor="ch" refForName="rect4ParTx"/>
-              <dgm:constr type="r" for="ch" forName="rect4ParTxNoCh" refType="l" refFor="ch" refForName="space"/>
-              <dgm:constr type="w" for="ch" forName="rect4ParTxNoCh" refType="w" refFor="ch" refForName="rect4"/>
-              <dgm:constr type="t" for="ch" forName="rect4ParTxNoCh" refType="t" refFor="ch" refForName="rect4"/>
-              <dgm:constr type="b" for="ch" forName="rect4ParTxNoCh" refType="b" refFor="ch" refForName="rect4"/>
-              <dgm:constr type="r" for="ch" forName="rect1ParTx" refType="l" refFor="ch" refForName="space"/>
-              <dgm:constr type="w" for="ch" forName="rect1ParTx" refType="w" refFor="ch" refForName="rect1" fact="0.5"/>
-              <dgm:constr type="t" for="ch" forName="rect1ParTx" refType="t" refFor="ch" refForName="rect1"/>
-              <dgm:constr type="b" for="ch" forName="rect1ParTx" refType="t" refFor="ch" refForName="rect2"/>
-              <dgm:constr type="r" for="ch" forName="rect1ChTx" refType="l" refFor="ch" refForName="rect1ParTx"/>
-              <dgm:constr type="w" for="ch" forName="rect1ChTx" refType="w" refFor="ch" refForName="rect1ParTx"/>
-              <dgm:constr type="t" for="ch" forName="rect1ChTx" refType="t" refFor="ch" refForName="rect1ParTx"/>
-              <dgm:constr type="b" for="ch" forName="rect1ChTx" refType="b" refFor="ch" refForName="rect1ParTx"/>
-              <dgm:constr type="r" for="ch" forName="rect1ParTxNoCh" refType="l" refFor="ch" refForName="space"/>
-              <dgm:constr type="w" for="ch" forName="rect1ParTxNoCh" refType="w" refFor="ch" refForName="rect1"/>
-              <dgm:constr type="t" for="ch" forName="rect1ParTxNoCh" refType="t" refFor="ch" refForName="rect1"/>
-              <dgm:constr type="b" for="ch" forName="rect1ParTxNoCh" refType="t" refFor="ch" refForName="rect2"/>
-              <dgm:constr type="r" for="ch" forName="rect2ParTx" refType="l" refFor="ch" refForName="space"/>
-              <dgm:constr type="w" for="ch" forName="rect2ParTx" refType="w" refFor="ch" refForName="rect2" fact="0.5"/>
-              <dgm:constr type="t" for="ch" forName="rect2ParTx" refType="t" refFor="ch" refForName="rect2"/>
-              <dgm:constr type="b" for="ch" forName="rect2ParTx" refType="t" refFor="ch" refForName="rect3"/>
-              <dgm:constr type="r" for="ch" forName="rect2ChTx" refType="l" refFor="ch" refForName="rect2ParTx"/>
-              <dgm:constr type="w" for="ch" forName="rect2ChTx" refType="w" refFor="ch" refForName="rect2ParTx"/>
-              <dgm:constr type="t" for="ch" forName="rect2ChTx" refType="t" refFor="ch" refForName="rect2ParTx"/>
-              <dgm:constr type="b" for="ch" forName="rect2ChTx" refType="b" refFor="ch" refForName="rect2ParTx"/>
-              <dgm:constr type="r" for="ch" forName="rect2ParTxNoCh" refType="l" refFor="ch" refForName="space"/>
-              <dgm:constr type="w" for="ch" forName="rect2ParTxNoCh" refType="w" refFor="ch" refForName="rect2"/>
-              <dgm:constr type="t" for="ch" forName="rect2ParTxNoCh" refType="t" refFor="ch" refForName="rect2"/>
-              <dgm:constr type="b" for="ch" forName="rect2ParTxNoCh" refType="t" refFor="ch" refForName="rect3"/>
-              <dgm:constr type="r" for="ch" forName="rect3ParTx" refType="l" refFor="ch" refForName="space"/>
-              <dgm:constr type="w" for="ch" forName="rect3ParTx" refType="w" refFor="ch" refForName="rect3" fact="0.5"/>
-              <dgm:constr type="t" for="ch" forName="rect3ParTx" refType="t" refFor="ch" refForName="rect3"/>
-              <dgm:constr type="b" for="ch" forName="rect3ParTx" refType="t" refFor="ch" refForName="rect4"/>
-              <dgm:constr type="r" for="ch" forName="rect3ChTx" refType="l" refFor="ch" refForName="rect3ParTx"/>
-              <dgm:constr type="w" for="ch" forName="rect3ChTx" refType="w" refFor="ch" refForName="rect3ParTx"/>
-              <dgm:constr type="t" for="ch" forName="rect3ChTx" refType="t" refFor="ch" refForName="rect3ParTx"/>
-              <dgm:constr type="b" for="ch" forName="rect3ChTx" refType="b" refFor="ch" refForName="rect3ParTx"/>
-              <dgm:constr type="r" for="ch" forName="rect3ParTxNoCh" refType="l" refFor="ch" refForName="space"/>
-              <dgm:constr type="w" for="ch" forName="rect3ParTxNoCh" refType="w" refFor="ch" refForName="rect3"/>
-              <dgm:constr type="t" for="ch" forName="rect3ParTxNoCh" refType="t" refFor="ch" refForName="rect3"/>
-              <dgm:constr type="b" for="ch" forName="rect3ParTxNoCh" refType="t" refFor="ch" refForName="rect4"/>
-              <dgm:constr type="primFontSz" for="ch" op="equ" val="65"/>
-              <dgm:constr type="secFontSz" for="ch" op="equ" val="65"/>
-            </dgm:constrLst>
-          </dgm:if>
-          <dgm:if name="Name18" axis="ch" ptType="node" func="cnt" op="equ" val="5">
-            <dgm:constrLst>
-              <dgm:constr type="userA" refType="w" fact="0.3"/>
-              <dgm:constr type="w" for="ch" forName="circle1" refType="userA" fact="2"/>
-              <dgm:constr type="h" for="ch" forName="circle1" refType="w" refFor="ch" refForName="circle1" op="equ"/>
-              <dgm:constr type="r" for="ch" forName="circle1" refType="w"/>
-              <dgm:constr type="ctrY" for="ch" forName="circle1" refType="h" fact="0.5"/>
-              <dgm:constr type="r" for="ch" forName="space" refType="ctrX" refFor="ch" refForName="circle1"/>
-              <dgm:constr type="w" for="ch" forName="space"/>
-              <dgm:constr type="h" for="ch" forName="space" refType="h" refFor="ch" refForName="circle1"/>
-              <dgm:constr type="b" for="ch" forName="space" refType="b" refFor="ch" refForName="circle1"/>
-              <dgm:constr type="r" for="ch" forName="rect1" refType="l" refFor="ch" refForName="space"/>
-              <dgm:constr type="l" for="ch" forName="rect1"/>
-              <dgm:constr type="h" for="ch" forName="rect1" refType="h" refFor="ch" refForName="circle1"/>
-              <dgm:constr type="b" for="ch" forName="rect1" refType="b" refFor="ch" refForName="circle1"/>
-              <dgm:constr type="l" for="ch" forName="vertSpace2"/>
-              <dgm:constr type="w" for="ch" forName="vertSpace2" refType="w"/>
-              <dgm:constr type="h" for="ch" forName="vertSpace2" refType="h" refFor="ch" refForName="circle1" fact="0.05"/>
-              <dgm:constr type="b" for="ch" forName="vertSpace2" refType="b" refFor="ch" refForName="circle1"/>
-              <dgm:constr type="ctrX" for="ch" forName="circle2" refType="r" refFor="ch" refForName="space"/>
-              <dgm:constr type="h" for="ch" forName="circle2" refType="h" refFor="ch" refForName="circle1" fact="0.8"/>
-              <dgm:constr type="hOff" for="ch" forName="circle2" refType="h" refFor="ch" refForName="vertSpace2" fact="-0.2"/>
-              <dgm:constr type="w" for="ch" forName="circle2" refType="h" refFor="ch" refForName="circle2" op="equ"/>
-              <dgm:constr type="wOff" for="ch" forName="circle2" refType="hOff" refFor="ch" refForName="circle2" op="equ"/>
-              <dgm:constr type="b" for="ch" forName="circle2" refType="t" refFor="ch" refForName="vertSpace2"/>
-              <dgm:constr type="r" for="ch" forName="rect2" refType="l" refFor="ch" refForName="space"/>
-              <dgm:constr type="l" for="ch" forName="rect2"/>
-              <dgm:constr type="h" for="ch" forName="rect2" refType="h" refFor="ch" refForName="circle2"/>
-              <dgm:constr type="hOff" for="ch" forName="rect2" refType="hOff" refFor="ch" refForName="circle2"/>
-              <dgm:constr type="b" for="ch" forName="rect2" refType="b" refFor="ch" refForName="circle2"/>
-              <dgm:constr type="l" for="ch" forName="vertSpace3"/>
-              <dgm:constr type="w" for="ch" forName="vertSpace3" refType="w"/>
-              <dgm:constr type="h" for="ch" forName="vertSpace3" refType="h" refFor="ch" refForName="vertSpace2"/>
-              <dgm:constr type="b" for="ch" forName="vertSpace3" refType="t" refFor="ch" refForName="vertSpace2"/>
-              <dgm:constr type="ctrX" for="ch" forName="circle3" refType="r" refFor="ch" refForName="space"/>
-              <dgm:constr type="h" for="ch" forName="circle3" refType="h" refFor="ch" refForName="circle1" fact="0.6"/>
-              <dgm:constr type="hOff" for="ch" forName="circle3" refType="h" refFor="ch" refForName="vertSpace2" fact="-0.4"/>
-              <dgm:constr type="w" for="ch" forName="circle3" refType="h" refFor="ch" refForName="circle3" op="equ"/>
-              <dgm:constr type="wOff" for="ch" forName="circle3" refType="hOff" refFor="ch" refForName="circle3" op="equ"/>
-              <dgm:constr type="b" for="ch" forName="circle3" refType="t" refFor="ch" refForName="vertSpace3"/>
-              <dgm:constr type="r" for="ch" forName="rect3" refType="l" refFor="ch" refForName="space"/>
-              <dgm:constr type="l" for="ch" forName="rect3"/>
-              <dgm:constr type="h" for="ch" forName="rect3" refType="h" refFor="ch" refForName="circle3"/>
-              <dgm:constr type="hOff" for="ch" forName="rect3" refType="hOff" refFor="ch" refForName="circle3"/>
-              <dgm:constr type="b" for="ch" forName="rect3" refType="b" refFor="ch" refForName="circle3"/>
-              <dgm:constr type="l" for="ch" forName="vertSpace4"/>
-              <dgm:constr type="w" for="ch" forName="vertSpace4" refType="w"/>
-              <dgm:constr type="h" for="ch" forName="vertSpace4" refType="h" refFor="ch" refForName="vertSpace3"/>
-              <dgm:constr type="b" for="ch" forName="vertSpace4" refType="t" refFor="ch" refForName="vertSpace3"/>
-              <dgm:constr type="ctrX" for="ch" forName="circle4" refType="r" refFor="ch" refForName="space"/>
-              <dgm:constr type="h" for="ch" forName="circle4" refType="h" refFor="ch" refForName="circle1" fact="0.4"/>
-              <dgm:constr type="hOff" for="ch" forName="circle4" refType="h" refFor="ch" refForName="vertSpace2" fact="-0.6"/>
-              <dgm:constr type="w" for="ch" forName="circle4" refType="h" refFor="ch" refForName="circle4" op="equ"/>
-              <dgm:constr type="wOff" for="ch" forName="circle4" refType="hOff" refFor="ch" refForName="circle4" op="equ"/>
-              <dgm:constr type="b" for="ch" forName="circle4" refType="t" refFor="ch" refForName="vertSpace4"/>
-              <dgm:constr type="r" for="ch" forName="rect4" refType="l" refFor="ch" refForName="space"/>
-              <dgm:constr type="l" for="ch" forName="rect4"/>
-              <dgm:constr type="h" for="ch" forName="rect4" refType="h" refFor="ch" refForName="circle4"/>
-              <dgm:constr type="hOff" for="ch" forName="rect4" refType="hOff" refFor="ch" refForName="circle4"/>
-              <dgm:constr type="b" for="ch" forName="rect4" refType="b" refFor="ch" refForName="circle4"/>
-              <dgm:constr type="l" for="ch" forName="vertSpace5"/>
-              <dgm:constr type="w" for="ch" forName="vertSpace5" refType="w"/>
-              <dgm:constr type="h" for="ch" forName="vertSpace5" refType="h" refFor="ch" refForName="vertSpace4"/>
-              <dgm:constr type="b" for="ch" forName="vertSpace5" refType="t" refFor="ch" refForName="vertSpace4"/>
-              <dgm:constr type="ctrX" for="ch" forName="circle5" refType="r" refFor="ch" refForName="space"/>
-              <dgm:constr type="h" for="ch" forName="circle5" refType="h" refFor="ch" refForName="circle1" fact="0.2"/>
-              <dgm:constr type="hOff" for="ch" forName="circle5" refType="h" refFor="ch" refForName="vertSpace2" fact="-0.8"/>
-              <dgm:constr type="w" for="ch" forName="circle5" refType="h" refFor="ch" refForName="circle5" op="equ"/>
-              <dgm:constr type="wOff" for="ch" forName="circle5" refType="hOff" refFor="ch" refForName="circle5" op="equ"/>
-              <dgm:constr type="b" for="ch" forName="circle5" refType="t" refFor="ch" refForName="vertSpace5"/>
-              <dgm:constr type="r" for="ch" forName="rect5" refType="l" refFor="ch" refForName="space"/>
-              <dgm:constr type="l" for="ch" forName="rect5"/>
-              <dgm:constr type="h" for="ch" forName="rect5" refType="h" refFor="ch" refForName="circle5"/>
-              <dgm:constr type="hOff" for="ch" forName="rect5" refType="hOff" refFor="ch" refForName="circle5"/>
-              <dgm:constr type="b" for="ch" forName="rect5" refType="b" refFor="ch" refForName="circle5"/>
-              <dgm:constr type="r" for="ch" forName="rect5ParTx" refType="l" refFor="ch" refForName="space"/>
-              <dgm:constr type="w" for="ch" forName="rect5ParTx" refType="w" refFor="ch" refForName="rect5" fact="0.5"/>
-              <dgm:constr type="t" for="ch" forName="rect5ParTx" refType="t" refFor="ch" refForName="rect5"/>
-              <dgm:constr type="b" for="ch" forName="rect5ParTx" refType="b" refFor="ch" refForName="rect5"/>
-              <dgm:constr type="r" for="ch" forName="rect5ChTx" refType="l" refFor="ch" refForName="rect5ParTx"/>
-              <dgm:constr type="w" for="ch" forName="rect5ChTx" refType="w" refFor="ch" refForName="rect5ParTx"/>
-              <dgm:constr type="t" for="ch" forName="rect5ChTx" refType="t" refFor="ch" refForName="rect5ParTx"/>
-              <dgm:constr type="b" for="ch" forName="rect5ChTx" refType="b" refFor="ch" refForName="rect5ParTx"/>
-              <dgm:constr type="r" for="ch" forName="rect5ParTxNoCh" refType="l" refFor="ch" refForName="space"/>
-              <dgm:constr type="w" for="ch" forName="rect5ParTxNoCh" refType="w" refFor="ch" refForName="rect5"/>
-              <dgm:constr type="t" for="ch" forName="rect5ParTxNoCh" refType="t" refFor="ch" refForName="rect5"/>
-              <dgm:constr type="b" for="ch" forName="rect5ParTxNoCh" refType="b" refFor="ch" refForName="rect5"/>
-              <dgm:constr type="r" for="ch" forName="rect1ParTx" refType="l" refFor="ch" refForName="space"/>
-              <dgm:constr type="w" for="ch" forName="rect1ParTx" refType="w" refFor="ch" refForName="rect1" fact="0.5"/>
-              <dgm:constr type="t" for="ch" forName="rect1ParTx" refType="t" refFor="ch" refForName="rect1"/>
-              <dgm:constr type="b" for="ch" forName="rect1ParTx" refType="t" refFor="ch" refForName="rect2"/>
-              <dgm:constr type="r" for="ch" forName="rect1ChTx" refType="l" refFor="ch" refForName="rect1ParTx"/>
-              <dgm:constr type="w" for="ch" forName="rect1ChTx" refType="w" refFor="ch" refForName="rect1ParTx"/>
-              <dgm:constr type="t" for="ch" forName="rect1ChTx" refType="t" refFor="ch" refForName="rect1ParTx"/>
-              <dgm:constr type="b" for="ch" forName="rect1ChTx" refType="b" refFor="ch" refForName="rect1ParTx"/>
-              <dgm:constr type="r" for="ch" forName="rect1ParTxNoCh" refType="l" refFor="ch" refForName="space"/>
-              <dgm:constr type="w" for="ch" forName="rect1ParTxNoCh" refType="w" refFor="ch" refForName="rect1"/>
-              <dgm:constr type="t" for="ch" forName="rect1ParTxNoCh" refType="t" refFor="ch" refForName="rect1"/>
-              <dgm:constr type="b" for="ch" forName="rect1ParTxNoCh" refType="t" refFor="ch" refForName="rect2"/>
-              <dgm:constr type="r" for="ch" forName="rect2ParTx" refType="l" refFor="ch" refForName="space"/>
-              <dgm:constr type="w" for="ch" forName="rect2ParTx" refType="w" refFor="ch" refForName="rect2" fact="0.5"/>
-              <dgm:constr type="t" for="ch" forName="rect2ParTx" refType="t" refFor="ch" refForName="rect2"/>
-              <dgm:constr type="b" for="ch" forName="rect2ParTx" refType="t" refFor="ch" refForName="rect3"/>
-              <dgm:constr type="r" for="ch" forName="rect2ChTx" refType="l" refFor="ch" refForName="rect2ParTx"/>
-              <dgm:constr type="w" for="ch" forName="rect2ChTx" refType="w" refFor="ch" refForName="rect2ParTx"/>
-              <dgm:constr type="t" for="ch" forName="rect2ChTx" refType="t" refFor="ch" refForName="rect2ParTx"/>
-              <dgm:constr type="b" for="ch" forName="rect2ChTx" refType="b" refFor="ch" refForName="rect2ParTx"/>
-              <dgm:constr type="r" for="ch" forName="rect2ParTxNoCh" refType="l" refFor="ch" refForName="space"/>
-              <dgm:constr type="w" for="ch" forName="rect2ParTxNoCh" refType="w" refFor="ch" refForName="rect2"/>
-              <dgm:constr type="t" for="ch" forName="rect2ParTxNoCh" refType="t" refFor="ch" refForName="rect2"/>
-              <dgm:constr type="b" for="ch" forName="rect2ParTxNoCh" refType="t" refFor="ch" refForName="rect3"/>
-              <dgm:constr type="r" for="ch" forName="rect3ParTx" refType="l" refFor="ch" refForName="space"/>
-              <dgm:constr type="w" for="ch" forName="rect3ParTx" refType="w" refFor="ch" refForName="rect3" fact="0.5"/>
-              <dgm:constr type="t" for="ch" forName="rect3ParTx" refType="t" refFor="ch" refForName="rect3"/>
-              <dgm:constr type="b" for="ch" forName="rect3ParTx" refType="t" refFor="ch" refForName="rect4"/>
-              <dgm:constr type="r" for="ch" forName="rect3ChTx" refType="l" refFor="ch" refForName="rect3ParTx"/>
-              <dgm:constr type="w" for="ch" forName="rect3ChTx" refType="w" refFor="ch" refForName="rect3ParTx"/>
-              <dgm:constr type="t" for="ch" forName="rect3ChTx" refType="t" refFor="ch" refForName="rect3ParTx"/>
-              <dgm:constr type="b" for="ch" forName="rect3ChTx" refType="b" refFor="ch" refForName="rect3ParTx"/>
-              <dgm:constr type="r" for="ch" forName="rect3ParTxNoCh" refType="l" refFor="ch" refForName="space"/>
-              <dgm:constr type="w" for="ch" forName="rect3ParTxNoCh" refType="w" refFor="ch" refForName="rect3"/>
-              <dgm:constr type="t" for="ch" forName="rect3ParTxNoCh" refType="t" refFor="ch" refForName="rect3"/>
-              <dgm:constr type="b" for="ch" forName="rect3ParTxNoCh" refType="t" refFor="ch" refForName="rect4"/>
-              <dgm:constr type="r" for="ch" forName="rect4ParTx" refType="l" refFor="ch" refForName="space"/>
-              <dgm:constr type="w" for="ch" forName="rect4ParTx" refType="w" refFor="ch" refForName="rect4" fact="0.5"/>
-              <dgm:constr type="t" for="ch" forName="rect4ParTx" refType="t" refFor="ch" refForName="rect4"/>
-              <dgm:constr type="b" for="ch" forName="rect4ParTx" refType="t" refFor="ch" refForName="rect5"/>
-              <dgm:constr type="r" for="ch" forName="rect4ChTx" refType="l" refFor="ch" refForName="rect4ParTx"/>
-              <dgm:constr type="w" for="ch" forName="rect4ChTx" refType="w" refFor="ch" refForName="rect4ParTx"/>
-              <dgm:constr type="t" for="ch" forName="rect4ChTx" refType="t" refFor="ch" refForName="rect4ParTx"/>
-              <dgm:constr type="b" for="ch" forName="rect4ChTx" refType="b" refFor="ch" refForName="rect4ParTx"/>
-              <dgm:constr type="r" for="ch" forName="rect4ParTxNoCh" refType="l" refFor="ch" refForName="space"/>
-              <dgm:constr type="w" for="ch" forName="rect4ParTxNoCh" refType="w" refFor="ch" refForName="rect4"/>
-              <dgm:constr type="t" for="ch" forName="rect4ParTxNoCh" refType="t" refFor="ch" refForName="rect4"/>
-              <dgm:constr type="b" for="ch" forName="rect4ParTxNoCh" refType="t" refFor="ch" refForName="rect5"/>
-              <dgm:constr type="primFontSz" for="ch" op="equ" val="65"/>
-              <dgm:constr type="secFontSz" for="ch" op="equ" val="65"/>
-            </dgm:constrLst>
-          </dgm:if>
-          <dgm:if name="Name19" axis="ch" ptType="node" func="cnt" op="equ" val="6">
-            <dgm:constrLst>
-              <dgm:constr type="userA" refType="w" fact="0.3"/>
-              <dgm:constr type="w" for="ch" forName="circle1" refType="userA" fact="2"/>
-              <dgm:constr type="h" for="ch" forName="circle1" refType="w" refFor="ch" refForName="circle1" op="equ"/>
-              <dgm:constr type="r" for="ch" forName="circle1" refType="w"/>
-              <dgm:constr type="ctrY" for="ch" forName="circle1" refType="h" fact="0.5"/>
-              <dgm:constr type="r" for="ch" forName="space" refType="ctrX" refFor="ch" refForName="circle1"/>
-              <dgm:constr type="w" for="ch" forName="space"/>
-              <dgm:constr type="h" for="ch" forName="space" refType="h" refFor="ch" refForName="circle1"/>
-              <dgm:constr type="b" for="ch" forName="space" refType="b" refFor="ch" refForName="circle1"/>
-              <dgm:constr type="r" for="ch" forName="rect1" refType="l" refFor="ch" refForName="space"/>
-              <dgm:constr type="l" for="ch" forName="rect1"/>
-              <dgm:constr type="h" for="ch" forName="rect1" refType="h" refFor="ch" refForName="circle1"/>
-              <dgm:constr type="b" for="ch" forName="rect1" refType="b" refFor="ch" refForName="circle1"/>
-              <dgm:constr type="l" for="ch" forName="vertSpace2"/>
-              <dgm:constr type="w" for="ch" forName="vertSpace2" refType="w"/>
-              <dgm:constr type="h" for="ch" forName="vertSpace2" refType="h" refFor="ch" refForName="circle1" fact="0.05"/>
-              <dgm:constr type="b" for="ch" forName="vertSpace2" refType="b" refFor="ch" refForName="circle1"/>
-              <dgm:constr type="ctrX" for="ch" forName="circle2" refType="r" refFor="ch" refForName="space"/>
-              <dgm:constr type="h" for="ch" forName="circle2" refType="h" refFor="ch" refForName="circle1" fact="0.83333"/>
-              <dgm:constr type="hOff" for="ch" forName="circle2" refType="h" refFor="ch" refForName="vertSpace2" fact="-0.16667"/>
-              <dgm:constr type="w" for="ch" forName="circle2" refType="h" refFor="ch" refForName="circle2" op="equ"/>
-              <dgm:constr type="wOff" for="ch" forName="circle2" refType="hOff" refFor="ch" refForName="circle2" op="equ"/>
-              <dgm:constr type="b" for="ch" forName="circle2" refType="t" refFor="ch" refForName="vertSpace2"/>
-              <dgm:constr type="r" for="ch" forName="rect2" refType="l" refFor="ch" refForName="space"/>
-              <dgm:constr type="l" for="ch" forName="rect2"/>
-              <dgm:constr type="h" for="ch" forName="rect2" refType="h" refFor="ch" refForName="circle2"/>
-              <dgm:constr type="hOff" for="ch" forName="rect2" refType="hOff" refFor="ch" refForName="circle2"/>
-              <dgm:constr type="b" for="ch" forName="rect2" refType="b" refFor="ch" refForName="circle2"/>
-              <dgm:constr type="l" for="ch" forName="vertSpace3"/>
-              <dgm:constr type="w" for="ch" forName="vertSpace3" refType="w"/>
-              <dgm:constr type="h" for="ch" forName="vertSpace3" refType="h" refFor="ch" refForName="vertSpace2"/>
-              <dgm:constr type="b" for="ch" forName="vertSpace3" refType="t" refFor="ch" refForName="vertSpace2"/>
-              <dgm:constr type="ctrX" for="ch" forName="circle3" refType="r" refFor="ch" refForName="space"/>
-              <dgm:constr type="h" for="ch" forName="circle3" refType="h" refFor="ch" refForName="circle1" fact="0.66667"/>
-              <dgm:constr type="hOff" for="ch" forName="circle3" refType="h" refFor="ch" refForName="vertSpace2" fact="-0.33333"/>
-              <dgm:constr type="w" for="ch" forName="circle3" refType="h" refFor="ch" refForName="circle3" op="equ"/>
-              <dgm:constr type="wOff" for="ch" forName="circle3" refType="hOff" refFor="ch" refForName="circle3" op="equ"/>
-              <dgm:constr type="b" for="ch" forName="circle3" refType="t" refFor="ch" refForName="vertSpace3"/>
-              <dgm:constr type="r" for="ch" forName="rect3" refType="l" refFor="ch" refForName="space"/>
-              <dgm:constr type="l" for="ch" forName="rect3"/>
-              <dgm:constr type="h" for="ch" forName="rect3" refType="h" refFor="ch" refForName="circle3"/>
-              <dgm:constr type="hOff" for="ch" forName="rect3" refType="hOff" refFor="ch" refForName="circle3"/>
-              <dgm:constr type="b" for="ch" forName="rect3" refType="b" refFor="ch" refForName="circle3"/>
-              <dgm:constr type="l" for="ch" forName="vertSpace4"/>
-              <dgm:constr type="w" for="ch" forName="vertSpace4" refType="w"/>
-              <dgm:constr type="h" for="ch" forName="vertSpace4" refType="h" refFor="ch" refForName="vertSpace3"/>
-              <dgm:constr type="b" for="ch" forName="vertSpace4" refType="t" refFor="ch" refForName="vertSpace3"/>
-              <dgm:constr type="ctrX" for="ch" forName="circle4" refType="r" refFor="ch" refForName="space"/>
-              <dgm:constr type="h" for="ch" forName="circle4" refType="h" refFor="ch" refForName="circle1" fact="0.5"/>
-              <dgm:constr type="hOff" for="ch" forName="circle4" refType="h" refFor="ch" refForName="vertSpace2" fact="-0.5"/>
-              <dgm:constr type="w" for="ch" forName="circle4" refType="h" refFor="ch" refForName="circle4" op="equ"/>
-              <dgm:constr type="wOff" for="ch" forName="circle4" refType="hOff" refFor="ch" refForName="circle4" op="equ"/>
-              <dgm:constr type="b" for="ch" forName="circle4" refType="t" refFor="ch" refForName="vertSpace4"/>
-              <dgm:constr type="r" for="ch" forName="rect4" refType="l" refFor="ch" refForName="space"/>
-              <dgm:constr type="l" for="ch" forName="rect4"/>
-              <dgm:constr type="h" for="ch" forName="rect4" refType="h" refFor="ch" refForName="circle4"/>
-              <dgm:constr type="hOff" for="ch" forName="rect4" refType="hOff" refFor="ch" refForName="circle4"/>
-              <dgm:constr type="b" for="ch" forName="rect4" refType="b" refFor="ch" refForName="circle4"/>
-              <dgm:constr type="l" for="ch" forName="vertSpace5"/>
-              <dgm:constr type="w" for="ch" forName="vertSpace5" refType="w"/>
-              <dgm:constr type="h" for="ch" forName="vertSpace5" refType="h" refFor="ch" refForName="vertSpace4"/>
-              <dgm:constr type="b" for="ch" forName="vertSpace5" refType="t" refFor="ch" refForName="vertSpace4"/>
-              <dgm:constr type="ctrX" for="ch" forName="circle5" refType="r" refFor="ch" refForName="space"/>
-              <dgm:constr type="h" for="ch" forName="circle5" refType="h" refFor="ch" refForName="circle1" fact="0.33333"/>
-              <dgm:constr type="hOff" for="ch" forName="circle5" refType="h" refFor="ch" refForName="vertSpace2" fact="-0.66667"/>
-              <dgm:constr type="w" for="ch" forName="circle5" refType="h" refFor="ch" refForName="circle5" op="equ"/>
-              <dgm:constr type="wOff" for="ch" forName="circle5" refType="hOff" refFor="ch" refForName="circle5" op="equ"/>
-              <dgm:constr type="b" for="ch" forName="circle5" refType="t" refFor="ch" refForName="vertSpace5"/>
-              <dgm:constr type="r" for="ch" forName="rect5" refType="l" refFor="ch" refForName="space"/>
-              <dgm:constr type="l" for="ch" forName="rect5"/>
-              <dgm:constr type="h" for="ch" forName="rect5" refType="h" refFor="ch" refForName="circle5"/>
-              <dgm:constr type="hOff" for="ch" forName="rect5" refType="hOff" refFor="ch" refForName="circle5"/>
-              <dgm:constr type="b" for="ch" forName="rect5" refType="b" refFor="ch" refForName="circle5"/>
-              <dgm:constr type="l" for="ch" forName="vertSpace6"/>
-              <dgm:constr type="w" for="ch" forName="vertSpace6" refType="w"/>
-              <dgm:constr type="h" for="ch" forName="vertSpace6" refType="h" refFor="ch" refForName="vertSpace5"/>
-              <dgm:constr type="b" for="ch" forName="vertSpace6" refType="t" refFor="ch" refForName="vertSpace5"/>
-              <dgm:constr type="ctrX" for="ch" forName="circle6" refType="r" refFor="ch" refForName="space"/>
-              <dgm:constr type="h" for="ch" forName="circle6" refType="h" refFor="ch" refForName="circle1" fact="0.16667"/>
-              <dgm:constr type="hOff" for="ch" forName="circle6" refType="h" refFor="ch" refForName="vertSpace2" fact="-0.83333"/>
-              <dgm:constr type="w" for="ch" forName="circle6" refType="h" refFor="ch" refForName="circle6" op="equ"/>
-              <dgm:constr type="wOff" for="ch" forName="circle6" refType="hOff" refFor="ch" refForName="circle6" op="equ"/>
-              <dgm:constr type="b" for="ch" forName="circle6" refType="t" refFor="ch" refForName="vertSpace6"/>
-              <dgm:constr type="r" for="ch" forName="rect6" refType="l" refFor="ch" refForName="space"/>
-              <dgm:constr type="l" for="ch" forName="rect6"/>
-              <dgm:constr type="h" for="ch" forName="rect6" refType="h" refFor="ch" refForName="circle6"/>
-              <dgm:constr type="hOff" for="ch" forName="rect6" refType="hOff" refFor="ch" refForName="circle6"/>
-              <dgm:constr type="b" for="ch" forName="rect6" refType="b" refFor="ch" refForName="circle6"/>
-              <dgm:constr type="r" for="ch" forName="rect6ParTx" refType="l" refFor="ch" refForName="space"/>
-              <dgm:constr type="w" for="ch" forName="rect6ParTx" refType="w" refFor="ch" refForName="rect6" fact="0.5"/>
-              <dgm:constr type="t" for="ch" forName="rect6ParTx" refType="t" refFor="ch" refForName="rect6"/>
-              <dgm:constr type="b" for="ch" forName="rect6ParTx" refType="b" refFor="ch" refForName="rect6"/>
-              <dgm:constr type="r" for="ch" forName="rect6ChTx" refType="l" refFor="ch" refForName="rect6ParTx"/>
-              <dgm:constr type="w" for="ch" forName="rect6ChTx" refType="w" refFor="ch" refForName="rect6ParTx"/>
-              <dgm:constr type="t" for="ch" forName="rect6ChTx" refType="t" refFor="ch" refForName="rect6ParTx"/>
-              <dgm:constr type="b" for="ch" forName="rect6ChTx" refType="b" refFor="ch" refForName="rect6ParTx"/>
-              <dgm:constr type="r" for="ch" forName="rect6ParTxNoCh" refType="l" refFor="ch" refForName="space"/>
-              <dgm:constr type="w" for="ch" forName="rect6ParTxNoCh" refType="w" refFor="ch" refForName="rect6"/>
-              <dgm:constr type="t" for="ch" forName="rect6ParTxNoCh" refType="t" refFor="ch" refForName="rect6"/>
-              <dgm:constr type="b" for="ch" forName="rect6ParTxNoCh" refType="b" refFor="ch" refForName="rect6"/>
-              <dgm:constr type="r" for="ch" forName="rect1ParTx" refType="l" refFor="ch" refForName="space"/>
-              <dgm:constr type="w" for="ch" forName="rect1ParTx" refType="w" refFor="ch" refForName="rect1" fact="0.5"/>
-              <dgm:constr type="t" for="ch" forName="rect1ParTx" refType="t" refFor="ch" refForName="rect1"/>
-              <dgm:constr type="b" for="ch" forName="rect1ParTx" refType="t" refFor="ch" refForName="rect2"/>
-              <dgm:constr type="r" for="ch" forName="rect1ChTx" refType="l" refFor="ch" refForName="rect1ParTx"/>
-              <dgm:constr type="w" for="ch" forName="rect1ChTx" refType="w" refFor="ch" refForName="rect1ParTx"/>
-              <dgm:constr type="t" for="ch" forName="rect1ChTx" refType="t" refFor="ch" refForName="rect1ParTx"/>
-              <dgm:constr type="b" for="ch" forName="rect1ChTx" refType="b" refFor="ch" refForName="rect1ParTx"/>
-              <dgm:constr type="r" for="ch" forName="rect1ParTxNoCh" refType="l" refFor="ch" refForName="space"/>
-              <dgm:constr type="w" for="ch" forName="rect1ParTxNoCh" refType="w" refFor="ch" refForName="rect1"/>
-              <dgm:constr type="t" for="ch" forName="rect1ParTxNoCh" refType="t" refFor="ch" refForName="rect1"/>
-              <dgm:constr type="b" for="ch" forName="rect1ParTxNoCh" refType="t" refFor="ch" refForName="rect2"/>
-              <dgm:constr type="r" for="ch" forName="rect2ParTx" refType="l" refFor="ch" refForName="space"/>
-              <dgm:constr type="w" for="ch" forName="rect2ParTx" refType="w" refFor="ch" refForName="rect2" fact="0.5"/>
-              <dgm:constr type="t" for="ch" forName="rect2ParTx" refType="t" refFor="ch" refForName="rect2"/>
-              <dgm:constr type="b" for="ch" forName="rect2ParTx" refType="t" refFor="ch" refForName="rect3"/>
-              <dgm:constr type="r" for="ch" forName="rect2ChTx" refType="l" refFor="ch" refForName="rect2ParTx"/>
-              <dgm:constr type="w" for="ch" forName="rect2ChTx" refType="w" refFor="ch" refForName="rect2ParTx"/>
-              <dgm:constr type="t" for="ch" forName="rect2ChTx" refType="t" refFor="ch" refForName="rect2ParTx"/>
-              <dgm:constr type="b" for="ch" forName="rect2ChTx" refType="b" refFor="ch" refForName="rect2ParTx"/>
-              <dgm:constr type="r" for="ch" forName="rect2ParTxNoCh" refType="l" refFor="ch" refForName="space"/>
-              <dgm:constr type="w" for="ch" forName="rect2ParTxNoCh" refType="w" refFor="ch" refForName="rect2"/>
-              <dgm:constr type="t" for="ch" forName="rect2ParTxNoCh" refType="t" refFor="ch" refForName="rect2"/>
-              <dgm:constr type="b" for="ch" forName="rect2ParTxNoCh" refType="t" refFor="ch" refForName="rect3"/>
-              <dgm:constr type="r" for="ch" forName="rect3ParTx" refType="l" refFor="ch" refForName="space"/>
-              <dgm:constr type="w" for="ch" forName="rect3ParTx" refType="w" refFor="ch" refForName="rect3" fact="0.5"/>
-              <dgm:constr type="t" for="ch" forName="rect3ParTx" refType="t" refFor="ch" refForName="rect3"/>
-              <dgm:constr type="b" for="ch" forName="rect3ParTx" refType="t" refFor="ch" refForName="rect4"/>
-              <dgm:constr type="r" for="ch" forName="rect3ChTx" refType="l" refFor="ch" refForName="rect3ParTx"/>
-              <dgm:constr type="w" for="ch" forName="rect3ChTx" refType="w" refFor="ch" refForName="rect3ParTx"/>
-              <dgm:constr type="t" for="ch" forName="rect3ChTx" refType="t" refFor="ch" refForName="rect3ParTx"/>
-              <dgm:constr type="b" for="ch" forName="rect3ChTx" refType="b" refFor="ch" refForName="rect3ParTx"/>
-              <dgm:constr type="r" for="ch" forName="rect3ParTxNoCh" refType="l" refFor="ch" refForName="space"/>
-              <dgm:constr type="w" for="ch" forName="rect3ParTxNoCh" refType="w" refFor="ch" refForName="rect3"/>
-              <dgm:constr type="t" for="ch" forName="rect3ParTxNoCh" refType="t" refFor="ch" refForName="rect3"/>
-              <dgm:constr type="b" for="ch" forName="rect3ParTxNoCh" refType="t" refFor="ch" refForName="rect4"/>
-              <dgm:constr type="r" for="ch" forName="rect4ParTx" refType="l" refFor="ch" refForName="space"/>
-              <dgm:constr type="w" for="ch" forName="rect4ParTx" refType="w" refFor="ch" refForName="rect4" fact="0.5"/>
-              <dgm:constr type="t" for="ch" forName="rect4ParTx" refType="t" refFor="ch" refForName="rect4"/>
-              <dgm:constr type="b" for="ch" forName="rect4ParTx" refType="t" refFor="ch" refForName="rect5"/>
-              <dgm:constr type="r" for="ch" forName="rect4ChTx" refType="l" refFor="ch" refForName="rect4ParTx"/>
-              <dgm:constr type="w" for="ch" forName="rect4ChTx" refType="w" refFor="ch" refForName="rect4ParTx"/>
-              <dgm:constr type="t" for="ch" forName="rect4ChTx" refType="t" refFor="ch" refForName="rect4ParTx"/>
-              <dgm:constr type="b" for="ch" forName="rect4ChTx" refType="b" refFor="ch" refForName="rect4ParTx"/>
-              <dgm:constr type="r" for="ch" forName="rect4ParTxNoCh" refType="l" refFor="ch" refForName="space"/>
-              <dgm:constr type="w" for="ch" forName="rect4ParTxNoCh" refType="w" refFor="ch" refForName="rect4"/>
-              <dgm:constr type="t" for="ch" forName="rect4ParTxNoCh" refType="t" refFor="ch" refForName="rect4"/>
-              <dgm:constr type="b" for="ch" forName="rect4ParTxNoCh" refType="t" refFor="ch" refForName="rect5"/>
-              <dgm:constr type="r" for="ch" forName="rect5ParTx" refType="l" refFor="ch" refForName="space"/>
-              <dgm:constr type="w" for="ch" forName="rect5ParTx" refType="w" refFor="ch" refForName="rect5" fact="0.5"/>
-              <dgm:constr type="t" for="ch" forName="rect5ParTx" refType="t" refFor="ch" refForName="rect5"/>
-              <dgm:constr type="b" for="ch" forName="rect5ParTx" refType="t" refFor="ch" refForName="rect6"/>
-              <dgm:constr type="r" for="ch" forName="rect5ChTx" refType="l" refFor="ch" refForName="rect5ParTx"/>
-              <dgm:constr type="w" for="ch" forName="rect5ChTx" refType="w" refFor="ch" refForName="rect5ParTx"/>
-              <dgm:constr type="t" for="ch" forName="rect5ChTx" refType="t" refFor="ch" refForName="rect5ParTx"/>
-              <dgm:constr type="b" for="ch" forName="rect5ChTx" refType="b" refFor="ch" refForName="rect5ParTx"/>
-              <dgm:constr type="r" for="ch" forName="rect5ParTxNoCh" refType="l" refFor="ch" refForName="space"/>
-              <dgm:constr type="w" for="ch" forName="rect5ParTxNoCh" refType="w" refFor="ch" refForName="rect5"/>
-              <dgm:constr type="t" for="ch" forName="rect5ParTxNoCh" refType="t" refFor="ch" refForName="rect5"/>
-              <dgm:constr type="b" for="ch" forName="rect5ParTxNoCh" refType="t" refFor="ch" refForName="rect6"/>
-              <dgm:constr type="primFontSz" for="ch" op="equ" val="65"/>
-              <dgm:constr type="secFontSz" for="ch" op="equ" val="65"/>
-            </dgm:constrLst>
-          </dgm:if>
-          <dgm:if name="Name20" axis="ch" ptType="node" func="cnt" op="gte" val="7">
-            <dgm:constrLst>
-              <dgm:constr type="userA" refType="w" fact="0.3"/>
-              <dgm:constr type="w" for="ch" forName="circle1" refType="userA" fact="2"/>
-              <dgm:constr type="h" for="ch" forName="circle1" refType="w" refFor="ch" refForName="circle1" op="equ"/>
-              <dgm:constr type="r" for="ch" forName="circle1" refType="w"/>
-              <dgm:constr type="ctrY" for="ch" forName="circle1" refType="h" fact="0.5"/>
-              <dgm:constr type="r" for="ch" forName="space" refType="ctrX" refFor="ch" refForName="circle1"/>
-              <dgm:constr type="w" for="ch" forName="space"/>
-              <dgm:constr type="h" for="ch" forName="space" refType="h" refFor="ch" refForName="circle1"/>
-              <dgm:constr type="b" for="ch" forName="space" refType="b" refFor="ch" refForName="circle1"/>
-              <dgm:constr type="r" for="ch" forName="rect1" refType="l" refFor="ch" refForName="space"/>
-              <dgm:constr type="l" for="ch" forName="rect1"/>
-              <dgm:constr type="h" for="ch" forName="rect1" refType="h" refFor="ch" refForName="circle1"/>
-              <dgm:constr type="b" for="ch" forName="rect1" refType="b" refFor="ch" refForName="circle1"/>
-              <dgm:constr type="l" for="ch" forName="vertSpace2"/>
-              <dgm:constr type="w" for="ch" forName="vertSpace2" refType="w"/>
-              <dgm:constr type="h" for="ch" forName="vertSpace2" refType="h" refFor="ch" refForName="circle1" fact="0.05"/>
-              <dgm:constr type="b" for="ch" forName="vertSpace2" refType="b" refFor="ch" refForName="circle1"/>
-              <dgm:constr type="ctrX" for="ch" forName="circle2" refType="r" refFor="ch" refForName="space"/>
-              <dgm:constr type="h" for="ch" forName="circle2" refType="h" refFor="ch" refForName="circle1" fact="0.85714"/>
-              <dgm:constr type="hOff" for="ch" forName="circle2" refType="h" refFor="ch" refForName="vertSpace2" fact="-0.14286"/>
-              <dgm:constr type="w" for="ch" forName="circle2" refType="h" refFor="ch" refForName="circle2" op="equ"/>
-              <dgm:constr type="wOff" for="ch" forName="circle2" refType="hOff" refFor="ch" refForName="circle2" op="equ"/>
-              <dgm:constr type="b" for="ch" forName="circle2" refType="t" refFor="ch" refForName="vertSpace2"/>
-              <dgm:constr type="r" for="ch" forName="rect2" refType="l" refFor="ch" refForName="space"/>
-              <dgm:constr type="l" for="ch" forName="rect2"/>
-              <dgm:constr type="h" for="ch" forName="rect2" refType="h" refFor="ch" refForName="circle2"/>
-              <dgm:constr type="hOff" for="ch" forName="rect2" refType="hOff" refFor="ch" refForName="circle2"/>
-              <dgm:constr type="b" for="ch" forName="rect2" refType="b" refFor="ch" refForName="circle2"/>
-              <dgm:constr type="l" for="ch" forName="vertSpace3"/>
-              <dgm:constr type="w" for="ch" forName="vertSpace3" refType="w"/>
-              <dgm:constr type="h" for="ch" forName="vertSpace3" refType="h" refFor="ch" refForName="vertSpace2"/>
-              <dgm:constr type="b" for="ch" forName="vertSpace3" refType="t" refFor="ch" refForName="vertSpace2"/>
-              <dgm:constr type="ctrX" for="ch" forName="circle3" refType="r" refFor="ch" refForName="space"/>
-              <dgm:constr type="h" for="ch" forName="circle3" refType="h" refFor="ch" refForName="circle1" fact="0.71429"/>
-              <dgm:constr type="hOff" for="ch" forName="circle3" refType="h" refFor="ch" refForName="vertSpace2" fact="-0.28571"/>
-              <dgm:constr type="w" for="ch" forName="circle3" refType="h" refFor="ch" refForName="circle3" op="equ"/>
-              <dgm:constr type="wOff" for="ch" forName="circle3" refType="hOff" refFor="ch" refForName="circle3" op="equ"/>
-              <dgm:constr type="b" for="ch" forName="circle3" refType="t" refFor="ch" refForName="vertSpace3"/>
-              <dgm:constr type="r" for="ch" forName="rect3" refType="l" refFor="ch" refForName="space"/>
-              <dgm:constr type="l" for="ch" forName="rect3"/>
-              <dgm:constr type="h" for="ch" forName="rect3" refType="h" refFor="ch" refForName="circle3"/>
-              <dgm:constr type="hOff" for="ch" forName="rect3" refType="hOff" refFor="ch" refForName="circle3"/>
-              <dgm:constr type="b" for="ch" forName="rect3" refType="b" refFor="ch" refForName="circle3"/>
-              <dgm:constr type="l" for="ch" forName="vertSpace4"/>
-              <dgm:constr type="w" for="ch" forName="vertSpace4" refType="w"/>
-              <dgm:constr type="h" for="ch" forName="vertSpace4" refType="h" refFor="ch" refForName="vertSpace3"/>
-              <dgm:constr type="b" for="ch" forName="vertSpace4" refType="t" refFor="ch" refForName="vertSpace3"/>
-              <dgm:constr type="ctrX" for="ch" forName="circle4" refType="r" refFor="ch" refForName="space"/>
-              <dgm:constr type="h" for="ch" forName="circle4" refType="h" refFor="ch" refForName="circle1" fact="0.57143"/>
-              <dgm:constr type="hOff" for="ch" forName="circle4" refType="h" refFor="ch" refForName="vertSpace2" fact="-0.42857"/>
-              <dgm:constr type="w" for="ch" forName="circle4" refType="h" refFor="ch" refForName="circle4" op="equ"/>
-              <dgm:constr type="wOff" for="ch" forName="circle4" refType="hOff" refFor="ch" refForName="circle4" op="equ"/>
-              <dgm:constr type="b" for="ch" forName="circle4" refType="t" refFor="ch" refForName="vertSpace4"/>
-              <dgm:constr type="r" for="ch" forName="rect4" refType="l" refFor="ch" refForName="space"/>
-              <dgm:constr type="l" for="ch" forName="rect4"/>
-              <dgm:constr type="h" for="ch" forName="rect4" refType="h" refFor="ch" refForName="circle4"/>
-              <dgm:constr type="hOff" for="ch" forName="rect4" refType="hOff" refFor="ch" refForName="circle4"/>
-              <dgm:constr type="b" for="ch" forName="rect4" refType="b" refFor="ch" refForName="circle4"/>
-              <dgm:constr type="l" for="ch" forName="vertSpace5"/>
-              <dgm:constr type="w" for="ch" forName="vertSpace5" refType="w"/>
-              <dgm:constr type="h" for="ch" forName="vertSpace5" refType="h" refFor="ch" refForName="vertSpace4"/>
-              <dgm:constr type="b" for="ch" forName="vertSpace5" refType="t" refFor="ch" refForName="vertSpace4"/>
-              <dgm:constr type="ctrX" for="ch" forName="circle5" refType="r" refFor="ch" refForName="space"/>
-              <dgm:constr type="h" for="ch" forName="circle5" refType="h" refFor="ch" refForName="circle1" fact="0.42857"/>
-              <dgm:constr type="hOff" for="ch" forName="circle5" refType="h" refFor="ch" refForName="vertSpace2" fact="-0.57143"/>
-              <dgm:constr type="w" for="ch" forName="circle5" refType="h" refFor="ch" refForName="circle5" op="equ"/>
-              <dgm:constr type="wOff" for="ch" forName="circle5" refType="hOff" refFor="ch" refForName="circle5" op="equ"/>
-              <dgm:constr type="b" for="ch" forName="circle5" refType="t" refFor="ch" refForName="vertSpace5"/>
-              <dgm:constr type="r" for="ch" forName="rect5" refType="l" refFor="ch" refForName="space"/>
-              <dgm:constr type="l" for="ch" forName="rect5"/>
-              <dgm:constr type="h" for="ch" forName="rect5" refType="h" refFor="ch" refForName="circle5"/>
-              <dgm:constr type="hOff" for="ch" forName="rect5" refType="hOff" refFor="ch" refForName="circle5"/>
-              <dgm:constr type="b" for="ch" forName="rect5" refType="b" refFor="ch" refForName="circle5"/>
-              <dgm:constr type="l" for="ch" forName="vertSpace6"/>
-              <dgm:constr type="w" for="ch" forName="vertSpace6" refType="w"/>
-              <dgm:constr type="h" for="ch" forName="vertSpace6" refType="h" refFor="ch" refForName="vertSpace5"/>
-              <dgm:constr type="b" for="ch" forName="vertSpace6" refType="t" refFor="ch" refForName="vertSpace5"/>
-              <dgm:constr type="ctrX" for="ch" forName="circle6" refType="r" refFor="ch" refForName="space"/>
-              <dgm:constr type="h" for="ch" forName="circle6" refType="h" refFor="ch" refForName="circle1" fact="0.28571"/>
-              <dgm:constr type="hOff" for="ch" forName="circle6" refType="h" refFor="ch" refForName="vertSpace2" fact="-0.71429"/>
-              <dgm:constr type="w" for="ch" forName="circle6" refType="h" refFor="ch" refForName="circle6" op="equ"/>
-              <dgm:constr type="wOff" for="ch" forName="circle6" refType="hOff" refFor="ch" refForName="circle6" op="equ"/>
-              <dgm:constr type="b" for="ch" forName="circle6" refType="t" refFor="ch" refForName="vertSpace6"/>
-              <dgm:constr type="r" for="ch" forName="rect6" refType="l" refFor="ch" refForName="space"/>
-              <dgm:constr type="l" for="ch" forName="rect6"/>
-              <dgm:constr type="h" for="ch" forName="rect6" refType="h" refFor="ch" refForName="circle6"/>
-              <dgm:constr type="hOff" for="ch" forName="rect6" refType="hOff" refFor="ch" refForName="circle6"/>
-              <dgm:constr type="b" for="ch" forName="rect6" refType="b" refFor="ch" refForName="circle6"/>
-              <dgm:constr type="l" for="ch" forName="vertSpace7"/>
-              <dgm:constr type="w" for="ch" forName="vertSpace7" refType="w"/>
-              <dgm:constr type="h" for="ch" forName="vertSpace7" refType="h" refFor="ch" refForName="vertSpace6"/>
-              <dgm:constr type="b" for="ch" forName="vertSpace7" refType="t" refFor="ch" refForName="vertSpace6"/>
-              <dgm:constr type="ctrX" for="ch" forName="circle7" refType="r" refFor="ch" refForName="space"/>
-              <dgm:constr type="h" for="ch" forName="circle7" refType="h" refFor="ch" refForName="circle1" fact="0.14286"/>
-              <dgm:constr type="hOff" for="ch" forName="circle7" refType="h" refFor="ch" refForName="vertSpace2" fact="-0.85714"/>
-              <dgm:constr type="w" for="ch" forName="circle7" refType="h" refFor="ch" refForName="circle7" op="equ"/>
-              <dgm:constr type="wOff" for="ch" forName="circle7" refType="hOff" refFor="ch" refForName="circle7" op="equ"/>
-              <dgm:constr type="b" for="ch" forName="circle7" refType="t" refFor="ch" refForName="vertSpace7"/>
-              <dgm:constr type="r" for="ch" forName="rect7" refType="l" refFor="ch" refForName="space"/>
-              <dgm:constr type="l" for="ch" forName="rect7"/>
-              <dgm:constr type="h" for="ch" forName="rect7" refType="h" refFor="ch" refForName="circle7"/>
-              <dgm:constr type="hOff" for="ch" forName="rect7" refType="hOff" refFor="ch" refForName="circle7"/>
-              <dgm:constr type="b" for="ch" forName="rect7" refType="b" refFor="ch" refForName="circle7"/>
-              <dgm:constr type="r" for="ch" forName="rect7ParTx" refType="l" refFor="ch" refForName="space"/>
-              <dgm:constr type="w" for="ch" forName="rect7ParTx" refType="w" refFor="ch" refForName="rect7" fact="0.5"/>
-              <dgm:constr type="t" for="ch" forName="rect7ParTx" refType="t" refFor="ch" refForName="rect7"/>
-              <dgm:constr type="b" for="ch" forName="rect7ParTx" refType="b" refFor="ch" refForName="rect7"/>
-              <dgm:constr type="r" for="ch" forName="rect7ChTx" refType="l" refFor="ch" refForName="rect7ParTx"/>
-              <dgm:constr type="w" for="ch" forName="rect7ChTx" refType="w" refFor="ch" refForName="rect7ParTx"/>
-              <dgm:constr type="t" for="ch" forName="rect7ChTx" refType="t" refFor="ch" refForName="rect7ParTx"/>
-              <dgm:constr type="b" for="ch" forName="rect7ChTx" refType="b" refFor="ch" refForName="rect7ParTx"/>
-              <dgm:constr type="r" for="ch" forName="rect7ParTxNoCh" refType="l" refFor="ch" refForName="space"/>
-              <dgm:constr type="w" for="ch" forName="rect7ParTxNoCh" refType="w" refFor="ch" refForName="rect7"/>
-              <dgm:constr type="t" for="ch" forName="rect7ParTxNoCh" refType="t" refFor="ch" refForName="rect7"/>
-              <dgm:constr type="b" for="ch" forName="rect7ParTxNoCh" refType="b" refFor="ch" refForName="rect7"/>
-              <dgm:constr type="r" for="ch" forName="rect1ParTx" refType="l" refFor="ch" refForName="space"/>
-              <dgm:constr type="w" for="ch" forName="rect1ParTx" refType="w" refFor="ch" refForName="rect1" fact="0.5"/>
-              <dgm:constr type="t" for="ch" forName="rect1ParTx" refType="t" refFor="ch" refForName="rect1"/>
-              <dgm:constr type="b" for="ch" forName="rect1ParTx" refType="t" refFor="ch" refForName="rect2"/>
-              <dgm:constr type="r" for="ch" forName="rect1ChTx" refType="l" refFor="ch" refForName="rect1ParTx"/>
-              <dgm:constr type="w" for="ch" forName="rect1ChTx" refType="w" refFor="ch" refForName="rect1ParTx"/>
-              <dgm:constr type="t" for="ch" forName="rect1ChTx" refType="t" refFor="ch" refForName="rect1ParTx"/>
-              <dgm:constr type="b" for="ch" forName="rect1ChTx" refType="b" refFor="ch" refForName="rect1ParTx"/>
-              <dgm:constr type="r" for="ch" forName="rect1ParTxNoCh" refType="l" refFor="ch" refForName="space"/>
-              <dgm:constr type="w" for="ch" forName="rect1ParTxNoCh" refType="w" refFor="ch" refForName="rect1"/>
-              <dgm:constr type="t" for="ch" forName="rect1ParTxNoCh" refType="t" refFor="ch" refForName="rect1"/>
-              <dgm:constr type="b" for="ch" forName="rect1ParTxNoCh" refType="t" refFor="ch" refForName="rect2"/>
-              <dgm:constr type="r" for="ch" forName="rect2ParTx" refType="l" refFor="ch" refForName="space"/>
-              <dgm:constr type="w" for="ch" forName="rect2ParTx" refType="w" refFor="ch" refForName="rect2" fact="0.5"/>
-              <dgm:constr type="t" for="ch" forName="rect2ParTx" refType="t" refFor="ch" refForName="rect2"/>
-              <dgm:constr type="b" for="ch" forName="rect2ParTx" refType="t" refFor="ch" refForName="rect3"/>
-              <dgm:constr type="r" for="ch" forName="rect2ChTx" refType="l" refFor="ch" refForName="rect2ParTx"/>
-              <dgm:constr type="w" for="ch" forName="rect2ChTx" refType="w" refFor="ch" refForName="rect2ParTx"/>
-              <dgm:constr type="t" for="ch" forName="rect2ChTx" refType="t" refFor="ch" refForName="rect2ParTx"/>
-              <dgm:constr type="b" for="ch" forName="rect2ChTx" refType="b" refFor="ch" refForName="rect2ParTx"/>
-              <dgm:constr type="r" for="ch" forName="rect2ParTxNoCh" refType="l" refFor="ch" refForName="space"/>
-              <dgm:constr type="w" for="ch" forName="rect2ParTxNoCh" refType="w" refFor="ch" refForName="rect2"/>
-              <dgm:constr type="t" for="ch" forName="rect2ParTxNoCh" refType="t" refFor="ch" refForName="rect2"/>
-              <dgm:constr type="b" for="ch" forName="rect2ParTxNoCh" refType="t" refFor="ch" refForName="rect3"/>
-              <dgm:constr type="r" for="ch" forName="rect3ParTx" refType="l" refFor="ch" refForName="space"/>
-              <dgm:constr type="w" for="ch" forName="rect3ParTx" refType="w" refFor="ch" refForName="rect3" fact="0.5"/>
-              <dgm:constr type="t" for="ch" forName="rect3ParTx" refType="t" refFor="ch" refForName="rect3"/>
-              <dgm:constr type="b" for="ch" forName="rect3ParTx" refType="t" refFor="ch" refForName="rect4"/>
-              <dgm:constr type="r" for="ch" forName="rect3ChTx" refType="l" refFor="ch" refForName="rect3ParTx"/>
-              <dgm:constr type="w" for="ch" forName="rect3ChTx" refType="w" refFor="ch" refForName="rect3ParTx"/>
-              <dgm:constr type="t" for="ch" forName="rect3ChTx" refType="t" refFor="ch" refForName="rect3ParTx"/>
-              <dgm:constr type="b" for="ch" forName="rect3ChTx" refType="b" refFor="ch" refForName="rect3ParTx"/>
-              <dgm:constr type="r" for="ch" forName="rect3ParTxNoCh" refType="l" refFor="ch" refForName="space"/>
-              <dgm:constr type="w" for="ch" forName="rect3ParTxNoCh" refType="w" refFor="ch" refForName="rect3"/>
-              <dgm:constr type="t" for="ch" forName="rect3ParTxNoCh" refType="t" refFor="ch" refForName="rect3"/>
-              <dgm:constr type="b" for="ch" forName="rect3ParTxNoCh" refType="t" refFor="ch" refForName="rect4"/>
-              <dgm:constr type="r" for="ch" forName="rect4ParTx" refType="l" refFor="ch" refForName="space"/>
-              <dgm:constr type="w" for="ch" forName="rect4ParTx" refType="w" refFor="ch" refForName="rect4" fact="0.5"/>
-              <dgm:constr type="t" for="ch" forName="rect4ParTx" refType="t" refFor="ch" refForName="rect4"/>
-              <dgm:constr type="b" for="ch" forName="rect4ParTx" refType="t" refFor="ch" refForName="rect5"/>
-              <dgm:constr type="r" for="ch" forName="rect4ChTx" refType="l" refFor="ch" refForName="rect4ParTx"/>
-              <dgm:constr type="w" for="ch" forName="rect4ChTx" refType="w" refFor="ch" refForName="rect4ParTx"/>
-              <dgm:constr type="t" for="ch" forName="rect4ChTx" refType="t" refFor="ch" refForName="rect4ParTx"/>
-              <dgm:constr type="b" for="ch" forName="rect4ChTx" refType="b" refFor="ch" refForName="rect4ParTx"/>
-              <dgm:constr type="r" for="ch" forName="rect4ParTxNoCh" refType="l" refFor="ch" refForName="space"/>
-              <dgm:constr type="w" for="ch" forName="rect4ParTxNoCh" refType="w" refFor="ch" refForName="rect4"/>
-              <dgm:constr type="t" for="ch" forName="rect4ParTxNoCh" refType="t" refFor="ch" refForName="rect4"/>
-              <dgm:constr type="b" for="ch" forName="rect4ParTxNoCh" refType="t" refFor="ch" refForName="rect5"/>
-              <dgm:constr type="r" for="ch" forName="rect5ParTx" refType="l" refFor="ch" refForName="space"/>
-              <dgm:constr type="w" for="ch" forName="rect5ParTx" refType="w" refFor="ch" refForName="rect5" fact="0.5"/>
-              <dgm:constr type="t" for="ch" forName="rect5ParTx" refType="t" refFor="ch" refForName="rect5"/>
-              <dgm:constr type="b" for="ch" forName="rect5ParTx" refType="t" refFor="ch" refForName="rect6"/>
-              <dgm:constr type="r" for="ch" forName="rect5ChTx" refType="l" refFor="ch" refForName="rect5ParTx"/>
-              <dgm:constr type="w" for="ch" forName="rect5ChTx" refType="w" refFor="ch" refForName="rect5ParTx"/>
-              <dgm:constr type="t" for="ch" forName="rect5ChTx" refType="t" refFor="ch" refForName="rect5ParTx"/>
-              <dgm:constr type="b" for="ch" forName="rect5ChTx" refType="b" refFor="ch" refForName="rect5ParTx"/>
-              <dgm:constr type="r" for="ch" forName="rect5ParTxNoCh" refType="l" refFor="ch" refForName="space"/>
-              <dgm:constr type="w" for="ch" forName="rect5ParTxNoCh" refType="w" refFor="ch" refForName="rect5"/>
-              <dgm:constr type="t" for="ch" forName="rect5ParTxNoCh" refType="t" refFor="ch" refForName="rect5"/>
-              <dgm:constr type="b" for="ch" forName="rect5ParTxNoCh" refType="t" refFor="ch" refForName="rect6"/>
-              <dgm:constr type="r" for="ch" forName="rect6ParTx" refType="l" refFor="ch" refForName="space"/>
-              <dgm:constr type="w" for="ch" forName="rect6ParTx" refType="w" refFor="ch" refForName="rect6" fact="0.5"/>
-              <dgm:constr type="t" for="ch" forName="rect6ParTx" refType="t" refFor="ch" refForName="rect6"/>
-              <dgm:constr type="b" for="ch" forName="rect6ParTx" refType="t" refFor="ch" refForName="rect7"/>
-              <dgm:constr type="r" for="ch" forName="rect6ChTx" refType="l" refFor="ch" refForName="rect6ParTx"/>
-              <dgm:constr type="w" for="ch" forName="rect6ChTx" refType="w" refFor="ch" refForName="rect6ParTx"/>
-              <dgm:constr type="t" for="ch" forName="rect6ChTx" refType="t" refFor="ch" refForName="rect6ParTx"/>
-              <dgm:constr type="b" for="ch" forName="rect6ChTx" refType="b" refFor="ch" refForName="rect6ParTx"/>
-              <dgm:constr type="r" for="ch" forName="rect6ParTxNoCh" refType="l" refFor="ch" refForName="space"/>
-              <dgm:constr type="w" for="ch" forName="rect6ParTxNoCh" refType="w" refFor="ch" refForName="rect6"/>
-              <dgm:constr type="t" for="ch" forName="rect6ParTxNoCh" refType="t" refFor="ch" refForName="rect6"/>
-              <dgm:constr type="b" for="ch" forName="rect6ParTxNoCh" refType="t" refFor="ch" refForName="rect7"/>
-              <dgm:constr type="primFontSz" for="ch" op="equ" val="65"/>
-              <dgm:constr type="secFontSz" for="ch" op="equ" val="65"/>
-            </dgm:constrLst>
-          </dgm:if>
-          <dgm:else name="Name21">
-            <dgm:constrLst/>
-          </dgm:else>
-        </dgm:choose>
-      </dgm:else>
-    </dgm:choose>
-    <dgm:ruleLst/>
-    <dgm:forEach name="Name22" axis="ch" ptType="node" cnt="1">
-      <dgm:layoutNode name="circle1" styleLbl="node1">
-        <dgm:alg type="sp"/>
-        <dgm:choose name="Name23">
-          <dgm:if name="Name24" func="var" arg="dir" op="equ" val="norm">
-            <dgm:shape xmlns:r="http://schemas.openxmlformats.org/officeDocument/2006/relationships" type="pie" r:blip="">
-              <dgm:adjLst>
-                <dgm:adj idx="1" val="90"/>
-                <dgm:adj idx="2" val="270"/>
-              </dgm:adjLst>
-            </dgm:shape>
-          </dgm:if>
-          <dgm:else name="Name25">
-            <dgm:shape xmlns:r="http://schemas.openxmlformats.org/officeDocument/2006/relationships" type="pie" r:blip="">
-              <dgm:adjLst>
-                <dgm:adj idx="1" val="270"/>
-                <dgm:adj idx="2" val="90"/>
-              </dgm:adjLst>
-            </dgm:shape>
-          </dgm:else>
-        </dgm:choose>
-        <dgm:presOf/>
-        <dgm:constrLst/>
-        <dgm:ruleLst/>
-      </dgm:layoutNode>
-      <dgm:layoutNode name="space">
-        <dgm:alg type="sp"/>
-        <dgm:shape xmlns:r="http://schemas.openxmlformats.org/officeDocument/2006/relationships" r:blip="">
-          <dgm:adjLst/>
-        </dgm:shape>
-        <dgm:presOf/>
-        <dgm:constrLst/>
-        <dgm:ruleLst/>
-      </dgm:layoutNode>
-      <dgm:layoutNode name="rect1" styleLbl="alignAcc1">
-        <dgm:alg type="sp"/>
-        <dgm:shape xmlns:r="http://schemas.openxmlformats.org/officeDocument/2006/relationships" type="rect" r:blip="">
-          <dgm:adjLst/>
-        </dgm:shape>
-        <dgm:presOf axis="self"/>
-        <dgm:constrLst/>
-        <dgm:ruleLst/>
-      </dgm:layoutNode>
-    </dgm:forEach>
-    <dgm:forEach name="Name26" axis="ch" ptType="node" st="2" cnt="1">
-      <dgm:layoutNode name="vertSpace2">
-        <dgm:alg type="sp"/>
-        <dgm:shape xmlns:r="http://schemas.openxmlformats.org/officeDocument/2006/relationships" type="rect" r:blip="" hideGeom="1">
-          <dgm:adjLst/>
-        </dgm:shape>
-        <dgm:presOf/>
-        <dgm:constrLst/>
-        <dgm:ruleLst/>
-      </dgm:layoutNode>
-      <dgm:layoutNode name="circle2" styleLbl="node1">
-        <dgm:alg type="sp"/>
-        <dgm:choose name="Name27">
-          <dgm:if name="Name28" func="var" arg="dir" op="equ" val="norm">
-            <dgm:shape xmlns:r="http://schemas.openxmlformats.org/officeDocument/2006/relationships" type="pie" r:blip="">
-              <dgm:adjLst>
-                <dgm:adj idx="1" val="90"/>
-                <dgm:adj idx="2" val="270"/>
-              </dgm:adjLst>
-            </dgm:shape>
-          </dgm:if>
-          <dgm:else name="Name29">
-            <dgm:shape xmlns:r="http://schemas.openxmlformats.org/officeDocument/2006/relationships" type="pie" r:blip="">
-              <dgm:adjLst>
-                <dgm:adj idx="1" val="270"/>
-                <dgm:adj idx="2" val="90"/>
-              </dgm:adjLst>
-            </dgm:shape>
-          </dgm:else>
-        </dgm:choose>
-        <dgm:presOf/>
-        <dgm:constrLst/>
-        <dgm:ruleLst/>
-      </dgm:layoutNode>
-      <dgm:layoutNode name="rect2" styleLbl="alignAcc1">
-        <dgm:alg type="sp"/>
-        <dgm:shape xmlns:r="http://schemas.openxmlformats.org/officeDocument/2006/relationships" type="rect" r:blip="">
-          <dgm:adjLst/>
-        </dgm:shape>
-        <dgm:presOf axis="self"/>
-        <dgm:constrLst/>
-        <dgm:ruleLst/>
-      </dgm:layoutNode>
-    </dgm:forEach>
-    <dgm:forEach name="Name30" axis="ch" ptType="node" st="3" cnt="1">
-      <dgm:layoutNode name="vertSpace3">
-        <dgm:alg type="sp"/>
-        <dgm:shape xmlns:r="http://schemas.openxmlformats.org/officeDocument/2006/relationships" type="rect" r:blip="" hideGeom="1">
-          <dgm:adjLst/>
-        </dgm:shape>
-        <dgm:presOf/>
-        <dgm:constrLst/>
-        <dgm:ruleLst/>
-      </dgm:layoutNode>
-      <dgm:layoutNode name="circle3" styleLbl="node1">
-        <dgm:alg type="sp"/>
-        <dgm:choose name="Name31">
-          <dgm:if name="Name32" func="var" arg="dir" op="equ" val="norm">
-            <dgm:shape xmlns:r="http://schemas.openxmlformats.org/officeDocument/2006/relationships" type="pie" r:blip="">
-              <dgm:adjLst>
-                <dgm:adj idx="1" val="90"/>
-                <dgm:adj idx="2" val="270"/>
-              </dgm:adjLst>
-            </dgm:shape>
-          </dgm:if>
-          <dgm:else name="Name33">
-            <dgm:shape xmlns:r="http://schemas.openxmlformats.org/officeDocument/2006/relationships" type="pie" r:blip="">
-              <dgm:adjLst>
-                <dgm:adj idx="1" val="270"/>
-                <dgm:adj idx="2" val="90"/>
-              </dgm:adjLst>
-            </dgm:shape>
-          </dgm:else>
-        </dgm:choose>
-        <dgm:presOf/>
-        <dgm:constrLst/>
-        <dgm:ruleLst/>
-      </dgm:layoutNode>
-      <dgm:layoutNode name="rect3" styleLbl="alignAcc1">
-        <dgm:alg type="sp"/>
-        <dgm:shape xmlns:r="http://schemas.openxmlformats.org/officeDocument/2006/relationships" type="rect" r:blip="">
-          <dgm:adjLst/>
-        </dgm:shape>
-        <dgm:presOf axis="self"/>
-        <dgm:constrLst/>
-        <dgm:ruleLst/>
-      </dgm:layoutNode>
-    </dgm:forEach>
-    <dgm:forEach name="Name34" axis="ch" ptType="node" st="4" cnt="1">
-      <dgm:layoutNode name="vertSpace4">
-        <dgm:alg type="sp"/>
-        <dgm:shape xmlns:r="http://schemas.openxmlformats.org/officeDocument/2006/relationships" type="rect" r:blip="" hideGeom="1">
-          <dgm:adjLst/>
-        </dgm:shape>
-        <dgm:presOf/>
-        <dgm:constrLst/>
-        <dgm:ruleLst/>
-      </dgm:layoutNode>
-      <dgm:layoutNode name="circle4" styleLbl="node1">
-        <dgm:alg type="sp"/>
-        <dgm:choose name="Name35">
-          <dgm:if name="Name36" func="var" arg="dir" op="equ" val="norm">
-            <dgm:shape xmlns:r="http://schemas.openxmlformats.org/officeDocument/2006/relationships" type="pie" r:blip="">
-              <dgm:adjLst>
-                <dgm:adj idx="1" val="90"/>
-                <dgm:adj idx="2" val="270"/>
-              </dgm:adjLst>
-            </dgm:shape>
-          </dgm:if>
-          <dgm:else name="Name37">
-            <dgm:shape xmlns:r="http://schemas.openxmlformats.org/officeDocument/2006/relationships" type="pie" r:blip="">
-              <dgm:adjLst>
-                <dgm:adj idx="1" val="270"/>
-                <dgm:adj idx="2" val="90"/>
-              </dgm:adjLst>
-            </dgm:shape>
-          </dgm:else>
-        </dgm:choose>
-        <dgm:presOf/>
-        <dgm:constrLst/>
-        <dgm:ruleLst/>
-      </dgm:layoutNode>
-      <dgm:layoutNode name="rect4" styleLbl="alignAcc1">
-        <dgm:alg type="sp"/>
-        <dgm:shape xmlns:r="http://schemas.openxmlformats.org/officeDocument/2006/relationships" type="rect" r:blip="">
-          <dgm:adjLst/>
-        </dgm:shape>
-        <dgm:presOf axis="self"/>
-        <dgm:constrLst/>
-        <dgm:ruleLst/>
-      </dgm:layoutNode>
-    </dgm:forEach>
-    <dgm:forEach name="Name38" axis="ch" ptType="node" st="5" cnt="1">
-      <dgm:layoutNode name="vertSpace5">
-        <dgm:alg type="sp"/>
-        <dgm:shape xmlns:r="http://schemas.openxmlformats.org/officeDocument/2006/relationships" type="rect" r:blip="" hideGeom="1">
-          <dgm:adjLst/>
-        </dgm:shape>
-        <dgm:presOf/>
-        <dgm:constrLst/>
-        <dgm:ruleLst/>
-      </dgm:layoutNode>
-      <dgm:layoutNode name="circle5" styleLbl="node1">
-        <dgm:alg type="sp"/>
-        <dgm:choose name="Name39">
-          <dgm:if name="Name40" func="var" arg="dir" op="equ" val="norm">
-            <dgm:shape xmlns:r="http://schemas.openxmlformats.org/officeDocument/2006/relationships" type="pie" r:blip="">
-              <dgm:adjLst>
-                <dgm:adj idx="1" val="90"/>
-                <dgm:adj idx="2" val="270"/>
-              </dgm:adjLst>
-            </dgm:shape>
-          </dgm:if>
-          <dgm:else name="Name41">
-            <dgm:shape xmlns:r="http://schemas.openxmlformats.org/officeDocument/2006/relationships" type="pie" r:blip="">
-              <dgm:adjLst>
-                <dgm:adj idx="1" val="270"/>
-                <dgm:adj idx="2" val="90"/>
-              </dgm:adjLst>
-            </dgm:shape>
-          </dgm:else>
-        </dgm:choose>
-        <dgm:presOf/>
-        <dgm:constrLst/>
-        <dgm:ruleLst/>
-      </dgm:layoutNode>
-      <dgm:layoutNode name="rect5" styleLbl="alignAcc1">
-        <dgm:alg type="sp"/>
-        <dgm:shape xmlns:r="http://schemas.openxmlformats.org/officeDocument/2006/relationships" type="rect" r:blip="">
-          <dgm:adjLst/>
-        </dgm:shape>
-        <dgm:presOf axis="self"/>
-        <dgm:constrLst/>
-        <dgm:ruleLst/>
-      </dgm:layoutNode>
-    </dgm:forEach>
-    <dgm:forEach name="Name42" axis="ch" ptType="node" st="6" cnt="1">
-      <dgm:layoutNode name="vertSpace6">
-        <dgm:alg type="sp"/>
-        <dgm:shape xmlns:r="http://schemas.openxmlformats.org/officeDocument/2006/relationships" type="rect" r:blip="" hideGeom="1">
-          <dgm:adjLst/>
-        </dgm:shape>
-        <dgm:presOf/>
-        <dgm:constrLst/>
-        <dgm:ruleLst/>
-      </dgm:layoutNode>
-      <dgm:layoutNode name="circle6" styleLbl="node1">
-        <dgm:alg type="sp"/>
-        <dgm:choose name="Name43">
-          <dgm:if name="Name44" func="var" arg="dir" op="equ" val="norm">
-            <dgm:shape xmlns:r="http://schemas.openxmlformats.org/officeDocument/2006/relationships" type="pie" r:blip="">
-              <dgm:adjLst>
-                <dgm:adj idx="1" val="90"/>
-                <dgm:adj idx="2" val="270"/>
-              </dgm:adjLst>
-            </dgm:shape>
-          </dgm:if>
-          <dgm:else name="Name45">
-            <dgm:shape xmlns:r="http://schemas.openxmlformats.org/officeDocument/2006/relationships" type="pie" r:blip="">
-              <dgm:adjLst>
-                <dgm:adj idx="1" val="270"/>
-                <dgm:adj idx="2" val="90"/>
-              </dgm:adjLst>
-            </dgm:shape>
-          </dgm:else>
-        </dgm:choose>
-        <dgm:presOf/>
-        <dgm:constrLst/>
-        <dgm:ruleLst/>
-      </dgm:layoutNode>
-      <dgm:layoutNode name="rect6" styleLbl="alignAcc1">
-        <dgm:alg type="sp"/>
-        <dgm:shape xmlns:r="http://schemas.openxmlformats.org/officeDocument/2006/relationships" type="rect" r:blip="">
-          <dgm:adjLst/>
-        </dgm:shape>
-        <dgm:presOf axis="self"/>
-        <dgm:constrLst/>
-        <dgm:ruleLst/>
-      </dgm:layoutNode>
-    </dgm:forEach>
-    <dgm:forEach name="Name46" axis="ch" ptType="node" st="7" cnt="1">
-      <dgm:layoutNode name="vertSpace7">
-        <dgm:alg type="sp"/>
-        <dgm:shape xmlns:r="http://schemas.openxmlformats.org/officeDocument/2006/relationships" type="rect" r:blip="" hideGeom="1">
-          <dgm:adjLst/>
-        </dgm:shape>
-        <dgm:presOf/>
-        <dgm:constrLst/>
-        <dgm:ruleLst/>
-      </dgm:layoutNode>
-      <dgm:layoutNode name="circle7" styleLbl="node1">
-        <dgm:alg type="sp"/>
-        <dgm:choose name="Name47">
-          <dgm:if name="Name48" func="var" arg="dir" op="equ" val="norm">
-            <dgm:shape xmlns:r="http://schemas.openxmlformats.org/officeDocument/2006/relationships" type="pie" r:blip="">
-              <dgm:adjLst>
-                <dgm:adj idx="1" val="90"/>
-                <dgm:adj idx="2" val="270"/>
-              </dgm:adjLst>
-            </dgm:shape>
-          </dgm:if>
-          <dgm:else name="Name49">
-            <dgm:shape xmlns:r="http://schemas.openxmlformats.org/officeDocument/2006/relationships" type="pie" r:blip="">
-              <dgm:adjLst>
-                <dgm:adj idx="1" val="270"/>
-                <dgm:adj idx="2" val="90"/>
-              </dgm:adjLst>
-            </dgm:shape>
-          </dgm:else>
-        </dgm:choose>
-        <dgm:presOf/>
-        <dgm:constrLst/>
-        <dgm:ruleLst/>
-      </dgm:layoutNode>
-      <dgm:layoutNode name="rect7" styleLbl="alignAcc1">
-        <dgm:alg type="sp"/>
-        <dgm:shape xmlns:r="http://schemas.openxmlformats.org/officeDocument/2006/relationships" type="rect" r:blip="">
-          <dgm:adjLst/>
-        </dgm:shape>
-        <dgm:presOf axis="self"/>
-        <dgm:constrLst/>
-        <dgm:ruleLst/>
-      </dgm:layoutNode>
-    </dgm:forEach>
-    <dgm:forEach name="Name50" axis="ch" ptType="node" cnt="1">
-      <dgm:choose name="Name51">
-        <dgm:if name="Name52" axis="root des" ptType="all node" func="maxDepth" op="gte" val="2">
-          <dgm:layoutNode name="rect1ParTx" styleLbl="alignAcc1">
-            <dgm:varLst>
-              <dgm:chMax val="1"/>
-              <dgm:bulletEnabled val="1"/>
-            </dgm:varLst>
-            <dgm:alg type="tx"/>
-            <dgm:shape xmlns:r="http://schemas.openxmlformats.org/officeDocument/2006/relationships" type="rect" r:blip="" hideGeom="1">
-              <dgm:adjLst/>
-            </dgm:shape>
-            <dgm:presOf axis="self"/>
-            <dgm:constrLst>
-              <dgm:constr type="lMarg" refType="primFontSz" fact="0.3"/>
-              <dgm:constr type="rMarg" refType="primFontSz" fact="0.3"/>
-              <dgm:constr type="tMarg" refType="primFontSz" fact="0.3"/>
-              <dgm:constr type="bMarg" refType="primFontSz" fact="0.3"/>
-            </dgm:constrLst>
-            <dgm:ruleLst>
-              <dgm:rule type="primFontSz" val="5" fact="NaN" max="NaN"/>
-            </dgm:ruleLst>
-          </dgm:layoutNode>
-          <dgm:layoutNode name="rect1ChTx" styleLbl="alignAcc1">
-            <dgm:varLst>
-              <dgm:bulletEnabled val="1"/>
-            </dgm:varLst>
-            <dgm:alg type="tx">
-              <dgm:param type="stBulletLvl" val="1"/>
-              <dgm:param type="txAnchorVertCh" val="mid"/>
-            </dgm:alg>
-            <dgm:shape xmlns:r="http://schemas.openxmlformats.org/officeDocument/2006/relationships" type="rect" r:blip="" hideGeom="1">
-              <dgm:adjLst/>
-            </dgm:shape>
-            <dgm:presOf axis="des" ptType="node"/>
-            <dgm:constrLst>
-              <dgm:constr type="lMarg" refType="secFontSz" fact="0.3"/>
-              <dgm:constr type="rMarg" refType="secFontSz" fact="0.3"/>
-              <dgm:constr type="tMarg" refType="secFontSz" fact="0.3"/>
-              <dgm:constr type="bMarg" refType="secFontSz" fact="0.3"/>
-            </dgm:constrLst>
-            <dgm:ruleLst>
-              <dgm:rule type="secFontSz" val="5" fact="NaN" max="NaN"/>
-            </dgm:ruleLst>
-          </dgm:layoutNode>
-        </dgm:if>
-        <dgm:else name="Name53">
-          <dgm:layoutNode name="rect1ParTxNoCh" styleLbl="alignAcc1">
-            <dgm:varLst>
-              <dgm:chMax val="1"/>
-              <dgm:bulletEnabled val="1"/>
-            </dgm:varLst>
-            <dgm:alg type="tx"/>
-            <dgm:shape xmlns:r="http://schemas.openxmlformats.org/officeDocument/2006/relationships" type="rect" r:blip="" hideGeom="1">
-              <dgm:adjLst/>
-            </dgm:shape>
-            <dgm:presOf axis="self"/>
-            <dgm:constrLst>
-              <dgm:constr type="lMarg" refType="primFontSz" fact="0.3"/>
-              <dgm:constr type="rMarg" refType="primFontSz" fact="0.3"/>
-              <dgm:constr type="tMarg" refType="primFontSz" fact="0.3"/>
-              <dgm:constr type="bMarg" refType="primFontSz" fact="0.3"/>
-            </dgm:constrLst>
-            <dgm:ruleLst>
-              <dgm:rule type="primFontSz" val="5" fact="NaN" max="NaN"/>
-            </dgm:ruleLst>
-          </dgm:layoutNode>
-        </dgm:else>
-      </dgm:choose>
-    </dgm:forEach>
-    <dgm:forEach name="Name54" axis="ch" ptType="node" st="2" cnt="1">
-      <dgm:choose name="Name55">
-        <dgm:if name="Name56" axis="root des" ptType="all node" func="maxDepth" op="gte" val="2">
-          <dgm:layoutNode name="rect2ParTx" styleLbl="alignAcc1">
-            <dgm:varLst>
-              <dgm:chMax val="1"/>
-              <dgm:bulletEnabled val="1"/>
-            </dgm:varLst>
-            <dgm:alg type="tx"/>
-            <dgm:shape xmlns:r="http://schemas.openxmlformats.org/officeDocument/2006/relationships" type="rect" r:blip="" hideGeom="1">
-              <dgm:adjLst/>
-            </dgm:shape>
-            <dgm:presOf axis="self"/>
-            <dgm:constrLst>
-              <dgm:constr type="lMarg" refType="primFontSz" fact="0.3"/>
-              <dgm:constr type="rMarg" refType="primFontSz" fact="0.3"/>
-              <dgm:constr type="tMarg" refType="primFontSz" fact="0.3"/>
-              <dgm:constr type="bMarg" refType="primFontSz" fact="0.3"/>
-            </dgm:constrLst>
-            <dgm:ruleLst>
-              <dgm:rule type="primFontSz" val="5" fact="NaN" max="NaN"/>
-            </dgm:ruleLst>
-          </dgm:layoutNode>
-          <dgm:layoutNode name="rect2ChTx" styleLbl="alignAcc1">
-            <dgm:varLst>
-              <dgm:bulletEnabled val="1"/>
-            </dgm:varLst>
-            <dgm:alg type="tx">
-              <dgm:param type="stBulletLvl" val="1"/>
-              <dgm:param type="txAnchorVertCh" val="mid"/>
-            </dgm:alg>
-            <dgm:shape xmlns:r="http://schemas.openxmlformats.org/officeDocument/2006/relationships" type="rect" r:blip="" hideGeom="1">
-              <dgm:adjLst/>
-            </dgm:shape>
-            <dgm:presOf axis="des" ptType="node"/>
-            <dgm:constrLst>
-              <dgm:constr type="lMarg" refType="secFontSz" fact="0.3"/>
-              <dgm:constr type="rMarg" refType="secFontSz" fact="0.3"/>
-              <dgm:constr type="tMarg" refType="secFontSz" fact="0.3"/>
-              <dgm:constr type="bMarg" refType="secFontSz" fact="0.3"/>
-            </dgm:constrLst>
-            <dgm:ruleLst>
-              <dgm:rule type="secFontSz" val="5" fact="NaN" max="NaN"/>
-            </dgm:ruleLst>
-          </dgm:layoutNode>
-        </dgm:if>
-        <dgm:else name="Name57">
-          <dgm:layoutNode name="rect2ParTxNoCh" styleLbl="alignAcc1">
-            <dgm:varLst>
-              <dgm:chMax val="1"/>
-              <dgm:bulletEnabled val="1"/>
-            </dgm:varLst>
-            <dgm:alg type="tx"/>
-            <dgm:shape xmlns:r="http://schemas.openxmlformats.org/officeDocument/2006/relationships" type="rect" r:blip="" hideGeom="1">
-              <dgm:adjLst/>
-            </dgm:shape>
-            <dgm:presOf axis="self"/>
-            <dgm:constrLst>
-              <dgm:constr type="lMarg" refType="primFontSz" fact="0.3"/>
-              <dgm:constr type="rMarg" refType="primFontSz" fact="0.3"/>
-              <dgm:constr type="tMarg" refType="primFontSz" fact="0.3"/>
-              <dgm:constr type="bMarg" refType="primFontSz" fact="0.3"/>
-            </dgm:constrLst>
-            <dgm:ruleLst>
-              <dgm:rule type="primFontSz" val="5" fact="NaN" max="NaN"/>
-            </dgm:ruleLst>
-          </dgm:layoutNode>
-        </dgm:else>
-      </dgm:choose>
-    </dgm:forEach>
-    <dgm:forEach name="Name58" axis="ch" ptType="node" st="3" cnt="1">
-      <dgm:choose name="Name59">
-        <dgm:if name="Name60" axis="root des" ptType="all node" func="maxDepth" op="gte" val="2">
-          <dgm:layoutNode name="rect3ParTx" styleLbl="alignAcc1">
-            <dgm:varLst>
-              <dgm:chMax val="1"/>
-              <dgm:bulletEnabled val="1"/>
-            </dgm:varLst>
-            <dgm:alg type="tx"/>
-            <dgm:shape xmlns:r="http://schemas.openxmlformats.org/officeDocument/2006/relationships" type="rect" r:blip="" hideGeom="1">
-              <dgm:adjLst/>
-            </dgm:shape>
-            <dgm:presOf axis="self"/>
-            <dgm:constrLst>
-              <dgm:constr type="lMarg" refType="primFontSz" fact="0.3"/>
-              <dgm:constr type="rMarg" refType="primFontSz" fact="0.3"/>
-              <dgm:constr type="tMarg" refType="primFontSz" fact="0.3"/>
-              <dgm:constr type="bMarg" refType="primFontSz" fact="0.3"/>
-            </dgm:constrLst>
-            <dgm:ruleLst>
-              <dgm:rule type="primFontSz" val="5" fact="NaN" max="NaN"/>
-            </dgm:ruleLst>
-          </dgm:layoutNode>
-          <dgm:layoutNode name="rect3ChTx" styleLbl="alignAcc1">
-            <dgm:varLst>
-              <dgm:bulletEnabled val="1"/>
-            </dgm:varLst>
-            <dgm:alg type="tx">
-              <dgm:param type="stBulletLvl" val="1"/>
-              <dgm:param type="txAnchorVertCh" val="mid"/>
-            </dgm:alg>
-            <dgm:shape xmlns:r="http://schemas.openxmlformats.org/officeDocument/2006/relationships" type="rect" r:blip="" hideGeom="1">
-              <dgm:adjLst/>
-            </dgm:shape>
-            <dgm:presOf axis="des" ptType="node"/>
-            <dgm:constrLst>
-              <dgm:constr type="lMarg" refType="secFontSz" fact="0.3"/>
-              <dgm:constr type="rMarg" refType="secFontSz" fact="0.3"/>
-              <dgm:constr type="tMarg" refType="secFontSz" fact="0.3"/>
-              <dgm:constr type="bMarg" refType="secFontSz" fact="0.3"/>
-            </dgm:constrLst>
-            <dgm:ruleLst>
-              <dgm:rule type="secFontSz" val="5" fact="NaN" max="NaN"/>
-            </dgm:ruleLst>
-          </dgm:layoutNode>
-        </dgm:if>
-        <dgm:else name="Name61">
-          <dgm:layoutNode name="rect3ParTxNoCh" styleLbl="alignAcc1">
-            <dgm:varLst>
-              <dgm:chMax val="1"/>
-              <dgm:bulletEnabled val="1"/>
-            </dgm:varLst>
-            <dgm:alg type="tx"/>
-            <dgm:shape xmlns:r="http://schemas.openxmlformats.org/officeDocument/2006/relationships" type="rect" r:blip="" hideGeom="1">
-              <dgm:adjLst/>
-            </dgm:shape>
-            <dgm:presOf axis="self"/>
-            <dgm:constrLst>
-              <dgm:constr type="lMarg" refType="primFontSz" fact="0.3"/>
-              <dgm:constr type="rMarg" refType="primFontSz" fact="0.3"/>
-              <dgm:constr type="tMarg" refType="primFontSz" fact="0.3"/>
-              <dgm:constr type="bMarg" refType="primFontSz" fact="0.3"/>
-            </dgm:constrLst>
-            <dgm:ruleLst>
-              <dgm:rule type="primFontSz" val="5" fact="NaN" max="NaN"/>
-            </dgm:ruleLst>
-          </dgm:layoutNode>
-        </dgm:else>
-      </dgm:choose>
-    </dgm:forEach>
-    <dgm:forEach name="Name62" axis="ch" ptType="node" st="4" cnt="1">
-      <dgm:choose name="Name63">
-        <dgm:if name="Name64" axis="root des" ptType="all node" func="maxDepth" op="gte" val="2">
-          <dgm:layoutNode name="rect4ParTx" styleLbl="alignAcc1">
-            <dgm:varLst>
-              <dgm:chMax val="1"/>
-              <dgm:bulletEnabled val="1"/>
-            </dgm:varLst>
-            <dgm:alg type="tx"/>
-            <dgm:shape xmlns:r="http://schemas.openxmlformats.org/officeDocument/2006/relationships" type="rect" r:blip="" hideGeom="1">
-              <dgm:adjLst/>
-            </dgm:shape>
-            <dgm:presOf axis="self"/>
-            <dgm:constrLst>
-              <dgm:constr type="lMarg" refType="primFontSz" fact="0.3"/>
-              <dgm:constr type="rMarg" refType="primFontSz" fact="0.3"/>
-              <dgm:constr type="tMarg" refType="primFontSz" fact="0.3"/>
-              <dgm:constr type="bMarg" refType="primFontSz" fact="0.3"/>
-            </dgm:constrLst>
-            <dgm:ruleLst>
-              <dgm:rule type="primFontSz" val="5" fact="NaN" max="NaN"/>
-            </dgm:ruleLst>
-          </dgm:layoutNode>
-          <dgm:layoutNode name="rect4ChTx" styleLbl="alignAcc1">
-            <dgm:varLst>
-              <dgm:bulletEnabled val="1"/>
-            </dgm:varLst>
-            <dgm:alg type="tx">
-              <dgm:param type="stBulletLvl" val="1"/>
-              <dgm:param type="txAnchorVertCh" val="mid"/>
-            </dgm:alg>
-            <dgm:shape xmlns:r="http://schemas.openxmlformats.org/officeDocument/2006/relationships" type="rect" r:blip="" hideGeom="1">
-              <dgm:adjLst/>
-            </dgm:shape>
-            <dgm:presOf axis="des" ptType="node"/>
-            <dgm:constrLst>
-              <dgm:constr type="lMarg" refType="secFontSz" fact="0.3"/>
-              <dgm:constr type="rMarg" refType="secFontSz" fact="0.3"/>
-              <dgm:constr type="tMarg" refType="secFontSz" fact="0.3"/>
-              <dgm:constr type="bMarg" refType="secFontSz" fact="0.3"/>
-            </dgm:constrLst>
-            <dgm:ruleLst>
-              <dgm:rule type="secFontSz" val="5" fact="NaN" max="NaN"/>
-            </dgm:ruleLst>
-          </dgm:layoutNode>
-        </dgm:if>
-        <dgm:else name="Name65">
-          <dgm:layoutNode name="rect4ParTxNoCh" styleLbl="alignAcc1">
-            <dgm:varLst>
-              <dgm:chMax val="1"/>
-              <dgm:bulletEnabled val="1"/>
-            </dgm:varLst>
-            <dgm:alg type="tx"/>
-            <dgm:shape xmlns:r="http://schemas.openxmlformats.org/officeDocument/2006/relationships" type="rect" r:blip="" hideGeom="1">
-              <dgm:adjLst/>
-            </dgm:shape>
-            <dgm:presOf axis="self"/>
-            <dgm:constrLst>
-              <dgm:constr type="lMarg" refType="primFontSz" fact="0.3"/>
-              <dgm:constr type="rMarg" refType="primFontSz" fact="0.3"/>
-              <dgm:constr type="tMarg" refType="primFontSz" fact="0.3"/>
-              <dgm:constr type="bMarg" refType="primFontSz" fact="0.3"/>
-            </dgm:constrLst>
-            <dgm:ruleLst>
-              <dgm:rule type="primFontSz" val="5" fact="NaN" max="NaN"/>
-            </dgm:ruleLst>
-          </dgm:layoutNode>
-        </dgm:else>
-      </dgm:choose>
-    </dgm:forEach>
-    <dgm:forEach name="Name66" axis="ch" ptType="node" st="5" cnt="1">
-      <dgm:choose name="Name67">
-        <dgm:if name="Name68" axis="root des" ptType="all node" func="maxDepth" op="gte" val="2">
-          <dgm:layoutNode name="rect5ParTx" styleLbl="alignAcc1">
-            <dgm:varLst>
-              <dgm:chMax val="1"/>
-              <dgm:bulletEnabled val="1"/>
-            </dgm:varLst>
-            <dgm:alg type="tx"/>
-            <dgm:shape xmlns:r="http://schemas.openxmlformats.org/officeDocument/2006/relationships" type="rect" r:blip="" hideGeom="1">
-              <dgm:adjLst/>
-            </dgm:shape>
-            <dgm:presOf axis="self"/>
-            <dgm:constrLst>
-              <dgm:constr type="lMarg" refType="primFontSz" fact="0.3"/>
-              <dgm:constr type="rMarg" refType="primFontSz" fact="0.3"/>
-              <dgm:constr type="tMarg" refType="primFontSz" fact="0.3"/>
-              <dgm:constr type="bMarg" refType="primFontSz" fact="0.3"/>
-            </dgm:constrLst>
-            <dgm:ruleLst>
-              <dgm:rule type="primFontSz" val="5" fact="NaN" max="NaN"/>
-            </dgm:ruleLst>
-          </dgm:layoutNode>
-          <dgm:layoutNode name="rect5ChTx" styleLbl="alignAcc1">
-            <dgm:varLst>
-              <dgm:bulletEnabled val="1"/>
-            </dgm:varLst>
-            <dgm:alg type="tx">
-              <dgm:param type="stBulletLvl" val="1"/>
-              <dgm:param type="txAnchorVertCh" val="mid"/>
-            </dgm:alg>
-            <dgm:shape xmlns:r="http://schemas.openxmlformats.org/officeDocument/2006/relationships" type="rect" r:blip="" hideGeom="1">
-              <dgm:adjLst/>
-            </dgm:shape>
-            <dgm:presOf axis="des" ptType="node"/>
-            <dgm:constrLst>
-              <dgm:constr type="lMarg" refType="secFontSz" fact="0.3"/>
-              <dgm:constr type="rMarg" refType="secFontSz" fact="0.3"/>
-              <dgm:constr type="tMarg" refType="secFontSz" fact="0.3"/>
-              <dgm:constr type="bMarg" refType="secFontSz" fact="0.3"/>
-            </dgm:constrLst>
-            <dgm:ruleLst>
-              <dgm:rule type="secFontSz" val="5" fact="NaN" max="NaN"/>
-            </dgm:ruleLst>
-          </dgm:layoutNode>
-        </dgm:if>
-        <dgm:else name="Name69">
-          <dgm:layoutNode name="rect5ParTxNoCh" styleLbl="alignAcc1">
-            <dgm:varLst>
-              <dgm:chMax val="1"/>
-              <dgm:bulletEnabled val="1"/>
-            </dgm:varLst>
-            <dgm:alg type="tx"/>
-            <dgm:shape xmlns:r="http://schemas.openxmlformats.org/officeDocument/2006/relationships" type="rect" r:blip="" hideGeom="1">
-              <dgm:adjLst/>
-            </dgm:shape>
-            <dgm:presOf axis="self"/>
-            <dgm:constrLst>
-              <dgm:constr type="lMarg" refType="primFontSz" fact="0.3"/>
-              <dgm:constr type="rMarg" refType="primFontSz" fact="0.3"/>
-              <dgm:constr type="tMarg" refType="primFontSz" fact="0.3"/>
-              <dgm:constr type="bMarg" refType="primFontSz" fact="0.3"/>
-            </dgm:constrLst>
-            <dgm:ruleLst>
-              <dgm:rule type="primFontSz" val="5" fact="NaN" max="NaN"/>
-            </dgm:ruleLst>
-          </dgm:layoutNode>
-        </dgm:else>
-      </dgm:choose>
-    </dgm:forEach>
-    <dgm:forEach name="Name70" axis="ch" ptType="node" st="6" cnt="1">
-      <dgm:choose name="Name71">
-        <dgm:if name="Name72" axis="root des" ptType="all node" func="maxDepth" op="gte" val="2">
-          <dgm:layoutNode name="rect6ParTx" styleLbl="alignAcc1">
-            <dgm:varLst>
-              <dgm:chMax val="1"/>
-              <dgm:bulletEnabled val="1"/>
-            </dgm:varLst>
-            <dgm:alg type="tx"/>
-            <dgm:shape xmlns:r="http://schemas.openxmlformats.org/officeDocument/2006/relationships" type="rect" r:blip="" hideGeom="1">
-              <dgm:adjLst/>
-            </dgm:shape>
-            <dgm:presOf axis="self"/>
-            <dgm:constrLst>
-              <dgm:constr type="lMarg" refType="primFontSz" fact="0.3"/>
-              <dgm:constr type="rMarg" refType="primFontSz" fact="0.3"/>
-              <dgm:constr type="tMarg" refType="primFontSz" fact="0.3"/>
-              <dgm:constr type="bMarg" refType="primFontSz" fact="0.3"/>
-            </dgm:constrLst>
-            <dgm:ruleLst>
-              <dgm:rule type="primFontSz" val="5" fact="NaN" max="NaN"/>
-            </dgm:ruleLst>
-          </dgm:layoutNode>
-          <dgm:layoutNode name="rect6ChTx" styleLbl="alignAcc1">
-            <dgm:varLst>
-              <dgm:bulletEnabled val="1"/>
-            </dgm:varLst>
-            <dgm:alg type="tx">
-              <dgm:param type="stBulletLvl" val="1"/>
-              <dgm:param type="txAnchorVertCh" val="mid"/>
-            </dgm:alg>
-            <dgm:shape xmlns:r="http://schemas.openxmlformats.org/officeDocument/2006/relationships" type="rect" r:blip="" hideGeom="1">
-              <dgm:adjLst/>
-            </dgm:shape>
-            <dgm:presOf axis="des" ptType="node"/>
-            <dgm:constrLst>
-              <dgm:constr type="lMarg" refType="secFontSz" fact="0.3"/>
-              <dgm:constr type="rMarg" refType="secFontSz" fact="0.3"/>
-              <dgm:constr type="tMarg" refType="secFontSz" fact="0.3"/>
-              <dgm:constr type="bMarg" refType="secFontSz" fact="0.3"/>
-            </dgm:constrLst>
-            <dgm:ruleLst>
-              <dgm:rule type="secFontSz" val="5" fact="NaN" max="NaN"/>
-            </dgm:ruleLst>
-          </dgm:layoutNode>
-        </dgm:if>
-        <dgm:else name="Name73">
-          <dgm:layoutNode name="rect6ParTxNoCh" styleLbl="alignAcc1">
-            <dgm:varLst>
-              <dgm:chMax val="1"/>
-              <dgm:bulletEnabled val="1"/>
-            </dgm:varLst>
-            <dgm:alg type="tx"/>
-            <dgm:shape xmlns:r="http://schemas.openxmlformats.org/officeDocument/2006/relationships" type="rect" r:blip="" hideGeom="1">
-              <dgm:adjLst/>
-            </dgm:shape>
-            <dgm:presOf axis="self"/>
-            <dgm:constrLst>
-              <dgm:constr type="lMarg" refType="primFontSz" fact="0.3"/>
-              <dgm:constr type="rMarg" refType="primFontSz" fact="0.3"/>
-              <dgm:constr type="tMarg" refType="primFontSz" fact="0.3"/>
-              <dgm:constr type="bMarg" refType="primFontSz" fact="0.3"/>
-            </dgm:constrLst>
-            <dgm:ruleLst>
-              <dgm:rule type="primFontSz" val="5" fact="NaN" max="NaN"/>
-            </dgm:ruleLst>
-          </dgm:layoutNode>
-        </dgm:else>
-      </dgm:choose>
-    </dgm:forEach>
-    <dgm:forEach name="Name74" axis="ch" ptType="node" st="7" cnt="1">
-      <dgm:choose name="Name75">
-        <dgm:if name="Name76" axis="root des" ptType="all node" func="maxDepth" op="gte" val="2">
-          <dgm:layoutNode name="rect7ParTx" styleLbl="alignAcc1">
-            <dgm:varLst>
-              <dgm:chMax val="1"/>
-              <dgm:bulletEnabled val="1"/>
-            </dgm:varLst>
-            <dgm:alg type="tx"/>
-            <dgm:shape xmlns:r="http://schemas.openxmlformats.org/officeDocument/2006/relationships" type="rect" r:blip="" hideGeom="1">
-              <dgm:adjLst/>
-            </dgm:shape>
-            <dgm:presOf axis="self"/>
-            <dgm:constrLst>
-              <dgm:constr type="lMarg" refType="primFontSz" fact="0.3"/>
-              <dgm:constr type="rMarg" refType="primFontSz" fact="0.3"/>
-              <dgm:constr type="tMarg" refType="primFontSz" fact="0.3"/>
-              <dgm:constr type="bMarg" refType="primFontSz" fact="0.3"/>
-            </dgm:constrLst>
-            <dgm:ruleLst>
-              <dgm:rule type="primFontSz" val="5" fact="NaN" max="NaN"/>
-            </dgm:ruleLst>
-          </dgm:layoutNode>
-          <dgm:layoutNode name="rect7ChTx" styleLbl="alignAcc1">
-            <dgm:varLst>
-              <dgm:bulletEnabled val="1"/>
-            </dgm:varLst>
-            <dgm:alg type="tx">
-              <dgm:param type="stBulletLvl" val="1"/>
-              <dgm:param type="txAnchorVertCh" val="mid"/>
-            </dgm:alg>
-            <dgm:shape xmlns:r="http://schemas.openxmlformats.org/officeDocument/2006/relationships" type="rect" r:blip="" hideGeom="1">
-              <dgm:adjLst/>
-            </dgm:shape>
-            <dgm:presOf axis="des" ptType="node"/>
-            <dgm:constrLst>
-              <dgm:constr type="lMarg" refType="secFontSz" fact="0.3"/>
-              <dgm:constr type="rMarg" refType="secFontSz" fact="0.3"/>
-              <dgm:constr type="tMarg" refType="secFontSz" fact="0.3"/>
-              <dgm:constr type="bMarg" refType="secFontSz" fact="0.3"/>
-            </dgm:constrLst>
-            <dgm:ruleLst>
-              <dgm:rule type="secFontSz" val="5" fact="NaN" max="NaN"/>
-            </dgm:ruleLst>
-          </dgm:layoutNode>
-        </dgm:if>
-        <dgm:else name="Name77">
-          <dgm:layoutNode name="rect7ParTxNoCh" styleLbl="alignAcc1">
-            <dgm:varLst>
-              <dgm:chMax val="1"/>
-              <dgm:bulletEnabled val="1"/>
-            </dgm:varLst>
-            <dgm:alg type="tx"/>
-            <dgm:shape xmlns:r="http://schemas.openxmlformats.org/officeDocument/2006/relationships" type="rect" r:blip="" hideGeom="1">
-              <dgm:adjLst/>
-            </dgm:shape>
-            <dgm:presOf axis="self"/>
-            <dgm:constrLst>
-              <dgm:constr type="lMarg" refType="primFontSz" fact="0.3"/>
-              <dgm:constr type="rMarg" refType="primFontSz" fact="0.3"/>
-              <dgm:constr type="tMarg" refType="primFontSz" fact="0.3"/>
-              <dgm:constr type="bMarg" refType="primFontSz" fact="0.3"/>
-            </dgm:constrLst>
-            <dgm:ruleLst>
-              <dgm:rule type="primFontSz" val="5" fact="NaN" max="NaN"/>
-            </dgm:ruleLst>
-          </dgm:layoutNode>
-        </dgm:else>
-      </dgm:choose>
-    </dgm:forEach>
-  </dgm:layoutNode>
-</dgm:layoutDef>
-</file>
-
-<file path=ppt/diagrams/layout6.xml><?xml version="1.0" encoding="utf-8"?>
-<dgm:layoutDef xmlns:dgm="http://schemas.openxmlformats.org/drawingml/2006/diagram" xmlns:a="http://schemas.openxmlformats.org/drawingml/2006/main" uniqueId="urn:microsoft.com/office/officeart/2005/8/layout/vList2">
-  <dgm:title val=""/>
-  <dgm:desc val=""/>
-  <dgm:catLst>
-    <dgm:cat type="list" pri="3000"/>
-    <dgm:cat type="convert" pri="1000"/>
-  </dgm:catLst>
-  <dgm:sampData>
-    <dgm:dataModel>
-      <dgm:ptLst>
-        <dgm:pt modelId="0" type="doc"/>
-        <dgm:pt modelId="1">
-          <dgm:prSet phldr="1"/>
-        </dgm:pt>
-        <dgm:pt modelId="11">
-          <dgm:prSet phldr="1"/>
-        </dgm:pt>
-        <dgm:pt modelId="2">
-          <dgm:prSet phldr="1"/>
-        </dgm:pt>
-        <dgm:pt modelId="21">
-          <dgm:prSet phldr="1"/>
-        </dgm:pt>
-      </dgm:ptLst>
-      <dgm:cxnLst>
-        <dgm:cxn modelId="4" srcId="0" destId="1" srcOrd="0" destOrd="0"/>
-        <dgm:cxn modelId="5" srcId="0" destId="2" srcOrd="1" destOrd="0"/>
-        <dgm:cxn modelId="12" srcId="1" destId="11" srcOrd="0" destOrd="0"/>
-        <dgm:cxn modelId="23" srcId="2" destId="21" srcOrd="0" destOrd="0"/>
-      </dgm:cxnLst>
-      <dgm:bg/>
-      <dgm:whole/>
-    </dgm:dataModel>
-  </dgm:sampData>
-  <dgm:styleData>
-    <dgm:dataModel>
-      <dgm:ptLst>
-        <dgm:pt modelId="0" type="doc"/>
-        <dgm:pt modelId="1"/>
-        <dgm:pt modelId="2"/>
-      </dgm:ptLst>
-      <dgm:cxnLst>
-        <dgm:cxn modelId="3" srcId="0" destId="1" srcOrd="0" destOrd="0"/>
-        <dgm:cxn modelId="4" srcId="0" destId="2" srcOrd="1" destOrd="0"/>
-      </dgm:cxnLst>
-      <dgm:bg/>
-      <dgm:whole/>
-    </dgm:dataModel>
-  </dgm:styleData>
-  <dgm:clrData>
-    <dgm:dataModel>
-      <dgm:ptLst>
-        <dgm:pt modelId="0" type="doc"/>
-        <dgm:pt modelId="1"/>
-        <dgm:pt modelId="2"/>
-        <dgm:pt modelId="3"/>
-        <dgm:pt modelId="4"/>
-      </dgm:ptLst>
-      <dgm:cxnLst>
-        <dgm:cxn modelId="5" srcId="0" destId="1" srcOrd="0" destOrd="0"/>
-        <dgm:cxn modelId="6" srcId="0" destId="2" srcOrd="1" destOrd="0"/>
-        <dgm:cxn modelId="7" srcId="0" destId="3" srcOrd="2" destOrd="0"/>
-        <dgm:cxn modelId="8" srcId="0" destId="4" srcOrd="3" destOrd="0"/>
-      </dgm:cxnLst>
-      <dgm:bg/>
-      <dgm:whole/>
-    </dgm:dataModel>
-  </dgm:clrData>
-  <dgm:layoutNode name="linear">
-    <dgm:varLst>
-      <dgm:animLvl val="lvl"/>
-      <dgm:resizeHandles val="exact"/>
-    </dgm:varLst>
-    <dgm:alg type="lin">
-      <dgm:param type="linDir" val="fromT"/>
-      <dgm:param type="vertAlign" val="mid"/>
-    </dgm:alg>
-    <dgm:shape xmlns:r="http://schemas.openxmlformats.org/officeDocument/2006/relationships" r:blip="">
-      <dgm:adjLst/>
-    </dgm:shape>
-    <dgm:presOf/>
-    <dgm:constrLst>
-      <dgm:constr type="w" for="ch" forName="parentText" refType="w"/>
-      <dgm:constr type="h" for="ch" forName="parentText" refType="primFontSz" refFor="ch" refForName="parentText" fact="0.52"/>
-      <dgm:constr type="w" for="ch" forName="childText" refType="w"/>
-      <dgm:constr type="h" for="ch" forName="childText" refType="primFontSz" refFor="ch" refForName="parentText" fact="0.46"/>
-      <dgm:constr type="h" for="ch" forName="parentText" op="equ"/>
-      <dgm:constr type="primFontSz" for="ch" forName="parentText" op="equ" val="65"/>
-      <dgm:constr type="primFontSz" for="ch" forName="childText" refType="primFontSz" refFor="ch" refForName="parentText" op="equ"/>
-      <dgm:constr type="h" for="ch" forName="spacer" refType="primFontSz" refFor="ch" refForName="parentText" fact="0.08"/>
-    </dgm:constrLst>
-    <dgm:ruleLst>
-      <dgm:rule type="primFontSz" for="ch" forName="parentText" val="5" fact="NaN" max="NaN"/>
-    </dgm:ruleLst>
-    <dgm:forEach name="Name0" axis="ch" ptType="node">
-      <dgm:layoutNode name="parentText" styleLbl="node1">
-        <dgm:varLst>
-          <dgm:chMax val="0"/>
-          <dgm:bulletEnabled val="1"/>
-        </dgm:varLst>
-        <dgm:alg type="tx">
-          <dgm:param type="parTxLTRAlign" val="l"/>
-          <dgm:param type="parTxRTLAlign" val="r"/>
-        </dgm:alg>
-        <dgm:shape xmlns:r="http://schemas.openxmlformats.org/officeDocument/2006/relationships" type="roundRect" r:blip="">
-          <dgm:adjLst/>
-        </dgm:shape>
-        <dgm:presOf axis="self"/>
-        <dgm:constrLst>
-          <dgm:constr type="tMarg" refType="primFontSz" fact="0.3"/>
-          <dgm:constr type="bMarg" refType="primFontSz" fact="0.3"/>
-          <dgm:constr type="lMarg" refType="primFontSz" fact="0.3"/>
-          <dgm:constr type="rMarg" refType="primFontSz" fact="0.3"/>
-        </dgm:constrLst>
-        <dgm:ruleLst>
-          <dgm:rule type="h" val="INF" fact="NaN" max="NaN"/>
-        </dgm:ruleLst>
-      </dgm:layoutNode>
-      <dgm:choose name="Name1">
-        <dgm:if name="Name2" axis="ch" ptType="node" func="cnt" op="gte" val="1">
-          <dgm:layoutNode name="childText" styleLbl="revTx">
-            <dgm:varLst>
-              <dgm:bulletEnabled val="1"/>
-            </dgm:varLst>
-            <dgm:alg type="tx">
-              <dgm:param type="stBulletLvl" val="1"/>
-              <dgm:param type="lnSpAfChP" val="20"/>
-            </dgm:alg>
-            <dgm:shape xmlns:r="http://schemas.openxmlformats.org/officeDocument/2006/relationships" type="rect" r:blip="">
-              <dgm:adjLst/>
-            </dgm:shape>
-            <dgm:presOf axis="des" ptType="node"/>
-            <dgm:constrLst>
-              <dgm:constr type="tMarg" refType="primFontSz" fact="0.1"/>
-              <dgm:constr type="bMarg" refType="primFontSz" fact="0.1"/>
-              <dgm:constr type="lMarg" refType="w" fact="0.09"/>
-            </dgm:constrLst>
-            <dgm:ruleLst>
-              <dgm:rule type="h" val="INF" fact="NaN" max="NaN"/>
-            </dgm:ruleLst>
-          </dgm:layoutNode>
-        </dgm:if>
-        <dgm:else name="Name3">
-          <dgm:choose name="Name4">
-            <dgm:if name="Name5" axis="par ch" ptType="doc node" func="cnt" op="gte" val="2">
-              <dgm:forEach name="Name6" axis="followSib" ptType="sibTrans" cnt="1">
-                <dgm:layoutNode name="spacer">
-                  <dgm:alg type="sp"/>
-                  <dgm:shape xmlns:r="http://schemas.openxmlformats.org/officeDocument/2006/relationships" r:blip="">
-                    <dgm:adjLst/>
-                  </dgm:shape>
-                  <dgm:presOf/>
-                  <dgm:constrLst/>
-                  <dgm:ruleLst/>
-                </dgm:layoutNode>
-              </dgm:forEach>
-            </dgm:if>
-            <dgm:else name="Name7"/>
-          </dgm:choose>
-        </dgm:else>
-      </dgm:choose>
-    </dgm:forEach>
-  </dgm:layoutNode>
-</dgm:layoutDef>
-</file>
-
 <file path=ppt/diagrams/quickStyle1.xml><?xml version="1.0" encoding="utf-8"?>
 <dgm:styleDef xmlns:dgm="http://schemas.openxmlformats.org/drawingml/2006/diagram" xmlns:a="http://schemas.openxmlformats.org/drawingml/2006/main" uniqueId="urn:microsoft.com/office/officeart/2005/8/quickstyle/simple1">
   <dgm:title val=""/>
@@ -17829,2074 +11926,6 @@
 </file>
 
 <file path=ppt/diagrams/quickStyle4.xml><?xml version="1.0" encoding="utf-8"?>
-<dgm:styleDef xmlns:dgm="http://schemas.openxmlformats.org/drawingml/2006/diagram" xmlns:a="http://schemas.openxmlformats.org/drawingml/2006/main" uniqueId="urn:microsoft.com/office/officeart/2005/8/quickstyle/simple1">
-  <dgm:title val=""/>
-  <dgm:desc val=""/>
-  <dgm:catLst>
-    <dgm:cat type="simple" pri="10100"/>
-  </dgm:catLst>
-  <dgm:scene3d>
-    <a:camera prst="orthographicFront"/>
-    <a:lightRig rig="threePt" dir="t"/>
-  </dgm:scene3d>
-  <dgm:styleLbl name="node0">
-    <dgm:scene3d>
-      <a:camera prst="orthographicFront"/>
-      <a:lightRig rig="threePt" dir="t"/>
-    </dgm:scene3d>
-    <dgm:sp3d/>
-    <dgm:txPr/>
-    <dgm:style>
-      <a:lnRef idx="2">
-        <a:scrgbClr r="0" g="0" b="0"/>
-      </a:lnRef>
-      <a:fillRef idx="1">
-        <a:scrgbClr r="0" g="0" b="0"/>
-      </a:fillRef>
-      <a:effectRef idx="0">
-        <a:scrgbClr r="0" g="0" b="0"/>
-      </a:effectRef>
-      <a:fontRef idx="minor">
-        <a:schemeClr val="lt1"/>
-      </a:fontRef>
-    </dgm:style>
-  </dgm:styleLbl>
-  <dgm:styleLbl name="lnNode1">
-    <dgm:scene3d>
-      <a:camera prst="orthographicFront"/>
-      <a:lightRig rig="threePt" dir="t"/>
-    </dgm:scene3d>
-    <dgm:sp3d/>
-    <dgm:txPr/>
-    <dgm:style>
-      <a:lnRef idx="2">
-        <a:scrgbClr r="0" g="0" b="0"/>
-      </a:lnRef>
-      <a:fillRef idx="1">
-        <a:scrgbClr r="0" g="0" b="0"/>
-      </a:fillRef>
-      <a:effectRef idx="0">
-        <a:scrgbClr r="0" g="0" b="0"/>
-      </a:effectRef>
-      <a:fontRef idx="minor">
-        <a:schemeClr val="lt1"/>
-      </a:fontRef>
-    </dgm:style>
-  </dgm:styleLbl>
-  <dgm:styleLbl name="vennNode1">
-    <dgm:scene3d>
-      <a:camera prst="orthographicFront"/>
-      <a:lightRig rig="threePt" dir="t"/>
-    </dgm:scene3d>
-    <dgm:sp3d/>
-    <dgm:txPr/>
-    <dgm:style>
-      <a:lnRef idx="2">
-        <a:scrgbClr r="0" g="0" b="0"/>
-      </a:lnRef>
-      <a:fillRef idx="1">
-        <a:scrgbClr r="0" g="0" b="0"/>
-      </a:fillRef>
-      <a:effectRef idx="0">
-        <a:scrgbClr r="0" g="0" b="0"/>
-      </a:effectRef>
-      <a:fontRef idx="minor">
-        <a:schemeClr val="tx1"/>
-      </a:fontRef>
-    </dgm:style>
-  </dgm:styleLbl>
-  <dgm:styleLbl name="alignNode1">
-    <dgm:scene3d>
-      <a:camera prst="orthographicFront"/>
-      <a:lightRig rig="threePt" dir="t"/>
-    </dgm:scene3d>
-    <dgm:sp3d/>
-    <dgm:txPr/>
-    <dgm:style>
-      <a:lnRef idx="2">
-        <a:scrgbClr r="0" g="0" b="0"/>
-      </a:lnRef>
-      <a:fillRef idx="1">
-        <a:scrgbClr r="0" g="0" b="0"/>
-      </a:fillRef>
-      <a:effectRef idx="0">
-        <a:scrgbClr r="0" g="0" b="0"/>
-      </a:effectRef>
-      <a:fontRef idx="minor">
-        <a:schemeClr val="lt1"/>
-      </a:fontRef>
-    </dgm:style>
-  </dgm:styleLbl>
-  <dgm:styleLbl name="node1">
-    <dgm:scene3d>
-      <a:camera prst="orthographicFront"/>
-      <a:lightRig rig="threePt" dir="t"/>
-    </dgm:scene3d>
-    <dgm:sp3d/>
-    <dgm:txPr/>
-    <dgm:style>
-      <a:lnRef idx="2">
-        <a:scrgbClr r="0" g="0" b="0"/>
-      </a:lnRef>
-      <a:fillRef idx="1">
-        <a:scrgbClr r="0" g="0" b="0"/>
-      </a:fillRef>
-      <a:effectRef idx="0">
-        <a:scrgbClr r="0" g="0" b="0"/>
-      </a:effectRef>
-      <a:fontRef idx="minor">
-        <a:schemeClr val="lt1"/>
-      </a:fontRef>
-    </dgm:style>
-  </dgm:styleLbl>
-  <dgm:styleLbl name="node2">
-    <dgm:scene3d>
-      <a:camera prst="orthographicFront"/>
-      <a:lightRig rig="threePt" dir="t"/>
-    </dgm:scene3d>
-    <dgm:sp3d/>
-    <dgm:txPr/>
-    <dgm:style>
-      <a:lnRef idx="2">
-        <a:scrgbClr r="0" g="0" b="0"/>
-      </a:lnRef>
-      <a:fillRef idx="1">
-        <a:scrgbClr r="0" g="0" b="0"/>
-      </a:fillRef>
-      <a:effectRef idx="0">
-        <a:scrgbClr r="0" g="0" b="0"/>
-      </a:effectRef>
-      <a:fontRef idx="minor">
-        <a:schemeClr val="lt1"/>
-      </a:fontRef>
-    </dgm:style>
-  </dgm:styleLbl>
-  <dgm:styleLbl name="node3">
-    <dgm:scene3d>
-      <a:camera prst="orthographicFront"/>
-      <a:lightRig rig="threePt" dir="t"/>
-    </dgm:scene3d>
-    <dgm:sp3d/>
-    <dgm:txPr/>
-    <dgm:style>
-      <a:lnRef idx="2">
-        <a:scrgbClr r="0" g="0" b="0"/>
-      </a:lnRef>
-      <a:fillRef idx="1">
-        <a:scrgbClr r="0" g="0" b="0"/>
-      </a:fillRef>
-      <a:effectRef idx="0">
-        <a:scrgbClr r="0" g="0" b="0"/>
-      </a:effectRef>
-      <a:fontRef idx="minor">
-        <a:schemeClr val="lt1"/>
-      </a:fontRef>
-    </dgm:style>
-  </dgm:styleLbl>
-  <dgm:styleLbl name="node4">
-    <dgm:scene3d>
-      <a:camera prst="orthographicFront"/>
-      <a:lightRig rig="threePt" dir="t"/>
-    </dgm:scene3d>
-    <dgm:sp3d/>
-    <dgm:txPr/>
-    <dgm:style>
-      <a:lnRef idx="2">
-        <a:scrgbClr r="0" g="0" b="0"/>
-      </a:lnRef>
-      <a:fillRef idx="1">
-        <a:scrgbClr r="0" g="0" b="0"/>
-      </a:fillRef>
-      <a:effectRef idx="0">
-        <a:scrgbClr r="0" g="0" b="0"/>
-      </a:effectRef>
-      <a:fontRef idx="minor">
-        <a:schemeClr val="lt1"/>
-      </a:fontRef>
-    </dgm:style>
-  </dgm:styleLbl>
-  <dgm:styleLbl name="fgImgPlace1">
-    <dgm:scene3d>
-      <a:camera prst="orthographicFront"/>
-      <a:lightRig rig="threePt" dir="t"/>
-    </dgm:scene3d>
-    <dgm:sp3d/>
-    <dgm:txPr/>
-    <dgm:style>
-      <a:lnRef idx="2">
-        <a:scrgbClr r="0" g="0" b="0"/>
-      </a:lnRef>
-      <a:fillRef idx="1">
-        <a:scrgbClr r="0" g="0" b="0"/>
-      </a:fillRef>
-      <a:effectRef idx="0">
-        <a:scrgbClr r="0" g="0" b="0"/>
-      </a:effectRef>
-      <a:fontRef idx="minor"/>
-    </dgm:style>
-  </dgm:styleLbl>
-  <dgm:styleLbl name="alignImgPlace1">
-    <dgm:scene3d>
-      <a:camera prst="orthographicFront"/>
-      <a:lightRig rig="threePt" dir="t"/>
-    </dgm:scene3d>
-    <dgm:sp3d/>
-    <dgm:txPr/>
-    <dgm:style>
-      <a:lnRef idx="2">
-        <a:scrgbClr r="0" g="0" b="0"/>
-      </a:lnRef>
-      <a:fillRef idx="1">
-        <a:scrgbClr r="0" g="0" b="0"/>
-      </a:fillRef>
-      <a:effectRef idx="0">
-        <a:scrgbClr r="0" g="0" b="0"/>
-      </a:effectRef>
-      <a:fontRef idx="minor"/>
-    </dgm:style>
-  </dgm:styleLbl>
-  <dgm:styleLbl name="bgImgPlace1">
-    <dgm:scene3d>
-      <a:camera prst="orthographicFront"/>
-      <a:lightRig rig="threePt" dir="t"/>
-    </dgm:scene3d>
-    <dgm:sp3d/>
-    <dgm:txPr/>
-    <dgm:style>
-      <a:lnRef idx="2">
-        <a:scrgbClr r="0" g="0" b="0"/>
-      </a:lnRef>
-      <a:fillRef idx="1">
-        <a:scrgbClr r="0" g="0" b="0"/>
-      </a:fillRef>
-      <a:effectRef idx="0">
-        <a:scrgbClr r="0" g="0" b="0"/>
-      </a:effectRef>
-      <a:fontRef idx="minor"/>
-    </dgm:style>
-  </dgm:styleLbl>
-  <dgm:styleLbl name="sibTrans2D1">
-    <dgm:scene3d>
-      <a:camera prst="orthographicFront"/>
-      <a:lightRig rig="threePt" dir="t"/>
-    </dgm:scene3d>
-    <dgm:sp3d/>
-    <dgm:txPr/>
-    <dgm:style>
-      <a:lnRef idx="0">
-        <a:scrgbClr r="0" g="0" b="0"/>
-      </a:lnRef>
-      <a:fillRef idx="1">
-        <a:scrgbClr r="0" g="0" b="0"/>
-      </a:fillRef>
-      <a:effectRef idx="0">
-        <a:scrgbClr r="0" g="0" b="0"/>
-      </a:effectRef>
-      <a:fontRef idx="minor">
-        <a:schemeClr val="lt1"/>
-      </a:fontRef>
-    </dgm:style>
-  </dgm:styleLbl>
-  <dgm:styleLbl name="fgSibTrans2D1">
-    <dgm:scene3d>
-      <a:camera prst="orthographicFront"/>
-      <a:lightRig rig="threePt" dir="t"/>
-    </dgm:scene3d>
-    <dgm:sp3d/>
-    <dgm:txPr/>
-    <dgm:style>
-      <a:lnRef idx="0">
-        <a:scrgbClr r="0" g="0" b="0"/>
-      </a:lnRef>
-      <a:fillRef idx="1">
-        <a:scrgbClr r="0" g="0" b="0"/>
-      </a:fillRef>
-      <a:effectRef idx="0">
-        <a:scrgbClr r="0" g="0" b="0"/>
-      </a:effectRef>
-      <a:fontRef idx="minor">
-        <a:schemeClr val="lt1"/>
-      </a:fontRef>
-    </dgm:style>
-  </dgm:styleLbl>
-  <dgm:styleLbl name="bgSibTrans2D1">
-    <dgm:scene3d>
-      <a:camera prst="orthographicFront"/>
-      <a:lightRig rig="threePt" dir="t"/>
-    </dgm:scene3d>
-    <dgm:sp3d/>
-    <dgm:txPr/>
-    <dgm:style>
-      <a:lnRef idx="0">
-        <a:scrgbClr r="0" g="0" b="0"/>
-      </a:lnRef>
-      <a:fillRef idx="1">
-        <a:scrgbClr r="0" g="0" b="0"/>
-      </a:fillRef>
-      <a:effectRef idx="0">
-        <a:scrgbClr r="0" g="0" b="0"/>
-      </a:effectRef>
-      <a:fontRef idx="minor">
-        <a:schemeClr val="lt1"/>
-      </a:fontRef>
-    </dgm:style>
-  </dgm:styleLbl>
-  <dgm:styleLbl name="sibTrans1D1">
-    <dgm:scene3d>
-      <a:camera prst="orthographicFront"/>
-      <a:lightRig rig="threePt" dir="t"/>
-    </dgm:scene3d>
-    <dgm:sp3d/>
-    <dgm:txPr/>
-    <dgm:style>
-      <a:lnRef idx="1">
-        <a:scrgbClr r="0" g="0" b="0"/>
-      </a:lnRef>
-      <a:fillRef idx="0">
-        <a:scrgbClr r="0" g="0" b="0"/>
-      </a:fillRef>
-      <a:effectRef idx="0">
-        <a:scrgbClr r="0" g="0" b="0"/>
-      </a:effectRef>
-      <a:fontRef idx="minor"/>
-    </dgm:style>
-  </dgm:styleLbl>
-  <dgm:styleLbl name="callout">
-    <dgm:scene3d>
-      <a:camera prst="orthographicFront"/>
-      <a:lightRig rig="threePt" dir="t"/>
-    </dgm:scene3d>
-    <dgm:sp3d/>
-    <dgm:txPr/>
-    <dgm:style>
-      <a:lnRef idx="2">
-        <a:scrgbClr r="0" g="0" b="0"/>
-      </a:lnRef>
-      <a:fillRef idx="1">
-        <a:scrgbClr r="0" g="0" b="0"/>
-      </a:fillRef>
-      <a:effectRef idx="0">
-        <a:scrgbClr r="0" g="0" b="0"/>
-      </a:effectRef>
-      <a:fontRef idx="minor"/>
-    </dgm:style>
-  </dgm:styleLbl>
-  <dgm:styleLbl name="asst0">
-    <dgm:scene3d>
-      <a:camera prst="orthographicFront"/>
-      <a:lightRig rig="threePt" dir="t"/>
-    </dgm:scene3d>
-    <dgm:sp3d/>
-    <dgm:txPr/>
-    <dgm:style>
-      <a:lnRef idx="2">
-        <a:scrgbClr r="0" g="0" b="0"/>
-      </a:lnRef>
-      <a:fillRef idx="1">
-        <a:scrgbClr r="0" g="0" b="0"/>
-      </a:fillRef>
-      <a:effectRef idx="0">
-        <a:scrgbClr r="0" g="0" b="0"/>
-      </a:effectRef>
-      <a:fontRef idx="minor">
-        <a:schemeClr val="lt1"/>
-      </a:fontRef>
-    </dgm:style>
-  </dgm:styleLbl>
-  <dgm:styleLbl name="asst1">
-    <dgm:scene3d>
-      <a:camera prst="orthographicFront"/>
-      <a:lightRig rig="threePt" dir="t"/>
-    </dgm:scene3d>
-    <dgm:sp3d/>
-    <dgm:txPr/>
-    <dgm:style>
-      <a:lnRef idx="2">
-        <a:scrgbClr r="0" g="0" b="0"/>
-      </a:lnRef>
-      <a:fillRef idx="1">
-        <a:scrgbClr r="0" g="0" b="0"/>
-      </a:fillRef>
-      <a:effectRef idx="0">
-        <a:scrgbClr r="0" g="0" b="0"/>
-      </a:effectRef>
-      <a:fontRef idx="minor">
-        <a:schemeClr val="lt1"/>
-      </a:fontRef>
-    </dgm:style>
-  </dgm:styleLbl>
-  <dgm:styleLbl name="asst2">
-    <dgm:scene3d>
-      <a:camera prst="orthographicFront"/>
-      <a:lightRig rig="threePt" dir="t"/>
-    </dgm:scene3d>
-    <dgm:sp3d/>
-    <dgm:txPr/>
-    <dgm:style>
-      <a:lnRef idx="2">
-        <a:scrgbClr r="0" g="0" b="0"/>
-      </a:lnRef>
-      <a:fillRef idx="1">
-        <a:scrgbClr r="0" g="0" b="0"/>
-      </a:fillRef>
-      <a:effectRef idx="0">
-        <a:scrgbClr r="0" g="0" b="0"/>
-      </a:effectRef>
-      <a:fontRef idx="minor">
-        <a:schemeClr val="lt1"/>
-      </a:fontRef>
-    </dgm:style>
-  </dgm:styleLbl>
-  <dgm:styleLbl name="asst3">
-    <dgm:scene3d>
-      <a:camera prst="orthographicFront"/>
-      <a:lightRig rig="threePt" dir="t"/>
-    </dgm:scene3d>
-    <dgm:sp3d/>
-    <dgm:txPr/>
-    <dgm:style>
-      <a:lnRef idx="2">
-        <a:scrgbClr r="0" g="0" b="0"/>
-      </a:lnRef>
-      <a:fillRef idx="1">
-        <a:scrgbClr r="0" g="0" b="0"/>
-      </a:fillRef>
-      <a:effectRef idx="0">
-        <a:scrgbClr r="0" g="0" b="0"/>
-      </a:effectRef>
-      <a:fontRef idx="minor">
-        <a:schemeClr val="lt1"/>
-      </a:fontRef>
-    </dgm:style>
-  </dgm:styleLbl>
-  <dgm:styleLbl name="asst4">
-    <dgm:scene3d>
-      <a:camera prst="orthographicFront"/>
-      <a:lightRig rig="threePt" dir="t"/>
-    </dgm:scene3d>
-    <dgm:sp3d/>
-    <dgm:txPr/>
-    <dgm:style>
-      <a:lnRef idx="2">
-        <a:scrgbClr r="0" g="0" b="0"/>
-      </a:lnRef>
-      <a:fillRef idx="1">
-        <a:scrgbClr r="0" g="0" b="0"/>
-      </a:fillRef>
-      <a:effectRef idx="0">
-        <a:scrgbClr r="0" g="0" b="0"/>
-      </a:effectRef>
-      <a:fontRef idx="minor">
-        <a:schemeClr val="lt1"/>
-      </a:fontRef>
-    </dgm:style>
-  </dgm:styleLbl>
-  <dgm:styleLbl name="parChTrans2D1">
-    <dgm:scene3d>
-      <a:camera prst="orthographicFront"/>
-      <a:lightRig rig="threePt" dir="t"/>
-    </dgm:scene3d>
-    <dgm:sp3d/>
-    <dgm:txPr/>
-    <dgm:style>
-      <a:lnRef idx="2">
-        <a:scrgbClr r="0" g="0" b="0"/>
-      </a:lnRef>
-      <a:fillRef idx="1">
-        <a:scrgbClr r="0" g="0" b="0"/>
-      </a:fillRef>
-      <a:effectRef idx="0">
-        <a:scrgbClr r="0" g="0" b="0"/>
-      </a:effectRef>
-      <a:fontRef idx="minor">
-        <a:schemeClr val="lt1"/>
-      </a:fontRef>
-    </dgm:style>
-  </dgm:styleLbl>
-  <dgm:styleLbl name="parChTrans2D2">
-    <dgm:scene3d>
-      <a:camera prst="orthographicFront"/>
-      <a:lightRig rig="threePt" dir="t"/>
-    </dgm:scene3d>
-    <dgm:sp3d/>
-    <dgm:txPr/>
-    <dgm:style>
-      <a:lnRef idx="2">
-        <a:scrgbClr r="0" g="0" b="0"/>
-      </a:lnRef>
-      <a:fillRef idx="1">
-        <a:scrgbClr r="0" g="0" b="0"/>
-      </a:fillRef>
-      <a:effectRef idx="0">
-        <a:scrgbClr r="0" g="0" b="0"/>
-      </a:effectRef>
-      <a:fontRef idx="minor">
-        <a:schemeClr val="lt1"/>
-      </a:fontRef>
-    </dgm:style>
-  </dgm:styleLbl>
-  <dgm:styleLbl name="parChTrans2D3">
-    <dgm:scene3d>
-      <a:camera prst="orthographicFront"/>
-      <a:lightRig rig="threePt" dir="t"/>
-    </dgm:scene3d>
-    <dgm:sp3d/>
-    <dgm:txPr/>
-    <dgm:style>
-      <a:lnRef idx="2">
-        <a:scrgbClr r="0" g="0" b="0"/>
-      </a:lnRef>
-      <a:fillRef idx="1">
-        <a:scrgbClr r="0" g="0" b="0"/>
-      </a:fillRef>
-      <a:effectRef idx="0">
-        <a:scrgbClr r="0" g="0" b="0"/>
-      </a:effectRef>
-      <a:fontRef idx="minor">
-        <a:schemeClr val="lt1"/>
-      </a:fontRef>
-    </dgm:style>
-  </dgm:styleLbl>
-  <dgm:styleLbl name="parChTrans2D4">
-    <dgm:scene3d>
-      <a:camera prst="orthographicFront"/>
-      <a:lightRig rig="threePt" dir="t"/>
-    </dgm:scene3d>
-    <dgm:sp3d/>
-    <dgm:txPr/>
-    <dgm:style>
-      <a:lnRef idx="2">
-        <a:scrgbClr r="0" g="0" b="0"/>
-      </a:lnRef>
-      <a:fillRef idx="1">
-        <a:scrgbClr r="0" g="0" b="0"/>
-      </a:fillRef>
-      <a:effectRef idx="0">
-        <a:scrgbClr r="0" g="0" b="0"/>
-      </a:effectRef>
-      <a:fontRef idx="minor">
-        <a:schemeClr val="lt1"/>
-      </a:fontRef>
-    </dgm:style>
-  </dgm:styleLbl>
-  <dgm:styleLbl name="parChTrans1D1">
-    <dgm:scene3d>
-      <a:camera prst="orthographicFront"/>
-      <a:lightRig rig="threePt" dir="t"/>
-    </dgm:scene3d>
-    <dgm:sp3d/>
-    <dgm:txPr/>
-    <dgm:style>
-      <a:lnRef idx="2">
-        <a:scrgbClr r="0" g="0" b="0"/>
-      </a:lnRef>
-      <a:fillRef idx="0">
-        <a:scrgbClr r="0" g="0" b="0"/>
-      </a:fillRef>
-      <a:effectRef idx="0">
-        <a:scrgbClr r="0" g="0" b="0"/>
-      </a:effectRef>
-      <a:fontRef idx="minor"/>
-    </dgm:style>
-  </dgm:styleLbl>
-  <dgm:styleLbl name="parChTrans1D2">
-    <dgm:scene3d>
-      <a:camera prst="orthographicFront"/>
-      <a:lightRig rig="threePt" dir="t"/>
-    </dgm:scene3d>
-    <dgm:sp3d/>
-    <dgm:txPr/>
-    <dgm:style>
-      <a:lnRef idx="2">
-        <a:scrgbClr r="0" g="0" b="0"/>
-      </a:lnRef>
-      <a:fillRef idx="0">
-        <a:scrgbClr r="0" g="0" b="0"/>
-      </a:fillRef>
-      <a:effectRef idx="0">
-        <a:scrgbClr r="0" g="0" b="0"/>
-      </a:effectRef>
-      <a:fontRef idx="minor"/>
-    </dgm:style>
-  </dgm:styleLbl>
-  <dgm:styleLbl name="parChTrans1D3">
-    <dgm:scene3d>
-      <a:camera prst="orthographicFront"/>
-      <a:lightRig rig="threePt" dir="t"/>
-    </dgm:scene3d>
-    <dgm:sp3d/>
-    <dgm:txPr/>
-    <dgm:style>
-      <a:lnRef idx="2">
-        <a:scrgbClr r="0" g="0" b="0"/>
-      </a:lnRef>
-      <a:fillRef idx="0">
-        <a:scrgbClr r="0" g="0" b="0"/>
-      </a:fillRef>
-      <a:effectRef idx="0">
-        <a:scrgbClr r="0" g="0" b="0"/>
-      </a:effectRef>
-      <a:fontRef idx="minor"/>
-    </dgm:style>
-  </dgm:styleLbl>
-  <dgm:styleLbl name="parChTrans1D4">
-    <dgm:scene3d>
-      <a:camera prst="orthographicFront"/>
-      <a:lightRig rig="threePt" dir="t"/>
-    </dgm:scene3d>
-    <dgm:sp3d/>
-    <dgm:txPr/>
-    <dgm:style>
-      <a:lnRef idx="2">
-        <a:scrgbClr r="0" g="0" b="0"/>
-      </a:lnRef>
-      <a:fillRef idx="0">
-        <a:scrgbClr r="0" g="0" b="0"/>
-      </a:fillRef>
-      <a:effectRef idx="0">
-        <a:scrgbClr r="0" g="0" b="0"/>
-      </a:effectRef>
-      <a:fontRef idx="minor"/>
-    </dgm:style>
-  </dgm:styleLbl>
-  <dgm:styleLbl name="fgAcc1">
-    <dgm:scene3d>
-      <a:camera prst="orthographicFront"/>
-      <a:lightRig rig="threePt" dir="t"/>
-    </dgm:scene3d>
-    <dgm:sp3d/>
-    <dgm:txPr/>
-    <dgm:style>
-      <a:lnRef idx="2">
-        <a:scrgbClr r="0" g="0" b="0"/>
-      </a:lnRef>
-      <a:fillRef idx="1">
-        <a:scrgbClr r="0" g="0" b="0"/>
-      </a:fillRef>
-      <a:effectRef idx="0">
-        <a:scrgbClr r="0" g="0" b="0"/>
-      </a:effectRef>
-      <a:fontRef idx="minor"/>
-    </dgm:style>
-  </dgm:styleLbl>
-  <dgm:styleLbl name="conFgAcc1">
-    <dgm:scene3d>
-      <a:camera prst="orthographicFront"/>
-      <a:lightRig rig="threePt" dir="t"/>
-    </dgm:scene3d>
-    <dgm:sp3d/>
-    <dgm:txPr/>
-    <dgm:style>
-      <a:lnRef idx="2">
-        <a:scrgbClr r="0" g="0" b="0"/>
-      </a:lnRef>
-      <a:fillRef idx="1">
-        <a:scrgbClr r="0" g="0" b="0"/>
-      </a:fillRef>
-      <a:effectRef idx="0">
-        <a:scrgbClr r="0" g="0" b="0"/>
-      </a:effectRef>
-      <a:fontRef idx="minor"/>
-    </dgm:style>
-  </dgm:styleLbl>
-  <dgm:styleLbl name="alignAcc1">
-    <dgm:scene3d>
-      <a:camera prst="orthographicFront"/>
-      <a:lightRig rig="threePt" dir="t"/>
-    </dgm:scene3d>
-    <dgm:sp3d/>
-    <dgm:txPr/>
-    <dgm:style>
-      <a:lnRef idx="2">
-        <a:scrgbClr r="0" g="0" b="0"/>
-      </a:lnRef>
-      <a:fillRef idx="1">
-        <a:scrgbClr r="0" g="0" b="0"/>
-      </a:fillRef>
-      <a:effectRef idx="0">
-        <a:scrgbClr r="0" g="0" b="0"/>
-      </a:effectRef>
-      <a:fontRef idx="minor"/>
-    </dgm:style>
-  </dgm:styleLbl>
-  <dgm:styleLbl name="trAlignAcc1">
-    <dgm:scene3d>
-      <a:camera prst="orthographicFront"/>
-      <a:lightRig rig="threePt" dir="t"/>
-    </dgm:scene3d>
-    <dgm:sp3d/>
-    <dgm:txPr/>
-    <dgm:style>
-      <a:lnRef idx="1">
-        <a:scrgbClr r="0" g="0" b="0"/>
-      </a:lnRef>
-      <a:fillRef idx="1">
-        <a:scrgbClr r="0" g="0" b="0"/>
-      </a:fillRef>
-      <a:effectRef idx="0">
-        <a:scrgbClr r="0" g="0" b="0"/>
-      </a:effectRef>
-      <a:fontRef idx="minor"/>
-    </dgm:style>
-  </dgm:styleLbl>
-  <dgm:styleLbl name="bgAcc1">
-    <dgm:scene3d>
-      <a:camera prst="orthographicFront"/>
-      <a:lightRig rig="threePt" dir="t"/>
-    </dgm:scene3d>
-    <dgm:sp3d/>
-    <dgm:txPr/>
-    <dgm:style>
-      <a:lnRef idx="2">
-        <a:scrgbClr r="0" g="0" b="0"/>
-      </a:lnRef>
-      <a:fillRef idx="1">
-        <a:scrgbClr r="0" g="0" b="0"/>
-      </a:fillRef>
-      <a:effectRef idx="0">
-        <a:scrgbClr r="0" g="0" b="0"/>
-      </a:effectRef>
-      <a:fontRef idx="minor"/>
-    </dgm:style>
-  </dgm:styleLbl>
-  <dgm:styleLbl name="solidFgAcc1">
-    <dgm:scene3d>
-      <a:camera prst="orthographicFront"/>
-      <a:lightRig rig="threePt" dir="t"/>
-    </dgm:scene3d>
-    <dgm:sp3d/>
-    <dgm:txPr/>
-    <dgm:style>
-      <a:lnRef idx="2">
-        <a:scrgbClr r="0" g="0" b="0"/>
-      </a:lnRef>
-      <a:fillRef idx="1">
-        <a:scrgbClr r="0" g="0" b="0"/>
-      </a:fillRef>
-      <a:effectRef idx="0">
-        <a:scrgbClr r="0" g="0" b="0"/>
-      </a:effectRef>
-      <a:fontRef idx="minor"/>
-    </dgm:style>
-  </dgm:styleLbl>
-  <dgm:styleLbl name="solidAlignAcc1">
-    <dgm:scene3d>
-      <a:camera prst="orthographicFront"/>
-      <a:lightRig rig="threePt" dir="t"/>
-    </dgm:scene3d>
-    <dgm:sp3d/>
-    <dgm:txPr/>
-    <dgm:style>
-      <a:lnRef idx="2">
-        <a:scrgbClr r="0" g="0" b="0"/>
-      </a:lnRef>
-      <a:fillRef idx="1">
-        <a:scrgbClr r="0" g="0" b="0"/>
-      </a:fillRef>
-      <a:effectRef idx="0">
-        <a:scrgbClr r="0" g="0" b="0"/>
-      </a:effectRef>
-      <a:fontRef idx="minor"/>
-    </dgm:style>
-  </dgm:styleLbl>
-  <dgm:styleLbl name="solidBgAcc1">
-    <dgm:scene3d>
-      <a:camera prst="orthographicFront"/>
-      <a:lightRig rig="threePt" dir="t"/>
-    </dgm:scene3d>
-    <dgm:sp3d/>
-    <dgm:txPr/>
-    <dgm:style>
-      <a:lnRef idx="2">
-        <a:scrgbClr r="0" g="0" b="0"/>
-      </a:lnRef>
-      <a:fillRef idx="1">
-        <a:scrgbClr r="0" g="0" b="0"/>
-      </a:fillRef>
-      <a:effectRef idx="0">
-        <a:scrgbClr r="0" g="0" b="0"/>
-      </a:effectRef>
-      <a:fontRef idx="minor"/>
-    </dgm:style>
-  </dgm:styleLbl>
-  <dgm:styleLbl name="fgAccFollowNode1">
-    <dgm:scene3d>
-      <a:camera prst="orthographicFront"/>
-      <a:lightRig rig="threePt" dir="t"/>
-    </dgm:scene3d>
-    <dgm:sp3d/>
-    <dgm:txPr/>
-    <dgm:style>
-      <a:lnRef idx="2">
-        <a:scrgbClr r="0" g="0" b="0"/>
-      </a:lnRef>
-      <a:fillRef idx="1">
-        <a:scrgbClr r="0" g="0" b="0"/>
-      </a:fillRef>
-      <a:effectRef idx="0">
-        <a:scrgbClr r="0" g="0" b="0"/>
-      </a:effectRef>
-      <a:fontRef idx="minor"/>
-    </dgm:style>
-  </dgm:styleLbl>
-  <dgm:styleLbl name="alignAccFollowNode1">
-    <dgm:scene3d>
-      <a:camera prst="orthographicFront"/>
-      <a:lightRig rig="threePt" dir="t"/>
-    </dgm:scene3d>
-    <dgm:sp3d/>
-    <dgm:txPr/>
-    <dgm:style>
-      <a:lnRef idx="2">
-        <a:scrgbClr r="0" g="0" b="0"/>
-      </a:lnRef>
-      <a:fillRef idx="1">
-        <a:scrgbClr r="0" g="0" b="0"/>
-      </a:fillRef>
-      <a:effectRef idx="0">
-        <a:scrgbClr r="0" g="0" b="0"/>
-      </a:effectRef>
-      <a:fontRef idx="minor"/>
-    </dgm:style>
-  </dgm:styleLbl>
-  <dgm:styleLbl name="bgAccFollowNode1">
-    <dgm:scene3d>
-      <a:camera prst="orthographicFront"/>
-      <a:lightRig rig="threePt" dir="t"/>
-    </dgm:scene3d>
-    <dgm:sp3d/>
-    <dgm:txPr/>
-    <dgm:style>
-      <a:lnRef idx="2">
-        <a:scrgbClr r="0" g="0" b="0"/>
-      </a:lnRef>
-      <a:fillRef idx="1">
-        <a:scrgbClr r="0" g="0" b="0"/>
-      </a:fillRef>
-      <a:effectRef idx="0">
-        <a:scrgbClr r="0" g="0" b="0"/>
-      </a:effectRef>
-      <a:fontRef idx="minor"/>
-    </dgm:style>
-  </dgm:styleLbl>
-  <dgm:styleLbl name="fgAcc0">
-    <dgm:scene3d>
-      <a:camera prst="orthographicFront"/>
-      <a:lightRig rig="threePt" dir="t"/>
-    </dgm:scene3d>
-    <dgm:sp3d/>
-    <dgm:txPr/>
-    <dgm:style>
-      <a:lnRef idx="2">
-        <a:scrgbClr r="0" g="0" b="0"/>
-      </a:lnRef>
-      <a:fillRef idx="1">
-        <a:scrgbClr r="0" g="0" b="0"/>
-      </a:fillRef>
-      <a:effectRef idx="0">
-        <a:scrgbClr r="0" g="0" b="0"/>
-      </a:effectRef>
-      <a:fontRef idx="minor"/>
-    </dgm:style>
-  </dgm:styleLbl>
-  <dgm:styleLbl name="fgAcc2">
-    <dgm:scene3d>
-      <a:camera prst="orthographicFront"/>
-      <a:lightRig rig="threePt" dir="t"/>
-    </dgm:scene3d>
-    <dgm:sp3d/>
-    <dgm:txPr/>
-    <dgm:style>
-      <a:lnRef idx="2">
-        <a:scrgbClr r="0" g="0" b="0"/>
-      </a:lnRef>
-      <a:fillRef idx="1">
-        <a:scrgbClr r="0" g="0" b="0"/>
-      </a:fillRef>
-      <a:effectRef idx="0">
-        <a:scrgbClr r="0" g="0" b="0"/>
-      </a:effectRef>
-      <a:fontRef idx="minor"/>
-    </dgm:style>
-  </dgm:styleLbl>
-  <dgm:styleLbl name="fgAcc3">
-    <dgm:scene3d>
-      <a:camera prst="orthographicFront"/>
-      <a:lightRig rig="threePt" dir="t"/>
-    </dgm:scene3d>
-    <dgm:sp3d/>
-    <dgm:txPr/>
-    <dgm:style>
-      <a:lnRef idx="2">
-        <a:scrgbClr r="0" g="0" b="0"/>
-      </a:lnRef>
-      <a:fillRef idx="1">
-        <a:scrgbClr r="0" g="0" b="0"/>
-      </a:fillRef>
-      <a:effectRef idx="0">
-        <a:scrgbClr r="0" g="0" b="0"/>
-      </a:effectRef>
-      <a:fontRef idx="minor"/>
-    </dgm:style>
-  </dgm:styleLbl>
-  <dgm:styleLbl name="fgAcc4">
-    <dgm:scene3d>
-      <a:camera prst="orthographicFront"/>
-      <a:lightRig rig="threePt" dir="t"/>
-    </dgm:scene3d>
-    <dgm:sp3d/>
-    <dgm:txPr/>
-    <dgm:style>
-      <a:lnRef idx="2">
-        <a:scrgbClr r="0" g="0" b="0"/>
-      </a:lnRef>
-      <a:fillRef idx="1">
-        <a:scrgbClr r="0" g="0" b="0"/>
-      </a:fillRef>
-      <a:effectRef idx="0">
-        <a:scrgbClr r="0" g="0" b="0"/>
-      </a:effectRef>
-      <a:fontRef idx="minor"/>
-    </dgm:style>
-  </dgm:styleLbl>
-  <dgm:styleLbl name="bgShp">
-    <dgm:scene3d>
-      <a:camera prst="orthographicFront"/>
-      <a:lightRig rig="threePt" dir="t"/>
-    </dgm:scene3d>
-    <dgm:sp3d/>
-    <dgm:txPr/>
-    <dgm:style>
-      <a:lnRef idx="0">
-        <a:scrgbClr r="0" g="0" b="0"/>
-      </a:lnRef>
-      <a:fillRef idx="1">
-        <a:scrgbClr r="0" g="0" b="0"/>
-      </a:fillRef>
-      <a:effectRef idx="0">
-        <a:scrgbClr r="0" g="0" b="0"/>
-      </a:effectRef>
-      <a:fontRef idx="minor"/>
-    </dgm:style>
-  </dgm:styleLbl>
-  <dgm:styleLbl name="dkBgShp">
-    <dgm:scene3d>
-      <a:camera prst="orthographicFront"/>
-      <a:lightRig rig="threePt" dir="t"/>
-    </dgm:scene3d>
-    <dgm:sp3d/>
-    <dgm:txPr/>
-    <dgm:style>
-      <a:lnRef idx="0">
-        <a:scrgbClr r="0" g="0" b="0"/>
-      </a:lnRef>
-      <a:fillRef idx="1">
-        <a:scrgbClr r="0" g="0" b="0"/>
-      </a:fillRef>
-      <a:effectRef idx="0">
-        <a:scrgbClr r="0" g="0" b="0"/>
-      </a:effectRef>
-      <a:fontRef idx="minor"/>
-    </dgm:style>
-  </dgm:styleLbl>
-  <dgm:styleLbl name="trBgShp">
-    <dgm:scene3d>
-      <a:camera prst="orthographicFront"/>
-      <a:lightRig rig="threePt" dir="t"/>
-    </dgm:scene3d>
-    <dgm:sp3d/>
-    <dgm:txPr/>
-    <dgm:style>
-      <a:lnRef idx="0">
-        <a:scrgbClr r="0" g="0" b="0"/>
-      </a:lnRef>
-      <a:fillRef idx="1">
-        <a:scrgbClr r="0" g="0" b="0"/>
-      </a:fillRef>
-      <a:effectRef idx="0">
-        <a:scrgbClr r="0" g="0" b="0"/>
-      </a:effectRef>
-      <a:fontRef idx="minor"/>
-    </dgm:style>
-  </dgm:styleLbl>
-  <dgm:styleLbl name="fgShp">
-    <dgm:scene3d>
-      <a:camera prst="orthographicFront"/>
-      <a:lightRig rig="threePt" dir="t"/>
-    </dgm:scene3d>
-    <dgm:sp3d/>
-    <dgm:txPr/>
-    <dgm:style>
-      <a:lnRef idx="2">
-        <a:scrgbClr r="0" g="0" b="0"/>
-      </a:lnRef>
-      <a:fillRef idx="1">
-        <a:scrgbClr r="0" g="0" b="0"/>
-      </a:fillRef>
-      <a:effectRef idx="0">
-        <a:scrgbClr r="0" g="0" b="0"/>
-      </a:effectRef>
-      <a:fontRef idx="minor"/>
-    </dgm:style>
-  </dgm:styleLbl>
-  <dgm:styleLbl name="revTx">
-    <dgm:scene3d>
-      <a:camera prst="orthographicFront"/>
-      <a:lightRig rig="threePt" dir="t"/>
-    </dgm:scene3d>
-    <dgm:sp3d/>
-    <dgm:txPr/>
-    <dgm:style>
-      <a:lnRef idx="0">
-        <a:scrgbClr r="0" g="0" b="0"/>
-      </a:lnRef>
-      <a:fillRef idx="0">
-        <a:scrgbClr r="0" g="0" b="0"/>
-      </a:fillRef>
-      <a:effectRef idx="0">
-        <a:scrgbClr r="0" g="0" b="0"/>
-      </a:effectRef>
-      <a:fontRef idx="minor"/>
-    </dgm:style>
-  </dgm:styleLbl>
-</dgm:styleDef>
-</file>
-
-<file path=ppt/diagrams/quickStyle5.xml><?xml version="1.0" encoding="utf-8"?>
-<dgm:styleDef xmlns:dgm="http://schemas.openxmlformats.org/drawingml/2006/diagram" xmlns:a="http://schemas.openxmlformats.org/drawingml/2006/main" uniqueId="urn:microsoft.com/office/officeart/2005/8/quickstyle/simple1">
-  <dgm:title val=""/>
-  <dgm:desc val=""/>
-  <dgm:catLst>
-    <dgm:cat type="simple" pri="10100"/>
-  </dgm:catLst>
-  <dgm:scene3d>
-    <a:camera prst="orthographicFront"/>
-    <a:lightRig rig="threePt" dir="t"/>
-  </dgm:scene3d>
-  <dgm:styleLbl name="node0">
-    <dgm:scene3d>
-      <a:camera prst="orthographicFront"/>
-      <a:lightRig rig="threePt" dir="t"/>
-    </dgm:scene3d>
-    <dgm:sp3d/>
-    <dgm:txPr/>
-    <dgm:style>
-      <a:lnRef idx="2">
-        <a:scrgbClr r="0" g="0" b="0"/>
-      </a:lnRef>
-      <a:fillRef idx="1">
-        <a:scrgbClr r="0" g="0" b="0"/>
-      </a:fillRef>
-      <a:effectRef idx="0">
-        <a:scrgbClr r="0" g="0" b="0"/>
-      </a:effectRef>
-      <a:fontRef idx="minor">
-        <a:schemeClr val="lt1"/>
-      </a:fontRef>
-    </dgm:style>
-  </dgm:styleLbl>
-  <dgm:styleLbl name="lnNode1">
-    <dgm:scene3d>
-      <a:camera prst="orthographicFront"/>
-      <a:lightRig rig="threePt" dir="t"/>
-    </dgm:scene3d>
-    <dgm:sp3d/>
-    <dgm:txPr/>
-    <dgm:style>
-      <a:lnRef idx="2">
-        <a:scrgbClr r="0" g="0" b="0"/>
-      </a:lnRef>
-      <a:fillRef idx="1">
-        <a:scrgbClr r="0" g="0" b="0"/>
-      </a:fillRef>
-      <a:effectRef idx="0">
-        <a:scrgbClr r="0" g="0" b="0"/>
-      </a:effectRef>
-      <a:fontRef idx="minor">
-        <a:schemeClr val="lt1"/>
-      </a:fontRef>
-    </dgm:style>
-  </dgm:styleLbl>
-  <dgm:styleLbl name="vennNode1">
-    <dgm:scene3d>
-      <a:camera prst="orthographicFront"/>
-      <a:lightRig rig="threePt" dir="t"/>
-    </dgm:scene3d>
-    <dgm:sp3d/>
-    <dgm:txPr/>
-    <dgm:style>
-      <a:lnRef idx="2">
-        <a:scrgbClr r="0" g="0" b="0"/>
-      </a:lnRef>
-      <a:fillRef idx="1">
-        <a:scrgbClr r="0" g="0" b="0"/>
-      </a:fillRef>
-      <a:effectRef idx="0">
-        <a:scrgbClr r="0" g="0" b="0"/>
-      </a:effectRef>
-      <a:fontRef idx="minor">
-        <a:schemeClr val="tx1"/>
-      </a:fontRef>
-    </dgm:style>
-  </dgm:styleLbl>
-  <dgm:styleLbl name="alignNode1">
-    <dgm:scene3d>
-      <a:camera prst="orthographicFront"/>
-      <a:lightRig rig="threePt" dir="t"/>
-    </dgm:scene3d>
-    <dgm:sp3d/>
-    <dgm:txPr/>
-    <dgm:style>
-      <a:lnRef idx="2">
-        <a:scrgbClr r="0" g="0" b="0"/>
-      </a:lnRef>
-      <a:fillRef idx="1">
-        <a:scrgbClr r="0" g="0" b="0"/>
-      </a:fillRef>
-      <a:effectRef idx="0">
-        <a:scrgbClr r="0" g="0" b="0"/>
-      </a:effectRef>
-      <a:fontRef idx="minor">
-        <a:schemeClr val="lt1"/>
-      </a:fontRef>
-    </dgm:style>
-  </dgm:styleLbl>
-  <dgm:styleLbl name="node1">
-    <dgm:scene3d>
-      <a:camera prst="orthographicFront"/>
-      <a:lightRig rig="threePt" dir="t"/>
-    </dgm:scene3d>
-    <dgm:sp3d/>
-    <dgm:txPr/>
-    <dgm:style>
-      <a:lnRef idx="2">
-        <a:scrgbClr r="0" g="0" b="0"/>
-      </a:lnRef>
-      <a:fillRef idx="1">
-        <a:scrgbClr r="0" g="0" b="0"/>
-      </a:fillRef>
-      <a:effectRef idx="0">
-        <a:scrgbClr r="0" g="0" b="0"/>
-      </a:effectRef>
-      <a:fontRef idx="minor">
-        <a:schemeClr val="lt1"/>
-      </a:fontRef>
-    </dgm:style>
-  </dgm:styleLbl>
-  <dgm:styleLbl name="node2">
-    <dgm:scene3d>
-      <a:camera prst="orthographicFront"/>
-      <a:lightRig rig="threePt" dir="t"/>
-    </dgm:scene3d>
-    <dgm:sp3d/>
-    <dgm:txPr/>
-    <dgm:style>
-      <a:lnRef idx="2">
-        <a:scrgbClr r="0" g="0" b="0"/>
-      </a:lnRef>
-      <a:fillRef idx="1">
-        <a:scrgbClr r="0" g="0" b="0"/>
-      </a:fillRef>
-      <a:effectRef idx="0">
-        <a:scrgbClr r="0" g="0" b="0"/>
-      </a:effectRef>
-      <a:fontRef idx="minor">
-        <a:schemeClr val="lt1"/>
-      </a:fontRef>
-    </dgm:style>
-  </dgm:styleLbl>
-  <dgm:styleLbl name="node3">
-    <dgm:scene3d>
-      <a:camera prst="orthographicFront"/>
-      <a:lightRig rig="threePt" dir="t"/>
-    </dgm:scene3d>
-    <dgm:sp3d/>
-    <dgm:txPr/>
-    <dgm:style>
-      <a:lnRef idx="2">
-        <a:scrgbClr r="0" g="0" b="0"/>
-      </a:lnRef>
-      <a:fillRef idx="1">
-        <a:scrgbClr r="0" g="0" b="0"/>
-      </a:fillRef>
-      <a:effectRef idx="0">
-        <a:scrgbClr r="0" g="0" b="0"/>
-      </a:effectRef>
-      <a:fontRef idx="minor">
-        <a:schemeClr val="lt1"/>
-      </a:fontRef>
-    </dgm:style>
-  </dgm:styleLbl>
-  <dgm:styleLbl name="node4">
-    <dgm:scene3d>
-      <a:camera prst="orthographicFront"/>
-      <a:lightRig rig="threePt" dir="t"/>
-    </dgm:scene3d>
-    <dgm:sp3d/>
-    <dgm:txPr/>
-    <dgm:style>
-      <a:lnRef idx="2">
-        <a:scrgbClr r="0" g="0" b="0"/>
-      </a:lnRef>
-      <a:fillRef idx="1">
-        <a:scrgbClr r="0" g="0" b="0"/>
-      </a:fillRef>
-      <a:effectRef idx="0">
-        <a:scrgbClr r="0" g="0" b="0"/>
-      </a:effectRef>
-      <a:fontRef idx="minor">
-        <a:schemeClr val="lt1"/>
-      </a:fontRef>
-    </dgm:style>
-  </dgm:styleLbl>
-  <dgm:styleLbl name="fgImgPlace1">
-    <dgm:scene3d>
-      <a:camera prst="orthographicFront"/>
-      <a:lightRig rig="threePt" dir="t"/>
-    </dgm:scene3d>
-    <dgm:sp3d/>
-    <dgm:txPr/>
-    <dgm:style>
-      <a:lnRef idx="2">
-        <a:scrgbClr r="0" g="0" b="0"/>
-      </a:lnRef>
-      <a:fillRef idx="1">
-        <a:scrgbClr r="0" g="0" b="0"/>
-      </a:fillRef>
-      <a:effectRef idx="0">
-        <a:scrgbClr r="0" g="0" b="0"/>
-      </a:effectRef>
-      <a:fontRef idx="minor"/>
-    </dgm:style>
-  </dgm:styleLbl>
-  <dgm:styleLbl name="alignImgPlace1">
-    <dgm:scene3d>
-      <a:camera prst="orthographicFront"/>
-      <a:lightRig rig="threePt" dir="t"/>
-    </dgm:scene3d>
-    <dgm:sp3d/>
-    <dgm:txPr/>
-    <dgm:style>
-      <a:lnRef idx="2">
-        <a:scrgbClr r="0" g="0" b="0"/>
-      </a:lnRef>
-      <a:fillRef idx="1">
-        <a:scrgbClr r="0" g="0" b="0"/>
-      </a:fillRef>
-      <a:effectRef idx="0">
-        <a:scrgbClr r="0" g="0" b="0"/>
-      </a:effectRef>
-      <a:fontRef idx="minor"/>
-    </dgm:style>
-  </dgm:styleLbl>
-  <dgm:styleLbl name="bgImgPlace1">
-    <dgm:scene3d>
-      <a:camera prst="orthographicFront"/>
-      <a:lightRig rig="threePt" dir="t"/>
-    </dgm:scene3d>
-    <dgm:sp3d/>
-    <dgm:txPr/>
-    <dgm:style>
-      <a:lnRef idx="2">
-        <a:scrgbClr r="0" g="0" b="0"/>
-      </a:lnRef>
-      <a:fillRef idx="1">
-        <a:scrgbClr r="0" g="0" b="0"/>
-      </a:fillRef>
-      <a:effectRef idx="0">
-        <a:scrgbClr r="0" g="0" b="0"/>
-      </a:effectRef>
-      <a:fontRef idx="minor"/>
-    </dgm:style>
-  </dgm:styleLbl>
-  <dgm:styleLbl name="sibTrans2D1">
-    <dgm:scene3d>
-      <a:camera prst="orthographicFront"/>
-      <a:lightRig rig="threePt" dir="t"/>
-    </dgm:scene3d>
-    <dgm:sp3d/>
-    <dgm:txPr/>
-    <dgm:style>
-      <a:lnRef idx="0">
-        <a:scrgbClr r="0" g="0" b="0"/>
-      </a:lnRef>
-      <a:fillRef idx="1">
-        <a:scrgbClr r="0" g="0" b="0"/>
-      </a:fillRef>
-      <a:effectRef idx="0">
-        <a:scrgbClr r="0" g="0" b="0"/>
-      </a:effectRef>
-      <a:fontRef idx="minor">
-        <a:schemeClr val="lt1"/>
-      </a:fontRef>
-    </dgm:style>
-  </dgm:styleLbl>
-  <dgm:styleLbl name="fgSibTrans2D1">
-    <dgm:scene3d>
-      <a:camera prst="orthographicFront"/>
-      <a:lightRig rig="threePt" dir="t"/>
-    </dgm:scene3d>
-    <dgm:sp3d/>
-    <dgm:txPr/>
-    <dgm:style>
-      <a:lnRef idx="0">
-        <a:scrgbClr r="0" g="0" b="0"/>
-      </a:lnRef>
-      <a:fillRef idx="1">
-        <a:scrgbClr r="0" g="0" b="0"/>
-      </a:fillRef>
-      <a:effectRef idx="0">
-        <a:scrgbClr r="0" g="0" b="0"/>
-      </a:effectRef>
-      <a:fontRef idx="minor">
-        <a:schemeClr val="lt1"/>
-      </a:fontRef>
-    </dgm:style>
-  </dgm:styleLbl>
-  <dgm:styleLbl name="bgSibTrans2D1">
-    <dgm:scene3d>
-      <a:camera prst="orthographicFront"/>
-      <a:lightRig rig="threePt" dir="t"/>
-    </dgm:scene3d>
-    <dgm:sp3d/>
-    <dgm:txPr/>
-    <dgm:style>
-      <a:lnRef idx="0">
-        <a:scrgbClr r="0" g="0" b="0"/>
-      </a:lnRef>
-      <a:fillRef idx="1">
-        <a:scrgbClr r="0" g="0" b="0"/>
-      </a:fillRef>
-      <a:effectRef idx="0">
-        <a:scrgbClr r="0" g="0" b="0"/>
-      </a:effectRef>
-      <a:fontRef idx="minor">
-        <a:schemeClr val="lt1"/>
-      </a:fontRef>
-    </dgm:style>
-  </dgm:styleLbl>
-  <dgm:styleLbl name="sibTrans1D1">
-    <dgm:scene3d>
-      <a:camera prst="orthographicFront"/>
-      <a:lightRig rig="threePt" dir="t"/>
-    </dgm:scene3d>
-    <dgm:sp3d/>
-    <dgm:txPr/>
-    <dgm:style>
-      <a:lnRef idx="1">
-        <a:scrgbClr r="0" g="0" b="0"/>
-      </a:lnRef>
-      <a:fillRef idx="0">
-        <a:scrgbClr r="0" g="0" b="0"/>
-      </a:fillRef>
-      <a:effectRef idx="0">
-        <a:scrgbClr r="0" g="0" b="0"/>
-      </a:effectRef>
-      <a:fontRef idx="minor"/>
-    </dgm:style>
-  </dgm:styleLbl>
-  <dgm:styleLbl name="callout">
-    <dgm:scene3d>
-      <a:camera prst="orthographicFront"/>
-      <a:lightRig rig="threePt" dir="t"/>
-    </dgm:scene3d>
-    <dgm:sp3d/>
-    <dgm:txPr/>
-    <dgm:style>
-      <a:lnRef idx="2">
-        <a:scrgbClr r="0" g="0" b="0"/>
-      </a:lnRef>
-      <a:fillRef idx="1">
-        <a:scrgbClr r="0" g="0" b="0"/>
-      </a:fillRef>
-      <a:effectRef idx="0">
-        <a:scrgbClr r="0" g="0" b="0"/>
-      </a:effectRef>
-      <a:fontRef idx="minor"/>
-    </dgm:style>
-  </dgm:styleLbl>
-  <dgm:styleLbl name="asst0">
-    <dgm:scene3d>
-      <a:camera prst="orthographicFront"/>
-      <a:lightRig rig="threePt" dir="t"/>
-    </dgm:scene3d>
-    <dgm:sp3d/>
-    <dgm:txPr/>
-    <dgm:style>
-      <a:lnRef idx="2">
-        <a:scrgbClr r="0" g="0" b="0"/>
-      </a:lnRef>
-      <a:fillRef idx="1">
-        <a:scrgbClr r="0" g="0" b="0"/>
-      </a:fillRef>
-      <a:effectRef idx="0">
-        <a:scrgbClr r="0" g="0" b="0"/>
-      </a:effectRef>
-      <a:fontRef idx="minor">
-        <a:schemeClr val="lt1"/>
-      </a:fontRef>
-    </dgm:style>
-  </dgm:styleLbl>
-  <dgm:styleLbl name="asst1">
-    <dgm:scene3d>
-      <a:camera prst="orthographicFront"/>
-      <a:lightRig rig="threePt" dir="t"/>
-    </dgm:scene3d>
-    <dgm:sp3d/>
-    <dgm:txPr/>
-    <dgm:style>
-      <a:lnRef idx="2">
-        <a:scrgbClr r="0" g="0" b="0"/>
-      </a:lnRef>
-      <a:fillRef idx="1">
-        <a:scrgbClr r="0" g="0" b="0"/>
-      </a:fillRef>
-      <a:effectRef idx="0">
-        <a:scrgbClr r="0" g="0" b="0"/>
-      </a:effectRef>
-      <a:fontRef idx="minor">
-        <a:schemeClr val="lt1"/>
-      </a:fontRef>
-    </dgm:style>
-  </dgm:styleLbl>
-  <dgm:styleLbl name="asst2">
-    <dgm:scene3d>
-      <a:camera prst="orthographicFront"/>
-      <a:lightRig rig="threePt" dir="t"/>
-    </dgm:scene3d>
-    <dgm:sp3d/>
-    <dgm:txPr/>
-    <dgm:style>
-      <a:lnRef idx="2">
-        <a:scrgbClr r="0" g="0" b="0"/>
-      </a:lnRef>
-      <a:fillRef idx="1">
-        <a:scrgbClr r="0" g="0" b="0"/>
-      </a:fillRef>
-      <a:effectRef idx="0">
-        <a:scrgbClr r="0" g="0" b="0"/>
-      </a:effectRef>
-      <a:fontRef idx="minor">
-        <a:schemeClr val="lt1"/>
-      </a:fontRef>
-    </dgm:style>
-  </dgm:styleLbl>
-  <dgm:styleLbl name="asst3">
-    <dgm:scene3d>
-      <a:camera prst="orthographicFront"/>
-      <a:lightRig rig="threePt" dir="t"/>
-    </dgm:scene3d>
-    <dgm:sp3d/>
-    <dgm:txPr/>
-    <dgm:style>
-      <a:lnRef idx="2">
-        <a:scrgbClr r="0" g="0" b="0"/>
-      </a:lnRef>
-      <a:fillRef idx="1">
-        <a:scrgbClr r="0" g="0" b="0"/>
-      </a:fillRef>
-      <a:effectRef idx="0">
-        <a:scrgbClr r="0" g="0" b="0"/>
-      </a:effectRef>
-      <a:fontRef idx="minor">
-        <a:schemeClr val="lt1"/>
-      </a:fontRef>
-    </dgm:style>
-  </dgm:styleLbl>
-  <dgm:styleLbl name="asst4">
-    <dgm:scene3d>
-      <a:camera prst="orthographicFront"/>
-      <a:lightRig rig="threePt" dir="t"/>
-    </dgm:scene3d>
-    <dgm:sp3d/>
-    <dgm:txPr/>
-    <dgm:style>
-      <a:lnRef idx="2">
-        <a:scrgbClr r="0" g="0" b="0"/>
-      </a:lnRef>
-      <a:fillRef idx="1">
-        <a:scrgbClr r="0" g="0" b="0"/>
-      </a:fillRef>
-      <a:effectRef idx="0">
-        <a:scrgbClr r="0" g="0" b="0"/>
-      </a:effectRef>
-      <a:fontRef idx="minor">
-        <a:schemeClr val="lt1"/>
-      </a:fontRef>
-    </dgm:style>
-  </dgm:styleLbl>
-  <dgm:styleLbl name="parChTrans2D1">
-    <dgm:scene3d>
-      <a:camera prst="orthographicFront"/>
-      <a:lightRig rig="threePt" dir="t"/>
-    </dgm:scene3d>
-    <dgm:sp3d/>
-    <dgm:txPr/>
-    <dgm:style>
-      <a:lnRef idx="2">
-        <a:scrgbClr r="0" g="0" b="0"/>
-      </a:lnRef>
-      <a:fillRef idx="1">
-        <a:scrgbClr r="0" g="0" b="0"/>
-      </a:fillRef>
-      <a:effectRef idx="0">
-        <a:scrgbClr r="0" g="0" b="0"/>
-      </a:effectRef>
-      <a:fontRef idx="minor">
-        <a:schemeClr val="lt1"/>
-      </a:fontRef>
-    </dgm:style>
-  </dgm:styleLbl>
-  <dgm:styleLbl name="parChTrans2D2">
-    <dgm:scene3d>
-      <a:camera prst="orthographicFront"/>
-      <a:lightRig rig="threePt" dir="t"/>
-    </dgm:scene3d>
-    <dgm:sp3d/>
-    <dgm:txPr/>
-    <dgm:style>
-      <a:lnRef idx="2">
-        <a:scrgbClr r="0" g="0" b="0"/>
-      </a:lnRef>
-      <a:fillRef idx="1">
-        <a:scrgbClr r="0" g="0" b="0"/>
-      </a:fillRef>
-      <a:effectRef idx="0">
-        <a:scrgbClr r="0" g="0" b="0"/>
-      </a:effectRef>
-      <a:fontRef idx="minor">
-        <a:schemeClr val="lt1"/>
-      </a:fontRef>
-    </dgm:style>
-  </dgm:styleLbl>
-  <dgm:styleLbl name="parChTrans2D3">
-    <dgm:scene3d>
-      <a:camera prst="orthographicFront"/>
-      <a:lightRig rig="threePt" dir="t"/>
-    </dgm:scene3d>
-    <dgm:sp3d/>
-    <dgm:txPr/>
-    <dgm:style>
-      <a:lnRef idx="2">
-        <a:scrgbClr r="0" g="0" b="0"/>
-      </a:lnRef>
-      <a:fillRef idx="1">
-        <a:scrgbClr r="0" g="0" b="0"/>
-      </a:fillRef>
-      <a:effectRef idx="0">
-        <a:scrgbClr r="0" g="0" b="0"/>
-      </a:effectRef>
-      <a:fontRef idx="minor">
-        <a:schemeClr val="lt1"/>
-      </a:fontRef>
-    </dgm:style>
-  </dgm:styleLbl>
-  <dgm:styleLbl name="parChTrans2D4">
-    <dgm:scene3d>
-      <a:camera prst="orthographicFront"/>
-      <a:lightRig rig="threePt" dir="t"/>
-    </dgm:scene3d>
-    <dgm:sp3d/>
-    <dgm:txPr/>
-    <dgm:style>
-      <a:lnRef idx="2">
-        <a:scrgbClr r="0" g="0" b="0"/>
-      </a:lnRef>
-      <a:fillRef idx="1">
-        <a:scrgbClr r="0" g="0" b="0"/>
-      </a:fillRef>
-      <a:effectRef idx="0">
-        <a:scrgbClr r="0" g="0" b="0"/>
-      </a:effectRef>
-      <a:fontRef idx="minor">
-        <a:schemeClr val="lt1"/>
-      </a:fontRef>
-    </dgm:style>
-  </dgm:styleLbl>
-  <dgm:styleLbl name="parChTrans1D1">
-    <dgm:scene3d>
-      <a:camera prst="orthographicFront"/>
-      <a:lightRig rig="threePt" dir="t"/>
-    </dgm:scene3d>
-    <dgm:sp3d/>
-    <dgm:txPr/>
-    <dgm:style>
-      <a:lnRef idx="2">
-        <a:scrgbClr r="0" g="0" b="0"/>
-      </a:lnRef>
-      <a:fillRef idx="0">
-        <a:scrgbClr r="0" g="0" b="0"/>
-      </a:fillRef>
-      <a:effectRef idx="0">
-        <a:scrgbClr r="0" g="0" b="0"/>
-      </a:effectRef>
-      <a:fontRef idx="minor"/>
-    </dgm:style>
-  </dgm:styleLbl>
-  <dgm:styleLbl name="parChTrans1D2">
-    <dgm:scene3d>
-      <a:camera prst="orthographicFront"/>
-      <a:lightRig rig="threePt" dir="t"/>
-    </dgm:scene3d>
-    <dgm:sp3d/>
-    <dgm:txPr/>
-    <dgm:style>
-      <a:lnRef idx="2">
-        <a:scrgbClr r="0" g="0" b="0"/>
-      </a:lnRef>
-      <a:fillRef idx="0">
-        <a:scrgbClr r="0" g="0" b="0"/>
-      </a:fillRef>
-      <a:effectRef idx="0">
-        <a:scrgbClr r="0" g="0" b="0"/>
-      </a:effectRef>
-      <a:fontRef idx="minor"/>
-    </dgm:style>
-  </dgm:styleLbl>
-  <dgm:styleLbl name="parChTrans1D3">
-    <dgm:scene3d>
-      <a:camera prst="orthographicFront"/>
-      <a:lightRig rig="threePt" dir="t"/>
-    </dgm:scene3d>
-    <dgm:sp3d/>
-    <dgm:txPr/>
-    <dgm:style>
-      <a:lnRef idx="2">
-        <a:scrgbClr r="0" g="0" b="0"/>
-      </a:lnRef>
-      <a:fillRef idx="0">
-        <a:scrgbClr r="0" g="0" b="0"/>
-      </a:fillRef>
-      <a:effectRef idx="0">
-        <a:scrgbClr r="0" g="0" b="0"/>
-      </a:effectRef>
-      <a:fontRef idx="minor"/>
-    </dgm:style>
-  </dgm:styleLbl>
-  <dgm:styleLbl name="parChTrans1D4">
-    <dgm:scene3d>
-      <a:camera prst="orthographicFront"/>
-      <a:lightRig rig="threePt" dir="t"/>
-    </dgm:scene3d>
-    <dgm:sp3d/>
-    <dgm:txPr/>
-    <dgm:style>
-      <a:lnRef idx="2">
-        <a:scrgbClr r="0" g="0" b="0"/>
-      </a:lnRef>
-      <a:fillRef idx="0">
-        <a:scrgbClr r="0" g="0" b="0"/>
-      </a:fillRef>
-      <a:effectRef idx="0">
-        <a:scrgbClr r="0" g="0" b="0"/>
-      </a:effectRef>
-      <a:fontRef idx="minor"/>
-    </dgm:style>
-  </dgm:styleLbl>
-  <dgm:styleLbl name="fgAcc1">
-    <dgm:scene3d>
-      <a:camera prst="orthographicFront"/>
-      <a:lightRig rig="threePt" dir="t"/>
-    </dgm:scene3d>
-    <dgm:sp3d/>
-    <dgm:txPr/>
-    <dgm:style>
-      <a:lnRef idx="2">
-        <a:scrgbClr r="0" g="0" b="0"/>
-      </a:lnRef>
-      <a:fillRef idx="1">
-        <a:scrgbClr r="0" g="0" b="0"/>
-      </a:fillRef>
-      <a:effectRef idx="0">
-        <a:scrgbClr r="0" g="0" b="0"/>
-      </a:effectRef>
-      <a:fontRef idx="minor"/>
-    </dgm:style>
-  </dgm:styleLbl>
-  <dgm:styleLbl name="conFgAcc1">
-    <dgm:scene3d>
-      <a:camera prst="orthographicFront"/>
-      <a:lightRig rig="threePt" dir="t"/>
-    </dgm:scene3d>
-    <dgm:sp3d/>
-    <dgm:txPr/>
-    <dgm:style>
-      <a:lnRef idx="2">
-        <a:scrgbClr r="0" g="0" b="0"/>
-      </a:lnRef>
-      <a:fillRef idx="1">
-        <a:scrgbClr r="0" g="0" b="0"/>
-      </a:fillRef>
-      <a:effectRef idx="0">
-        <a:scrgbClr r="0" g="0" b="0"/>
-      </a:effectRef>
-      <a:fontRef idx="minor"/>
-    </dgm:style>
-  </dgm:styleLbl>
-  <dgm:styleLbl name="alignAcc1">
-    <dgm:scene3d>
-      <a:camera prst="orthographicFront"/>
-      <a:lightRig rig="threePt" dir="t"/>
-    </dgm:scene3d>
-    <dgm:sp3d/>
-    <dgm:txPr/>
-    <dgm:style>
-      <a:lnRef idx="2">
-        <a:scrgbClr r="0" g="0" b="0"/>
-      </a:lnRef>
-      <a:fillRef idx="1">
-        <a:scrgbClr r="0" g="0" b="0"/>
-      </a:fillRef>
-      <a:effectRef idx="0">
-        <a:scrgbClr r="0" g="0" b="0"/>
-      </a:effectRef>
-      <a:fontRef idx="minor"/>
-    </dgm:style>
-  </dgm:styleLbl>
-  <dgm:styleLbl name="trAlignAcc1">
-    <dgm:scene3d>
-      <a:camera prst="orthographicFront"/>
-      <a:lightRig rig="threePt" dir="t"/>
-    </dgm:scene3d>
-    <dgm:sp3d/>
-    <dgm:txPr/>
-    <dgm:style>
-      <a:lnRef idx="1">
-        <a:scrgbClr r="0" g="0" b="0"/>
-      </a:lnRef>
-      <a:fillRef idx="1">
-        <a:scrgbClr r="0" g="0" b="0"/>
-      </a:fillRef>
-      <a:effectRef idx="0">
-        <a:scrgbClr r="0" g="0" b="0"/>
-      </a:effectRef>
-      <a:fontRef idx="minor"/>
-    </dgm:style>
-  </dgm:styleLbl>
-  <dgm:styleLbl name="bgAcc1">
-    <dgm:scene3d>
-      <a:camera prst="orthographicFront"/>
-      <a:lightRig rig="threePt" dir="t"/>
-    </dgm:scene3d>
-    <dgm:sp3d/>
-    <dgm:txPr/>
-    <dgm:style>
-      <a:lnRef idx="2">
-        <a:scrgbClr r="0" g="0" b="0"/>
-      </a:lnRef>
-      <a:fillRef idx="1">
-        <a:scrgbClr r="0" g="0" b="0"/>
-      </a:fillRef>
-      <a:effectRef idx="0">
-        <a:scrgbClr r="0" g="0" b="0"/>
-      </a:effectRef>
-      <a:fontRef idx="minor"/>
-    </dgm:style>
-  </dgm:styleLbl>
-  <dgm:styleLbl name="solidFgAcc1">
-    <dgm:scene3d>
-      <a:camera prst="orthographicFront"/>
-      <a:lightRig rig="threePt" dir="t"/>
-    </dgm:scene3d>
-    <dgm:sp3d/>
-    <dgm:txPr/>
-    <dgm:style>
-      <a:lnRef idx="2">
-        <a:scrgbClr r="0" g="0" b="0"/>
-      </a:lnRef>
-      <a:fillRef idx="1">
-        <a:scrgbClr r="0" g="0" b="0"/>
-      </a:fillRef>
-      <a:effectRef idx="0">
-        <a:scrgbClr r="0" g="0" b="0"/>
-      </a:effectRef>
-      <a:fontRef idx="minor"/>
-    </dgm:style>
-  </dgm:styleLbl>
-  <dgm:styleLbl name="solidAlignAcc1">
-    <dgm:scene3d>
-      <a:camera prst="orthographicFront"/>
-      <a:lightRig rig="threePt" dir="t"/>
-    </dgm:scene3d>
-    <dgm:sp3d/>
-    <dgm:txPr/>
-    <dgm:style>
-      <a:lnRef idx="2">
-        <a:scrgbClr r="0" g="0" b="0"/>
-      </a:lnRef>
-      <a:fillRef idx="1">
-        <a:scrgbClr r="0" g="0" b="0"/>
-      </a:fillRef>
-      <a:effectRef idx="0">
-        <a:scrgbClr r="0" g="0" b="0"/>
-      </a:effectRef>
-      <a:fontRef idx="minor"/>
-    </dgm:style>
-  </dgm:styleLbl>
-  <dgm:styleLbl name="solidBgAcc1">
-    <dgm:scene3d>
-      <a:camera prst="orthographicFront"/>
-      <a:lightRig rig="threePt" dir="t"/>
-    </dgm:scene3d>
-    <dgm:sp3d/>
-    <dgm:txPr/>
-    <dgm:style>
-      <a:lnRef idx="2">
-        <a:scrgbClr r="0" g="0" b="0"/>
-      </a:lnRef>
-      <a:fillRef idx="1">
-        <a:scrgbClr r="0" g="0" b="0"/>
-      </a:fillRef>
-      <a:effectRef idx="0">
-        <a:scrgbClr r="0" g="0" b="0"/>
-      </a:effectRef>
-      <a:fontRef idx="minor"/>
-    </dgm:style>
-  </dgm:styleLbl>
-  <dgm:styleLbl name="fgAccFollowNode1">
-    <dgm:scene3d>
-      <a:camera prst="orthographicFront"/>
-      <a:lightRig rig="threePt" dir="t"/>
-    </dgm:scene3d>
-    <dgm:sp3d/>
-    <dgm:txPr/>
-    <dgm:style>
-      <a:lnRef idx="2">
-        <a:scrgbClr r="0" g="0" b="0"/>
-      </a:lnRef>
-      <a:fillRef idx="1">
-        <a:scrgbClr r="0" g="0" b="0"/>
-      </a:fillRef>
-      <a:effectRef idx="0">
-        <a:scrgbClr r="0" g="0" b="0"/>
-      </a:effectRef>
-      <a:fontRef idx="minor"/>
-    </dgm:style>
-  </dgm:styleLbl>
-  <dgm:styleLbl name="alignAccFollowNode1">
-    <dgm:scene3d>
-      <a:camera prst="orthographicFront"/>
-      <a:lightRig rig="threePt" dir="t"/>
-    </dgm:scene3d>
-    <dgm:sp3d/>
-    <dgm:txPr/>
-    <dgm:style>
-      <a:lnRef idx="2">
-        <a:scrgbClr r="0" g="0" b="0"/>
-      </a:lnRef>
-      <a:fillRef idx="1">
-        <a:scrgbClr r="0" g="0" b="0"/>
-      </a:fillRef>
-      <a:effectRef idx="0">
-        <a:scrgbClr r="0" g="0" b="0"/>
-      </a:effectRef>
-      <a:fontRef idx="minor"/>
-    </dgm:style>
-  </dgm:styleLbl>
-  <dgm:styleLbl name="bgAccFollowNode1">
-    <dgm:scene3d>
-      <a:camera prst="orthographicFront"/>
-      <a:lightRig rig="threePt" dir="t"/>
-    </dgm:scene3d>
-    <dgm:sp3d/>
-    <dgm:txPr/>
-    <dgm:style>
-      <a:lnRef idx="2">
-        <a:scrgbClr r="0" g="0" b="0"/>
-      </a:lnRef>
-      <a:fillRef idx="1">
-        <a:scrgbClr r="0" g="0" b="0"/>
-      </a:fillRef>
-      <a:effectRef idx="0">
-        <a:scrgbClr r="0" g="0" b="0"/>
-      </a:effectRef>
-      <a:fontRef idx="minor"/>
-    </dgm:style>
-  </dgm:styleLbl>
-  <dgm:styleLbl name="fgAcc0">
-    <dgm:scene3d>
-      <a:camera prst="orthographicFront"/>
-      <a:lightRig rig="threePt" dir="t"/>
-    </dgm:scene3d>
-    <dgm:sp3d/>
-    <dgm:txPr/>
-    <dgm:style>
-      <a:lnRef idx="2">
-        <a:scrgbClr r="0" g="0" b="0"/>
-      </a:lnRef>
-      <a:fillRef idx="1">
-        <a:scrgbClr r="0" g="0" b="0"/>
-      </a:fillRef>
-      <a:effectRef idx="0">
-        <a:scrgbClr r="0" g="0" b="0"/>
-      </a:effectRef>
-      <a:fontRef idx="minor"/>
-    </dgm:style>
-  </dgm:styleLbl>
-  <dgm:styleLbl name="fgAcc2">
-    <dgm:scene3d>
-      <a:camera prst="orthographicFront"/>
-      <a:lightRig rig="threePt" dir="t"/>
-    </dgm:scene3d>
-    <dgm:sp3d/>
-    <dgm:txPr/>
-    <dgm:style>
-      <a:lnRef idx="2">
-        <a:scrgbClr r="0" g="0" b="0"/>
-      </a:lnRef>
-      <a:fillRef idx="1">
-        <a:scrgbClr r="0" g="0" b="0"/>
-      </a:fillRef>
-      <a:effectRef idx="0">
-        <a:scrgbClr r="0" g="0" b="0"/>
-      </a:effectRef>
-      <a:fontRef idx="minor"/>
-    </dgm:style>
-  </dgm:styleLbl>
-  <dgm:styleLbl name="fgAcc3">
-    <dgm:scene3d>
-      <a:camera prst="orthographicFront"/>
-      <a:lightRig rig="threePt" dir="t"/>
-    </dgm:scene3d>
-    <dgm:sp3d/>
-    <dgm:txPr/>
-    <dgm:style>
-      <a:lnRef idx="2">
-        <a:scrgbClr r="0" g="0" b="0"/>
-      </a:lnRef>
-      <a:fillRef idx="1">
-        <a:scrgbClr r="0" g="0" b="0"/>
-      </a:fillRef>
-      <a:effectRef idx="0">
-        <a:scrgbClr r="0" g="0" b="0"/>
-      </a:effectRef>
-      <a:fontRef idx="minor"/>
-    </dgm:style>
-  </dgm:styleLbl>
-  <dgm:styleLbl name="fgAcc4">
-    <dgm:scene3d>
-      <a:camera prst="orthographicFront"/>
-      <a:lightRig rig="threePt" dir="t"/>
-    </dgm:scene3d>
-    <dgm:sp3d/>
-    <dgm:txPr/>
-    <dgm:style>
-      <a:lnRef idx="2">
-        <a:scrgbClr r="0" g="0" b="0"/>
-      </a:lnRef>
-      <a:fillRef idx="1">
-        <a:scrgbClr r="0" g="0" b="0"/>
-      </a:fillRef>
-      <a:effectRef idx="0">
-        <a:scrgbClr r="0" g="0" b="0"/>
-      </a:effectRef>
-      <a:fontRef idx="minor"/>
-    </dgm:style>
-  </dgm:styleLbl>
-  <dgm:styleLbl name="bgShp">
-    <dgm:scene3d>
-      <a:camera prst="orthographicFront"/>
-      <a:lightRig rig="threePt" dir="t"/>
-    </dgm:scene3d>
-    <dgm:sp3d/>
-    <dgm:txPr/>
-    <dgm:style>
-      <a:lnRef idx="0">
-        <a:scrgbClr r="0" g="0" b="0"/>
-      </a:lnRef>
-      <a:fillRef idx="1">
-        <a:scrgbClr r="0" g="0" b="0"/>
-      </a:fillRef>
-      <a:effectRef idx="0">
-        <a:scrgbClr r="0" g="0" b="0"/>
-      </a:effectRef>
-      <a:fontRef idx="minor"/>
-    </dgm:style>
-  </dgm:styleLbl>
-  <dgm:styleLbl name="dkBgShp">
-    <dgm:scene3d>
-      <a:camera prst="orthographicFront"/>
-      <a:lightRig rig="threePt" dir="t"/>
-    </dgm:scene3d>
-    <dgm:sp3d/>
-    <dgm:txPr/>
-    <dgm:style>
-      <a:lnRef idx="0">
-        <a:scrgbClr r="0" g="0" b="0"/>
-      </a:lnRef>
-      <a:fillRef idx="1">
-        <a:scrgbClr r="0" g="0" b="0"/>
-      </a:fillRef>
-      <a:effectRef idx="0">
-        <a:scrgbClr r="0" g="0" b="0"/>
-      </a:effectRef>
-      <a:fontRef idx="minor"/>
-    </dgm:style>
-  </dgm:styleLbl>
-  <dgm:styleLbl name="trBgShp">
-    <dgm:scene3d>
-      <a:camera prst="orthographicFront"/>
-      <a:lightRig rig="threePt" dir="t"/>
-    </dgm:scene3d>
-    <dgm:sp3d/>
-    <dgm:txPr/>
-    <dgm:style>
-      <a:lnRef idx="0">
-        <a:scrgbClr r="0" g="0" b="0"/>
-      </a:lnRef>
-      <a:fillRef idx="1">
-        <a:scrgbClr r="0" g="0" b="0"/>
-      </a:fillRef>
-      <a:effectRef idx="0">
-        <a:scrgbClr r="0" g="0" b="0"/>
-      </a:effectRef>
-      <a:fontRef idx="minor"/>
-    </dgm:style>
-  </dgm:styleLbl>
-  <dgm:styleLbl name="fgShp">
-    <dgm:scene3d>
-      <a:camera prst="orthographicFront"/>
-      <a:lightRig rig="threePt" dir="t"/>
-    </dgm:scene3d>
-    <dgm:sp3d/>
-    <dgm:txPr/>
-    <dgm:style>
-      <a:lnRef idx="2">
-        <a:scrgbClr r="0" g="0" b="0"/>
-      </a:lnRef>
-      <a:fillRef idx="1">
-        <a:scrgbClr r="0" g="0" b="0"/>
-      </a:fillRef>
-      <a:effectRef idx="0">
-        <a:scrgbClr r="0" g="0" b="0"/>
-      </a:effectRef>
-      <a:fontRef idx="minor"/>
-    </dgm:style>
-  </dgm:styleLbl>
-  <dgm:styleLbl name="revTx">
-    <dgm:scene3d>
-      <a:camera prst="orthographicFront"/>
-      <a:lightRig rig="threePt" dir="t"/>
-    </dgm:scene3d>
-    <dgm:sp3d/>
-    <dgm:txPr/>
-    <dgm:style>
-      <a:lnRef idx="0">
-        <a:scrgbClr r="0" g="0" b="0"/>
-      </a:lnRef>
-      <a:fillRef idx="0">
-        <a:scrgbClr r="0" g="0" b="0"/>
-      </a:fillRef>
-      <a:effectRef idx="0">
-        <a:scrgbClr r="0" g="0" b="0"/>
-      </a:effectRef>
-      <a:fontRef idx="minor"/>
-    </dgm:style>
-  </dgm:styleLbl>
-</dgm:styleDef>
-</file>
-
-<file path=ppt/diagrams/quickStyle6.xml><?xml version="1.0" encoding="utf-8"?>
 <dgm:styleDef xmlns:dgm="http://schemas.openxmlformats.org/drawingml/2006/diagram" xmlns:a="http://schemas.openxmlformats.org/drawingml/2006/main" uniqueId="urn:microsoft.com/office/officeart/2005/8/quickstyle/simple1">
   <dgm:title val=""/>
   <dgm:desc val=""/>
@@ -24287,107 +16316,6 @@
       </p:grpSpPr>
       <p:sp>
         <p:nvSpPr>
-          <p:cNvPr id="4" name="标题 3"/>
-          <p:cNvSpPr>
-            <a:spLocks noGrp="1"/>
-          </p:cNvSpPr>
-          <p:nvPr>
-            <p:ph type="title"/>
-          </p:nvPr>
-        </p:nvSpPr>
-        <p:spPr/>
-        <p:txBody>
-          <a:bodyPr/>
-          <a:lstStyle/>
-          <a:p>
-            <a:pPr algn="ctr"/>
-            <a:r>
-              <a:rPr lang="zh-CN" altLang="en-US" dirty="0"/>
-              <a:t>数据结构</a:t>
-            </a:r>
-          </a:p>
-        </p:txBody>
-      </p:sp>
-      <p:pic>
-        <p:nvPicPr>
-          <p:cNvPr id="6" name="图片 5"/>
-          <p:cNvPicPr>
-            <a:picLocks noChangeAspect="1"/>
-          </p:cNvPicPr>
-          <p:nvPr/>
-        </p:nvPicPr>
-        <p:blipFill>
-          <a:blip r:embed="rId2"/>
-          <a:stretch>
-            <a:fillRect/>
-          </a:stretch>
-        </p:blipFill>
-        <p:spPr>
-          <a:xfrm>
-            <a:off x="3811067" y="1089891"/>
-            <a:ext cx="7570674" cy="4530435"/>
-          </a:xfrm>
-          <a:prstGeom prst="rect">
-            <a:avLst/>
-          </a:prstGeom>
-        </p:spPr>
-      </p:pic>
-      <p:pic>
-        <p:nvPicPr>
-          <p:cNvPr id="7" name="图片 6"/>
-          <p:cNvPicPr>
-            <a:picLocks noChangeAspect="1"/>
-          </p:cNvPicPr>
-          <p:nvPr/>
-        </p:nvPicPr>
-        <p:blipFill>
-          <a:blip r:embed="rId3"/>
-          <a:stretch>
-            <a:fillRect/>
-          </a:stretch>
-        </p:blipFill>
-        <p:spPr>
-          <a:xfrm>
-            <a:off x="6942282" y="3704647"/>
-            <a:ext cx="4510540" cy="1809461"/>
-          </a:xfrm>
-          <a:prstGeom prst="rect">
-            <a:avLst/>
-          </a:prstGeom>
-        </p:spPr>
-      </p:pic>
-    </p:spTree>
-    <p:extLst>
-      <p:ext uri="{BB962C8B-B14F-4D97-AF65-F5344CB8AC3E}">
-        <p14:creationId xmlns:p14="http://schemas.microsoft.com/office/powerpoint/2010/main" val="36206819"/>
-      </p:ext>
-    </p:extLst>
-  </p:cSld>
-  <p:clrMapOvr>
-    <a:masterClrMapping/>
-  </p:clrMapOvr>
-</p:sld>
-</file>
-
-<file path=ppt/slides/slide11.xml><?xml version="1.0" encoding="utf-8"?>
-<p:sld xmlns:a="http://schemas.openxmlformats.org/drawingml/2006/main" xmlns:r="http://schemas.openxmlformats.org/officeDocument/2006/relationships" xmlns:p="http://schemas.openxmlformats.org/presentationml/2006/main">
-  <p:cSld>
-    <p:spTree>
-      <p:nvGrpSpPr>
-        <p:cNvPr id="1" name=""/>
-        <p:cNvGrpSpPr/>
-        <p:nvPr/>
-      </p:nvGrpSpPr>
-      <p:grpSpPr>
-        <a:xfrm>
-          <a:off x="0" y="0"/>
-          <a:ext cx="0" cy="0"/>
-          <a:chOff x="0" y="0"/>
-          <a:chExt cx="0" cy="0"/>
-        </a:xfrm>
-      </p:grpSpPr>
-      <p:sp>
-        <p:nvSpPr>
           <p:cNvPr id="2" name="标题 1"/>
           <p:cNvSpPr>
             <a:spLocks noGrp="1"/>
@@ -24422,7 +16350,7 @@
 </p:sld>
 </file>
 
-<file path=ppt/slides/slide12.xml><?xml version="1.0" encoding="utf-8"?>
+<file path=ppt/slides/slide11.xml><?xml version="1.0" encoding="utf-8"?>
 <p:sld xmlns:a="http://schemas.openxmlformats.org/drawingml/2006/main" xmlns:r="http://schemas.openxmlformats.org/officeDocument/2006/relationships" xmlns:p="http://schemas.openxmlformats.org/presentationml/2006/main">
   <p:cSld>
     <p:spTree>
@@ -25270,8 +17198,56 @@
         </p:blipFill>
         <p:spPr>
           <a:xfrm>
-            <a:off x="3521321" y="1355370"/>
+            <a:off x="3493611" y="828898"/>
             <a:ext cx="8249382" cy="1997429"/>
+          </a:xfrm>
+          <a:prstGeom prst="rect">
+            <a:avLst/>
+          </a:prstGeom>
+        </p:spPr>
+      </p:pic>
+      <p:pic>
+        <p:nvPicPr>
+          <p:cNvPr id="7" name="图片 6"/>
+          <p:cNvPicPr>
+            <a:picLocks noChangeAspect="1"/>
+          </p:cNvPicPr>
+          <p:nvPr/>
+        </p:nvPicPr>
+        <p:blipFill>
+          <a:blip r:embed="rId3"/>
+          <a:stretch>
+            <a:fillRect/>
+          </a:stretch>
+        </p:blipFill>
+        <p:spPr>
+          <a:xfrm>
+            <a:off x="3513121" y="4552094"/>
+            <a:ext cx="8236485" cy="1423834"/>
+          </a:xfrm>
+          <a:prstGeom prst="rect">
+            <a:avLst/>
+          </a:prstGeom>
+        </p:spPr>
+      </p:pic>
+      <p:pic>
+        <p:nvPicPr>
+          <p:cNvPr id="9" name="图片 8"/>
+          <p:cNvPicPr>
+            <a:picLocks noChangeAspect="1"/>
+          </p:cNvPicPr>
+          <p:nvPr/>
+        </p:nvPicPr>
+        <p:blipFill>
+          <a:blip r:embed="rId4"/>
+          <a:stretch>
+            <a:fillRect/>
+          </a:stretch>
+        </p:blipFill>
+        <p:spPr>
+          <a:xfrm>
+            <a:off x="3492117" y="2919452"/>
+            <a:ext cx="8247301" cy="1440978"/>
           </a:xfrm>
           <a:prstGeom prst="rect">
             <a:avLst/>
@@ -25331,6 +17307,91 @@
           </a:p>
         </p:txBody>
       </p:sp>
+      <p:pic>
+        <p:nvPicPr>
+          <p:cNvPr id="5" name="图片 4"/>
+          <p:cNvPicPr>
+            <a:picLocks noChangeAspect="1"/>
+          </p:cNvPicPr>
+          <p:nvPr/>
+        </p:nvPicPr>
+        <p:blipFill>
+          <a:blip r:embed="rId2"/>
+          <a:stretch>
+            <a:fillRect/>
+          </a:stretch>
+        </p:blipFill>
+        <p:spPr>
+          <a:xfrm>
+            <a:off x="3485764" y="794328"/>
+            <a:ext cx="8298999" cy="3063150"/>
+          </a:xfrm>
+          <a:prstGeom prst="rect">
+            <a:avLst/>
+          </a:prstGeom>
+        </p:spPr>
+      </p:pic>
+      <p:pic>
+        <p:nvPicPr>
+          <p:cNvPr id="8" name="图片 7"/>
+          <p:cNvPicPr>
+            <a:picLocks noChangeAspect="1"/>
+          </p:cNvPicPr>
+          <p:nvPr/>
+        </p:nvPicPr>
+        <p:blipFill>
+          <a:blip r:embed="rId3"/>
+          <a:stretch>
+            <a:fillRect/>
+          </a:stretch>
+        </p:blipFill>
+        <p:spPr>
+          <a:xfrm>
+            <a:off x="3785618" y="3784223"/>
+            <a:ext cx="6004568" cy="1332721"/>
+          </a:xfrm>
+          <a:prstGeom prst="rect">
+            <a:avLst/>
+          </a:prstGeom>
+        </p:spPr>
+      </p:pic>
+      <p:cxnSp>
+        <p:nvCxnSpPr>
+          <p:cNvPr id="10" name="连接符: 曲线 9"/>
+          <p:cNvCxnSpPr>
+            <a:cxnSpLocks/>
+          </p:cNvCxnSpPr>
+          <p:nvPr/>
+        </p:nvCxnSpPr>
+        <p:spPr>
+          <a:xfrm flipV="1">
+            <a:off x="7998694" y="4091710"/>
+            <a:ext cx="858980" cy="314035"/>
+          </a:xfrm>
+          <a:prstGeom prst="curvedConnector3">
+            <a:avLst>
+              <a:gd name="adj1" fmla="val 224194"/>
+            </a:avLst>
+          </a:prstGeom>
+          <a:ln>
+            <a:tailEnd type="triangle"/>
+          </a:ln>
+        </p:spPr>
+        <p:style>
+          <a:lnRef idx="1">
+            <a:schemeClr val="accent1"/>
+          </a:lnRef>
+          <a:fillRef idx="0">
+            <a:schemeClr val="accent1"/>
+          </a:fillRef>
+          <a:effectRef idx="0">
+            <a:schemeClr val="accent1"/>
+          </a:effectRef>
+          <a:fontRef idx="minor">
+            <a:schemeClr val="tx1"/>
+          </a:fontRef>
+        </p:style>
+      </p:cxnSp>
     </p:spTree>
     <p:extLst>
       <p:ext uri="{BB962C8B-B14F-4D97-AF65-F5344CB8AC3E}">
@@ -25379,59 +17440,39 @@
             <a:pPr algn="ctr"/>
             <a:r>
               <a:rPr lang="zh-CN" altLang="en-US" dirty="0"/>
-              <a:t>需求分析</a:t>
+              <a:t>模块划分</a:t>
             </a:r>
           </a:p>
         </p:txBody>
       </p:sp>
-      <p:graphicFrame>
-        <p:nvGraphicFramePr>
-          <p:cNvPr id="5" name="图示 4"/>
-          <p:cNvGraphicFramePr/>
-          <p:nvPr>
-            <p:extLst>
-              <p:ext uri="{D42A27DB-BD31-4B8C-83A1-F6EECF244321}">
-                <p14:modId xmlns:p14="http://schemas.microsoft.com/office/powerpoint/2010/main" val="2143370641"/>
-              </p:ext>
-            </p:extLst>
-          </p:nvPr>
-        </p:nvGraphicFramePr>
-        <p:xfrm>
-          <a:off x="4193310" y="729673"/>
-          <a:ext cx="6410036" cy="4346478"/>
-        </p:xfrm>
-        <a:graphic>
-          <a:graphicData uri="http://schemas.openxmlformats.org/drawingml/2006/diagram">
-            <dgm:relIds xmlns:dgm="http://schemas.openxmlformats.org/drawingml/2006/diagram" xmlns:r="http://schemas.openxmlformats.org/officeDocument/2006/relationships" r:dm="rId2" r:lo="rId3" r:qs="rId4" r:cs="rId5"/>
-          </a:graphicData>
-        </a:graphic>
-      </p:graphicFrame>
-      <p:graphicFrame>
-        <p:nvGraphicFramePr>
-          <p:cNvPr id="6" name="图示 5"/>
-          <p:cNvGraphicFramePr/>
-          <p:nvPr>
-            <p:extLst>
-              <p:ext uri="{D42A27DB-BD31-4B8C-83A1-F6EECF244321}">
-                <p14:modId xmlns:p14="http://schemas.microsoft.com/office/powerpoint/2010/main" val="2195983544"/>
-              </p:ext>
-            </p:extLst>
-          </p:nvPr>
-        </p:nvGraphicFramePr>
-        <p:xfrm>
-          <a:off x="5837382" y="5080000"/>
-          <a:ext cx="4802909" cy="1376219"/>
-        </p:xfrm>
-        <a:graphic>
-          <a:graphicData uri="http://schemas.openxmlformats.org/drawingml/2006/diagram">
-            <dgm:relIds xmlns:dgm="http://schemas.openxmlformats.org/drawingml/2006/diagram" xmlns:r="http://schemas.openxmlformats.org/officeDocument/2006/relationships" r:dm="rId7" r:lo="rId8" r:qs="rId9" r:cs="rId10"/>
-          </a:graphicData>
-        </a:graphic>
-      </p:graphicFrame>
+      <p:pic>
+        <p:nvPicPr>
+          <p:cNvPr id="4" name="图片 3"/>
+          <p:cNvPicPr>
+            <a:picLocks noChangeAspect="1"/>
+          </p:cNvPicPr>
+          <p:nvPr/>
+        </p:nvPicPr>
+        <p:blipFill>
+          <a:blip r:embed="rId2"/>
+          <a:stretch>
+            <a:fillRect/>
+          </a:stretch>
+        </p:blipFill>
+        <p:spPr>
+          <a:xfrm>
+            <a:off x="2829415" y="704035"/>
+            <a:ext cx="5997460" cy="5486875"/>
+          </a:xfrm>
+          <a:prstGeom prst="rect">
+            <a:avLst/>
+          </a:prstGeom>
+        </p:spPr>
+      </p:pic>
     </p:spTree>
     <p:extLst>
       <p:ext uri="{BB962C8B-B14F-4D97-AF65-F5344CB8AC3E}">
-        <p14:creationId xmlns:p14="http://schemas.microsoft.com/office/powerpoint/2010/main" val="2585667950"/>
+        <p14:creationId xmlns:p14="http://schemas.microsoft.com/office/powerpoint/2010/main" val="297982576"/>
       </p:ext>
     </p:extLst>
   </p:cSld>
